--- a/chapter5/ASE_5_Team_and_Process.pptx
+++ b/chapter5/ASE_5_Team_and_Process.pptx
@@ -5,7 +5,7 @@
     <p:sldMasterId id="2147483684" r:id="rId4"/>
   </p:sldMasterIdLst>
   <p:notesMasterIdLst>
-    <p:notesMasterId r:id="rId34"/>
+    <p:notesMasterId r:id="rId57"/>
   </p:notesMasterIdLst>
   <p:sldIdLst>
     <p:sldId id="256" r:id="rId5"/>
@@ -32,11 +32,34 @@
     <p:sldId id="279" r:id="rId26"/>
     <p:sldId id="268" r:id="rId27"/>
     <p:sldId id="272" r:id="rId28"/>
-    <p:sldId id="287" r:id="rId29"/>
-    <p:sldId id="275" r:id="rId30"/>
-    <p:sldId id="336" r:id="rId31"/>
-    <p:sldId id="281" r:id="rId32"/>
-    <p:sldId id="374" r:id="rId33"/>
+    <p:sldId id="324" r:id="rId29"/>
+    <p:sldId id="325" r:id="rId30"/>
+    <p:sldId id="326" r:id="rId31"/>
+    <p:sldId id="327" r:id="rId32"/>
+    <p:sldId id="328" r:id="rId33"/>
+    <p:sldId id="329" r:id="rId34"/>
+    <p:sldId id="332" r:id="rId35"/>
+    <p:sldId id="333" r:id="rId36"/>
+    <p:sldId id="334" r:id="rId37"/>
+    <p:sldId id="330" r:id="rId38"/>
+    <p:sldId id="331" r:id="rId39"/>
+    <p:sldId id="344" r:id="rId40"/>
+    <p:sldId id="345" r:id="rId41"/>
+    <p:sldId id="346" r:id="rId42"/>
+    <p:sldId id="347" r:id="rId43"/>
+    <p:sldId id="348" r:id="rId44"/>
+    <p:sldId id="349" r:id="rId45"/>
+    <p:sldId id="335" r:id="rId46"/>
+    <p:sldId id="350" r:id="rId47"/>
+    <p:sldId id="351" r:id="rId48"/>
+    <p:sldId id="323" r:id="rId49"/>
+    <p:sldId id="337" r:id="rId50"/>
+    <p:sldId id="343" r:id="rId51"/>
+    <p:sldId id="287" r:id="rId52"/>
+    <p:sldId id="275" r:id="rId53"/>
+    <p:sldId id="336" r:id="rId54"/>
+    <p:sldId id="281" r:id="rId55"/>
+    <p:sldId id="374" r:id="rId56"/>
   </p:sldIdLst>
   <p:sldSz cx="12192000" cy="6858000"/>
   <p:notesSz cx="6858000" cy="9144000"/>
@@ -157,7 +180,7 @@
 <file path=ppt/revisionInfo.xml><?xml version="1.0" encoding="utf-8"?>
 <p1510:revInfo xmlns:a="http://schemas.openxmlformats.org/drawingml/2006/main" xmlns:r="http://schemas.openxmlformats.org/officeDocument/2006/relationships" xmlns:p1510="http://schemas.microsoft.com/office/powerpoint/2015/10/main">
   <p1510:revLst>
-    <p1510:client id="{2908D8BF-1E25-48E2-8C59-157AF534B0FC}" v="73" dt="2018-10-08T05:57:13.571"/>
+    <p1510:client id="{2908D8BF-1E25-48E2-8C59-157AF534B0FC}" v="74" dt="2018-10-08T17:31:57.842"/>
   </p1510:revLst>
 </p1510:revInfo>
 </file>
@@ -166,8 +189,8 @@
 <pc:chgInfo xmlns:a="http://schemas.openxmlformats.org/drawingml/2006/main" xmlns:r="http://schemas.openxmlformats.org/officeDocument/2006/relationships" xmlns:ac="http://schemas.microsoft.com/office/drawing/2013/main/command" xmlns:pc="http://schemas.microsoft.com/office/powerpoint/2013/main/command">
   <pc:docChgLst>
     <pc:chgData name="Xin Zou" userId="260b9726081dae15" providerId="LiveId" clId="{2908D8BF-1E25-48E2-8C59-157AF534B0FC}"/>
-    <pc:docChg chg="custSel addSld modSld modMainMaster">
-      <pc:chgData name="Xin Zou" userId="260b9726081dae15" providerId="LiveId" clId="{2908D8BF-1E25-48E2-8C59-157AF534B0FC}" dt="2018-10-08T05:57:13.571" v="451"/>
+    <pc:docChg chg="custSel addSld delSld modSld modMainMaster">
+      <pc:chgData name="Xin Zou" userId="260b9726081dae15" providerId="LiveId" clId="{2908D8BF-1E25-48E2-8C59-157AF534B0FC}" dt="2018-10-08T17:32:14.985" v="462" actId="1076"/>
       <pc:docMkLst>
         <pc:docMk/>
       </pc:docMkLst>
@@ -484,13 +507,13 @@
         </pc:picChg>
       </pc:sldChg>
       <pc:sldChg chg="modSp">
-        <pc:chgData name="Xin Zou" userId="260b9726081dae15" providerId="LiveId" clId="{2908D8BF-1E25-48E2-8C59-157AF534B0FC}" dt="2018-10-08T05:47:38.522" v="420" actId="27636"/>
+        <pc:chgData name="Xin Zou" userId="260b9726081dae15" providerId="LiveId" clId="{2908D8BF-1E25-48E2-8C59-157AF534B0FC}" dt="2018-10-08T17:32:14.985" v="462" actId="1076"/>
         <pc:sldMkLst>
           <pc:docMk/>
           <pc:sldMk cId="1972928947" sldId="287"/>
         </pc:sldMkLst>
         <pc:spChg chg="mod">
-          <ac:chgData name="Xin Zou" userId="260b9726081dae15" providerId="LiveId" clId="{2908D8BF-1E25-48E2-8C59-157AF534B0FC}" dt="2018-10-08T05:47:38.522" v="420" actId="27636"/>
+          <ac:chgData name="Xin Zou" userId="260b9726081dae15" providerId="LiveId" clId="{2908D8BF-1E25-48E2-8C59-157AF534B0FC}" dt="2018-10-08T17:32:14.985" v="462" actId="1076"/>
           <ac:spMkLst>
             <pc:docMk/>
             <pc:sldMk cId="1972928947" sldId="287"/>
@@ -522,11 +545,236 @@
         </pc:picChg>
       </pc:sldChg>
       <pc:sldChg chg="add">
+        <pc:chgData name="Xin Zou" userId="260b9726081dae15" providerId="LiveId" clId="{2908D8BF-1E25-48E2-8C59-157AF534B0FC}" dt="2018-10-08T17:31:57.838" v="452"/>
+        <pc:sldMkLst>
+          <pc:docMk/>
+          <pc:sldMk cId="966694093" sldId="323"/>
+        </pc:sldMkLst>
+      </pc:sldChg>
+      <pc:sldChg chg="add">
+        <pc:chgData name="Xin Zou" userId="260b9726081dae15" providerId="LiveId" clId="{2908D8BF-1E25-48E2-8C59-157AF534B0FC}" dt="2018-10-08T17:31:57.838" v="452"/>
+        <pc:sldMkLst>
+          <pc:docMk/>
+          <pc:sldMk cId="3910419683" sldId="324"/>
+        </pc:sldMkLst>
+      </pc:sldChg>
+      <pc:sldChg chg="add">
+        <pc:chgData name="Xin Zou" userId="260b9726081dae15" providerId="LiveId" clId="{2908D8BF-1E25-48E2-8C59-157AF534B0FC}" dt="2018-10-08T17:31:57.838" v="452"/>
+        <pc:sldMkLst>
+          <pc:docMk/>
+          <pc:sldMk cId="2971325095" sldId="325"/>
+        </pc:sldMkLst>
+      </pc:sldChg>
+      <pc:sldChg chg="modSp add">
+        <pc:chgData name="Xin Zou" userId="260b9726081dae15" providerId="LiveId" clId="{2908D8BF-1E25-48E2-8C59-157AF534B0FC}" dt="2018-10-08T17:31:58.068" v="453" actId="27636"/>
+        <pc:sldMkLst>
+          <pc:docMk/>
+          <pc:sldMk cId="1437463544" sldId="326"/>
+        </pc:sldMkLst>
+        <pc:spChg chg="mod">
+          <ac:chgData name="Xin Zou" userId="260b9726081dae15" providerId="LiveId" clId="{2908D8BF-1E25-48E2-8C59-157AF534B0FC}" dt="2018-10-08T17:31:58.068" v="453" actId="27636"/>
+          <ac:spMkLst>
+            <pc:docMk/>
+            <pc:sldMk cId="1437463544" sldId="326"/>
+            <ac:spMk id="6" creationId="{00000000-0000-0000-0000-000000000000}"/>
+          </ac:spMkLst>
+        </pc:spChg>
+      </pc:sldChg>
+      <pc:sldChg chg="add">
+        <pc:chgData name="Xin Zou" userId="260b9726081dae15" providerId="LiveId" clId="{2908D8BF-1E25-48E2-8C59-157AF534B0FC}" dt="2018-10-08T17:31:57.838" v="452"/>
+        <pc:sldMkLst>
+          <pc:docMk/>
+          <pc:sldMk cId="2631900907" sldId="327"/>
+        </pc:sldMkLst>
+      </pc:sldChg>
+      <pc:sldChg chg="modSp add">
+        <pc:chgData name="Xin Zou" userId="260b9726081dae15" providerId="LiveId" clId="{2908D8BF-1E25-48E2-8C59-157AF534B0FC}" dt="2018-10-08T17:31:58.093" v="454" actId="27636"/>
+        <pc:sldMkLst>
+          <pc:docMk/>
+          <pc:sldMk cId="1132296088" sldId="328"/>
+        </pc:sldMkLst>
+        <pc:spChg chg="mod">
+          <ac:chgData name="Xin Zou" userId="260b9726081dae15" providerId="LiveId" clId="{2908D8BF-1E25-48E2-8C59-157AF534B0FC}" dt="2018-10-08T17:31:58.093" v="454" actId="27636"/>
+          <ac:spMkLst>
+            <pc:docMk/>
+            <pc:sldMk cId="1132296088" sldId="328"/>
+            <ac:spMk id="3" creationId="{00000000-0000-0000-0000-000000000000}"/>
+          </ac:spMkLst>
+        </pc:spChg>
+      </pc:sldChg>
+      <pc:sldChg chg="modSp add">
+        <pc:chgData name="Xin Zou" userId="260b9726081dae15" providerId="LiveId" clId="{2908D8BF-1E25-48E2-8C59-157AF534B0FC}" dt="2018-10-08T17:31:58.134" v="455" actId="27636"/>
+        <pc:sldMkLst>
+          <pc:docMk/>
+          <pc:sldMk cId="1478526336" sldId="329"/>
+        </pc:sldMkLst>
+        <pc:spChg chg="mod">
+          <ac:chgData name="Xin Zou" userId="260b9726081dae15" providerId="LiveId" clId="{2908D8BF-1E25-48E2-8C59-157AF534B0FC}" dt="2018-10-08T17:31:58.134" v="455" actId="27636"/>
+          <ac:spMkLst>
+            <pc:docMk/>
+            <pc:sldMk cId="1478526336" sldId="329"/>
+            <ac:spMk id="3" creationId="{00000000-0000-0000-0000-000000000000}"/>
+          </ac:spMkLst>
+        </pc:spChg>
+      </pc:sldChg>
+      <pc:sldChg chg="add">
+        <pc:chgData name="Xin Zou" userId="260b9726081dae15" providerId="LiveId" clId="{2908D8BF-1E25-48E2-8C59-157AF534B0FC}" dt="2018-10-08T17:31:57.838" v="452"/>
+        <pc:sldMkLst>
+          <pc:docMk/>
+          <pc:sldMk cId="2918564275" sldId="330"/>
+        </pc:sldMkLst>
+      </pc:sldChg>
+      <pc:sldChg chg="modSp add">
+        <pc:chgData name="Xin Zou" userId="260b9726081dae15" providerId="LiveId" clId="{2908D8BF-1E25-48E2-8C59-157AF534B0FC}" dt="2018-10-08T17:31:58.214" v="457" actId="27636"/>
+        <pc:sldMkLst>
+          <pc:docMk/>
+          <pc:sldMk cId="2016910119" sldId="331"/>
+        </pc:sldMkLst>
+        <pc:spChg chg="mod">
+          <ac:chgData name="Xin Zou" userId="260b9726081dae15" providerId="LiveId" clId="{2908D8BF-1E25-48E2-8C59-157AF534B0FC}" dt="2018-10-08T17:31:58.214" v="457" actId="27636"/>
+          <ac:spMkLst>
+            <pc:docMk/>
+            <pc:sldMk cId="2016910119" sldId="331"/>
+            <ac:spMk id="3" creationId="{00000000-0000-0000-0000-000000000000}"/>
+          </ac:spMkLst>
+        </pc:spChg>
+      </pc:sldChg>
+      <pc:sldChg chg="add">
+        <pc:chgData name="Xin Zou" userId="260b9726081dae15" providerId="LiveId" clId="{2908D8BF-1E25-48E2-8C59-157AF534B0FC}" dt="2018-10-08T17:31:57.838" v="452"/>
+        <pc:sldMkLst>
+          <pc:docMk/>
+          <pc:sldMk cId="3372520156" sldId="332"/>
+        </pc:sldMkLst>
+      </pc:sldChg>
+      <pc:sldChg chg="modSp add">
+        <pc:chgData name="Xin Zou" userId="260b9726081dae15" providerId="LiveId" clId="{2908D8BF-1E25-48E2-8C59-157AF534B0FC}" dt="2018-10-08T17:31:58.150" v="456" actId="27636"/>
+        <pc:sldMkLst>
+          <pc:docMk/>
+          <pc:sldMk cId="240750047" sldId="333"/>
+        </pc:sldMkLst>
+        <pc:spChg chg="mod">
+          <ac:chgData name="Xin Zou" userId="260b9726081dae15" providerId="LiveId" clId="{2908D8BF-1E25-48E2-8C59-157AF534B0FC}" dt="2018-10-08T17:31:58.150" v="456" actId="27636"/>
+          <ac:spMkLst>
+            <pc:docMk/>
+            <pc:sldMk cId="240750047" sldId="333"/>
+            <ac:spMk id="3" creationId="{00000000-0000-0000-0000-000000000000}"/>
+          </ac:spMkLst>
+        </pc:spChg>
+      </pc:sldChg>
+      <pc:sldChg chg="add">
+        <pc:chgData name="Xin Zou" userId="260b9726081dae15" providerId="LiveId" clId="{2908D8BF-1E25-48E2-8C59-157AF534B0FC}" dt="2018-10-08T17:31:57.838" v="452"/>
+        <pc:sldMkLst>
+          <pc:docMk/>
+          <pc:sldMk cId="3182406661" sldId="334"/>
+        </pc:sldMkLst>
+      </pc:sldChg>
+      <pc:sldChg chg="modSp add">
+        <pc:chgData name="Xin Zou" userId="260b9726081dae15" providerId="LiveId" clId="{2908D8BF-1E25-48E2-8C59-157AF534B0FC}" dt="2018-10-08T17:31:58.255" v="458" actId="27636"/>
+        <pc:sldMkLst>
+          <pc:docMk/>
+          <pc:sldMk cId="3666095403" sldId="335"/>
+        </pc:sldMkLst>
+        <pc:spChg chg="mod">
+          <ac:chgData name="Xin Zou" userId="260b9726081dae15" providerId="LiveId" clId="{2908D8BF-1E25-48E2-8C59-157AF534B0FC}" dt="2018-10-08T17:31:58.255" v="458" actId="27636"/>
+          <ac:spMkLst>
+            <pc:docMk/>
+            <pc:sldMk cId="3666095403" sldId="335"/>
+            <ac:spMk id="3" creationId="{00000000-0000-0000-0000-000000000000}"/>
+          </ac:spMkLst>
+        </pc:spChg>
+      </pc:sldChg>
+      <pc:sldChg chg="add">
         <pc:chgData name="Xin Zou" userId="260b9726081dae15" providerId="LiveId" clId="{2908D8BF-1E25-48E2-8C59-157AF534B0FC}" dt="2018-10-06T05:17:55.764" v="413"/>
         <pc:sldMkLst>
           <pc:docMk/>
           <pc:sldMk cId="2509694523" sldId="336"/>
         </pc:sldMkLst>
+      </pc:sldChg>
+      <pc:sldChg chg="add">
+        <pc:chgData name="Xin Zou" userId="260b9726081dae15" providerId="LiveId" clId="{2908D8BF-1E25-48E2-8C59-157AF534B0FC}" dt="2018-10-08T17:31:57.838" v="452"/>
+        <pc:sldMkLst>
+          <pc:docMk/>
+          <pc:sldMk cId="1999221925" sldId="337"/>
+        </pc:sldMkLst>
+      </pc:sldChg>
+      <pc:sldChg chg="add">
+        <pc:chgData name="Xin Zou" userId="260b9726081dae15" providerId="LiveId" clId="{2908D8BF-1E25-48E2-8C59-157AF534B0FC}" dt="2018-10-08T17:31:57.838" v="452"/>
+        <pc:sldMkLst>
+          <pc:docMk/>
+          <pc:sldMk cId="3494808658" sldId="343"/>
+        </pc:sldMkLst>
+      </pc:sldChg>
+      <pc:sldChg chg="add">
+        <pc:chgData name="Xin Zou" userId="260b9726081dae15" providerId="LiveId" clId="{2908D8BF-1E25-48E2-8C59-157AF534B0FC}" dt="2018-10-08T17:31:57.838" v="452"/>
+        <pc:sldMkLst>
+          <pc:docMk/>
+          <pc:sldMk cId="385151214" sldId="344"/>
+        </pc:sldMkLst>
+      </pc:sldChg>
+      <pc:sldChg chg="add">
+        <pc:chgData name="Xin Zou" userId="260b9726081dae15" providerId="LiveId" clId="{2908D8BF-1E25-48E2-8C59-157AF534B0FC}" dt="2018-10-08T17:31:57.838" v="452"/>
+        <pc:sldMkLst>
+          <pc:docMk/>
+          <pc:sldMk cId="256773362" sldId="345"/>
+        </pc:sldMkLst>
+      </pc:sldChg>
+      <pc:sldChg chg="add">
+        <pc:chgData name="Xin Zou" userId="260b9726081dae15" providerId="LiveId" clId="{2908D8BF-1E25-48E2-8C59-157AF534B0FC}" dt="2018-10-08T17:31:57.838" v="452"/>
+        <pc:sldMkLst>
+          <pc:docMk/>
+          <pc:sldMk cId="625389776" sldId="346"/>
+        </pc:sldMkLst>
+      </pc:sldChg>
+      <pc:sldChg chg="add">
+        <pc:chgData name="Xin Zou" userId="260b9726081dae15" providerId="LiveId" clId="{2908D8BF-1E25-48E2-8C59-157AF534B0FC}" dt="2018-10-08T17:31:57.838" v="452"/>
+        <pc:sldMkLst>
+          <pc:docMk/>
+          <pc:sldMk cId="2736172836" sldId="347"/>
+        </pc:sldMkLst>
+      </pc:sldChg>
+      <pc:sldChg chg="add">
+        <pc:chgData name="Xin Zou" userId="260b9726081dae15" providerId="LiveId" clId="{2908D8BF-1E25-48E2-8C59-157AF534B0FC}" dt="2018-10-08T17:31:57.838" v="452"/>
+        <pc:sldMkLst>
+          <pc:docMk/>
+          <pc:sldMk cId="2083371263" sldId="348"/>
+        </pc:sldMkLst>
+      </pc:sldChg>
+      <pc:sldChg chg="add">
+        <pc:chgData name="Xin Zou" userId="260b9726081dae15" providerId="LiveId" clId="{2908D8BF-1E25-48E2-8C59-157AF534B0FC}" dt="2018-10-08T17:31:57.838" v="452"/>
+        <pc:sldMkLst>
+          <pc:docMk/>
+          <pc:sldMk cId="2998380460" sldId="349"/>
+        </pc:sldMkLst>
+      </pc:sldChg>
+      <pc:sldChg chg="modSp add">
+        <pc:chgData name="Xin Zou" userId="260b9726081dae15" providerId="LiveId" clId="{2908D8BF-1E25-48E2-8C59-157AF534B0FC}" dt="2018-10-08T17:31:58.282" v="459" actId="27636"/>
+        <pc:sldMkLst>
+          <pc:docMk/>
+          <pc:sldMk cId="2203527375" sldId="350"/>
+        </pc:sldMkLst>
+        <pc:spChg chg="mod">
+          <ac:chgData name="Xin Zou" userId="260b9726081dae15" providerId="LiveId" clId="{2908D8BF-1E25-48E2-8C59-157AF534B0FC}" dt="2018-10-08T17:31:58.282" v="459" actId="27636"/>
+          <ac:spMkLst>
+            <pc:docMk/>
+            <pc:sldMk cId="2203527375" sldId="350"/>
+            <ac:spMk id="3" creationId="{00000000-0000-0000-0000-000000000000}"/>
+          </ac:spMkLst>
+        </pc:spChg>
+      </pc:sldChg>
+      <pc:sldChg chg="modSp add">
+        <pc:chgData name="Xin Zou" userId="260b9726081dae15" providerId="LiveId" clId="{2908D8BF-1E25-48E2-8C59-157AF534B0FC}" dt="2018-10-08T17:31:58.305" v="460" actId="27636"/>
+        <pc:sldMkLst>
+          <pc:docMk/>
+          <pc:sldMk cId="2856180883" sldId="351"/>
+        </pc:sldMkLst>
+        <pc:spChg chg="mod">
+          <ac:chgData name="Xin Zou" userId="260b9726081dae15" providerId="LiveId" clId="{2908D8BF-1E25-48E2-8C59-157AF534B0FC}" dt="2018-10-08T17:31:58.305" v="460" actId="27636"/>
+          <ac:spMkLst>
+            <pc:docMk/>
+            <pc:sldMk cId="2856180883" sldId="351"/>
+            <ac:spMk id="3" creationId="{00000000-0000-0000-0000-000000000000}"/>
+          </ac:spMkLst>
+        </pc:spChg>
       </pc:sldChg>
       <pc:sldChg chg="add">
         <pc:chgData name="Xin Zou" userId="260b9726081dae15" providerId="LiveId" clId="{2908D8BF-1E25-48E2-8C59-157AF534B0FC}" dt="2018-10-08T05:47:33.145" v="414"/>
@@ -535,9 +783,4348 @@
           <pc:sldMk cId="161325156" sldId="374"/>
         </pc:sldMkLst>
       </pc:sldChg>
+      <pc:sldChg chg="add del">
+        <pc:chgData name="Xin Zou" userId="260b9726081dae15" providerId="LiveId" clId="{2908D8BF-1E25-48E2-8C59-157AF534B0FC}" dt="2018-10-08T17:32:09.877" v="461" actId="2696"/>
+        <pc:sldMkLst>
+          <pc:docMk/>
+          <pc:sldMk cId="2852432313" sldId="375"/>
+        </pc:sldMkLst>
+      </pc:sldChg>
     </pc:docChg>
   </pc:docChgLst>
 </pc:chgInfo>
+</file>
+
+<file path=ppt/diagrams/colors1.xml><?xml version="1.0" encoding="utf-8"?>
+<dgm:colorsDef xmlns:dgm="http://schemas.openxmlformats.org/drawingml/2006/diagram" xmlns:a="http://schemas.openxmlformats.org/drawingml/2006/main" uniqueId="urn:microsoft.com/office/officeart/2005/8/colors/accent1_2">
+  <dgm:title val=""/>
+  <dgm:desc val=""/>
+  <dgm:catLst>
+    <dgm:cat type="accent1" pri="11200"/>
+  </dgm:catLst>
+  <dgm:styleLbl name="node0">
+    <dgm:fillClrLst meth="repeat">
+      <a:schemeClr val="accent1"/>
+    </dgm:fillClrLst>
+    <dgm:linClrLst meth="repeat">
+      <a:schemeClr val="lt1"/>
+    </dgm:linClrLst>
+    <dgm:effectClrLst/>
+    <dgm:txLinClrLst/>
+    <dgm:txFillClrLst/>
+    <dgm:txEffectClrLst/>
+  </dgm:styleLbl>
+  <dgm:styleLbl name="alignNode1">
+    <dgm:fillClrLst meth="repeat">
+      <a:schemeClr val="accent1"/>
+    </dgm:fillClrLst>
+    <dgm:linClrLst meth="repeat">
+      <a:schemeClr val="accent1"/>
+    </dgm:linClrLst>
+    <dgm:effectClrLst/>
+    <dgm:txLinClrLst/>
+    <dgm:txFillClrLst/>
+    <dgm:txEffectClrLst/>
+  </dgm:styleLbl>
+  <dgm:styleLbl name="node1">
+    <dgm:fillClrLst meth="repeat">
+      <a:schemeClr val="accent1"/>
+    </dgm:fillClrLst>
+    <dgm:linClrLst meth="repeat">
+      <a:schemeClr val="lt1"/>
+    </dgm:linClrLst>
+    <dgm:effectClrLst/>
+    <dgm:txLinClrLst/>
+    <dgm:txFillClrLst/>
+    <dgm:txEffectClrLst/>
+  </dgm:styleLbl>
+  <dgm:styleLbl name="lnNode1">
+    <dgm:fillClrLst meth="repeat">
+      <a:schemeClr val="accent1"/>
+    </dgm:fillClrLst>
+    <dgm:linClrLst meth="repeat">
+      <a:schemeClr val="lt1"/>
+    </dgm:linClrLst>
+    <dgm:effectClrLst/>
+    <dgm:txLinClrLst/>
+    <dgm:txFillClrLst/>
+    <dgm:txEffectClrLst/>
+  </dgm:styleLbl>
+  <dgm:styleLbl name="vennNode1">
+    <dgm:fillClrLst meth="repeat">
+      <a:schemeClr val="accent1">
+        <a:alpha val="50000"/>
+      </a:schemeClr>
+    </dgm:fillClrLst>
+    <dgm:linClrLst meth="repeat">
+      <a:schemeClr val="lt1"/>
+    </dgm:linClrLst>
+    <dgm:effectClrLst/>
+    <dgm:txLinClrLst/>
+    <dgm:txFillClrLst/>
+    <dgm:txEffectClrLst/>
+  </dgm:styleLbl>
+  <dgm:styleLbl name="node2">
+    <dgm:fillClrLst meth="repeat">
+      <a:schemeClr val="accent1"/>
+    </dgm:fillClrLst>
+    <dgm:linClrLst meth="repeat">
+      <a:schemeClr val="lt1"/>
+    </dgm:linClrLst>
+    <dgm:effectClrLst/>
+    <dgm:txLinClrLst/>
+    <dgm:txFillClrLst/>
+    <dgm:txEffectClrLst/>
+  </dgm:styleLbl>
+  <dgm:styleLbl name="node3">
+    <dgm:fillClrLst meth="repeat">
+      <a:schemeClr val="accent1"/>
+    </dgm:fillClrLst>
+    <dgm:linClrLst meth="repeat">
+      <a:schemeClr val="lt1"/>
+    </dgm:linClrLst>
+    <dgm:effectClrLst/>
+    <dgm:txLinClrLst/>
+    <dgm:txFillClrLst/>
+    <dgm:txEffectClrLst/>
+  </dgm:styleLbl>
+  <dgm:styleLbl name="node4">
+    <dgm:fillClrLst meth="repeat">
+      <a:schemeClr val="accent1"/>
+    </dgm:fillClrLst>
+    <dgm:linClrLst meth="repeat">
+      <a:schemeClr val="lt1"/>
+    </dgm:linClrLst>
+    <dgm:effectClrLst/>
+    <dgm:txLinClrLst/>
+    <dgm:txFillClrLst/>
+    <dgm:txEffectClrLst/>
+  </dgm:styleLbl>
+  <dgm:styleLbl name="fgImgPlace1">
+    <dgm:fillClrLst meth="repeat">
+      <a:schemeClr val="accent1">
+        <a:tint val="50000"/>
+      </a:schemeClr>
+    </dgm:fillClrLst>
+    <dgm:linClrLst meth="repeat">
+      <a:schemeClr val="lt1"/>
+    </dgm:linClrLst>
+    <dgm:effectClrLst/>
+    <dgm:txLinClrLst/>
+    <dgm:txFillClrLst meth="repeat">
+      <a:schemeClr val="lt1"/>
+    </dgm:txFillClrLst>
+    <dgm:txEffectClrLst/>
+  </dgm:styleLbl>
+  <dgm:styleLbl name="alignImgPlace1">
+    <dgm:fillClrLst meth="repeat">
+      <a:schemeClr val="accent1">
+        <a:tint val="50000"/>
+      </a:schemeClr>
+    </dgm:fillClrLst>
+    <dgm:linClrLst meth="repeat">
+      <a:schemeClr val="lt1"/>
+    </dgm:linClrLst>
+    <dgm:effectClrLst/>
+    <dgm:txLinClrLst/>
+    <dgm:txFillClrLst meth="repeat">
+      <a:schemeClr val="lt1"/>
+    </dgm:txFillClrLst>
+    <dgm:txEffectClrLst/>
+  </dgm:styleLbl>
+  <dgm:styleLbl name="bgImgPlace1">
+    <dgm:fillClrLst meth="repeat">
+      <a:schemeClr val="accent1">
+        <a:tint val="50000"/>
+      </a:schemeClr>
+    </dgm:fillClrLst>
+    <dgm:linClrLst meth="repeat">
+      <a:schemeClr val="lt1"/>
+    </dgm:linClrLst>
+    <dgm:effectClrLst/>
+    <dgm:txLinClrLst/>
+    <dgm:txFillClrLst meth="repeat">
+      <a:schemeClr val="lt1"/>
+    </dgm:txFillClrLst>
+    <dgm:txEffectClrLst/>
+  </dgm:styleLbl>
+  <dgm:styleLbl name="sibTrans2D1">
+    <dgm:fillClrLst meth="repeat">
+      <a:schemeClr val="accent1">
+        <a:tint val="60000"/>
+      </a:schemeClr>
+    </dgm:fillClrLst>
+    <dgm:linClrLst meth="repeat">
+      <a:schemeClr val="accent1">
+        <a:tint val="60000"/>
+      </a:schemeClr>
+    </dgm:linClrLst>
+    <dgm:effectClrLst/>
+    <dgm:txLinClrLst/>
+    <dgm:txFillClrLst/>
+    <dgm:txEffectClrLst/>
+  </dgm:styleLbl>
+  <dgm:styleLbl name="fgSibTrans2D1">
+    <dgm:fillClrLst meth="repeat">
+      <a:schemeClr val="accent1">
+        <a:tint val="60000"/>
+      </a:schemeClr>
+    </dgm:fillClrLst>
+    <dgm:linClrLst meth="repeat">
+      <a:schemeClr val="accent1">
+        <a:tint val="60000"/>
+      </a:schemeClr>
+    </dgm:linClrLst>
+    <dgm:effectClrLst/>
+    <dgm:txLinClrLst/>
+    <dgm:txFillClrLst/>
+    <dgm:txEffectClrLst/>
+  </dgm:styleLbl>
+  <dgm:styleLbl name="bgSibTrans2D1">
+    <dgm:fillClrLst meth="repeat">
+      <a:schemeClr val="accent1">
+        <a:tint val="60000"/>
+      </a:schemeClr>
+    </dgm:fillClrLst>
+    <dgm:linClrLst meth="repeat">
+      <a:schemeClr val="accent1">
+        <a:tint val="60000"/>
+      </a:schemeClr>
+    </dgm:linClrLst>
+    <dgm:effectClrLst/>
+    <dgm:txLinClrLst/>
+    <dgm:txFillClrLst/>
+    <dgm:txEffectClrLst/>
+  </dgm:styleLbl>
+  <dgm:styleLbl name="sibTrans1D1">
+    <dgm:fillClrLst meth="repeat">
+      <a:schemeClr val="accent1"/>
+    </dgm:fillClrLst>
+    <dgm:linClrLst meth="repeat">
+      <a:schemeClr val="accent1"/>
+    </dgm:linClrLst>
+    <dgm:effectClrLst/>
+    <dgm:txLinClrLst/>
+    <dgm:txFillClrLst meth="repeat">
+      <a:schemeClr val="tx1"/>
+    </dgm:txFillClrLst>
+    <dgm:txEffectClrLst/>
+  </dgm:styleLbl>
+  <dgm:styleLbl name="callout">
+    <dgm:fillClrLst meth="repeat">
+      <a:schemeClr val="accent1"/>
+    </dgm:fillClrLst>
+    <dgm:linClrLst meth="repeat">
+      <a:schemeClr val="accent1">
+        <a:tint val="50000"/>
+      </a:schemeClr>
+    </dgm:linClrLst>
+    <dgm:effectClrLst/>
+    <dgm:txLinClrLst/>
+    <dgm:txFillClrLst meth="repeat">
+      <a:schemeClr val="tx1"/>
+    </dgm:txFillClrLst>
+    <dgm:txEffectClrLst/>
+  </dgm:styleLbl>
+  <dgm:styleLbl name="asst0">
+    <dgm:fillClrLst meth="repeat">
+      <a:schemeClr val="accent1"/>
+    </dgm:fillClrLst>
+    <dgm:linClrLst meth="repeat">
+      <a:schemeClr val="lt1"/>
+    </dgm:linClrLst>
+    <dgm:effectClrLst/>
+    <dgm:txLinClrLst/>
+    <dgm:txFillClrLst/>
+    <dgm:txEffectClrLst/>
+  </dgm:styleLbl>
+  <dgm:styleLbl name="asst1">
+    <dgm:fillClrLst meth="repeat">
+      <a:schemeClr val="accent1"/>
+    </dgm:fillClrLst>
+    <dgm:linClrLst meth="repeat">
+      <a:schemeClr val="lt1"/>
+    </dgm:linClrLst>
+    <dgm:effectClrLst/>
+    <dgm:txLinClrLst/>
+    <dgm:txFillClrLst/>
+    <dgm:txEffectClrLst/>
+  </dgm:styleLbl>
+  <dgm:styleLbl name="asst2">
+    <dgm:fillClrLst meth="repeat">
+      <a:schemeClr val="accent1"/>
+    </dgm:fillClrLst>
+    <dgm:linClrLst meth="repeat">
+      <a:schemeClr val="lt1"/>
+    </dgm:linClrLst>
+    <dgm:effectClrLst/>
+    <dgm:txLinClrLst/>
+    <dgm:txFillClrLst/>
+    <dgm:txEffectClrLst/>
+  </dgm:styleLbl>
+  <dgm:styleLbl name="asst3">
+    <dgm:fillClrLst meth="repeat">
+      <a:schemeClr val="accent1"/>
+    </dgm:fillClrLst>
+    <dgm:linClrLst meth="repeat">
+      <a:schemeClr val="lt1"/>
+    </dgm:linClrLst>
+    <dgm:effectClrLst/>
+    <dgm:txLinClrLst/>
+    <dgm:txFillClrLst/>
+    <dgm:txEffectClrLst/>
+  </dgm:styleLbl>
+  <dgm:styleLbl name="asst4">
+    <dgm:fillClrLst meth="repeat">
+      <a:schemeClr val="accent1"/>
+    </dgm:fillClrLst>
+    <dgm:linClrLst meth="repeat">
+      <a:schemeClr val="lt1"/>
+    </dgm:linClrLst>
+    <dgm:effectClrLst/>
+    <dgm:txLinClrLst/>
+    <dgm:txFillClrLst/>
+    <dgm:txEffectClrLst/>
+  </dgm:styleLbl>
+  <dgm:styleLbl name="parChTrans2D1">
+    <dgm:fillClrLst meth="repeat">
+      <a:schemeClr val="accent1">
+        <a:tint val="60000"/>
+      </a:schemeClr>
+    </dgm:fillClrLst>
+    <dgm:linClrLst meth="repeat">
+      <a:schemeClr val="accent1">
+        <a:tint val="60000"/>
+      </a:schemeClr>
+    </dgm:linClrLst>
+    <dgm:effectClrLst/>
+    <dgm:txLinClrLst/>
+    <dgm:txFillClrLst meth="repeat">
+      <a:schemeClr val="lt1"/>
+    </dgm:txFillClrLst>
+    <dgm:txEffectClrLst/>
+  </dgm:styleLbl>
+  <dgm:styleLbl name="parChTrans2D2">
+    <dgm:fillClrLst meth="repeat">
+      <a:schemeClr val="accent1"/>
+    </dgm:fillClrLst>
+    <dgm:linClrLst meth="repeat">
+      <a:schemeClr val="accent1"/>
+    </dgm:linClrLst>
+    <dgm:effectClrLst/>
+    <dgm:txLinClrLst/>
+    <dgm:txFillClrLst meth="repeat">
+      <a:schemeClr val="lt1"/>
+    </dgm:txFillClrLst>
+    <dgm:txEffectClrLst/>
+  </dgm:styleLbl>
+  <dgm:styleLbl name="parChTrans2D3">
+    <dgm:fillClrLst meth="repeat">
+      <a:schemeClr val="accent1"/>
+    </dgm:fillClrLst>
+    <dgm:linClrLst meth="repeat">
+      <a:schemeClr val="accent1"/>
+    </dgm:linClrLst>
+    <dgm:effectClrLst/>
+    <dgm:txLinClrLst/>
+    <dgm:txFillClrLst meth="repeat">
+      <a:schemeClr val="lt1"/>
+    </dgm:txFillClrLst>
+    <dgm:txEffectClrLst/>
+  </dgm:styleLbl>
+  <dgm:styleLbl name="parChTrans2D4">
+    <dgm:fillClrLst meth="repeat">
+      <a:schemeClr val="accent1"/>
+    </dgm:fillClrLst>
+    <dgm:linClrLst meth="repeat">
+      <a:schemeClr val="accent1"/>
+    </dgm:linClrLst>
+    <dgm:effectClrLst/>
+    <dgm:txLinClrLst/>
+    <dgm:txFillClrLst meth="repeat">
+      <a:schemeClr val="lt1"/>
+    </dgm:txFillClrLst>
+    <dgm:txEffectClrLst/>
+  </dgm:styleLbl>
+  <dgm:styleLbl name="parChTrans1D1">
+    <dgm:fillClrLst meth="repeat">
+      <a:schemeClr val="accent1"/>
+    </dgm:fillClrLst>
+    <dgm:linClrLst meth="repeat">
+      <a:schemeClr val="accent1">
+        <a:shade val="60000"/>
+      </a:schemeClr>
+    </dgm:linClrLst>
+    <dgm:effectClrLst/>
+    <dgm:txLinClrLst/>
+    <dgm:txFillClrLst meth="repeat">
+      <a:schemeClr val="tx1"/>
+    </dgm:txFillClrLst>
+    <dgm:txEffectClrLst/>
+  </dgm:styleLbl>
+  <dgm:styleLbl name="parChTrans1D2">
+    <dgm:fillClrLst meth="repeat">
+      <a:schemeClr val="accent1"/>
+    </dgm:fillClrLst>
+    <dgm:linClrLst meth="repeat">
+      <a:schemeClr val="accent1">
+        <a:shade val="60000"/>
+      </a:schemeClr>
+    </dgm:linClrLst>
+    <dgm:effectClrLst/>
+    <dgm:txLinClrLst/>
+    <dgm:txFillClrLst meth="repeat">
+      <a:schemeClr val="tx1"/>
+    </dgm:txFillClrLst>
+    <dgm:txEffectClrLst/>
+  </dgm:styleLbl>
+  <dgm:styleLbl name="parChTrans1D3">
+    <dgm:fillClrLst meth="repeat">
+      <a:schemeClr val="accent1"/>
+    </dgm:fillClrLst>
+    <dgm:linClrLst meth="repeat">
+      <a:schemeClr val="accent1">
+        <a:shade val="80000"/>
+      </a:schemeClr>
+    </dgm:linClrLst>
+    <dgm:effectClrLst/>
+    <dgm:txLinClrLst/>
+    <dgm:txFillClrLst meth="repeat">
+      <a:schemeClr val="tx1"/>
+    </dgm:txFillClrLst>
+    <dgm:txEffectClrLst/>
+  </dgm:styleLbl>
+  <dgm:styleLbl name="parChTrans1D4">
+    <dgm:fillClrLst meth="repeat">
+      <a:schemeClr val="accent1"/>
+    </dgm:fillClrLst>
+    <dgm:linClrLst meth="repeat">
+      <a:schemeClr val="accent1">
+        <a:shade val="80000"/>
+      </a:schemeClr>
+    </dgm:linClrLst>
+    <dgm:effectClrLst/>
+    <dgm:txLinClrLst/>
+    <dgm:txFillClrLst meth="repeat">
+      <a:schemeClr val="tx1"/>
+    </dgm:txFillClrLst>
+    <dgm:txEffectClrLst/>
+  </dgm:styleLbl>
+  <dgm:styleLbl name="fgAcc1">
+    <dgm:fillClrLst meth="repeat">
+      <a:schemeClr val="lt1">
+        <a:alpha val="90000"/>
+      </a:schemeClr>
+    </dgm:fillClrLst>
+    <dgm:linClrLst meth="repeat">
+      <a:schemeClr val="accent1"/>
+    </dgm:linClrLst>
+    <dgm:effectClrLst/>
+    <dgm:txLinClrLst/>
+    <dgm:txFillClrLst meth="repeat">
+      <a:schemeClr val="dk1"/>
+    </dgm:txFillClrLst>
+    <dgm:txEffectClrLst/>
+  </dgm:styleLbl>
+  <dgm:styleLbl name="conFgAcc1">
+    <dgm:fillClrLst meth="repeat">
+      <a:schemeClr val="lt1">
+        <a:alpha val="90000"/>
+      </a:schemeClr>
+    </dgm:fillClrLst>
+    <dgm:linClrLst meth="repeat">
+      <a:schemeClr val="accent1"/>
+    </dgm:linClrLst>
+    <dgm:effectClrLst/>
+    <dgm:txLinClrLst/>
+    <dgm:txFillClrLst meth="repeat">
+      <a:schemeClr val="dk1"/>
+    </dgm:txFillClrLst>
+    <dgm:txEffectClrLst/>
+  </dgm:styleLbl>
+  <dgm:styleLbl name="alignAcc1">
+    <dgm:fillClrLst meth="repeat">
+      <a:schemeClr val="lt1">
+        <a:alpha val="90000"/>
+      </a:schemeClr>
+    </dgm:fillClrLst>
+    <dgm:linClrLst meth="repeat">
+      <a:schemeClr val="accent1"/>
+    </dgm:linClrLst>
+    <dgm:effectClrLst/>
+    <dgm:txLinClrLst/>
+    <dgm:txFillClrLst meth="repeat">
+      <a:schemeClr val="dk1"/>
+    </dgm:txFillClrLst>
+    <dgm:txEffectClrLst/>
+  </dgm:styleLbl>
+  <dgm:styleLbl name="trAlignAcc1">
+    <dgm:fillClrLst meth="repeat">
+      <a:schemeClr val="lt1">
+        <a:alpha val="40000"/>
+      </a:schemeClr>
+    </dgm:fillClrLst>
+    <dgm:linClrLst meth="repeat">
+      <a:schemeClr val="accent1"/>
+    </dgm:linClrLst>
+    <dgm:effectClrLst/>
+    <dgm:txLinClrLst/>
+    <dgm:txFillClrLst meth="repeat">
+      <a:schemeClr val="dk1"/>
+    </dgm:txFillClrLst>
+    <dgm:txEffectClrLst/>
+  </dgm:styleLbl>
+  <dgm:styleLbl name="bgAcc1">
+    <dgm:fillClrLst meth="repeat">
+      <a:schemeClr val="lt1">
+        <a:alpha val="90000"/>
+      </a:schemeClr>
+    </dgm:fillClrLst>
+    <dgm:linClrLst meth="repeat">
+      <a:schemeClr val="accent1"/>
+    </dgm:linClrLst>
+    <dgm:effectClrLst/>
+    <dgm:txLinClrLst/>
+    <dgm:txFillClrLst meth="repeat">
+      <a:schemeClr val="dk1"/>
+    </dgm:txFillClrLst>
+    <dgm:txEffectClrLst/>
+  </dgm:styleLbl>
+  <dgm:styleLbl name="solidFgAcc1">
+    <dgm:fillClrLst meth="repeat">
+      <a:schemeClr val="lt1"/>
+    </dgm:fillClrLst>
+    <dgm:linClrLst meth="repeat">
+      <a:schemeClr val="accent1"/>
+    </dgm:linClrLst>
+    <dgm:effectClrLst/>
+    <dgm:txLinClrLst/>
+    <dgm:txFillClrLst meth="repeat">
+      <a:schemeClr val="dk1"/>
+    </dgm:txFillClrLst>
+    <dgm:txEffectClrLst/>
+  </dgm:styleLbl>
+  <dgm:styleLbl name="solidAlignAcc1">
+    <dgm:fillClrLst meth="repeat">
+      <a:schemeClr val="lt1"/>
+    </dgm:fillClrLst>
+    <dgm:linClrLst meth="repeat">
+      <a:schemeClr val="accent1"/>
+    </dgm:linClrLst>
+    <dgm:effectClrLst/>
+    <dgm:txLinClrLst/>
+    <dgm:txFillClrLst meth="repeat">
+      <a:schemeClr val="dk1"/>
+    </dgm:txFillClrLst>
+    <dgm:txEffectClrLst/>
+  </dgm:styleLbl>
+  <dgm:styleLbl name="solidBgAcc1">
+    <dgm:fillClrLst meth="repeat">
+      <a:schemeClr val="lt1"/>
+    </dgm:fillClrLst>
+    <dgm:linClrLst meth="repeat">
+      <a:schemeClr val="accent1"/>
+    </dgm:linClrLst>
+    <dgm:effectClrLst/>
+    <dgm:txLinClrLst/>
+    <dgm:txFillClrLst meth="repeat">
+      <a:schemeClr val="dk1"/>
+    </dgm:txFillClrLst>
+    <dgm:txEffectClrLst/>
+  </dgm:styleLbl>
+  <dgm:styleLbl name="fgAccFollowNode1">
+    <dgm:fillClrLst meth="repeat">
+      <a:schemeClr val="accent1">
+        <a:alpha val="90000"/>
+        <a:tint val="40000"/>
+      </a:schemeClr>
+    </dgm:fillClrLst>
+    <dgm:linClrLst meth="repeat">
+      <a:schemeClr val="accent1">
+        <a:alpha val="90000"/>
+        <a:tint val="40000"/>
+      </a:schemeClr>
+    </dgm:linClrLst>
+    <dgm:effectClrLst/>
+    <dgm:txLinClrLst/>
+    <dgm:txFillClrLst meth="repeat">
+      <a:schemeClr val="dk1"/>
+    </dgm:txFillClrLst>
+    <dgm:txEffectClrLst/>
+  </dgm:styleLbl>
+  <dgm:styleLbl name="alignAccFollowNode1">
+    <dgm:fillClrLst meth="repeat">
+      <a:schemeClr val="accent1">
+        <a:alpha val="90000"/>
+        <a:tint val="40000"/>
+      </a:schemeClr>
+    </dgm:fillClrLst>
+    <dgm:linClrLst meth="repeat">
+      <a:schemeClr val="accent1">
+        <a:alpha val="90000"/>
+        <a:tint val="40000"/>
+      </a:schemeClr>
+    </dgm:linClrLst>
+    <dgm:effectClrLst/>
+    <dgm:txLinClrLst/>
+    <dgm:txFillClrLst meth="repeat">
+      <a:schemeClr val="dk1"/>
+    </dgm:txFillClrLst>
+    <dgm:txEffectClrLst/>
+  </dgm:styleLbl>
+  <dgm:styleLbl name="bgAccFollowNode1">
+    <dgm:fillClrLst meth="repeat">
+      <a:schemeClr val="accent1">
+        <a:alpha val="90000"/>
+        <a:tint val="40000"/>
+      </a:schemeClr>
+    </dgm:fillClrLst>
+    <dgm:linClrLst meth="repeat">
+      <a:schemeClr val="accent1">
+        <a:alpha val="90000"/>
+        <a:tint val="40000"/>
+      </a:schemeClr>
+    </dgm:linClrLst>
+    <dgm:effectClrLst/>
+    <dgm:txLinClrLst/>
+    <dgm:txFillClrLst meth="repeat">
+      <a:schemeClr val="dk1"/>
+    </dgm:txFillClrLst>
+    <dgm:txEffectClrLst/>
+  </dgm:styleLbl>
+  <dgm:styleLbl name="fgAcc0">
+    <dgm:fillClrLst meth="repeat">
+      <a:schemeClr val="lt1">
+        <a:alpha val="90000"/>
+      </a:schemeClr>
+    </dgm:fillClrLst>
+    <dgm:linClrLst meth="repeat">
+      <a:schemeClr val="accent1"/>
+    </dgm:linClrLst>
+    <dgm:effectClrLst/>
+    <dgm:txLinClrLst/>
+    <dgm:txFillClrLst meth="repeat">
+      <a:schemeClr val="dk1"/>
+    </dgm:txFillClrLst>
+    <dgm:txEffectClrLst/>
+  </dgm:styleLbl>
+  <dgm:styleLbl name="fgAcc2">
+    <dgm:fillClrLst meth="repeat">
+      <a:schemeClr val="lt1">
+        <a:alpha val="90000"/>
+      </a:schemeClr>
+    </dgm:fillClrLst>
+    <dgm:linClrLst meth="repeat">
+      <a:schemeClr val="accent1"/>
+    </dgm:linClrLst>
+    <dgm:effectClrLst/>
+    <dgm:txLinClrLst/>
+    <dgm:txFillClrLst meth="repeat">
+      <a:schemeClr val="dk1"/>
+    </dgm:txFillClrLst>
+    <dgm:txEffectClrLst/>
+  </dgm:styleLbl>
+  <dgm:styleLbl name="fgAcc3">
+    <dgm:fillClrLst meth="repeat">
+      <a:schemeClr val="lt1">
+        <a:alpha val="90000"/>
+      </a:schemeClr>
+    </dgm:fillClrLst>
+    <dgm:linClrLst meth="repeat">
+      <a:schemeClr val="accent1"/>
+    </dgm:linClrLst>
+    <dgm:effectClrLst/>
+    <dgm:txLinClrLst/>
+    <dgm:txFillClrLst meth="repeat">
+      <a:schemeClr val="dk1"/>
+    </dgm:txFillClrLst>
+    <dgm:txEffectClrLst/>
+  </dgm:styleLbl>
+  <dgm:styleLbl name="fgAcc4">
+    <dgm:fillClrLst meth="repeat">
+      <a:schemeClr val="lt1">
+        <a:alpha val="90000"/>
+      </a:schemeClr>
+    </dgm:fillClrLst>
+    <dgm:linClrLst meth="repeat">
+      <a:schemeClr val="accent1"/>
+    </dgm:linClrLst>
+    <dgm:effectClrLst/>
+    <dgm:txLinClrLst/>
+    <dgm:txFillClrLst meth="repeat">
+      <a:schemeClr val="dk1"/>
+    </dgm:txFillClrLst>
+    <dgm:txEffectClrLst/>
+  </dgm:styleLbl>
+  <dgm:styleLbl name="bgShp">
+    <dgm:fillClrLst meth="repeat">
+      <a:schemeClr val="accent1">
+        <a:tint val="40000"/>
+      </a:schemeClr>
+    </dgm:fillClrLst>
+    <dgm:linClrLst meth="repeat">
+      <a:schemeClr val="accent1"/>
+    </dgm:linClrLst>
+    <dgm:effectClrLst/>
+    <dgm:txLinClrLst/>
+    <dgm:txFillClrLst meth="repeat">
+      <a:schemeClr val="dk1"/>
+    </dgm:txFillClrLst>
+    <dgm:txEffectClrLst/>
+  </dgm:styleLbl>
+  <dgm:styleLbl name="dkBgShp">
+    <dgm:fillClrLst meth="repeat">
+      <a:schemeClr val="accent1">
+        <a:shade val="80000"/>
+      </a:schemeClr>
+    </dgm:fillClrLst>
+    <dgm:linClrLst meth="repeat">
+      <a:schemeClr val="accent1"/>
+    </dgm:linClrLst>
+    <dgm:effectClrLst/>
+    <dgm:txLinClrLst/>
+    <dgm:txFillClrLst meth="repeat">
+      <a:schemeClr val="lt1"/>
+    </dgm:txFillClrLst>
+    <dgm:txEffectClrLst/>
+  </dgm:styleLbl>
+  <dgm:styleLbl name="trBgShp">
+    <dgm:fillClrLst meth="repeat">
+      <a:schemeClr val="accent1">
+        <a:tint val="50000"/>
+        <a:alpha val="40000"/>
+      </a:schemeClr>
+    </dgm:fillClrLst>
+    <dgm:linClrLst meth="repeat">
+      <a:schemeClr val="accent1"/>
+    </dgm:linClrLst>
+    <dgm:effectClrLst/>
+    <dgm:txLinClrLst/>
+    <dgm:txFillClrLst meth="repeat">
+      <a:schemeClr val="lt1"/>
+    </dgm:txFillClrLst>
+    <dgm:txEffectClrLst/>
+  </dgm:styleLbl>
+  <dgm:styleLbl name="fgShp">
+    <dgm:fillClrLst meth="repeat">
+      <a:schemeClr val="accent1">
+        <a:tint val="60000"/>
+      </a:schemeClr>
+    </dgm:fillClrLst>
+    <dgm:linClrLst meth="repeat">
+      <a:schemeClr val="lt1"/>
+    </dgm:linClrLst>
+    <dgm:effectClrLst/>
+    <dgm:txLinClrLst/>
+    <dgm:txFillClrLst meth="repeat">
+      <a:schemeClr val="dk1"/>
+    </dgm:txFillClrLst>
+    <dgm:txEffectClrLst/>
+  </dgm:styleLbl>
+  <dgm:styleLbl name="revTx">
+    <dgm:fillClrLst meth="repeat">
+      <a:schemeClr val="lt1">
+        <a:alpha val="0"/>
+      </a:schemeClr>
+    </dgm:fillClrLst>
+    <dgm:linClrLst meth="repeat">
+      <a:schemeClr val="dk1">
+        <a:alpha val="0"/>
+      </a:schemeClr>
+    </dgm:linClrLst>
+    <dgm:effectClrLst/>
+    <dgm:txLinClrLst/>
+    <dgm:txFillClrLst meth="repeat">
+      <a:schemeClr val="tx1"/>
+    </dgm:txFillClrLst>
+    <dgm:txEffectClrLst/>
+  </dgm:styleLbl>
+</dgm:colorsDef>
+</file>
+
+<file path=ppt/diagrams/data1.xml><?xml version="1.0" encoding="utf-8"?>
+<dgm:dataModel xmlns:dgm="http://schemas.openxmlformats.org/drawingml/2006/diagram" xmlns:a="http://schemas.openxmlformats.org/drawingml/2006/main">
+  <dgm:ptLst>
+    <dgm:pt modelId="{D9EDB586-9794-4DAD-A37E-2330656FAC4F}" type="doc">
+      <dgm:prSet loTypeId="urn:microsoft.com/office/officeart/2005/8/layout/process3" loCatId="process" qsTypeId="urn:microsoft.com/office/officeart/2005/8/quickstyle/simple1" qsCatId="simple" csTypeId="urn:microsoft.com/office/officeart/2005/8/colors/accent1_2" csCatId="accent1" phldr="1"/>
+      <dgm:spPr/>
+      <dgm:t>
+        <a:bodyPr/>
+        <a:lstStyle/>
+        <a:p>
+          <a:endParaRPr lang="zh-CN" altLang="en-US"/>
+        </a:p>
+      </dgm:t>
+    </dgm:pt>
+    <dgm:pt modelId="{4CC8BA0C-852C-4FAF-AD4A-ECE90E72161C}">
+      <dgm:prSet phldrT="[文本]"/>
+      <dgm:spPr/>
+      <dgm:t>
+        <a:bodyPr/>
+        <a:lstStyle/>
+        <a:p>
+          <a:r>
+            <a:rPr lang="zh-CN" altLang="en-US" dirty="0"/>
+            <a:t>业务建模</a:t>
+          </a:r>
+        </a:p>
+      </dgm:t>
+    </dgm:pt>
+    <dgm:pt modelId="{A06191B7-C5F4-49D3-BF42-12DA548FC76F}" type="parTrans" cxnId="{DB716418-946E-4717-80DA-CA3D752FFA2B}">
+      <dgm:prSet/>
+      <dgm:spPr/>
+      <dgm:t>
+        <a:bodyPr/>
+        <a:lstStyle/>
+        <a:p>
+          <a:endParaRPr lang="zh-CN" altLang="en-US"/>
+        </a:p>
+      </dgm:t>
+    </dgm:pt>
+    <dgm:pt modelId="{67B853EC-2630-4310-B4FA-4F271D5E333C}" type="sibTrans" cxnId="{DB716418-946E-4717-80DA-CA3D752FFA2B}">
+      <dgm:prSet/>
+      <dgm:spPr/>
+      <dgm:t>
+        <a:bodyPr/>
+        <a:lstStyle/>
+        <a:p>
+          <a:endParaRPr lang="zh-CN" altLang="en-US"/>
+        </a:p>
+      </dgm:t>
+    </dgm:pt>
+    <dgm:pt modelId="{E701AC1D-7C0B-43F5-A00C-6DB6A5E96CA1}">
+      <dgm:prSet phldrT="[文本]"/>
+      <dgm:spPr/>
+      <dgm:t>
+        <a:bodyPr/>
+        <a:lstStyle/>
+        <a:p>
+          <a:r>
+            <a:rPr lang="zh-CN" altLang="en-US" dirty="0"/>
+            <a:t>理解目前用户的业务流程</a:t>
+          </a:r>
+        </a:p>
+      </dgm:t>
+    </dgm:pt>
+    <dgm:pt modelId="{0ED3D668-2201-418F-B49B-97F9CC013526}" type="parTrans" cxnId="{9F860C78-FBAC-4D69-959B-8CEBD3382A8E}">
+      <dgm:prSet/>
+      <dgm:spPr/>
+      <dgm:t>
+        <a:bodyPr/>
+        <a:lstStyle/>
+        <a:p>
+          <a:endParaRPr lang="zh-CN" altLang="en-US"/>
+        </a:p>
+      </dgm:t>
+    </dgm:pt>
+    <dgm:pt modelId="{38C63FB4-E71A-478D-A287-6E9F13105343}" type="sibTrans" cxnId="{9F860C78-FBAC-4D69-959B-8CEBD3382A8E}">
+      <dgm:prSet/>
+      <dgm:spPr/>
+      <dgm:t>
+        <a:bodyPr/>
+        <a:lstStyle/>
+        <a:p>
+          <a:endParaRPr lang="zh-CN" altLang="en-US"/>
+        </a:p>
+      </dgm:t>
+    </dgm:pt>
+    <dgm:pt modelId="{36A47FF4-28B7-4163-82D4-5F85BF9F6942}">
+      <dgm:prSet phldrT="[文本]"/>
+      <dgm:spPr/>
+      <dgm:t>
+        <a:bodyPr/>
+        <a:lstStyle/>
+        <a:p>
+          <a:r>
+            <a:rPr lang="zh-CN" altLang="en-US" dirty="0"/>
+            <a:t>形成准确的描述，</a:t>
+          </a:r>
+          <a:r>
+            <a:rPr lang="en-US" altLang="zh-CN" dirty="0"/>
+            <a:t>XML</a:t>
+          </a:r>
+          <a:r>
+            <a:rPr lang="zh-CN" altLang="en-US" dirty="0"/>
+            <a:t>，</a:t>
+          </a:r>
+          <a:r>
+            <a:rPr lang="en-US" altLang="zh-CN" dirty="0"/>
+            <a:t>Use Case</a:t>
+          </a:r>
+          <a:endParaRPr lang="zh-CN" altLang="en-US" dirty="0"/>
+        </a:p>
+      </dgm:t>
+    </dgm:pt>
+    <dgm:pt modelId="{89B2F2B3-4A72-4C7F-9DC4-DE4A63101F89}" type="parTrans" cxnId="{25B1E417-278A-4183-B944-3F01CFC3A0EA}">
+      <dgm:prSet/>
+      <dgm:spPr/>
+      <dgm:t>
+        <a:bodyPr/>
+        <a:lstStyle/>
+        <a:p>
+          <a:endParaRPr lang="zh-CN" altLang="en-US"/>
+        </a:p>
+      </dgm:t>
+    </dgm:pt>
+    <dgm:pt modelId="{9B1B3163-58A9-4BFD-9D5A-046044C4982A}" type="sibTrans" cxnId="{25B1E417-278A-4183-B944-3F01CFC3A0EA}">
+      <dgm:prSet/>
+      <dgm:spPr/>
+      <dgm:t>
+        <a:bodyPr/>
+        <a:lstStyle/>
+        <a:p>
+          <a:endParaRPr lang="zh-CN" altLang="en-US"/>
+        </a:p>
+      </dgm:t>
+    </dgm:pt>
+    <dgm:pt modelId="{C18B6DB8-23E4-4CE5-8478-D10E599ED6AC}">
+      <dgm:prSet phldrT="[文本]"/>
+      <dgm:spPr/>
+      <dgm:t>
+        <a:bodyPr/>
+        <a:lstStyle/>
+        <a:p>
+          <a:r>
+            <a:rPr lang="zh-CN" altLang="en-US" dirty="0"/>
+            <a:t>需求分析</a:t>
+          </a:r>
+        </a:p>
+      </dgm:t>
+    </dgm:pt>
+    <dgm:pt modelId="{B1011540-A4EC-4EEF-B156-2C1C43E41094}" type="parTrans" cxnId="{EB30334C-0AFF-41F8-A026-70EE79DDC88A}">
+      <dgm:prSet/>
+      <dgm:spPr/>
+      <dgm:t>
+        <a:bodyPr/>
+        <a:lstStyle/>
+        <a:p>
+          <a:endParaRPr lang="zh-CN" altLang="en-US"/>
+        </a:p>
+      </dgm:t>
+    </dgm:pt>
+    <dgm:pt modelId="{5F320D45-2910-48EA-8DEA-BD3F27180755}" type="sibTrans" cxnId="{EB30334C-0AFF-41F8-A026-70EE79DDC88A}">
+      <dgm:prSet/>
+      <dgm:spPr/>
+      <dgm:t>
+        <a:bodyPr/>
+        <a:lstStyle/>
+        <a:p>
+          <a:endParaRPr lang="zh-CN" altLang="en-US"/>
+        </a:p>
+      </dgm:t>
+    </dgm:pt>
+    <dgm:pt modelId="{85A8C8D1-7180-4103-A7A8-14FDB2732264}">
+      <dgm:prSet phldrT="[文本]"/>
+      <dgm:spPr/>
+      <dgm:t>
+        <a:bodyPr/>
+        <a:lstStyle/>
+        <a:p>
+          <a:r>
+            <a:rPr lang="zh-CN" altLang="en-US" dirty="0"/>
+            <a:t>系统要提供什么样的功能来满足用户的需求</a:t>
+          </a:r>
+        </a:p>
+      </dgm:t>
+    </dgm:pt>
+    <dgm:pt modelId="{238CD319-2A91-4C04-B32E-CAB67809E3E7}" type="parTrans" cxnId="{022FBDFE-8548-4D29-984D-FBDECD935625}">
+      <dgm:prSet/>
+      <dgm:spPr/>
+      <dgm:t>
+        <a:bodyPr/>
+        <a:lstStyle/>
+        <a:p>
+          <a:endParaRPr lang="zh-CN" altLang="en-US"/>
+        </a:p>
+      </dgm:t>
+    </dgm:pt>
+    <dgm:pt modelId="{D967AC54-6F65-470C-8412-8BB551DFE74B}" type="sibTrans" cxnId="{022FBDFE-8548-4D29-984D-FBDECD935625}">
+      <dgm:prSet/>
+      <dgm:spPr/>
+      <dgm:t>
+        <a:bodyPr/>
+        <a:lstStyle/>
+        <a:p>
+          <a:endParaRPr lang="zh-CN" altLang="en-US"/>
+        </a:p>
+      </dgm:t>
+    </dgm:pt>
+    <dgm:pt modelId="{64A0873E-E1E0-4DA8-BB04-DC236408A2B0}">
+      <dgm:prSet phldrT="[文本]"/>
+      <dgm:spPr/>
+      <dgm:t>
+        <a:bodyPr/>
+        <a:lstStyle/>
+        <a:p>
+          <a:r>
+            <a:rPr lang="zh-CN" altLang="en-US" dirty="0"/>
+            <a:t>约束条件</a:t>
+          </a:r>
+        </a:p>
+      </dgm:t>
+    </dgm:pt>
+    <dgm:pt modelId="{F0098767-0BE4-49A3-96D5-9601AFAFCD28}" type="parTrans" cxnId="{8058FA48-1A74-4889-9BEF-BF2BCAB35581}">
+      <dgm:prSet/>
+      <dgm:spPr/>
+      <dgm:t>
+        <a:bodyPr/>
+        <a:lstStyle/>
+        <a:p>
+          <a:endParaRPr lang="zh-CN" altLang="en-US"/>
+        </a:p>
+      </dgm:t>
+    </dgm:pt>
+    <dgm:pt modelId="{13571382-8BE4-444D-A31A-93E64C1FE5B2}" type="sibTrans" cxnId="{8058FA48-1A74-4889-9BEF-BF2BCAB35581}">
+      <dgm:prSet/>
+      <dgm:spPr/>
+      <dgm:t>
+        <a:bodyPr/>
+        <a:lstStyle/>
+        <a:p>
+          <a:endParaRPr lang="zh-CN" altLang="en-US"/>
+        </a:p>
+      </dgm:t>
+    </dgm:pt>
+    <dgm:pt modelId="{B261DE3F-9AA4-4D85-9A47-E34FAC5568CA}">
+      <dgm:prSet phldrT="[文本]"/>
+      <dgm:spPr/>
+      <dgm:t>
+        <a:bodyPr/>
+        <a:lstStyle/>
+        <a:p>
+          <a:r>
+            <a:rPr lang="zh-CN" altLang="en-US" dirty="0"/>
+            <a:t>分析和设计</a:t>
+          </a:r>
+        </a:p>
+      </dgm:t>
+    </dgm:pt>
+    <dgm:pt modelId="{FBF803C8-2CB2-489E-A781-D156E3D042DA}" type="parTrans" cxnId="{15FB1D78-62CA-4BC5-8BC1-F530AF6255D3}">
+      <dgm:prSet/>
+      <dgm:spPr/>
+      <dgm:t>
+        <a:bodyPr/>
+        <a:lstStyle/>
+        <a:p>
+          <a:endParaRPr lang="zh-CN" altLang="en-US"/>
+        </a:p>
+      </dgm:t>
+    </dgm:pt>
+    <dgm:pt modelId="{60C8075F-61D8-4F2B-B3E0-85E286F243BF}" type="sibTrans" cxnId="{15FB1D78-62CA-4BC5-8BC1-F530AF6255D3}">
+      <dgm:prSet/>
+      <dgm:spPr/>
+      <dgm:t>
+        <a:bodyPr/>
+        <a:lstStyle/>
+        <a:p>
+          <a:endParaRPr lang="zh-CN" altLang="en-US"/>
+        </a:p>
+      </dgm:t>
+    </dgm:pt>
+    <dgm:pt modelId="{6CA7EEF0-EDB0-43A9-BD0A-6F2748FCADC8}">
+      <dgm:prSet phldrT="[文本]"/>
+      <dgm:spPr/>
+      <dgm:t>
+        <a:bodyPr/>
+        <a:lstStyle/>
+        <a:p>
+          <a:r>
+            <a:rPr lang="zh-CN" altLang="en-US" dirty="0"/>
+            <a:t>将需求转为软件系统的设计</a:t>
+          </a:r>
+        </a:p>
+      </dgm:t>
+    </dgm:pt>
+    <dgm:pt modelId="{0F187E4E-D24B-4859-86C1-EE7263A1A710}" type="parTrans" cxnId="{5160317C-A33E-4C6C-A7FD-952FF6DE41E1}">
+      <dgm:prSet/>
+      <dgm:spPr/>
+      <dgm:t>
+        <a:bodyPr/>
+        <a:lstStyle/>
+        <a:p>
+          <a:endParaRPr lang="zh-CN" altLang="en-US"/>
+        </a:p>
+      </dgm:t>
+    </dgm:pt>
+    <dgm:pt modelId="{AB46B2BA-25CA-4643-A408-BC07797E1E54}" type="sibTrans" cxnId="{5160317C-A33E-4C6C-A7FD-952FF6DE41E1}">
+      <dgm:prSet/>
+      <dgm:spPr/>
+      <dgm:t>
+        <a:bodyPr/>
+        <a:lstStyle/>
+        <a:p>
+          <a:endParaRPr lang="zh-CN" altLang="en-US"/>
+        </a:p>
+      </dgm:t>
+    </dgm:pt>
+    <dgm:pt modelId="{95E9450C-33A2-4D5C-B6FF-B3C7EA2B65B6}">
+      <dgm:prSet phldrT="[文本]"/>
+      <dgm:spPr/>
+      <dgm:t>
+        <a:bodyPr/>
+        <a:lstStyle/>
+        <a:p>
+          <a:r>
+            <a:rPr lang="zh-CN" altLang="en-US" dirty="0"/>
+            <a:t>实现</a:t>
+          </a:r>
+        </a:p>
+      </dgm:t>
+    </dgm:pt>
+    <dgm:pt modelId="{8D53D3E2-D8E1-4C73-B88C-8064070978FA}" type="parTrans" cxnId="{D0C8A3C3-62AC-429A-8F4E-D8CFE52F55BE}">
+      <dgm:prSet/>
+      <dgm:spPr/>
+      <dgm:t>
+        <a:bodyPr/>
+        <a:lstStyle/>
+        <a:p>
+          <a:endParaRPr lang="zh-CN" altLang="en-US"/>
+        </a:p>
+      </dgm:t>
+    </dgm:pt>
+    <dgm:pt modelId="{1FE266CB-F1A3-44A8-B030-BEC6826D456B}" type="sibTrans" cxnId="{D0C8A3C3-62AC-429A-8F4E-D8CFE52F55BE}">
+      <dgm:prSet/>
+      <dgm:spPr/>
+      <dgm:t>
+        <a:bodyPr/>
+        <a:lstStyle/>
+        <a:p>
+          <a:endParaRPr lang="zh-CN" altLang="en-US"/>
+        </a:p>
+      </dgm:t>
+    </dgm:pt>
+    <dgm:pt modelId="{56B64FB0-E7C2-4EAD-A871-4A652338D354}">
+      <dgm:prSet phldrT="[文本]"/>
+      <dgm:spPr/>
+      <dgm:t>
+        <a:bodyPr/>
+        <a:lstStyle/>
+        <a:p>
+          <a:r>
+            <a:rPr lang="zh-CN" altLang="en-US" dirty="0"/>
+            <a:t>测试</a:t>
+          </a:r>
+        </a:p>
+      </dgm:t>
+    </dgm:pt>
+    <dgm:pt modelId="{EB2B66E7-9536-4099-A801-6EA213DE637D}" type="parTrans" cxnId="{51A0846A-81FC-416D-8859-F0373D0CC35A}">
+      <dgm:prSet/>
+      <dgm:spPr/>
+      <dgm:t>
+        <a:bodyPr/>
+        <a:lstStyle/>
+        <a:p>
+          <a:endParaRPr lang="zh-CN" altLang="en-US"/>
+        </a:p>
+      </dgm:t>
+    </dgm:pt>
+    <dgm:pt modelId="{A6A0B221-2495-4A0A-9DA7-DF725BCF72DD}" type="sibTrans" cxnId="{51A0846A-81FC-416D-8859-F0373D0CC35A}">
+      <dgm:prSet/>
+      <dgm:spPr/>
+      <dgm:t>
+        <a:bodyPr/>
+        <a:lstStyle/>
+        <a:p>
+          <a:endParaRPr lang="zh-CN" altLang="en-US"/>
+        </a:p>
+      </dgm:t>
+    </dgm:pt>
+    <dgm:pt modelId="{A145AE1C-5174-4CEA-9590-1FDB66618AD2}">
+      <dgm:prSet phldrT="[文本]"/>
+      <dgm:spPr/>
+      <dgm:t>
+        <a:bodyPr/>
+        <a:lstStyle/>
+        <a:p>
+          <a:r>
+            <a:rPr lang="zh-CN" altLang="en-US" dirty="0"/>
+            <a:t>部署</a:t>
+          </a:r>
+        </a:p>
+      </dgm:t>
+    </dgm:pt>
+    <dgm:pt modelId="{01E8B20A-A7D2-47B8-B5F6-5B2FC0FD7E04}" type="parTrans" cxnId="{A9EEE439-2304-4F61-8B14-1F545FFF35F4}">
+      <dgm:prSet/>
+      <dgm:spPr/>
+      <dgm:t>
+        <a:bodyPr/>
+        <a:lstStyle/>
+        <a:p>
+          <a:endParaRPr lang="zh-CN" altLang="en-US"/>
+        </a:p>
+      </dgm:t>
+    </dgm:pt>
+    <dgm:pt modelId="{749DFF14-2AF6-4B56-931A-C6CCAA3A71A4}" type="sibTrans" cxnId="{A9EEE439-2304-4F61-8B14-1F545FFF35F4}">
+      <dgm:prSet/>
+      <dgm:spPr/>
+      <dgm:t>
+        <a:bodyPr/>
+        <a:lstStyle/>
+        <a:p>
+          <a:endParaRPr lang="zh-CN" altLang="en-US"/>
+        </a:p>
+      </dgm:t>
+    </dgm:pt>
+    <dgm:pt modelId="{47A969AF-3802-47C0-A570-1A4D09F2D92B}">
+      <dgm:prSet phldrT="[文本]"/>
+      <dgm:spPr/>
+      <dgm:t>
+        <a:bodyPr/>
+        <a:lstStyle/>
+        <a:p>
+          <a:r>
+            <a:rPr lang="zh-CN" altLang="en-US" dirty="0"/>
+            <a:t>开发软件模块，组件，集成</a:t>
+          </a:r>
+        </a:p>
+      </dgm:t>
+    </dgm:pt>
+    <dgm:pt modelId="{3DF73678-4AB0-4048-8752-3B9C2F445524}" type="parTrans" cxnId="{DA0FBA29-32BC-4D02-A07A-7A6D70111192}">
+      <dgm:prSet/>
+      <dgm:spPr/>
+      <dgm:t>
+        <a:bodyPr/>
+        <a:lstStyle/>
+        <a:p>
+          <a:endParaRPr lang="zh-CN" altLang="en-US"/>
+        </a:p>
+      </dgm:t>
+    </dgm:pt>
+    <dgm:pt modelId="{DE5D63BB-801D-4FA0-AB6F-2E8F3865DDB4}" type="sibTrans" cxnId="{DA0FBA29-32BC-4D02-A07A-7A6D70111192}">
+      <dgm:prSet/>
+      <dgm:spPr/>
+      <dgm:t>
+        <a:bodyPr/>
+        <a:lstStyle/>
+        <a:p>
+          <a:endParaRPr lang="zh-CN" altLang="en-US"/>
+        </a:p>
+      </dgm:t>
+    </dgm:pt>
+    <dgm:pt modelId="{B093D554-A4E2-44AB-AC0D-9C91A8ECDC37}">
+      <dgm:prSet phldrT="[文本]"/>
+      <dgm:spPr/>
+      <dgm:t>
+        <a:bodyPr/>
+        <a:lstStyle/>
+        <a:p>
+          <a:r>
+            <a:rPr lang="zh-CN" altLang="en-US" dirty="0"/>
+            <a:t>验证组件满足要求</a:t>
+          </a:r>
+        </a:p>
+      </dgm:t>
+    </dgm:pt>
+    <dgm:pt modelId="{AB6C5088-A4AF-4B90-AA0F-D198F5F82CBB}" type="parTrans" cxnId="{43CCE7E8-7E30-4248-BEDA-D64E89D8F945}">
+      <dgm:prSet/>
+      <dgm:spPr/>
+      <dgm:t>
+        <a:bodyPr/>
+        <a:lstStyle/>
+        <a:p>
+          <a:endParaRPr lang="zh-CN" altLang="en-US"/>
+        </a:p>
+      </dgm:t>
+    </dgm:pt>
+    <dgm:pt modelId="{44819C79-6D40-4045-A779-709261238C40}" type="sibTrans" cxnId="{43CCE7E8-7E30-4248-BEDA-D64E89D8F945}">
+      <dgm:prSet/>
+      <dgm:spPr/>
+      <dgm:t>
+        <a:bodyPr/>
+        <a:lstStyle/>
+        <a:p>
+          <a:endParaRPr lang="zh-CN" altLang="en-US"/>
+        </a:p>
+      </dgm:t>
+    </dgm:pt>
+    <dgm:pt modelId="{583A825B-87B5-4923-8181-725D2B2174FD}">
+      <dgm:prSet phldrT="[文本]"/>
+      <dgm:spPr/>
+      <dgm:t>
+        <a:bodyPr/>
+        <a:lstStyle/>
+        <a:p>
+          <a:r>
+            <a:rPr lang="zh-CN" altLang="en-US" dirty="0"/>
+            <a:t>生成最终产品</a:t>
+          </a:r>
+        </a:p>
+      </dgm:t>
+    </dgm:pt>
+    <dgm:pt modelId="{298D50E3-81B8-45BC-B7F8-915BBDB6BC4C}" type="parTrans" cxnId="{9BA508F4-9DB9-4E47-9F5E-C73F1E6E1695}">
+      <dgm:prSet/>
+      <dgm:spPr/>
+      <dgm:t>
+        <a:bodyPr/>
+        <a:lstStyle/>
+        <a:p>
+          <a:endParaRPr lang="zh-CN" altLang="en-US"/>
+        </a:p>
+      </dgm:t>
+    </dgm:pt>
+    <dgm:pt modelId="{5754A605-9E95-41F7-88C4-90CF24572BB3}" type="sibTrans" cxnId="{9BA508F4-9DB9-4E47-9F5E-C73F1E6E1695}">
+      <dgm:prSet/>
+      <dgm:spPr/>
+      <dgm:t>
+        <a:bodyPr/>
+        <a:lstStyle/>
+        <a:p>
+          <a:endParaRPr lang="zh-CN" altLang="en-US"/>
+        </a:p>
+      </dgm:t>
+    </dgm:pt>
+    <dgm:pt modelId="{0B61182E-617A-4CB9-830E-386181F7A66F}">
+      <dgm:prSet phldrT="[文本]"/>
+      <dgm:spPr/>
+      <dgm:t>
+        <a:bodyPr/>
+        <a:lstStyle/>
+        <a:p>
+          <a:r>
+            <a:rPr lang="zh-CN" altLang="en-US" dirty="0"/>
+            <a:t>发布给最终用户</a:t>
+          </a:r>
+        </a:p>
+      </dgm:t>
+    </dgm:pt>
+    <dgm:pt modelId="{2A72B535-6690-4290-AB34-B64E43C85621}" type="parTrans" cxnId="{1402CB19-39A0-4DE8-B4C3-66D91E12C049}">
+      <dgm:prSet/>
+      <dgm:spPr/>
+      <dgm:t>
+        <a:bodyPr/>
+        <a:lstStyle/>
+        <a:p>
+          <a:endParaRPr lang="zh-CN" altLang="en-US"/>
+        </a:p>
+      </dgm:t>
+    </dgm:pt>
+    <dgm:pt modelId="{4A8DE997-EBD8-42C1-96F0-255AFB0B75BE}" type="sibTrans" cxnId="{1402CB19-39A0-4DE8-B4C3-66D91E12C049}">
+      <dgm:prSet/>
+      <dgm:spPr/>
+      <dgm:t>
+        <a:bodyPr/>
+        <a:lstStyle/>
+        <a:p>
+          <a:endParaRPr lang="zh-CN" altLang="en-US"/>
+        </a:p>
+      </dgm:t>
+    </dgm:pt>
+    <dgm:pt modelId="{764A1762-B5E8-4A4F-893D-C7B9B9F9D858}" type="pres">
+      <dgm:prSet presAssocID="{D9EDB586-9794-4DAD-A37E-2330656FAC4F}" presName="linearFlow" presStyleCnt="0">
+        <dgm:presLayoutVars>
+          <dgm:dir/>
+          <dgm:animLvl val="lvl"/>
+          <dgm:resizeHandles val="exact"/>
+        </dgm:presLayoutVars>
+      </dgm:prSet>
+      <dgm:spPr/>
+    </dgm:pt>
+    <dgm:pt modelId="{44894701-7277-4965-BEC8-37B8F589559D}" type="pres">
+      <dgm:prSet presAssocID="{4CC8BA0C-852C-4FAF-AD4A-ECE90E72161C}" presName="composite" presStyleCnt="0"/>
+      <dgm:spPr/>
+    </dgm:pt>
+    <dgm:pt modelId="{8777362B-CEF2-43D4-B2BA-74E5708A3AB3}" type="pres">
+      <dgm:prSet presAssocID="{4CC8BA0C-852C-4FAF-AD4A-ECE90E72161C}" presName="parTx" presStyleLbl="node1" presStyleIdx="0" presStyleCnt="6">
+        <dgm:presLayoutVars>
+          <dgm:chMax val="0"/>
+          <dgm:chPref val="0"/>
+          <dgm:bulletEnabled val="1"/>
+        </dgm:presLayoutVars>
+      </dgm:prSet>
+      <dgm:spPr/>
+    </dgm:pt>
+    <dgm:pt modelId="{75A2F767-8F71-465E-BBAD-934EF5DD3227}" type="pres">
+      <dgm:prSet presAssocID="{4CC8BA0C-852C-4FAF-AD4A-ECE90E72161C}" presName="parSh" presStyleLbl="node1" presStyleIdx="0" presStyleCnt="6"/>
+      <dgm:spPr/>
+    </dgm:pt>
+    <dgm:pt modelId="{34367A71-26D4-4E3B-B0E8-AA435393B8F1}" type="pres">
+      <dgm:prSet presAssocID="{4CC8BA0C-852C-4FAF-AD4A-ECE90E72161C}" presName="desTx" presStyleLbl="fgAcc1" presStyleIdx="0" presStyleCnt="6">
+        <dgm:presLayoutVars>
+          <dgm:bulletEnabled val="1"/>
+        </dgm:presLayoutVars>
+      </dgm:prSet>
+      <dgm:spPr/>
+    </dgm:pt>
+    <dgm:pt modelId="{18F4DCC4-3AEC-4429-BE9E-3A8D7A11DF71}" type="pres">
+      <dgm:prSet presAssocID="{67B853EC-2630-4310-B4FA-4F271D5E333C}" presName="sibTrans" presStyleLbl="sibTrans2D1" presStyleIdx="0" presStyleCnt="5"/>
+      <dgm:spPr/>
+    </dgm:pt>
+    <dgm:pt modelId="{01BDBE60-7693-41F4-B62D-A9544FBC3A3D}" type="pres">
+      <dgm:prSet presAssocID="{67B853EC-2630-4310-B4FA-4F271D5E333C}" presName="connTx" presStyleLbl="sibTrans2D1" presStyleIdx="0" presStyleCnt="5"/>
+      <dgm:spPr/>
+    </dgm:pt>
+    <dgm:pt modelId="{F66AB13F-AF41-4EF4-9A9B-296C1F5F08E6}" type="pres">
+      <dgm:prSet presAssocID="{C18B6DB8-23E4-4CE5-8478-D10E599ED6AC}" presName="composite" presStyleCnt="0"/>
+      <dgm:spPr/>
+    </dgm:pt>
+    <dgm:pt modelId="{B92D1A17-C3D7-45CA-8B77-6EF8E3701B99}" type="pres">
+      <dgm:prSet presAssocID="{C18B6DB8-23E4-4CE5-8478-D10E599ED6AC}" presName="parTx" presStyleLbl="node1" presStyleIdx="0" presStyleCnt="6">
+        <dgm:presLayoutVars>
+          <dgm:chMax val="0"/>
+          <dgm:chPref val="0"/>
+          <dgm:bulletEnabled val="1"/>
+        </dgm:presLayoutVars>
+      </dgm:prSet>
+      <dgm:spPr/>
+    </dgm:pt>
+    <dgm:pt modelId="{81F73123-0F59-4845-9291-B1BB70989AF6}" type="pres">
+      <dgm:prSet presAssocID="{C18B6DB8-23E4-4CE5-8478-D10E599ED6AC}" presName="parSh" presStyleLbl="node1" presStyleIdx="1" presStyleCnt="6"/>
+      <dgm:spPr/>
+    </dgm:pt>
+    <dgm:pt modelId="{C3313281-1692-4B23-A80C-C8BFB00652B6}" type="pres">
+      <dgm:prSet presAssocID="{C18B6DB8-23E4-4CE5-8478-D10E599ED6AC}" presName="desTx" presStyleLbl="fgAcc1" presStyleIdx="1" presStyleCnt="6">
+        <dgm:presLayoutVars>
+          <dgm:bulletEnabled val="1"/>
+        </dgm:presLayoutVars>
+      </dgm:prSet>
+      <dgm:spPr/>
+    </dgm:pt>
+    <dgm:pt modelId="{9BF6A93D-1A47-47AC-96E1-36BBA91A0E30}" type="pres">
+      <dgm:prSet presAssocID="{5F320D45-2910-48EA-8DEA-BD3F27180755}" presName="sibTrans" presStyleLbl="sibTrans2D1" presStyleIdx="1" presStyleCnt="5"/>
+      <dgm:spPr/>
+    </dgm:pt>
+    <dgm:pt modelId="{5AB2F676-4C4E-48E7-918C-30E5A5FFDC73}" type="pres">
+      <dgm:prSet presAssocID="{5F320D45-2910-48EA-8DEA-BD3F27180755}" presName="connTx" presStyleLbl="sibTrans2D1" presStyleIdx="1" presStyleCnt="5"/>
+      <dgm:spPr/>
+    </dgm:pt>
+    <dgm:pt modelId="{319A9FED-E1A4-4746-858A-225C6871FC1B}" type="pres">
+      <dgm:prSet presAssocID="{B261DE3F-9AA4-4D85-9A47-E34FAC5568CA}" presName="composite" presStyleCnt="0"/>
+      <dgm:spPr/>
+    </dgm:pt>
+    <dgm:pt modelId="{0CCCF012-3582-4093-AE20-AF7D9A3D4A80}" type="pres">
+      <dgm:prSet presAssocID="{B261DE3F-9AA4-4D85-9A47-E34FAC5568CA}" presName="parTx" presStyleLbl="node1" presStyleIdx="1" presStyleCnt="6">
+        <dgm:presLayoutVars>
+          <dgm:chMax val="0"/>
+          <dgm:chPref val="0"/>
+          <dgm:bulletEnabled val="1"/>
+        </dgm:presLayoutVars>
+      </dgm:prSet>
+      <dgm:spPr/>
+    </dgm:pt>
+    <dgm:pt modelId="{AF8954D3-D1A9-4FE4-AA93-964C1180BF18}" type="pres">
+      <dgm:prSet presAssocID="{B261DE3F-9AA4-4D85-9A47-E34FAC5568CA}" presName="parSh" presStyleLbl="node1" presStyleIdx="2" presStyleCnt="6"/>
+      <dgm:spPr/>
+    </dgm:pt>
+    <dgm:pt modelId="{08587180-C387-47A2-842B-2F73AEE4BC15}" type="pres">
+      <dgm:prSet presAssocID="{B261DE3F-9AA4-4D85-9A47-E34FAC5568CA}" presName="desTx" presStyleLbl="fgAcc1" presStyleIdx="2" presStyleCnt="6">
+        <dgm:presLayoutVars>
+          <dgm:bulletEnabled val="1"/>
+        </dgm:presLayoutVars>
+      </dgm:prSet>
+      <dgm:spPr/>
+    </dgm:pt>
+    <dgm:pt modelId="{66D8F2E3-FF23-4CD0-975B-CFED40E49758}" type="pres">
+      <dgm:prSet presAssocID="{60C8075F-61D8-4F2B-B3E0-85E286F243BF}" presName="sibTrans" presStyleLbl="sibTrans2D1" presStyleIdx="2" presStyleCnt="5"/>
+      <dgm:spPr/>
+    </dgm:pt>
+    <dgm:pt modelId="{1084D254-F635-4EAF-A291-A8FF91ACB927}" type="pres">
+      <dgm:prSet presAssocID="{60C8075F-61D8-4F2B-B3E0-85E286F243BF}" presName="connTx" presStyleLbl="sibTrans2D1" presStyleIdx="2" presStyleCnt="5"/>
+      <dgm:spPr/>
+    </dgm:pt>
+    <dgm:pt modelId="{2A8C5798-AA7E-40EB-B868-BBDCD5AAFDCB}" type="pres">
+      <dgm:prSet presAssocID="{95E9450C-33A2-4D5C-B6FF-B3C7EA2B65B6}" presName="composite" presStyleCnt="0"/>
+      <dgm:spPr/>
+    </dgm:pt>
+    <dgm:pt modelId="{FA8D3DC1-AC2F-4415-865A-F3D49AA17800}" type="pres">
+      <dgm:prSet presAssocID="{95E9450C-33A2-4D5C-B6FF-B3C7EA2B65B6}" presName="parTx" presStyleLbl="node1" presStyleIdx="2" presStyleCnt="6">
+        <dgm:presLayoutVars>
+          <dgm:chMax val="0"/>
+          <dgm:chPref val="0"/>
+          <dgm:bulletEnabled val="1"/>
+        </dgm:presLayoutVars>
+      </dgm:prSet>
+      <dgm:spPr/>
+    </dgm:pt>
+    <dgm:pt modelId="{8FED200F-7A40-4E7D-A6B0-E36D074B36B1}" type="pres">
+      <dgm:prSet presAssocID="{95E9450C-33A2-4D5C-B6FF-B3C7EA2B65B6}" presName="parSh" presStyleLbl="node1" presStyleIdx="3" presStyleCnt="6"/>
+      <dgm:spPr/>
+    </dgm:pt>
+    <dgm:pt modelId="{02B6CF41-78E7-4712-BD27-52F52B78F7DD}" type="pres">
+      <dgm:prSet presAssocID="{95E9450C-33A2-4D5C-B6FF-B3C7EA2B65B6}" presName="desTx" presStyleLbl="fgAcc1" presStyleIdx="3" presStyleCnt="6">
+        <dgm:presLayoutVars>
+          <dgm:bulletEnabled val="1"/>
+        </dgm:presLayoutVars>
+      </dgm:prSet>
+      <dgm:spPr/>
+    </dgm:pt>
+    <dgm:pt modelId="{C4CD74D1-22B2-4BE5-910E-EC85E45DE86D}" type="pres">
+      <dgm:prSet presAssocID="{1FE266CB-F1A3-44A8-B030-BEC6826D456B}" presName="sibTrans" presStyleLbl="sibTrans2D1" presStyleIdx="3" presStyleCnt="5"/>
+      <dgm:spPr/>
+    </dgm:pt>
+    <dgm:pt modelId="{6A1669F7-7487-4A1C-9117-416A2503C20C}" type="pres">
+      <dgm:prSet presAssocID="{1FE266CB-F1A3-44A8-B030-BEC6826D456B}" presName="connTx" presStyleLbl="sibTrans2D1" presStyleIdx="3" presStyleCnt="5"/>
+      <dgm:spPr/>
+    </dgm:pt>
+    <dgm:pt modelId="{3C1E6FD9-6863-4FFC-A33F-32B9B24DAE6D}" type="pres">
+      <dgm:prSet presAssocID="{56B64FB0-E7C2-4EAD-A871-4A652338D354}" presName="composite" presStyleCnt="0"/>
+      <dgm:spPr/>
+    </dgm:pt>
+    <dgm:pt modelId="{33650843-C81A-4F12-BB69-EE594CAF36D5}" type="pres">
+      <dgm:prSet presAssocID="{56B64FB0-E7C2-4EAD-A871-4A652338D354}" presName="parTx" presStyleLbl="node1" presStyleIdx="3" presStyleCnt="6">
+        <dgm:presLayoutVars>
+          <dgm:chMax val="0"/>
+          <dgm:chPref val="0"/>
+          <dgm:bulletEnabled val="1"/>
+        </dgm:presLayoutVars>
+      </dgm:prSet>
+      <dgm:spPr/>
+    </dgm:pt>
+    <dgm:pt modelId="{29AE18ED-EDB2-471D-845C-233F81E6F57B}" type="pres">
+      <dgm:prSet presAssocID="{56B64FB0-E7C2-4EAD-A871-4A652338D354}" presName="parSh" presStyleLbl="node1" presStyleIdx="4" presStyleCnt="6"/>
+      <dgm:spPr/>
+    </dgm:pt>
+    <dgm:pt modelId="{C339B2A4-78FF-463F-ABBA-C35899C5ADF2}" type="pres">
+      <dgm:prSet presAssocID="{56B64FB0-E7C2-4EAD-A871-4A652338D354}" presName="desTx" presStyleLbl="fgAcc1" presStyleIdx="4" presStyleCnt="6">
+        <dgm:presLayoutVars>
+          <dgm:bulletEnabled val="1"/>
+        </dgm:presLayoutVars>
+      </dgm:prSet>
+      <dgm:spPr/>
+    </dgm:pt>
+    <dgm:pt modelId="{A3B70847-4E4B-4CF4-8140-086E3EF9333A}" type="pres">
+      <dgm:prSet presAssocID="{A6A0B221-2495-4A0A-9DA7-DF725BCF72DD}" presName="sibTrans" presStyleLbl="sibTrans2D1" presStyleIdx="4" presStyleCnt="5"/>
+      <dgm:spPr/>
+    </dgm:pt>
+    <dgm:pt modelId="{74709F62-6840-450B-B294-1B1D9E5E9C3A}" type="pres">
+      <dgm:prSet presAssocID="{A6A0B221-2495-4A0A-9DA7-DF725BCF72DD}" presName="connTx" presStyleLbl="sibTrans2D1" presStyleIdx="4" presStyleCnt="5"/>
+      <dgm:spPr/>
+    </dgm:pt>
+    <dgm:pt modelId="{D01A35BF-3686-48C1-A03E-95498401D6C1}" type="pres">
+      <dgm:prSet presAssocID="{A145AE1C-5174-4CEA-9590-1FDB66618AD2}" presName="composite" presStyleCnt="0"/>
+      <dgm:spPr/>
+    </dgm:pt>
+    <dgm:pt modelId="{CAD510B2-C930-4B2D-9FE6-1A614AD218F4}" type="pres">
+      <dgm:prSet presAssocID="{A145AE1C-5174-4CEA-9590-1FDB66618AD2}" presName="parTx" presStyleLbl="node1" presStyleIdx="4" presStyleCnt="6">
+        <dgm:presLayoutVars>
+          <dgm:chMax val="0"/>
+          <dgm:chPref val="0"/>
+          <dgm:bulletEnabled val="1"/>
+        </dgm:presLayoutVars>
+      </dgm:prSet>
+      <dgm:spPr/>
+    </dgm:pt>
+    <dgm:pt modelId="{05083D49-ACC0-49EB-82C3-0612145B701F}" type="pres">
+      <dgm:prSet presAssocID="{A145AE1C-5174-4CEA-9590-1FDB66618AD2}" presName="parSh" presStyleLbl="node1" presStyleIdx="5" presStyleCnt="6"/>
+      <dgm:spPr/>
+    </dgm:pt>
+    <dgm:pt modelId="{BA263AA9-AF1D-4465-8C16-744C407E6CAF}" type="pres">
+      <dgm:prSet presAssocID="{A145AE1C-5174-4CEA-9590-1FDB66618AD2}" presName="desTx" presStyleLbl="fgAcc1" presStyleIdx="5" presStyleCnt="6">
+        <dgm:presLayoutVars>
+          <dgm:bulletEnabled val="1"/>
+        </dgm:presLayoutVars>
+      </dgm:prSet>
+      <dgm:spPr/>
+    </dgm:pt>
+  </dgm:ptLst>
+  <dgm:cxnLst>
+    <dgm:cxn modelId="{110B9104-0EB6-4EA8-BB84-52B3AE946F61}" type="presOf" srcId="{36A47FF4-28B7-4163-82D4-5F85BF9F6942}" destId="{34367A71-26D4-4E3B-B0E8-AA435393B8F1}" srcOrd="0" destOrd="1" presId="urn:microsoft.com/office/officeart/2005/8/layout/process3"/>
+    <dgm:cxn modelId="{4684AC09-94EE-413C-BEBA-EBC1040A2047}" type="presOf" srcId="{95E9450C-33A2-4D5C-B6FF-B3C7EA2B65B6}" destId="{FA8D3DC1-AC2F-4415-865A-F3D49AA17800}" srcOrd="0" destOrd="0" presId="urn:microsoft.com/office/officeart/2005/8/layout/process3"/>
+    <dgm:cxn modelId="{500A830D-5659-4F6A-90FD-4F5AE9B2575F}" type="presOf" srcId="{67B853EC-2630-4310-B4FA-4F271D5E333C}" destId="{18F4DCC4-3AEC-4429-BE9E-3A8D7A11DF71}" srcOrd="0" destOrd="0" presId="urn:microsoft.com/office/officeart/2005/8/layout/process3"/>
+    <dgm:cxn modelId="{45A8CB12-2463-43E7-B630-9BE6779FDC64}" type="presOf" srcId="{A145AE1C-5174-4CEA-9590-1FDB66618AD2}" destId="{05083D49-ACC0-49EB-82C3-0612145B701F}" srcOrd="1" destOrd="0" presId="urn:microsoft.com/office/officeart/2005/8/layout/process3"/>
+    <dgm:cxn modelId="{25B1E417-278A-4183-B944-3F01CFC3A0EA}" srcId="{4CC8BA0C-852C-4FAF-AD4A-ECE90E72161C}" destId="{36A47FF4-28B7-4163-82D4-5F85BF9F6942}" srcOrd="1" destOrd="0" parTransId="{89B2F2B3-4A72-4C7F-9DC4-DE4A63101F89}" sibTransId="{9B1B3163-58A9-4BFD-9D5A-046044C4982A}"/>
+    <dgm:cxn modelId="{77AE5D18-9DA6-4014-B881-FF7D82FD4EC5}" type="presOf" srcId="{4CC8BA0C-852C-4FAF-AD4A-ECE90E72161C}" destId="{75A2F767-8F71-465E-BBAD-934EF5DD3227}" srcOrd="1" destOrd="0" presId="urn:microsoft.com/office/officeart/2005/8/layout/process3"/>
+    <dgm:cxn modelId="{DB716418-946E-4717-80DA-CA3D752FFA2B}" srcId="{D9EDB586-9794-4DAD-A37E-2330656FAC4F}" destId="{4CC8BA0C-852C-4FAF-AD4A-ECE90E72161C}" srcOrd="0" destOrd="0" parTransId="{A06191B7-C5F4-49D3-BF42-12DA548FC76F}" sibTransId="{67B853EC-2630-4310-B4FA-4F271D5E333C}"/>
+    <dgm:cxn modelId="{1402CB19-39A0-4DE8-B4C3-66D91E12C049}" srcId="{A145AE1C-5174-4CEA-9590-1FDB66618AD2}" destId="{0B61182E-617A-4CB9-830E-386181F7A66F}" srcOrd="1" destOrd="0" parTransId="{2A72B535-6690-4290-AB34-B64E43C85621}" sibTransId="{4A8DE997-EBD8-42C1-96F0-255AFB0B75BE}"/>
+    <dgm:cxn modelId="{55EF7724-8689-416F-A6F9-8B1545D027F3}" type="presOf" srcId="{1FE266CB-F1A3-44A8-B030-BEC6826D456B}" destId="{6A1669F7-7487-4A1C-9117-416A2503C20C}" srcOrd="1" destOrd="0" presId="urn:microsoft.com/office/officeart/2005/8/layout/process3"/>
+    <dgm:cxn modelId="{DA0FBA29-32BC-4D02-A07A-7A6D70111192}" srcId="{95E9450C-33A2-4D5C-B6FF-B3C7EA2B65B6}" destId="{47A969AF-3802-47C0-A570-1A4D09F2D92B}" srcOrd="0" destOrd="0" parTransId="{3DF73678-4AB0-4048-8752-3B9C2F445524}" sibTransId="{DE5D63BB-801D-4FA0-AB6F-2E8F3865DDB4}"/>
+    <dgm:cxn modelId="{F638F92B-4AD1-4993-8592-C0CF2148D05C}" type="presOf" srcId="{6CA7EEF0-EDB0-43A9-BD0A-6F2748FCADC8}" destId="{08587180-C387-47A2-842B-2F73AEE4BC15}" srcOrd="0" destOrd="0" presId="urn:microsoft.com/office/officeart/2005/8/layout/process3"/>
+    <dgm:cxn modelId="{18007C30-6D7E-4008-825B-BF1298364CBE}" type="presOf" srcId="{56B64FB0-E7C2-4EAD-A871-4A652338D354}" destId="{29AE18ED-EDB2-471D-845C-233F81E6F57B}" srcOrd="1" destOrd="0" presId="urn:microsoft.com/office/officeart/2005/8/layout/process3"/>
+    <dgm:cxn modelId="{BA7C8332-8EB3-444B-9040-299F7700807B}" type="presOf" srcId="{A6A0B221-2495-4A0A-9DA7-DF725BCF72DD}" destId="{74709F62-6840-450B-B294-1B1D9E5E9C3A}" srcOrd="1" destOrd="0" presId="urn:microsoft.com/office/officeart/2005/8/layout/process3"/>
+    <dgm:cxn modelId="{77049A33-1662-4CB1-89D1-D88B21B08BF8}" type="presOf" srcId="{95E9450C-33A2-4D5C-B6FF-B3C7EA2B65B6}" destId="{8FED200F-7A40-4E7D-A6B0-E36D074B36B1}" srcOrd="1" destOrd="0" presId="urn:microsoft.com/office/officeart/2005/8/layout/process3"/>
+    <dgm:cxn modelId="{A9EEE439-2304-4F61-8B14-1F545FFF35F4}" srcId="{D9EDB586-9794-4DAD-A37E-2330656FAC4F}" destId="{A145AE1C-5174-4CEA-9590-1FDB66618AD2}" srcOrd="5" destOrd="0" parTransId="{01E8B20A-A7D2-47B8-B5F6-5B2FC0FD7E04}" sibTransId="{749DFF14-2AF6-4B56-931A-C6CCAA3A71A4}"/>
+    <dgm:cxn modelId="{36B4175D-4C39-4A93-8347-3FE423BDB3F2}" type="presOf" srcId="{C18B6DB8-23E4-4CE5-8478-D10E599ED6AC}" destId="{B92D1A17-C3D7-45CA-8B77-6EF8E3701B99}" srcOrd="0" destOrd="0" presId="urn:microsoft.com/office/officeart/2005/8/layout/process3"/>
+    <dgm:cxn modelId="{8058FA48-1A74-4889-9BEF-BF2BCAB35581}" srcId="{C18B6DB8-23E4-4CE5-8478-D10E599ED6AC}" destId="{64A0873E-E1E0-4DA8-BB04-DC236408A2B0}" srcOrd="1" destOrd="0" parTransId="{F0098767-0BE4-49A3-96D5-9601AFAFCD28}" sibTransId="{13571382-8BE4-444D-A31A-93E64C1FE5B2}"/>
+    <dgm:cxn modelId="{973DC169-5A35-4266-A088-38D9B598C9B6}" type="presOf" srcId="{47A969AF-3802-47C0-A570-1A4D09F2D92B}" destId="{02B6CF41-78E7-4712-BD27-52F52B78F7DD}" srcOrd="0" destOrd="0" presId="urn:microsoft.com/office/officeart/2005/8/layout/process3"/>
+    <dgm:cxn modelId="{51A0846A-81FC-416D-8859-F0373D0CC35A}" srcId="{D9EDB586-9794-4DAD-A37E-2330656FAC4F}" destId="{56B64FB0-E7C2-4EAD-A871-4A652338D354}" srcOrd="4" destOrd="0" parTransId="{EB2B66E7-9536-4099-A801-6EA213DE637D}" sibTransId="{A6A0B221-2495-4A0A-9DA7-DF725BCF72DD}"/>
+    <dgm:cxn modelId="{EB30334C-0AFF-41F8-A026-70EE79DDC88A}" srcId="{D9EDB586-9794-4DAD-A37E-2330656FAC4F}" destId="{C18B6DB8-23E4-4CE5-8478-D10E599ED6AC}" srcOrd="1" destOrd="0" parTransId="{B1011540-A4EC-4EEF-B156-2C1C43E41094}" sibTransId="{5F320D45-2910-48EA-8DEA-BD3F27180755}"/>
+    <dgm:cxn modelId="{C5A8A671-B3AB-4F5D-A909-89602339BE5E}" type="presOf" srcId="{583A825B-87B5-4923-8181-725D2B2174FD}" destId="{BA263AA9-AF1D-4465-8C16-744C407E6CAF}" srcOrd="0" destOrd="0" presId="urn:microsoft.com/office/officeart/2005/8/layout/process3"/>
+    <dgm:cxn modelId="{F817CE77-9E4F-4107-9EB9-D307585A8F4A}" type="presOf" srcId="{4CC8BA0C-852C-4FAF-AD4A-ECE90E72161C}" destId="{8777362B-CEF2-43D4-B2BA-74E5708A3AB3}" srcOrd="0" destOrd="0" presId="urn:microsoft.com/office/officeart/2005/8/layout/process3"/>
+    <dgm:cxn modelId="{9F860C78-FBAC-4D69-959B-8CEBD3382A8E}" srcId="{4CC8BA0C-852C-4FAF-AD4A-ECE90E72161C}" destId="{E701AC1D-7C0B-43F5-A00C-6DB6A5E96CA1}" srcOrd="0" destOrd="0" parTransId="{0ED3D668-2201-418F-B49B-97F9CC013526}" sibTransId="{38C63FB4-E71A-478D-A287-6E9F13105343}"/>
+    <dgm:cxn modelId="{15FB1D78-62CA-4BC5-8BC1-F530AF6255D3}" srcId="{D9EDB586-9794-4DAD-A37E-2330656FAC4F}" destId="{B261DE3F-9AA4-4D85-9A47-E34FAC5568CA}" srcOrd="2" destOrd="0" parTransId="{FBF803C8-2CB2-489E-A781-D156E3D042DA}" sibTransId="{60C8075F-61D8-4F2B-B3E0-85E286F243BF}"/>
+    <dgm:cxn modelId="{9BFB755A-47D0-42C3-B044-C00EA16E4D0C}" type="presOf" srcId="{D9EDB586-9794-4DAD-A37E-2330656FAC4F}" destId="{764A1762-B5E8-4A4F-893D-C7B9B9F9D858}" srcOrd="0" destOrd="0" presId="urn:microsoft.com/office/officeart/2005/8/layout/process3"/>
+    <dgm:cxn modelId="{5160317C-A33E-4C6C-A7FD-952FF6DE41E1}" srcId="{B261DE3F-9AA4-4D85-9A47-E34FAC5568CA}" destId="{6CA7EEF0-EDB0-43A9-BD0A-6F2748FCADC8}" srcOrd="0" destOrd="0" parTransId="{0F187E4E-D24B-4859-86C1-EE7263A1A710}" sibTransId="{AB46B2BA-25CA-4643-A408-BC07797E1E54}"/>
+    <dgm:cxn modelId="{9BF4EA8D-B0F9-422B-99B7-55BEBBF6323F}" type="presOf" srcId="{0B61182E-617A-4CB9-830E-386181F7A66F}" destId="{BA263AA9-AF1D-4465-8C16-744C407E6CAF}" srcOrd="0" destOrd="1" presId="urn:microsoft.com/office/officeart/2005/8/layout/process3"/>
+    <dgm:cxn modelId="{13C3D398-549B-45DF-B5CC-D999659938DE}" type="presOf" srcId="{67B853EC-2630-4310-B4FA-4F271D5E333C}" destId="{01BDBE60-7693-41F4-B62D-A9544FBC3A3D}" srcOrd="1" destOrd="0" presId="urn:microsoft.com/office/officeart/2005/8/layout/process3"/>
+    <dgm:cxn modelId="{AF2C8D99-1F46-4A27-8B46-F8C7F6867602}" type="presOf" srcId="{85A8C8D1-7180-4103-A7A8-14FDB2732264}" destId="{C3313281-1692-4B23-A80C-C8BFB00652B6}" srcOrd="0" destOrd="0" presId="urn:microsoft.com/office/officeart/2005/8/layout/process3"/>
+    <dgm:cxn modelId="{8B21BFAC-044D-42BE-9ACC-A56A9E35BC54}" type="presOf" srcId="{60C8075F-61D8-4F2B-B3E0-85E286F243BF}" destId="{1084D254-F635-4EAF-A291-A8FF91ACB927}" srcOrd="1" destOrd="0" presId="urn:microsoft.com/office/officeart/2005/8/layout/process3"/>
+    <dgm:cxn modelId="{E92610B5-2738-4A6D-80A1-55744B70C9F6}" type="presOf" srcId="{B261DE3F-9AA4-4D85-9A47-E34FAC5568CA}" destId="{AF8954D3-D1A9-4FE4-AA93-964C1180BF18}" srcOrd="1" destOrd="0" presId="urn:microsoft.com/office/officeart/2005/8/layout/process3"/>
+    <dgm:cxn modelId="{D0C8A3C3-62AC-429A-8F4E-D8CFE52F55BE}" srcId="{D9EDB586-9794-4DAD-A37E-2330656FAC4F}" destId="{95E9450C-33A2-4D5C-B6FF-B3C7EA2B65B6}" srcOrd="3" destOrd="0" parTransId="{8D53D3E2-D8E1-4C73-B88C-8064070978FA}" sibTransId="{1FE266CB-F1A3-44A8-B030-BEC6826D456B}"/>
+    <dgm:cxn modelId="{3200ADC6-E702-4F2A-8C6B-3BA0DC935AF7}" type="presOf" srcId="{56B64FB0-E7C2-4EAD-A871-4A652338D354}" destId="{33650843-C81A-4F12-BB69-EE594CAF36D5}" srcOrd="0" destOrd="0" presId="urn:microsoft.com/office/officeart/2005/8/layout/process3"/>
+    <dgm:cxn modelId="{DEB3D0C6-5939-4210-92B0-ACCFFE0588BA}" type="presOf" srcId="{60C8075F-61D8-4F2B-B3E0-85E286F243BF}" destId="{66D8F2E3-FF23-4CD0-975B-CFED40E49758}" srcOrd="0" destOrd="0" presId="urn:microsoft.com/office/officeart/2005/8/layout/process3"/>
+    <dgm:cxn modelId="{4AF1F1CE-6713-42F5-A0C0-3F4D36F2FBD4}" type="presOf" srcId="{E701AC1D-7C0B-43F5-A00C-6DB6A5E96CA1}" destId="{34367A71-26D4-4E3B-B0E8-AA435393B8F1}" srcOrd="0" destOrd="0" presId="urn:microsoft.com/office/officeart/2005/8/layout/process3"/>
+    <dgm:cxn modelId="{BCEF4FD0-D2C2-4401-ACE9-7D3B858C4F0C}" type="presOf" srcId="{C18B6DB8-23E4-4CE5-8478-D10E599ED6AC}" destId="{81F73123-0F59-4845-9291-B1BB70989AF6}" srcOrd="1" destOrd="0" presId="urn:microsoft.com/office/officeart/2005/8/layout/process3"/>
+    <dgm:cxn modelId="{271A75D4-8D9C-414D-9988-ADA88CB7F855}" type="presOf" srcId="{B261DE3F-9AA4-4D85-9A47-E34FAC5568CA}" destId="{0CCCF012-3582-4093-AE20-AF7D9A3D4A80}" srcOrd="0" destOrd="0" presId="urn:microsoft.com/office/officeart/2005/8/layout/process3"/>
+    <dgm:cxn modelId="{36B4A2DC-EBC2-4A25-8844-EE8D6D62C626}" type="presOf" srcId="{5F320D45-2910-48EA-8DEA-BD3F27180755}" destId="{9BF6A93D-1A47-47AC-96E1-36BBA91A0E30}" srcOrd="0" destOrd="0" presId="urn:microsoft.com/office/officeart/2005/8/layout/process3"/>
+    <dgm:cxn modelId="{5F789DE0-F7C0-496E-8470-FDFA5FB10492}" type="presOf" srcId="{A145AE1C-5174-4CEA-9590-1FDB66618AD2}" destId="{CAD510B2-C930-4B2D-9FE6-1A614AD218F4}" srcOrd="0" destOrd="0" presId="urn:microsoft.com/office/officeart/2005/8/layout/process3"/>
+    <dgm:cxn modelId="{BD1A29E4-BD2B-4FB0-BE4F-1A8DDD9DEB6E}" type="presOf" srcId="{1FE266CB-F1A3-44A8-B030-BEC6826D456B}" destId="{C4CD74D1-22B2-4BE5-910E-EC85E45DE86D}" srcOrd="0" destOrd="0" presId="urn:microsoft.com/office/officeart/2005/8/layout/process3"/>
+    <dgm:cxn modelId="{43CCE7E8-7E30-4248-BEDA-D64E89D8F945}" srcId="{56B64FB0-E7C2-4EAD-A871-4A652338D354}" destId="{B093D554-A4E2-44AB-AC0D-9C91A8ECDC37}" srcOrd="0" destOrd="0" parTransId="{AB6C5088-A4AF-4B90-AA0F-D198F5F82CBB}" sibTransId="{44819C79-6D40-4045-A779-709261238C40}"/>
+    <dgm:cxn modelId="{AFBC59F1-764D-48F1-92D3-04EB99F95F38}" type="presOf" srcId="{5F320D45-2910-48EA-8DEA-BD3F27180755}" destId="{5AB2F676-4C4E-48E7-918C-30E5A5FFDC73}" srcOrd="1" destOrd="0" presId="urn:microsoft.com/office/officeart/2005/8/layout/process3"/>
+    <dgm:cxn modelId="{39F877F2-7310-49D8-803B-0B4E3E62C4B3}" type="presOf" srcId="{B093D554-A4E2-44AB-AC0D-9C91A8ECDC37}" destId="{C339B2A4-78FF-463F-ABBA-C35899C5ADF2}" srcOrd="0" destOrd="0" presId="urn:microsoft.com/office/officeart/2005/8/layout/process3"/>
+    <dgm:cxn modelId="{9BA508F4-9DB9-4E47-9F5E-C73F1E6E1695}" srcId="{A145AE1C-5174-4CEA-9590-1FDB66618AD2}" destId="{583A825B-87B5-4923-8181-725D2B2174FD}" srcOrd="0" destOrd="0" parTransId="{298D50E3-81B8-45BC-B7F8-915BBDB6BC4C}" sibTransId="{5754A605-9E95-41F7-88C4-90CF24572BB3}"/>
+    <dgm:cxn modelId="{DA8A33F6-9A10-44D6-BC8F-D519B24B39F1}" type="presOf" srcId="{64A0873E-E1E0-4DA8-BB04-DC236408A2B0}" destId="{C3313281-1692-4B23-A80C-C8BFB00652B6}" srcOrd="0" destOrd="1" presId="urn:microsoft.com/office/officeart/2005/8/layout/process3"/>
+    <dgm:cxn modelId="{D3F0D1FB-F45E-480C-AEB7-BBC1ACA672D8}" type="presOf" srcId="{A6A0B221-2495-4A0A-9DA7-DF725BCF72DD}" destId="{A3B70847-4E4B-4CF4-8140-086E3EF9333A}" srcOrd="0" destOrd="0" presId="urn:microsoft.com/office/officeart/2005/8/layout/process3"/>
+    <dgm:cxn modelId="{022FBDFE-8548-4D29-984D-FBDECD935625}" srcId="{C18B6DB8-23E4-4CE5-8478-D10E599ED6AC}" destId="{85A8C8D1-7180-4103-A7A8-14FDB2732264}" srcOrd="0" destOrd="0" parTransId="{238CD319-2A91-4C04-B32E-CAB67809E3E7}" sibTransId="{D967AC54-6F65-470C-8412-8BB551DFE74B}"/>
+    <dgm:cxn modelId="{E35C236C-48CD-4C1D-ACCE-F3B75ECA9DB8}" type="presParOf" srcId="{764A1762-B5E8-4A4F-893D-C7B9B9F9D858}" destId="{44894701-7277-4965-BEC8-37B8F589559D}" srcOrd="0" destOrd="0" presId="urn:microsoft.com/office/officeart/2005/8/layout/process3"/>
+    <dgm:cxn modelId="{93A9D7E8-5448-4B0F-B315-1D93BFF40585}" type="presParOf" srcId="{44894701-7277-4965-BEC8-37B8F589559D}" destId="{8777362B-CEF2-43D4-B2BA-74E5708A3AB3}" srcOrd="0" destOrd="0" presId="urn:microsoft.com/office/officeart/2005/8/layout/process3"/>
+    <dgm:cxn modelId="{8EDA6D7B-CA1D-42B9-B53D-66D2732C9611}" type="presParOf" srcId="{44894701-7277-4965-BEC8-37B8F589559D}" destId="{75A2F767-8F71-465E-BBAD-934EF5DD3227}" srcOrd="1" destOrd="0" presId="urn:microsoft.com/office/officeart/2005/8/layout/process3"/>
+    <dgm:cxn modelId="{08B42663-F011-458F-8A27-4356F180C4C8}" type="presParOf" srcId="{44894701-7277-4965-BEC8-37B8F589559D}" destId="{34367A71-26D4-4E3B-B0E8-AA435393B8F1}" srcOrd="2" destOrd="0" presId="urn:microsoft.com/office/officeart/2005/8/layout/process3"/>
+    <dgm:cxn modelId="{507D1561-C0B0-43D9-A238-14C6385FAA10}" type="presParOf" srcId="{764A1762-B5E8-4A4F-893D-C7B9B9F9D858}" destId="{18F4DCC4-3AEC-4429-BE9E-3A8D7A11DF71}" srcOrd="1" destOrd="0" presId="urn:microsoft.com/office/officeart/2005/8/layout/process3"/>
+    <dgm:cxn modelId="{89B9D3AA-49F3-49EC-BD52-887C7CD61F96}" type="presParOf" srcId="{18F4DCC4-3AEC-4429-BE9E-3A8D7A11DF71}" destId="{01BDBE60-7693-41F4-B62D-A9544FBC3A3D}" srcOrd="0" destOrd="0" presId="urn:microsoft.com/office/officeart/2005/8/layout/process3"/>
+    <dgm:cxn modelId="{AF412C48-C4B2-4C79-A4C4-54CA1BDF01A0}" type="presParOf" srcId="{764A1762-B5E8-4A4F-893D-C7B9B9F9D858}" destId="{F66AB13F-AF41-4EF4-9A9B-296C1F5F08E6}" srcOrd="2" destOrd="0" presId="urn:microsoft.com/office/officeart/2005/8/layout/process3"/>
+    <dgm:cxn modelId="{2D3E1A84-9CDE-42F5-B0AB-C5A6768A3EE0}" type="presParOf" srcId="{F66AB13F-AF41-4EF4-9A9B-296C1F5F08E6}" destId="{B92D1A17-C3D7-45CA-8B77-6EF8E3701B99}" srcOrd="0" destOrd="0" presId="urn:microsoft.com/office/officeart/2005/8/layout/process3"/>
+    <dgm:cxn modelId="{D09BC38D-DA00-4C20-AA08-9228F0288E47}" type="presParOf" srcId="{F66AB13F-AF41-4EF4-9A9B-296C1F5F08E6}" destId="{81F73123-0F59-4845-9291-B1BB70989AF6}" srcOrd="1" destOrd="0" presId="urn:microsoft.com/office/officeart/2005/8/layout/process3"/>
+    <dgm:cxn modelId="{D412D027-7F74-4260-8648-FDC434C2369D}" type="presParOf" srcId="{F66AB13F-AF41-4EF4-9A9B-296C1F5F08E6}" destId="{C3313281-1692-4B23-A80C-C8BFB00652B6}" srcOrd="2" destOrd="0" presId="urn:microsoft.com/office/officeart/2005/8/layout/process3"/>
+    <dgm:cxn modelId="{DE2633C6-6663-4018-886C-7996CF65C285}" type="presParOf" srcId="{764A1762-B5E8-4A4F-893D-C7B9B9F9D858}" destId="{9BF6A93D-1A47-47AC-96E1-36BBA91A0E30}" srcOrd="3" destOrd="0" presId="urn:microsoft.com/office/officeart/2005/8/layout/process3"/>
+    <dgm:cxn modelId="{D5E2ED92-9A6D-4E8B-A8A8-853977AEF007}" type="presParOf" srcId="{9BF6A93D-1A47-47AC-96E1-36BBA91A0E30}" destId="{5AB2F676-4C4E-48E7-918C-30E5A5FFDC73}" srcOrd="0" destOrd="0" presId="urn:microsoft.com/office/officeart/2005/8/layout/process3"/>
+    <dgm:cxn modelId="{A915D7C7-F6D7-4B41-86C6-D6B85332F127}" type="presParOf" srcId="{764A1762-B5E8-4A4F-893D-C7B9B9F9D858}" destId="{319A9FED-E1A4-4746-858A-225C6871FC1B}" srcOrd="4" destOrd="0" presId="urn:microsoft.com/office/officeart/2005/8/layout/process3"/>
+    <dgm:cxn modelId="{E81906C9-80BE-442C-B49E-0B2B0DD1D5CF}" type="presParOf" srcId="{319A9FED-E1A4-4746-858A-225C6871FC1B}" destId="{0CCCF012-3582-4093-AE20-AF7D9A3D4A80}" srcOrd="0" destOrd="0" presId="urn:microsoft.com/office/officeart/2005/8/layout/process3"/>
+    <dgm:cxn modelId="{35C194C1-9D5A-4500-9420-FBA8F1DC8830}" type="presParOf" srcId="{319A9FED-E1A4-4746-858A-225C6871FC1B}" destId="{AF8954D3-D1A9-4FE4-AA93-964C1180BF18}" srcOrd="1" destOrd="0" presId="urn:microsoft.com/office/officeart/2005/8/layout/process3"/>
+    <dgm:cxn modelId="{6818615E-09CB-4A6C-A4D1-96C45F7D3514}" type="presParOf" srcId="{319A9FED-E1A4-4746-858A-225C6871FC1B}" destId="{08587180-C387-47A2-842B-2F73AEE4BC15}" srcOrd="2" destOrd="0" presId="urn:microsoft.com/office/officeart/2005/8/layout/process3"/>
+    <dgm:cxn modelId="{10A96BCE-CCF9-4363-BF2E-C8A4F22729F3}" type="presParOf" srcId="{764A1762-B5E8-4A4F-893D-C7B9B9F9D858}" destId="{66D8F2E3-FF23-4CD0-975B-CFED40E49758}" srcOrd="5" destOrd="0" presId="urn:microsoft.com/office/officeart/2005/8/layout/process3"/>
+    <dgm:cxn modelId="{FA3DFCB7-893A-4B21-AB16-8257EF617A21}" type="presParOf" srcId="{66D8F2E3-FF23-4CD0-975B-CFED40E49758}" destId="{1084D254-F635-4EAF-A291-A8FF91ACB927}" srcOrd="0" destOrd="0" presId="urn:microsoft.com/office/officeart/2005/8/layout/process3"/>
+    <dgm:cxn modelId="{A4A53AD6-A00A-4950-86FB-6E9EA5673753}" type="presParOf" srcId="{764A1762-B5E8-4A4F-893D-C7B9B9F9D858}" destId="{2A8C5798-AA7E-40EB-B868-BBDCD5AAFDCB}" srcOrd="6" destOrd="0" presId="urn:microsoft.com/office/officeart/2005/8/layout/process3"/>
+    <dgm:cxn modelId="{DC2888C7-4748-4347-A50E-36A33534BBA4}" type="presParOf" srcId="{2A8C5798-AA7E-40EB-B868-BBDCD5AAFDCB}" destId="{FA8D3DC1-AC2F-4415-865A-F3D49AA17800}" srcOrd="0" destOrd="0" presId="urn:microsoft.com/office/officeart/2005/8/layout/process3"/>
+    <dgm:cxn modelId="{172F007E-F264-4443-8BB2-F6C3B716D3F7}" type="presParOf" srcId="{2A8C5798-AA7E-40EB-B868-BBDCD5AAFDCB}" destId="{8FED200F-7A40-4E7D-A6B0-E36D074B36B1}" srcOrd="1" destOrd="0" presId="urn:microsoft.com/office/officeart/2005/8/layout/process3"/>
+    <dgm:cxn modelId="{F337A8E1-8703-43A5-B302-09B8BD28F7C5}" type="presParOf" srcId="{2A8C5798-AA7E-40EB-B868-BBDCD5AAFDCB}" destId="{02B6CF41-78E7-4712-BD27-52F52B78F7DD}" srcOrd="2" destOrd="0" presId="urn:microsoft.com/office/officeart/2005/8/layout/process3"/>
+    <dgm:cxn modelId="{C0F1B2BC-9765-45F9-8BCF-551D33A1ABE0}" type="presParOf" srcId="{764A1762-B5E8-4A4F-893D-C7B9B9F9D858}" destId="{C4CD74D1-22B2-4BE5-910E-EC85E45DE86D}" srcOrd="7" destOrd="0" presId="urn:microsoft.com/office/officeart/2005/8/layout/process3"/>
+    <dgm:cxn modelId="{4A856DBF-7012-48FD-8564-F908C5EACA7C}" type="presParOf" srcId="{C4CD74D1-22B2-4BE5-910E-EC85E45DE86D}" destId="{6A1669F7-7487-4A1C-9117-416A2503C20C}" srcOrd="0" destOrd="0" presId="urn:microsoft.com/office/officeart/2005/8/layout/process3"/>
+    <dgm:cxn modelId="{88E6EEE6-A014-4BA7-929F-FBBC6491380F}" type="presParOf" srcId="{764A1762-B5E8-4A4F-893D-C7B9B9F9D858}" destId="{3C1E6FD9-6863-4FFC-A33F-32B9B24DAE6D}" srcOrd="8" destOrd="0" presId="urn:microsoft.com/office/officeart/2005/8/layout/process3"/>
+    <dgm:cxn modelId="{C0204EDF-DF2B-4BB4-ADF2-4C6D7923BB35}" type="presParOf" srcId="{3C1E6FD9-6863-4FFC-A33F-32B9B24DAE6D}" destId="{33650843-C81A-4F12-BB69-EE594CAF36D5}" srcOrd="0" destOrd="0" presId="urn:microsoft.com/office/officeart/2005/8/layout/process3"/>
+    <dgm:cxn modelId="{295995ED-CEE4-49A5-9022-CC076E3E4A5D}" type="presParOf" srcId="{3C1E6FD9-6863-4FFC-A33F-32B9B24DAE6D}" destId="{29AE18ED-EDB2-471D-845C-233F81E6F57B}" srcOrd="1" destOrd="0" presId="urn:microsoft.com/office/officeart/2005/8/layout/process3"/>
+    <dgm:cxn modelId="{248CA216-4E9E-467C-8D6B-EF7D38528570}" type="presParOf" srcId="{3C1E6FD9-6863-4FFC-A33F-32B9B24DAE6D}" destId="{C339B2A4-78FF-463F-ABBA-C35899C5ADF2}" srcOrd="2" destOrd="0" presId="urn:microsoft.com/office/officeart/2005/8/layout/process3"/>
+    <dgm:cxn modelId="{5EA9048F-5B07-43D2-9445-64E1C0BF93AC}" type="presParOf" srcId="{764A1762-B5E8-4A4F-893D-C7B9B9F9D858}" destId="{A3B70847-4E4B-4CF4-8140-086E3EF9333A}" srcOrd="9" destOrd="0" presId="urn:microsoft.com/office/officeart/2005/8/layout/process3"/>
+    <dgm:cxn modelId="{2BD9DECD-D27F-425E-80E7-071AF4DA804C}" type="presParOf" srcId="{A3B70847-4E4B-4CF4-8140-086E3EF9333A}" destId="{74709F62-6840-450B-B294-1B1D9E5E9C3A}" srcOrd="0" destOrd="0" presId="urn:microsoft.com/office/officeart/2005/8/layout/process3"/>
+    <dgm:cxn modelId="{2097C6D0-B0D7-4E90-AA0A-0C9C56A9FB9C}" type="presParOf" srcId="{764A1762-B5E8-4A4F-893D-C7B9B9F9D858}" destId="{D01A35BF-3686-48C1-A03E-95498401D6C1}" srcOrd="10" destOrd="0" presId="urn:microsoft.com/office/officeart/2005/8/layout/process3"/>
+    <dgm:cxn modelId="{8EA4EB25-6D4F-4A3F-B0F2-3526ACC04DDC}" type="presParOf" srcId="{D01A35BF-3686-48C1-A03E-95498401D6C1}" destId="{CAD510B2-C930-4B2D-9FE6-1A614AD218F4}" srcOrd="0" destOrd="0" presId="urn:microsoft.com/office/officeart/2005/8/layout/process3"/>
+    <dgm:cxn modelId="{9392ACFF-5D8E-4A8B-B443-F35DA5202DAA}" type="presParOf" srcId="{D01A35BF-3686-48C1-A03E-95498401D6C1}" destId="{05083D49-ACC0-49EB-82C3-0612145B701F}" srcOrd="1" destOrd="0" presId="urn:microsoft.com/office/officeart/2005/8/layout/process3"/>
+    <dgm:cxn modelId="{D6EA909D-3A38-440A-8969-B1A72AE86AD3}" type="presParOf" srcId="{D01A35BF-3686-48C1-A03E-95498401D6C1}" destId="{BA263AA9-AF1D-4465-8C16-744C407E6CAF}" srcOrd="2" destOrd="0" presId="urn:microsoft.com/office/officeart/2005/8/layout/process3"/>
+  </dgm:cxnLst>
+  <dgm:bg/>
+  <dgm:whole/>
+  <dgm:extLst>
+    <a:ext uri="http://schemas.microsoft.com/office/drawing/2008/diagram">
+      <dsp:dataModelExt xmlns:dsp="http://schemas.microsoft.com/office/drawing/2008/diagram" relId="rId6" minVer="http://schemas.openxmlformats.org/drawingml/2006/diagram"/>
+    </a:ext>
+  </dgm:extLst>
+</dgm:dataModel>
+</file>
+
+<file path=ppt/diagrams/drawing1.xml><?xml version="1.0" encoding="utf-8"?>
+<dsp:drawing xmlns:dgm="http://schemas.openxmlformats.org/drawingml/2006/diagram" xmlns:dsp="http://schemas.microsoft.com/office/drawing/2008/diagram" xmlns:a="http://schemas.openxmlformats.org/drawingml/2006/main">
+  <dsp:spTree>
+    <dsp:nvGrpSpPr>
+      <dsp:cNvPr id="0" name=""/>
+      <dsp:cNvGrpSpPr/>
+    </dsp:nvGrpSpPr>
+    <dsp:grpSpPr/>
+    <dsp:sp modelId="{75A2F767-8F71-465E-BBAD-934EF5DD3227}">
+      <dsp:nvSpPr>
+        <dsp:cNvPr id="0" name=""/>
+        <dsp:cNvSpPr/>
+      </dsp:nvSpPr>
+      <dsp:spPr>
+        <a:xfrm>
+          <a:off x="2098" y="1314367"/>
+          <a:ext cx="890508" cy="501058"/>
+        </a:xfrm>
+        <a:prstGeom prst="roundRect">
+          <a:avLst>
+            <a:gd name="adj" fmla="val 10000"/>
+          </a:avLst>
+        </a:prstGeom>
+        <a:solidFill>
+          <a:schemeClr val="accent1">
+            <a:hueOff val="0"/>
+            <a:satOff val="0"/>
+            <a:lumOff val="0"/>
+            <a:alphaOff val="0"/>
+          </a:schemeClr>
+        </a:solidFill>
+        <a:ln w="12700" cap="flat" cmpd="sng" algn="ctr">
+          <a:solidFill>
+            <a:schemeClr val="lt1">
+              <a:hueOff val="0"/>
+              <a:satOff val="0"/>
+              <a:lumOff val="0"/>
+              <a:alphaOff val="0"/>
+            </a:schemeClr>
+          </a:solidFill>
+          <a:prstDash val="solid"/>
+          <a:miter lim="800000"/>
+        </a:ln>
+        <a:effectLst/>
+      </dsp:spPr>
+      <dsp:style>
+        <a:lnRef idx="2">
+          <a:scrgbClr r="0" g="0" b="0"/>
+        </a:lnRef>
+        <a:fillRef idx="1">
+          <a:scrgbClr r="0" g="0" b="0"/>
+        </a:fillRef>
+        <a:effectRef idx="0">
+          <a:scrgbClr r="0" g="0" b="0"/>
+        </a:effectRef>
+        <a:fontRef idx="minor">
+          <a:schemeClr val="lt1"/>
+        </a:fontRef>
+      </dsp:style>
+      <dsp:txBody>
+        <a:bodyPr spcFirstLastPara="0" vert="horz" wrap="square" lIns="78232" tIns="78232" rIns="78232" bIns="41910" numCol="1" spcCol="1270" anchor="t" anchorCtr="0">
+          <a:noAutofit/>
+        </a:bodyPr>
+        <a:lstStyle/>
+        <a:p>
+          <a:pPr marL="0" lvl="0" indent="0" algn="l" defTabSz="488950">
+            <a:lnSpc>
+              <a:spcPct val="90000"/>
+            </a:lnSpc>
+            <a:spcBef>
+              <a:spcPct val="0"/>
+            </a:spcBef>
+            <a:spcAft>
+              <a:spcPct val="35000"/>
+            </a:spcAft>
+            <a:buNone/>
+          </a:pPr>
+          <a:r>
+            <a:rPr lang="zh-CN" altLang="en-US" sz="1100" kern="1200" dirty="0"/>
+            <a:t>业务建模</a:t>
+          </a:r>
+        </a:p>
+      </dsp:txBody>
+      <dsp:txXfrm>
+        <a:off x="2098" y="1314367"/>
+        <a:ext cx="890508" cy="334039"/>
+      </dsp:txXfrm>
+    </dsp:sp>
+    <dsp:sp modelId="{34367A71-26D4-4E3B-B0E8-AA435393B8F1}">
+      <dsp:nvSpPr>
+        <dsp:cNvPr id="0" name=""/>
+        <dsp:cNvSpPr/>
+      </dsp:nvSpPr>
+      <dsp:spPr>
+        <a:xfrm>
+          <a:off x="184491" y="1648407"/>
+          <a:ext cx="890508" cy="1663199"/>
+        </a:xfrm>
+        <a:prstGeom prst="roundRect">
+          <a:avLst>
+            <a:gd name="adj" fmla="val 10000"/>
+          </a:avLst>
+        </a:prstGeom>
+        <a:solidFill>
+          <a:schemeClr val="lt1">
+            <a:alpha val="90000"/>
+            <a:hueOff val="0"/>
+            <a:satOff val="0"/>
+            <a:lumOff val="0"/>
+            <a:alphaOff val="0"/>
+          </a:schemeClr>
+        </a:solidFill>
+        <a:ln w="12700" cap="flat" cmpd="sng" algn="ctr">
+          <a:solidFill>
+            <a:schemeClr val="accent1">
+              <a:hueOff val="0"/>
+              <a:satOff val="0"/>
+              <a:lumOff val="0"/>
+              <a:alphaOff val="0"/>
+            </a:schemeClr>
+          </a:solidFill>
+          <a:prstDash val="solid"/>
+          <a:miter lim="800000"/>
+        </a:ln>
+        <a:effectLst/>
+      </dsp:spPr>
+      <dsp:style>
+        <a:lnRef idx="2">
+          <a:scrgbClr r="0" g="0" b="0"/>
+        </a:lnRef>
+        <a:fillRef idx="1">
+          <a:scrgbClr r="0" g="0" b="0"/>
+        </a:fillRef>
+        <a:effectRef idx="0">
+          <a:scrgbClr r="0" g="0" b="0"/>
+        </a:effectRef>
+        <a:fontRef idx="minor"/>
+      </dsp:style>
+      <dsp:txBody>
+        <a:bodyPr spcFirstLastPara="0" vert="horz" wrap="square" lIns="78232" tIns="78232" rIns="78232" bIns="78232" numCol="1" spcCol="1270" anchor="t" anchorCtr="0">
+          <a:noAutofit/>
+        </a:bodyPr>
+        <a:lstStyle/>
+        <a:p>
+          <a:pPr marL="57150" lvl="1" indent="-57150" algn="l" defTabSz="488950">
+            <a:lnSpc>
+              <a:spcPct val="90000"/>
+            </a:lnSpc>
+            <a:spcBef>
+              <a:spcPct val="0"/>
+            </a:spcBef>
+            <a:spcAft>
+              <a:spcPct val="15000"/>
+            </a:spcAft>
+            <a:buChar char="•"/>
+          </a:pPr>
+          <a:r>
+            <a:rPr lang="zh-CN" altLang="en-US" sz="1100" kern="1200" dirty="0"/>
+            <a:t>理解目前用户的业务流程</a:t>
+          </a:r>
+        </a:p>
+        <a:p>
+          <a:pPr marL="57150" lvl="1" indent="-57150" algn="l" defTabSz="488950">
+            <a:lnSpc>
+              <a:spcPct val="90000"/>
+            </a:lnSpc>
+            <a:spcBef>
+              <a:spcPct val="0"/>
+            </a:spcBef>
+            <a:spcAft>
+              <a:spcPct val="15000"/>
+            </a:spcAft>
+            <a:buChar char="•"/>
+          </a:pPr>
+          <a:r>
+            <a:rPr lang="zh-CN" altLang="en-US" sz="1100" kern="1200" dirty="0"/>
+            <a:t>形成准确的描述，</a:t>
+          </a:r>
+          <a:r>
+            <a:rPr lang="en-US" altLang="zh-CN" sz="1100" kern="1200" dirty="0"/>
+            <a:t>XML</a:t>
+          </a:r>
+          <a:r>
+            <a:rPr lang="zh-CN" altLang="en-US" sz="1100" kern="1200" dirty="0"/>
+            <a:t>，</a:t>
+          </a:r>
+          <a:r>
+            <a:rPr lang="en-US" altLang="zh-CN" sz="1100" kern="1200" dirty="0"/>
+            <a:t>Use Case</a:t>
+          </a:r>
+          <a:endParaRPr lang="zh-CN" altLang="en-US" sz="1100" kern="1200" dirty="0"/>
+        </a:p>
+      </dsp:txBody>
+      <dsp:txXfrm>
+        <a:off x="210573" y="1674489"/>
+        <a:ext cx="838344" cy="1611035"/>
+      </dsp:txXfrm>
+    </dsp:sp>
+    <dsp:sp modelId="{18F4DCC4-3AEC-4429-BE9E-3A8D7A11DF71}">
+      <dsp:nvSpPr>
+        <dsp:cNvPr id="0" name=""/>
+        <dsp:cNvSpPr/>
+      </dsp:nvSpPr>
+      <dsp:spPr>
+        <a:xfrm>
+          <a:off x="1027605" y="1370532"/>
+          <a:ext cx="286195" cy="221710"/>
+        </a:xfrm>
+        <a:prstGeom prst="rightArrow">
+          <a:avLst>
+            <a:gd name="adj1" fmla="val 60000"/>
+            <a:gd name="adj2" fmla="val 50000"/>
+          </a:avLst>
+        </a:prstGeom>
+        <a:solidFill>
+          <a:schemeClr val="accent1">
+            <a:tint val="60000"/>
+            <a:hueOff val="0"/>
+            <a:satOff val="0"/>
+            <a:lumOff val="0"/>
+            <a:alphaOff val="0"/>
+          </a:schemeClr>
+        </a:solidFill>
+        <a:ln>
+          <a:noFill/>
+        </a:ln>
+        <a:effectLst/>
+      </dsp:spPr>
+      <dsp:style>
+        <a:lnRef idx="0">
+          <a:scrgbClr r="0" g="0" b="0"/>
+        </a:lnRef>
+        <a:fillRef idx="1">
+          <a:scrgbClr r="0" g="0" b="0"/>
+        </a:fillRef>
+        <a:effectRef idx="0">
+          <a:scrgbClr r="0" g="0" b="0"/>
+        </a:effectRef>
+        <a:fontRef idx="minor">
+          <a:schemeClr val="lt1"/>
+        </a:fontRef>
+      </dsp:style>
+      <dsp:txBody>
+        <a:bodyPr spcFirstLastPara="0" vert="horz" wrap="square" lIns="0" tIns="0" rIns="0" bIns="0" numCol="1" spcCol="1270" anchor="ctr" anchorCtr="0">
+          <a:noAutofit/>
+        </a:bodyPr>
+        <a:lstStyle/>
+        <a:p>
+          <a:pPr marL="0" lvl="0" indent="0" algn="ctr" defTabSz="400050">
+            <a:lnSpc>
+              <a:spcPct val="90000"/>
+            </a:lnSpc>
+            <a:spcBef>
+              <a:spcPct val="0"/>
+            </a:spcBef>
+            <a:spcAft>
+              <a:spcPct val="35000"/>
+            </a:spcAft>
+            <a:buNone/>
+          </a:pPr>
+          <a:endParaRPr lang="zh-CN" altLang="en-US" sz="900" kern="1200"/>
+        </a:p>
+      </dsp:txBody>
+      <dsp:txXfrm>
+        <a:off x="1027605" y="1414874"/>
+        <a:ext cx="219682" cy="133026"/>
+      </dsp:txXfrm>
+    </dsp:sp>
+    <dsp:sp modelId="{81F73123-0F59-4845-9291-B1BB70989AF6}">
+      <dsp:nvSpPr>
+        <dsp:cNvPr id="0" name=""/>
+        <dsp:cNvSpPr/>
+      </dsp:nvSpPr>
+      <dsp:spPr>
+        <a:xfrm>
+          <a:off x="1432598" y="1314367"/>
+          <a:ext cx="890508" cy="501058"/>
+        </a:xfrm>
+        <a:prstGeom prst="roundRect">
+          <a:avLst>
+            <a:gd name="adj" fmla="val 10000"/>
+          </a:avLst>
+        </a:prstGeom>
+        <a:solidFill>
+          <a:schemeClr val="accent1">
+            <a:hueOff val="0"/>
+            <a:satOff val="0"/>
+            <a:lumOff val="0"/>
+            <a:alphaOff val="0"/>
+          </a:schemeClr>
+        </a:solidFill>
+        <a:ln w="12700" cap="flat" cmpd="sng" algn="ctr">
+          <a:solidFill>
+            <a:schemeClr val="lt1">
+              <a:hueOff val="0"/>
+              <a:satOff val="0"/>
+              <a:lumOff val="0"/>
+              <a:alphaOff val="0"/>
+            </a:schemeClr>
+          </a:solidFill>
+          <a:prstDash val="solid"/>
+          <a:miter lim="800000"/>
+        </a:ln>
+        <a:effectLst/>
+      </dsp:spPr>
+      <dsp:style>
+        <a:lnRef idx="2">
+          <a:scrgbClr r="0" g="0" b="0"/>
+        </a:lnRef>
+        <a:fillRef idx="1">
+          <a:scrgbClr r="0" g="0" b="0"/>
+        </a:fillRef>
+        <a:effectRef idx="0">
+          <a:scrgbClr r="0" g="0" b="0"/>
+        </a:effectRef>
+        <a:fontRef idx="minor">
+          <a:schemeClr val="lt1"/>
+        </a:fontRef>
+      </dsp:style>
+      <dsp:txBody>
+        <a:bodyPr spcFirstLastPara="0" vert="horz" wrap="square" lIns="78232" tIns="78232" rIns="78232" bIns="41910" numCol="1" spcCol="1270" anchor="t" anchorCtr="0">
+          <a:noAutofit/>
+        </a:bodyPr>
+        <a:lstStyle/>
+        <a:p>
+          <a:pPr marL="0" lvl="0" indent="0" algn="l" defTabSz="488950">
+            <a:lnSpc>
+              <a:spcPct val="90000"/>
+            </a:lnSpc>
+            <a:spcBef>
+              <a:spcPct val="0"/>
+            </a:spcBef>
+            <a:spcAft>
+              <a:spcPct val="35000"/>
+            </a:spcAft>
+            <a:buNone/>
+          </a:pPr>
+          <a:r>
+            <a:rPr lang="zh-CN" altLang="en-US" sz="1100" kern="1200" dirty="0"/>
+            <a:t>需求分析</a:t>
+          </a:r>
+        </a:p>
+      </dsp:txBody>
+      <dsp:txXfrm>
+        <a:off x="1432598" y="1314367"/>
+        <a:ext cx="890508" cy="334039"/>
+      </dsp:txXfrm>
+    </dsp:sp>
+    <dsp:sp modelId="{C3313281-1692-4B23-A80C-C8BFB00652B6}">
+      <dsp:nvSpPr>
+        <dsp:cNvPr id="0" name=""/>
+        <dsp:cNvSpPr/>
+      </dsp:nvSpPr>
+      <dsp:spPr>
+        <a:xfrm>
+          <a:off x="1614992" y="1648407"/>
+          <a:ext cx="890508" cy="1663199"/>
+        </a:xfrm>
+        <a:prstGeom prst="roundRect">
+          <a:avLst>
+            <a:gd name="adj" fmla="val 10000"/>
+          </a:avLst>
+        </a:prstGeom>
+        <a:solidFill>
+          <a:schemeClr val="lt1">
+            <a:alpha val="90000"/>
+            <a:hueOff val="0"/>
+            <a:satOff val="0"/>
+            <a:lumOff val="0"/>
+            <a:alphaOff val="0"/>
+          </a:schemeClr>
+        </a:solidFill>
+        <a:ln w="12700" cap="flat" cmpd="sng" algn="ctr">
+          <a:solidFill>
+            <a:schemeClr val="accent1">
+              <a:hueOff val="0"/>
+              <a:satOff val="0"/>
+              <a:lumOff val="0"/>
+              <a:alphaOff val="0"/>
+            </a:schemeClr>
+          </a:solidFill>
+          <a:prstDash val="solid"/>
+          <a:miter lim="800000"/>
+        </a:ln>
+        <a:effectLst/>
+      </dsp:spPr>
+      <dsp:style>
+        <a:lnRef idx="2">
+          <a:scrgbClr r="0" g="0" b="0"/>
+        </a:lnRef>
+        <a:fillRef idx="1">
+          <a:scrgbClr r="0" g="0" b="0"/>
+        </a:fillRef>
+        <a:effectRef idx="0">
+          <a:scrgbClr r="0" g="0" b="0"/>
+        </a:effectRef>
+        <a:fontRef idx="minor"/>
+      </dsp:style>
+      <dsp:txBody>
+        <a:bodyPr spcFirstLastPara="0" vert="horz" wrap="square" lIns="78232" tIns="78232" rIns="78232" bIns="78232" numCol="1" spcCol="1270" anchor="t" anchorCtr="0">
+          <a:noAutofit/>
+        </a:bodyPr>
+        <a:lstStyle/>
+        <a:p>
+          <a:pPr marL="57150" lvl="1" indent="-57150" algn="l" defTabSz="488950">
+            <a:lnSpc>
+              <a:spcPct val="90000"/>
+            </a:lnSpc>
+            <a:spcBef>
+              <a:spcPct val="0"/>
+            </a:spcBef>
+            <a:spcAft>
+              <a:spcPct val="15000"/>
+            </a:spcAft>
+            <a:buChar char="•"/>
+          </a:pPr>
+          <a:r>
+            <a:rPr lang="zh-CN" altLang="en-US" sz="1100" kern="1200" dirty="0"/>
+            <a:t>系统要提供什么样的功能来满足用户的需求</a:t>
+          </a:r>
+        </a:p>
+        <a:p>
+          <a:pPr marL="57150" lvl="1" indent="-57150" algn="l" defTabSz="488950">
+            <a:lnSpc>
+              <a:spcPct val="90000"/>
+            </a:lnSpc>
+            <a:spcBef>
+              <a:spcPct val="0"/>
+            </a:spcBef>
+            <a:spcAft>
+              <a:spcPct val="15000"/>
+            </a:spcAft>
+            <a:buChar char="•"/>
+          </a:pPr>
+          <a:r>
+            <a:rPr lang="zh-CN" altLang="en-US" sz="1100" kern="1200" dirty="0"/>
+            <a:t>约束条件</a:t>
+          </a:r>
+        </a:p>
+      </dsp:txBody>
+      <dsp:txXfrm>
+        <a:off x="1641074" y="1674489"/>
+        <a:ext cx="838344" cy="1611035"/>
+      </dsp:txXfrm>
+    </dsp:sp>
+    <dsp:sp modelId="{9BF6A93D-1A47-47AC-96E1-36BBA91A0E30}">
+      <dsp:nvSpPr>
+        <dsp:cNvPr id="0" name=""/>
+        <dsp:cNvSpPr/>
+      </dsp:nvSpPr>
+      <dsp:spPr>
+        <a:xfrm>
+          <a:off x="2458105" y="1370532"/>
+          <a:ext cx="286195" cy="221710"/>
+        </a:xfrm>
+        <a:prstGeom prst="rightArrow">
+          <a:avLst>
+            <a:gd name="adj1" fmla="val 60000"/>
+            <a:gd name="adj2" fmla="val 50000"/>
+          </a:avLst>
+        </a:prstGeom>
+        <a:solidFill>
+          <a:schemeClr val="accent1">
+            <a:tint val="60000"/>
+            <a:hueOff val="0"/>
+            <a:satOff val="0"/>
+            <a:lumOff val="0"/>
+            <a:alphaOff val="0"/>
+          </a:schemeClr>
+        </a:solidFill>
+        <a:ln>
+          <a:noFill/>
+        </a:ln>
+        <a:effectLst/>
+      </dsp:spPr>
+      <dsp:style>
+        <a:lnRef idx="0">
+          <a:scrgbClr r="0" g="0" b="0"/>
+        </a:lnRef>
+        <a:fillRef idx="1">
+          <a:scrgbClr r="0" g="0" b="0"/>
+        </a:fillRef>
+        <a:effectRef idx="0">
+          <a:scrgbClr r="0" g="0" b="0"/>
+        </a:effectRef>
+        <a:fontRef idx="minor">
+          <a:schemeClr val="lt1"/>
+        </a:fontRef>
+      </dsp:style>
+      <dsp:txBody>
+        <a:bodyPr spcFirstLastPara="0" vert="horz" wrap="square" lIns="0" tIns="0" rIns="0" bIns="0" numCol="1" spcCol="1270" anchor="ctr" anchorCtr="0">
+          <a:noAutofit/>
+        </a:bodyPr>
+        <a:lstStyle/>
+        <a:p>
+          <a:pPr marL="0" lvl="0" indent="0" algn="ctr" defTabSz="400050">
+            <a:lnSpc>
+              <a:spcPct val="90000"/>
+            </a:lnSpc>
+            <a:spcBef>
+              <a:spcPct val="0"/>
+            </a:spcBef>
+            <a:spcAft>
+              <a:spcPct val="35000"/>
+            </a:spcAft>
+            <a:buNone/>
+          </a:pPr>
+          <a:endParaRPr lang="zh-CN" altLang="en-US" sz="900" kern="1200"/>
+        </a:p>
+      </dsp:txBody>
+      <dsp:txXfrm>
+        <a:off x="2458105" y="1414874"/>
+        <a:ext cx="219682" cy="133026"/>
+      </dsp:txXfrm>
+    </dsp:sp>
+    <dsp:sp modelId="{AF8954D3-D1A9-4FE4-AA93-964C1180BF18}">
+      <dsp:nvSpPr>
+        <dsp:cNvPr id="0" name=""/>
+        <dsp:cNvSpPr/>
+      </dsp:nvSpPr>
+      <dsp:spPr>
+        <a:xfrm>
+          <a:off x="2863098" y="1314367"/>
+          <a:ext cx="890508" cy="501058"/>
+        </a:xfrm>
+        <a:prstGeom prst="roundRect">
+          <a:avLst>
+            <a:gd name="adj" fmla="val 10000"/>
+          </a:avLst>
+        </a:prstGeom>
+        <a:solidFill>
+          <a:schemeClr val="accent1">
+            <a:hueOff val="0"/>
+            <a:satOff val="0"/>
+            <a:lumOff val="0"/>
+            <a:alphaOff val="0"/>
+          </a:schemeClr>
+        </a:solidFill>
+        <a:ln w="12700" cap="flat" cmpd="sng" algn="ctr">
+          <a:solidFill>
+            <a:schemeClr val="lt1">
+              <a:hueOff val="0"/>
+              <a:satOff val="0"/>
+              <a:lumOff val="0"/>
+              <a:alphaOff val="0"/>
+            </a:schemeClr>
+          </a:solidFill>
+          <a:prstDash val="solid"/>
+          <a:miter lim="800000"/>
+        </a:ln>
+        <a:effectLst/>
+      </dsp:spPr>
+      <dsp:style>
+        <a:lnRef idx="2">
+          <a:scrgbClr r="0" g="0" b="0"/>
+        </a:lnRef>
+        <a:fillRef idx="1">
+          <a:scrgbClr r="0" g="0" b="0"/>
+        </a:fillRef>
+        <a:effectRef idx="0">
+          <a:scrgbClr r="0" g="0" b="0"/>
+        </a:effectRef>
+        <a:fontRef idx="minor">
+          <a:schemeClr val="lt1"/>
+        </a:fontRef>
+      </dsp:style>
+      <dsp:txBody>
+        <a:bodyPr spcFirstLastPara="0" vert="horz" wrap="square" lIns="78232" tIns="78232" rIns="78232" bIns="41910" numCol="1" spcCol="1270" anchor="t" anchorCtr="0">
+          <a:noAutofit/>
+        </a:bodyPr>
+        <a:lstStyle/>
+        <a:p>
+          <a:pPr marL="0" lvl="0" indent="0" algn="l" defTabSz="488950">
+            <a:lnSpc>
+              <a:spcPct val="90000"/>
+            </a:lnSpc>
+            <a:spcBef>
+              <a:spcPct val="0"/>
+            </a:spcBef>
+            <a:spcAft>
+              <a:spcPct val="35000"/>
+            </a:spcAft>
+            <a:buNone/>
+          </a:pPr>
+          <a:r>
+            <a:rPr lang="zh-CN" altLang="en-US" sz="1100" kern="1200" dirty="0"/>
+            <a:t>分析和设计</a:t>
+          </a:r>
+        </a:p>
+      </dsp:txBody>
+      <dsp:txXfrm>
+        <a:off x="2863098" y="1314367"/>
+        <a:ext cx="890508" cy="334039"/>
+      </dsp:txXfrm>
+    </dsp:sp>
+    <dsp:sp modelId="{08587180-C387-47A2-842B-2F73AEE4BC15}">
+      <dsp:nvSpPr>
+        <dsp:cNvPr id="0" name=""/>
+        <dsp:cNvSpPr/>
+      </dsp:nvSpPr>
+      <dsp:spPr>
+        <a:xfrm>
+          <a:off x="3045492" y="1648407"/>
+          <a:ext cx="890508" cy="1663199"/>
+        </a:xfrm>
+        <a:prstGeom prst="roundRect">
+          <a:avLst>
+            <a:gd name="adj" fmla="val 10000"/>
+          </a:avLst>
+        </a:prstGeom>
+        <a:solidFill>
+          <a:schemeClr val="lt1">
+            <a:alpha val="90000"/>
+            <a:hueOff val="0"/>
+            <a:satOff val="0"/>
+            <a:lumOff val="0"/>
+            <a:alphaOff val="0"/>
+          </a:schemeClr>
+        </a:solidFill>
+        <a:ln w="12700" cap="flat" cmpd="sng" algn="ctr">
+          <a:solidFill>
+            <a:schemeClr val="accent1">
+              <a:hueOff val="0"/>
+              <a:satOff val="0"/>
+              <a:lumOff val="0"/>
+              <a:alphaOff val="0"/>
+            </a:schemeClr>
+          </a:solidFill>
+          <a:prstDash val="solid"/>
+          <a:miter lim="800000"/>
+        </a:ln>
+        <a:effectLst/>
+      </dsp:spPr>
+      <dsp:style>
+        <a:lnRef idx="2">
+          <a:scrgbClr r="0" g="0" b="0"/>
+        </a:lnRef>
+        <a:fillRef idx="1">
+          <a:scrgbClr r="0" g="0" b="0"/>
+        </a:fillRef>
+        <a:effectRef idx="0">
+          <a:scrgbClr r="0" g="0" b="0"/>
+        </a:effectRef>
+        <a:fontRef idx="minor"/>
+      </dsp:style>
+      <dsp:txBody>
+        <a:bodyPr spcFirstLastPara="0" vert="horz" wrap="square" lIns="78232" tIns="78232" rIns="78232" bIns="78232" numCol="1" spcCol="1270" anchor="t" anchorCtr="0">
+          <a:noAutofit/>
+        </a:bodyPr>
+        <a:lstStyle/>
+        <a:p>
+          <a:pPr marL="57150" lvl="1" indent="-57150" algn="l" defTabSz="488950">
+            <a:lnSpc>
+              <a:spcPct val="90000"/>
+            </a:lnSpc>
+            <a:spcBef>
+              <a:spcPct val="0"/>
+            </a:spcBef>
+            <a:spcAft>
+              <a:spcPct val="15000"/>
+            </a:spcAft>
+            <a:buChar char="•"/>
+          </a:pPr>
+          <a:r>
+            <a:rPr lang="zh-CN" altLang="en-US" sz="1100" kern="1200" dirty="0"/>
+            <a:t>将需求转为软件系统的设计</a:t>
+          </a:r>
+        </a:p>
+      </dsp:txBody>
+      <dsp:txXfrm>
+        <a:off x="3071574" y="1674489"/>
+        <a:ext cx="838344" cy="1611035"/>
+      </dsp:txXfrm>
+    </dsp:sp>
+    <dsp:sp modelId="{66D8F2E3-FF23-4CD0-975B-CFED40E49758}">
+      <dsp:nvSpPr>
+        <dsp:cNvPr id="0" name=""/>
+        <dsp:cNvSpPr/>
+      </dsp:nvSpPr>
+      <dsp:spPr>
+        <a:xfrm>
+          <a:off x="3888605" y="1370532"/>
+          <a:ext cx="286195" cy="221710"/>
+        </a:xfrm>
+        <a:prstGeom prst="rightArrow">
+          <a:avLst>
+            <a:gd name="adj1" fmla="val 60000"/>
+            <a:gd name="adj2" fmla="val 50000"/>
+          </a:avLst>
+        </a:prstGeom>
+        <a:solidFill>
+          <a:schemeClr val="accent1">
+            <a:tint val="60000"/>
+            <a:hueOff val="0"/>
+            <a:satOff val="0"/>
+            <a:lumOff val="0"/>
+            <a:alphaOff val="0"/>
+          </a:schemeClr>
+        </a:solidFill>
+        <a:ln>
+          <a:noFill/>
+        </a:ln>
+        <a:effectLst/>
+      </dsp:spPr>
+      <dsp:style>
+        <a:lnRef idx="0">
+          <a:scrgbClr r="0" g="0" b="0"/>
+        </a:lnRef>
+        <a:fillRef idx="1">
+          <a:scrgbClr r="0" g="0" b="0"/>
+        </a:fillRef>
+        <a:effectRef idx="0">
+          <a:scrgbClr r="0" g="0" b="0"/>
+        </a:effectRef>
+        <a:fontRef idx="minor">
+          <a:schemeClr val="lt1"/>
+        </a:fontRef>
+      </dsp:style>
+      <dsp:txBody>
+        <a:bodyPr spcFirstLastPara="0" vert="horz" wrap="square" lIns="0" tIns="0" rIns="0" bIns="0" numCol="1" spcCol="1270" anchor="ctr" anchorCtr="0">
+          <a:noAutofit/>
+        </a:bodyPr>
+        <a:lstStyle/>
+        <a:p>
+          <a:pPr marL="0" lvl="0" indent="0" algn="ctr" defTabSz="400050">
+            <a:lnSpc>
+              <a:spcPct val="90000"/>
+            </a:lnSpc>
+            <a:spcBef>
+              <a:spcPct val="0"/>
+            </a:spcBef>
+            <a:spcAft>
+              <a:spcPct val="35000"/>
+            </a:spcAft>
+            <a:buNone/>
+          </a:pPr>
+          <a:endParaRPr lang="zh-CN" altLang="en-US" sz="900" kern="1200"/>
+        </a:p>
+      </dsp:txBody>
+      <dsp:txXfrm>
+        <a:off x="3888605" y="1414874"/>
+        <a:ext cx="219682" cy="133026"/>
+      </dsp:txXfrm>
+    </dsp:sp>
+    <dsp:sp modelId="{8FED200F-7A40-4E7D-A6B0-E36D074B36B1}">
+      <dsp:nvSpPr>
+        <dsp:cNvPr id="0" name=""/>
+        <dsp:cNvSpPr/>
+      </dsp:nvSpPr>
+      <dsp:spPr>
+        <a:xfrm>
+          <a:off x="4293599" y="1314367"/>
+          <a:ext cx="890508" cy="501058"/>
+        </a:xfrm>
+        <a:prstGeom prst="roundRect">
+          <a:avLst>
+            <a:gd name="adj" fmla="val 10000"/>
+          </a:avLst>
+        </a:prstGeom>
+        <a:solidFill>
+          <a:schemeClr val="accent1">
+            <a:hueOff val="0"/>
+            <a:satOff val="0"/>
+            <a:lumOff val="0"/>
+            <a:alphaOff val="0"/>
+          </a:schemeClr>
+        </a:solidFill>
+        <a:ln w="12700" cap="flat" cmpd="sng" algn="ctr">
+          <a:solidFill>
+            <a:schemeClr val="lt1">
+              <a:hueOff val="0"/>
+              <a:satOff val="0"/>
+              <a:lumOff val="0"/>
+              <a:alphaOff val="0"/>
+            </a:schemeClr>
+          </a:solidFill>
+          <a:prstDash val="solid"/>
+          <a:miter lim="800000"/>
+        </a:ln>
+        <a:effectLst/>
+      </dsp:spPr>
+      <dsp:style>
+        <a:lnRef idx="2">
+          <a:scrgbClr r="0" g="0" b="0"/>
+        </a:lnRef>
+        <a:fillRef idx="1">
+          <a:scrgbClr r="0" g="0" b="0"/>
+        </a:fillRef>
+        <a:effectRef idx="0">
+          <a:scrgbClr r="0" g="0" b="0"/>
+        </a:effectRef>
+        <a:fontRef idx="minor">
+          <a:schemeClr val="lt1"/>
+        </a:fontRef>
+      </dsp:style>
+      <dsp:txBody>
+        <a:bodyPr spcFirstLastPara="0" vert="horz" wrap="square" lIns="78232" tIns="78232" rIns="78232" bIns="41910" numCol="1" spcCol="1270" anchor="t" anchorCtr="0">
+          <a:noAutofit/>
+        </a:bodyPr>
+        <a:lstStyle/>
+        <a:p>
+          <a:pPr marL="0" lvl="0" indent="0" algn="l" defTabSz="488950">
+            <a:lnSpc>
+              <a:spcPct val="90000"/>
+            </a:lnSpc>
+            <a:spcBef>
+              <a:spcPct val="0"/>
+            </a:spcBef>
+            <a:spcAft>
+              <a:spcPct val="35000"/>
+            </a:spcAft>
+            <a:buNone/>
+          </a:pPr>
+          <a:r>
+            <a:rPr lang="zh-CN" altLang="en-US" sz="1100" kern="1200" dirty="0"/>
+            <a:t>实现</a:t>
+          </a:r>
+        </a:p>
+      </dsp:txBody>
+      <dsp:txXfrm>
+        <a:off x="4293599" y="1314367"/>
+        <a:ext cx="890508" cy="334039"/>
+      </dsp:txXfrm>
+    </dsp:sp>
+    <dsp:sp modelId="{02B6CF41-78E7-4712-BD27-52F52B78F7DD}">
+      <dsp:nvSpPr>
+        <dsp:cNvPr id="0" name=""/>
+        <dsp:cNvSpPr/>
+      </dsp:nvSpPr>
+      <dsp:spPr>
+        <a:xfrm>
+          <a:off x="4475992" y="1648407"/>
+          <a:ext cx="890508" cy="1663199"/>
+        </a:xfrm>
+        <a:prstGeom prst="roundRect">
+          <a:avLst>
+            <a:gd name="adj" fmla="val 10000"/>
+          </a:avLst>
+        </a:prstGeom>
+        <a:solidFill>
+          <a:schemeClr val="lt1">
+            <a:alpha val="90000"/>
+            <a:hueOff val="0"/>
+            <a:satOff val="0"/>
+            <a:lumOff val="0"/>
+            <a:alphaOff val="0"/>
+          </a:schemeClr>
+        </a:solidFill>
+        <a:ln w="12700" cap="flat" cmpd="sng" algn="ctr">
+          <a:solidFill>
+            <a:schemeClr val="accent1">
+              <a:hueOff val="0"/>
+              <a:satOff val="0"/>
+              <a:lumOff val="0"/>
+              <a:alphaOff val="0"/>
+            </a:schemeClr>
+          </a:solidFill>
+          <a:prstDash val="solid"/>
+          <a:miter lim="800000"/>
+        </a:ln>
+        <a:effectLst/>
+      </dsp:spPr>
+      <dsp:style>
+        <a:lnRef idx="2">
+          <a:scrgbClr r="0" g="0" b="0"/>
+        </a:lnRef>
+        <a:fillRef idx="1">
+          <a:scrgbClr r="0" g="0" b="0"/>
+        </a:fillRef>
+        <a:effectRef idx="0">
+          <a:scrgbClr r="0" g="0" b="0"/>
+        </a:effectRef>
+        <a:fontRef idx="minor"/>
+      </dsp:style>
+      <dsp:txBody>
+        <a:bodyPr spcFirstLastPara="0" vert="horz" wrap="square" lIns="78232" tIns="78232" rIns="78232" bIns="78232" numCol="1" spcCol="1270" anchor="t" anchorCtr="0">
+          <a:noAutofit/>
+        </a:bodyPr>
+        <a:lstStyle/>
+        <a:p>
+          <a:pPr marL="57150" lvl="1" indent="-57150" algn="l" defTabSz="488950">
+            <a:lnSpc>
+              <a:spcPct val="90000"/>
+            </a:lnSpc>
+            <a:spcBef>
+              <a:spcPct val="0"/>
+            </a:spcBef>
+            <a:spcAft>
+              <a:spcPct val="15000"/>
+            </a:spcAft>
+            <a:buChar char="•"/>
+          </a:pPr>
+          <a:r>
+            <a:rPr lang="zh-CN" altLang="en-US" sz="1100" kern="1200" dirty="0"/>
+            <a:t>开发软件模块，组件，集成</a:t>
+          </a:r>
+        </a:p>
+      </dsp:txBody>
+      <dsp:txXfrm>
+        <a:off x="4502074" y="1674489"/>
+        <a:ext cx="838344" cy="1611035"/>
+      </dsp:txXfrm>
+    </dsp:sp>
+    <dsp:sp modelId="{C4CD74D1-22B2-4BE5-910E-EC85E45DE86D}">
+      <dsp:nvSpPr>
+        <dsp:cNvPr id="0" name=""/>
+        <dsp:cNvSpPr/>
+      </dsp:nvSpPr>
+      <dsp:spPr>
+        <a:xfrm>
+          <a:off x="5319105" y="1370532"/>
+          <a:ext cx="286195" cy="221710"/>
+        </a:xfrm>
+        <a:prstGeom prst="rightArrow">
+          <a:avLst>
+            <a:gd name="adj1" fmla="val 60000"/>
+            <a:gd name="adj2" fmla="val 50000"/>
+          </a:avLst>
+        </a:prstGeom>
+        <a:solidFill>
+          <a:schemeClr val="accent1">
+            <a:tint val="60000"/>
+            <a:hueOff val="0"/>
+            <a:satOff val="0"/>
+            <a:lumOff val="0"/>
+            <a:alphaOff val="0"/>
+          </a:schemeClr>
+        </a:solidFill>
+        <a:ln>
+          <a:noFill/>
+        </a:ln>
+        <a:effectLst/>
+      </dsp:spPr>
+      <dsp:style>
+        <a:lnRef idx="0">
+          <a:scrgbClr r="0" g="0" b="0"/>
+        </a:lnRef>
+        <a:fillRef idx="1">
+          <a:scrgbClr r="0" g="0" b="0"/>
+        </a:fillRef>
+        <a:effectRef idx="0">
+          <a:scrgbClr r="0" g="0" b="0"/>
+        </a:effectRef>
+        <a:fontRef idx="minor">
+          <a:schemeClr val="lt1"/>
+        </a:fontRef>
+      </dsp:style>
+      <dsp:txBody>
+        <a:bodyPr spcFirstLastPara="0" vert="horz" wrap="square" lIns="0" tIns="0" rIns="0" bIns="0" numCol="1" spcCol="1270" anchor="ctr" anchorCtr="0">
+          <a:noAutofit/>
+        </a:bodyPr>
+        <a:lstStyle/>
+        <a:p>
+          <a:pPr marL="0" lvl="0" indent="0" algn="ctr" defTabSz="400050">
+            <a:lnSpc>
+              <a:spcPct val="90000"/>
+            </a:lnSpc>
+            <a:spcBef>
+              <a:spcPct val="0"/>
+            </a:spcBef>
+            <a:spcAft>
+              <a:spcPct val="35000"/>
+            </a:spcAft>
+            <a:buNone/>
+          </a:pPr>
+          <a:endParaRPr lang="zh-CN" altLang="en-US" sz="900" kern="1200"/>
+        </a:p>
+      </dsp:txBody>
+      <dsp:txXfrm>
+        <a:off x="5319105" y="1414874"/>
+        <a:ext cx="219682" cy="133026"/>
+      </dsp:txXfrm>
+    </dsp:sp>
+    <dsp:sp modelId="{29AE18ED-EDB2-471D-845C-233F81E6F57B}">
+      <dsp:nvSpPr>
+        <dsp:cNvPr id="0" name=""/>
+        <dsp:cNvSpPr/>
+      </dsp:nvSpPr>
+      <dsp:spPr>
+        <a:xfrm>
+          <a:off x="5724099" y="1314367"/>
+          <a:ext cx="890508" cy="501058"/>
+        </a:xfrm>
+        <a:prstGeom prst="roundRect">
+          <a:avLst>
+            <a:gd name="adj" fmla="val 10000"/>
+          </a:avLst>
+        </a:prstGeom>
+        <a:solidFill>
+          <a:schemeClr val="accent1">
+            <a:hueOff val="0"/>
+            <a:satOff val="0"/>
+            <a:lumOff val="0"/>
+            <a:alphaOff val="0"/>
+          </a:schemeClr>
+        </a:solidFill>
+        <a:ln w="12700" cap="flat" cmpd="sng" algn="ctr">
+          <a:solidFill>
+            <a:schemeClr val="lt1">
+              <a:hueOff val="0"/>
+              <a:satOff val="0"/>
+              <a:lumOff val="0"/>
+              <a:alphaOff val="0"/>
+            </a:schemeClr>
+          </a:solidFill>
+          <a:prstDash val="solid"/>
+          <a:miter lim="800000"/>
+        </a:ln>
+        <a:effectLst/>
+      </dsp:spPr>
+      <dsp:style>
+        <a:lnRef idx="2">
+          <a:scrgbClr r="0" g="0" b="0"/>
+        </a:lnRef>
+        <a:fillRef idx="1">
+          <a:scrgbClr r="0" g="0" b="0"/>
+        </a:fillRef>
+        <a:effectRef idx="0">
+          <a:scrgbClr r="0" g="0" b="0"/>
+        </a:effectRef>
+        <a:fontRef idx="minor">
+          <a:schemeClr val="lt1"/>
+        </a:fontRef>
+      </dsp:style>
+      <dsp:txBody>
+        <a:bodyPr spcFirstLastPara="0" vert="horz" wrap="square" lIns="78232" tIns="78232" rIns="78232" bIns="41910" numCol="1" spcCol="1270" anchor="t" anchorCtr="0">
+          <a:noAutofit/>
+        </a:bodyPr>
+        <a:lstStyle/>
+        <a:p>
+          <a:pPr marL="0" lvl="0" indent="0" algn="l" defTabSz="488950">
+            <a:lnSpc>
+              <a:spcPct val="90000"/>
+            </a:lnSpc>
+            <a:spcBef>
+              <a:spcPct val="0"/>
+            </a:spcBef>
+            <a:spcAft>
+              <a:spcPct val="35000"/>
+            </a:spcAft>
+            <a:buNone/>
+          </a:pPr>
+          <a:r>
+            <a:rPr lang="zh-CN" altLang="en-US" sz="1100" kern="1200" dirty="0"/>
+            <a:t>测试</a:t>
+          </a:r>
+        </a:p>
+      </dsp:txBody>
+      <dsp:txXfrm>
+        <a:off x="5724099" y="1314367"/>
+        <a:ext cx="890508" cy="334039"/>
+      </dsp:txXfrm>
+    </dsp:sp>
+    <dsp:sp modelId="{C339B2A4-78FF-463F-ABBA-C35899C5ADF2}">
+      <dsp:nvSpPr>
+        <dsp:cNvPr id="0" name=""/>
+        <dsp:cNvSpPr/>
+      </dsp:nvSpPr>
+      <dsp:spPr>
+        <a:xfrm>
+          <a:off x="5906492" y="1648407"/>
+          <a:ext cx="890508" cy="1663199"/>
+        </a:xfrm>
+        <a:prstGeom prst="roundRect">
+          <a:avLst>
+            <a:gd name="adj" fmla="val 10000"/>
+          </a:avLst>
+        </a:prstGeom>
+        <a:solidFill>
+          <a:schemeClr val="lt1">
+            <a:alpha val="90000"/>
+            <a:hueOff val="0"/>
+            <a:satOff val="0"/>
+            <a:lumOff val="0"/>
+            <a:alphaOff val="0"/>
+          </a:schemeClr>
+        </a:solidFill>
+        <a:ln w="12700" cap="flat" cmpd="sng" algn="ctr">
+          <a:solidFill>
+            <a:schemeClr val="accent1">
+              <a:hueOff val="0"/>
+              <a:satOff val="0"/>
+              <a:lumOff val="0"/>
+              <a:alphaOff val="0"/>
+            </a:schemeClr>
+          </a:solidFill>
+          <a:prstDash val="solid"/>
+          <a:miter lim="800000"/>
+        </a:ln>
+        <a:effectLst/>
+      </dsp:spPr>
+      <dsp:style>
+        <a:lnRef idx="2">
+          <a:scrgbClr r="0" g="0" b="0"/>
+        </a:lnRef>
+        <a:fillRef idx="1">
+          <a:scrgbClr r="0" g="0" b="0"/>
+        </a:fillRef>
+        <a:effectRef idx="0">
+          <a:scrgbClr r="0" g="0" b="0"/>
+        </a:effectRef>
+        <a:fontRef idx="minor"/>
+      </dsp:style>
+      <dsp:txBody>
+        <a:bodyPr spcFirstLastPara="0" vert="horz" wrap="square" lIns="78232" tIns="78232" rIns="78232" bIns="78232" numCol="1" spcCol="1270" anchor="t" anchorCtr="0">
+          <a:noAutofit/>
+        </a:bodyPr>
+        <a:lstStyle/>
+        <a:p>
+          <a:pPr marL="57150" lvl="1" indent="-57150" algn="l" defTabSz="488950">
+            <a:lnSpc>
+              <a:spcPct val="90000"/>
+            </a:lnSpc>
+            <a:spcBef>
+              <a:spcPct val="0"/>
+            </a:spcBef>
+            <a:spcAft>
+              <a:spcPct val="15000"/>
+            </a:spcAft>
+            <a:buChar char="•"/>
+          </a:pPr>
+          <a:r>
+            <a:rPr lang="zh-CN" altLang="en-US" sz="1100" kern="1200" dirty="0"/>
+            <a:t>验证组件满足要求</a:t>
+          </a:r>
+        </a:p>
+      </dsp:txBody>
+      <dsp:txXfrm>
+        <a:off x="5932574" y="1674489"/>
+        <a:ext cx="838344" cy="1611035"/>
+      </dsp:txXfrm>
+    </dsp:sp>
+    <dsp:sp modelId="{A3B70847-4E4B-4CF4-8140-086E3EF9333A}">
+      <dsp:nvSpPr>
+        <dsp:cNvPr id="0" name=""/>
+        <dsp:cNvSpPr/>
+      </dsp:nvSpPr>
+      <dsp:spPr>
+        <a:xfrm>
+          <a:off x="6749605" y="1370532"/>
+          <a:ext cx="286195" cy="221710"/>
+        </a:xfrm>
+        <a:prstGeom prst="rightArrow">
+          <a:avLst>
+            <a:gd name="adj1" fmla="val 60000"/>
+            <a:gd name="adj2" fmla="val 50000"/>
+          </a:avLst>
+        </a:prstGeom>
+        <a:solidFill>
+          <a:schemeClr val="accent1">
+            <a:tint val="60000"/>
+            <a:hueOff val="0"/>
+            <a:satOff val="0"/>
+            <a:lumOff val="0"/>
+            <a:alphaOff val="0"/>
+          </a:schemeClr>
+        </a:solidFill>
+        <a:ln>
+          <a:noFill/>
+        </a:ln>
+        <a:effectLst/>
+      </dsp:spPr>
+      <dsp:style>
+        <a:lnRef idx="0">
+          <a:scrgbClr r="0" g="0" b="0"/>
+        </a:lnRef>
+        <a:fillRef idx="1">
+          <a:scrgbClr r="0" g="0" b="0"/>
+        </a:fillRef>
+        <a:effectRef idx="0">
+          <a:scrgbClr r="0" g="0" b="0"/>
+        </a:effectRef>
+        <a:fontRef idx="minor">
+          <a:schemeClr val="lt1"/>
+        </a:fontRef>
+      </dsp:style>
+      <dsp:txBody>
+        <a:bodyPr spcFirstLastPara="0" vert="horz" wrap="square" lIns="0" tIns="0" rIns="0" bIns="0" numCol="1" spcCol="1270" anchor="ctr" anchorCtr="0">
+          <a:noAutofit/>
+        </a:bodyPr>
+        <a:lstStyle/>
+        <a:p>
+          <a:pPr marL="0" lvl="0" indent="0" algn="ctr" defTabSz="400050">
+            <a:lnSpc>
+              <a:spcPct val="90000"/>
+            </a:lnSpc>
+            <a:spcBef>
+              <a:spcPct val="0"/>
+            </a:spcBef>
+            <a:spcAft>
+              <a:spcPct val="35000"/>
+            </a:spcAft>
+            <a:buNone/>
+          </a:pPr>
+          <a:endParaRPr lang="zh-CN" altLang="en-US" sz="900" kern="1200"/>
+        </a:p>
+      </dsp:txBody>
+      <dsp:txXfrm>
+        <a:off x="6749605" y="1414874"/>
+        <a:ext cx="219682" cy="133026"/>
+      </dsp:txXfrm>
+    </dsp:sp>
+    <dsp:sp modelId="{05083D49-ACC0-49EB-82C3-0612145B701F}">
+      <dsp:nvSpPr>
+        <dsp:cNvPr id="0" name=""/>
+        <dsp:cNvSpPr/>
+      </dsp:nvSpPr>
+      <dsp:spPr>
+        <a:xfrm>
+          <a:off x="7154599" y="1314367"/>
+          <a:ext cx="890508" cy="501058"/>
+        </a:xfrm>
+        <a:prstGeom prst="roundRect">
+          <a:avLst>
+            <a:gd name="adj" fmla="val 10000"/>
+          </a:avLst>
+        </a:prstGeom>
+        <a:solidFill>
+          <a:schemeClr val="accent1">
+            <a:hueOff val="0"/>
+            <a:satOff val="0"/>
+            <a:lumOff val="0"/>
+            <a:alphaOff val="0"/>
+          </a:schemeClr>
+        </a:solidFill>
+        <a:ln w="12700" cap="flat" cmpd="sng" algn="ctr">
+          <a:solidFill>
+            <a:schemeClr val="lt1">
+              <a:hueOff val="0"/>
+              <a:satOff val="0"/>
+              <a:lumOff val="0"/>
+              <a:alphaOff val="0"/>
+            </a:schemeClr>
+          </a:solidFill>
+          <a:prstDash val="solid"/>
+          <a:miter lim="800000"/>
+        </a:ln>
+        <a:effectLst/>
+      </dsp:spPr>
+      <dsp:style>
+        <a:lnRef idx="2">
+          <a:scrgbClr r="0" g="0" b="0"/>
+        </a:lnRef>
+        <a:fillRef idx="1">
+          <a:scrgbClr r="0" g="0" b="0"/>
+        </a:fillRef>
+        <a:effectRef idx="0">
+          <a:scrgbClr r="0" g="0" b="0"/>
+        </a:effectRef>
+        <a:fontRef idx="minor">
+          <a:schemeClr val="lt1"/>
+        </a:fontRef>
+      </dsp:style>
+      <dsp:txBody>
+        <a:bodyPr spcFirstLastPara="0" vert="horz" wrap="square" lIns="78232" tIns="78232" rIns="78232" bIns="41910" numCol="1" spcCol="1270" anchor="t" anchorCtr="0">
+          <a:noAutofit/>
+        </a:bodyPr>
+        <a:lstStyle/>
+        <a:p>
+          <a:pPr marL="0" lvl="0" indent="0" algn="l" defTabSz="488950">
+            <a:lnSpc>
+              <a:spcPct val="90000"/>
+            </a:lnSpc>
+            <a:spcBef>
+              <a:spcPct val="0"/>
+            </a:spcBef>
+            <a:spcAft>
+              <a:spcPct val="35000"/>
+            </a:spcAft>
+            <a:buNone/>
+          </a:pPr>
+          <a:r>
+            <a:rPr lang="zh-CN" altLang="en-US" sz="1100" kern="1200" dirty="0"/>
+            <a:t>部署</a:t>
+          </a:r>
+        </a:p>
+      </dsp:txBody>
+      <dsp:txXfrm>
+        <a:off x="7154599" y="1314367"/>
+        <a:ext cx="890508" cy="334039"/>
+      </dsp:txXfrm>
+    </dsp:sp>
+    <dsp:sp modelId="{BA263AA9-AF1D-4465-8C16-744C407E6CAF}">
+      <dsp:nvSpPr>
+        <dsp:cNvPr id="0" name=""/>
+        <dsp:cNvSpPr/>
+      </dsp:nvSpPr>
+      <dsp:spPr>
+        <a:xfrm>
+          <a:off x="7336992" y="1648407"/>
+          <a:ext cx="890508" cy="1663199"/>
+        </a:xfrm>
+        <a:prstGeom prst="roundRect">
+          <a:avLst>
+            <a:gd name="adj" fmla="val 10000"/>
+          </a:avLst>
+        </a:prstGeom>
+        <a:solidFill>
+          <a:schemeClr val="lt1">
+            <a:alpha val="90000"/>
+            <a:hueOff val="0"/>
+            <a:satOff val="0"/>
+            <a:lumOff val="0"/>
+            <a:alphaOff val="0"/>
+          </a:schemeClr>
+        </a:solidFill>
+        <a:ln w="12700" cap="flat" cmpd="sng" algn="ctr">
+          <a:solidFill>
+            <a:schemeClr val="accent1">
+              <a:hueOff val="0"/>
+              <a:satOff val="0"/>
+              <a:lumOff val="0"/>
+              <a:alphaOff val="0"/>
+            </a:schemeClr>
+          </a:solidFill>
+          <a:prstDash val="solid"/>
+          <a:miter lim="800000"/>
+        </a:ln>
+        <a:effectLst/>
+      </dsp:spPr>
+      <dsp:style>
+        <a:lnRef idx="2">
+          <a:scrgbClr r="0" g="0" b="0"/>
+        </a:lnRef>
+        <a:fillRef idx="1">
+          <a:scrgbClr r="0" g="0" b="0"/>
+        </a:fillRef>
+        <a:effectRef idx="0">
+          <a:scrgbClr r="0" g="0" b="0"/>
+        </a:effectRef>
+        <a:fontRef idx="minor"/>
+      </dsp:style>
+      <dsp:txBody>
+        <a:bodyPr spcFirstLastPara="0" vert="horz" wrap="square" lIns="78232" tIns="78232" rIns="78232" bIns="78232" numCol="1" spcCol="1270" anchor="t" anchorCtr="0">
+          <a:noAutofit/>
+        </a:bodyPr>
+        <a:lstStyle/>
+        <a:p>
+          <a:pPr marL="57150" lvl="1" indent="-57150" algn="l" defTabSz="488950">
+            <a:lnSpc>
+              <a:spcPct val="90000"/>
+            </a:lnSpc>
+            <a:spcBef>
+              <a:spcPct val="0"/>
+            </a:spcBef>
+            <a:spcAft>
+              <a:spcPct val="15000"/>
+            </a:spcAft>
+            <a:buChar char="•"/>
+          </a:pPr>
+          <a:r>
+            <a:rPr lang="zh-CN" altLang="en-US" sz="1100" kern="1200" dirty="0"/>
+            <a:t>生成最终产品</a:t>
+          </a:r>
+        </a:p>
+        <a:p>
+          <a:pPr marL="57150" lvl="1" indent="-57150" algn="l" defTabSz="488950">
+            <a:lnSpc>
+              <a:spcPct val="90000"/>
+            </a:lnSpc>
+            <a:spcBef>
+              <a:spcPct val="0"/>
+            </a:spcBef>
+            <a:spcAft>
+              <a:spcPct val="15000"/>
+            </a:spcAft>
+            <a:buChar char="•"/>
+          </a:pPr>
+          <a:r>
+            <a:rPr lang="zh-CN" altLang="en-US" sz="1100" kern="1200" dirty="0"/>
+            <a:t>发布给最终用户</a:t>
+          </a:r>
+        </a:p>
+      </dsp:txBody>
+      <dsp:txXfrm>
+        <a:off x="7363074" y="1674489"/>
+        <a:ext cx="838344" cy="1611035"/>
+      </dsp:txXfrm>
+    </dsp:sp>
+  </dsp:spTree>
+</dsp:drawing>
+</file>
+
+<file path=ppt/diagrams/layout1.xml><?xml version="1.0" encoding="utf-8"?>
+<dgm:layoutDef xmlns:dgm="http://schemas.openxmlformats.org/drawingml/2006/diagram" xmlns:a="http://schemas.openxmlformats.org/drawingml/2006/main" uniqueId="urn:microsoft.com/office/officeart/2005/8/layout/process3">
+  <dgm:title val=""/>
+  <dgm:desc val=""/>
+  <dgm:catLst>
+    <dgm:cat type="process" pri="2000"/>
+  </dgm:catLst>
+  <dgm:sampData>
+    <dgm:dataModel>
+      <dgm:ptLst>
+        <dgm:pt modelId="0" type="doc"/>
+        <dgm:pt modelId="1">
+          <dgm:prSet phldr="1"/>
+        </dgm:pt>
+        <dgm:pt modelId="11">
+          <dgm:prSet phldr="1"/>
+        </dgm:pt>
+        <dgm:pt modelId="2">
+          <dgm:prSet phldr="1"/>
+        </dgm:pt>
+        <dgm:pt modelId="21">
+          <dgm:prSet phldr="1"/>
+        </dgm:pt>
+        <dgm:pt modelId="3">
+          <dgm:prSet phldr="1"/>
+        </dgm:pt>
+        <dgm:pt modelId="31">
+          <dgm:prSet phldr="1"/>
+        </dgm:pt>
+      </dgm:ptLst>
+      <dgm:cxnLst>
+        <dgm:cxn modelId="4" srcId="0" destId="1" srcOrd="0" destOrd="0"/>
+        <dgm:cxn modelId="5" srcId="0" destId="2" srcOrd="1" destOrd="0"/>
+        <dgm:cxn modelId="6" srcId="0" destId="3" srcOrd="3" destOrd="0"/>
+        <dgm:cxn modelId="12" srcId="1" destId="11" srcOrd="0" destOrd="0"/>
+        <dgm:cxn modelId="23" srcId="2" destId="21" srcOrd="0" destOrd="0"/>
+        <dgm:cxn modelId="34" srcId="3" destId="31" srcOrd="0" destOrd="0"/>
+      </dgm:cxnLst>
+      <dgm:bg/>
+      <dgm:whole/>
+    </dgm:dataModel>
+  </dgm:sampData>
+  <dgm:styleData>
+    <dgm:dataModel>
+      <dgm:ptLst>
+        <dgm:pt modelId="0" type="doc"/>
+        <dgm:pt modelId="1">
+          <dgm:prSet phldr="1"/>
+        </dgm:pt>
+        <dgm:pt modelId="11">
+          <dgm:prSet phldr="1"/>
+        </dgm:pt>
+        <dgm:pt modelId="2">
+          <dgm:prSet phldr="1"/>
+        </dgm:pt>
+        <dgm:pt modelId="21">
+          <dgm:prSet phldr="1"/>
+        </dgm:pt>
+      </dgm:ptLst>
+      <dgm:cxnLst>
+        <dgm:cxn modelId="4" srcId="0" destId="1" srcOrd="0" destOrd="0"/>
+        <dgm:cxn modelId="5" srcId="0" destId="2" srcOrd="1" destOrd="0"/>
+        <dgm:cxn modelId="13" srcId="1" destId="11" srcOrd="0" destOrd="0"/>
+        <dgm:cxn modelId="23" srcId="2" destId="21" srcOrd="0" destOrd="0"/>
+      </dgm:cxnLst>
+      <dgm:bg/>
+      <dgm:whole/>
+    </dgm:dataModel>
+  </dgm:styleData>
+  <dgm:clrData>
+    <dgm:dataModel>
+      <dgm:ptLst>
+        <dgm:pt modelId="0" type="doc"/>
+        <dgm:pt modelId="1">
+          <dgm:prSet phldr="1"/>
+        </dgm:pt>
+        <dgm:pt modelId="11">
+          <dgm:prSet phldr="1"/>
+        </dgm:pt>
+        <dgm:pt modelId="2">
+          <dgm:prSet phldr="1"/>
+        </dgm:pt>
+        <dgm:pt modelId="21">
+          <dgm:prSet phldr="1"/>
+        </dgm:pt>
+        <dgm:pt modelId="3">
+          <dgm:prSet phldr="1"/>
+        </dgm:pt>
+        <dgm:pt modelId="31">
+          <dgm:prSet phldr="1"/>
+        </dgm:pt>
+        <dgm:pt modelId="4">
+          <dgm:prSet phldr="1"/>
+        </dgm:pt>
+        <dgm:pt modelId="41">
+          <dgm:prSet phldr="1"/>
+        </dgm:pt>
+      </dgm:ptLst>
+      <dgm:cxnLst>
+        <dgm:cxn modelId="5" srcId="0" destId="1" srcOrd="0" destOrd="0"/>
+        <dgm:cxn modelId="6" srcId="0" destId="2" srcOrd="1" destOrd="0"/>
+        <dgm:cxn modelId="7" srcId="0" destId="3" srcOrd="2" destOrd="0"/>
+        <dgm:cxn modelId="8" srcId="0" destId="4" srcOrd="3" destOrd="0"/>
+        <dgm:cxn modelId="13" srcId="1" destId="11" srcOrd="0" destOrd="0"/>
+        <dgm:cxn modelId="23" srcId="2" destId="21" srcOrd="0" destOrd="0"/>
+        <dgm:cxn modelId="33" srcId="3" destId="31" srcOrd="0" destOrd="0"/>
+        <dgm:cxn modelId="43" srcId="4" destId="41" srcOrd="0" destOrd="0"/>
+      </dgm:cxnLst>
+      <dgm:bg/>
+      <dgm:whole/>
+    </dgm:dataModel>
+  </dgm:clrData>
+  <dgm:layoutNode name="linearFlow">
+    <dgm:varLst>
+      <dgm:dir/>
+      <dgm:animLvl val="lvl"/>
+      <dgm:resizeHandles val="exact"/>
+    </dgm:varLst>
+    <dgm:choose name="Name0">
+      <dgm:if name="Name1" func="var" arg="dir" op="equ" val="norm">
+        <dgm:alg type="lin"/>
+      </dgm:if>
+      <dgm:else name="Name2">
+        <dgm:alg type="lin">
+          <dgm:param type="linDir" val="fromR"/>
+        </dgm:alg>
+      </dgm:else>
+    </dgm:choose>
+    <dgm:shape xmlns:r="http://schemas.openxmlformats.org/officeDocument/2006/relationships" r:blip="">
+      <dgm:adjLst/>
+    </dgm:shape>
+    <dgm:presOf/>
+    <dgm:constrLst>
+      <dgm:constr type="w" for="ch" forName="composite" refType="w"/>
+      <dgm:constr type="w" for="ch" ptType="sibTrans" refType="w" refFor="ch" refForName="composite" fact="0.3333"/>
+      <dgm:constr type="w" for="des" forName="parTx"/>
+      <dgm:constr type="h" for="des" forName="parTx" op="equ"/>
+      <dgm:constr type="h" for="des" forName="parSh" op="equ"/>
+      <dgm:constr type="w" for="des" forName="desTx"/>
+      <dgm:constr type="h" for="des" forName="desTx" op="equ"/>
+      <dgm:constr type="w" for="des" forName="parSh"/>
+      <dgm:constr type="primFontSz" for="des" forName="parTx" val="65"/>
+      <dgm:constr type="secFontSz" for="des" forName="desTx" refType="primFontSz" refFor="des" refForName="parTx" op="equ"/>
+      <dgm:constr type="primFontSz" for="des" forName="connTx" refType="primFontSz" refFor="des" refForName="parTx" fact="0.8"/>
+      <dgm:constr type="primFontSz" for="des" forName="connTx" refType="primFontSz" refFor="des" refForName="parTx" op="lte" fact="0.8"/>
+      <dgm:constr type="h" for="des" forName="parTx" refType="primFontSz" refFor="des" refForName="parTx" fact="0.8"/>
+      <dgm:constr type="h" for="des" forName="parSh" refType="primFontSz" refFor="des" refForName="parTx" fact="1.2"/>
+      <dgm:constr type="h" for="des" forName="desTx" refType="primFontSz" refFor="des" refForName="parTx" fact="1.6"/>
+      <dgm:constr type="h" for="des" forName="parSh" refType="h" refFor="des" refForName="parTx" op="lte" fact="1.5"/>
+      <dgm:constr type="h" for="des" forName="parSh" refType="h" refFor="des" refForName="parTx" op="gte" fact="1.5"/>
+    </dgm:constrLst>
+    <dgm:ruleLst>
+      <dgm:rule type="w" for="ch" forName="composite" val="0" fact="NaN" max="NaN"/>
+      <dgm:rule type="primFontSz" for="des" forName="parTx" val="5" fact="NaN" max="NaN"/>
+    </dgm:ruleLst>
+    <dgm:forEach name="Name3" axis="ch" ptType="node">
+      <dgm:layoutNode name="composite">
+        <dgm:alg type="composite"/>
+        <dgm:shape xmlns:r="http://schemas.openxmlformats.org/officeDocument/2006/relationships" r:blip="">
+          <dgm:adjLst/>
+        </dgm:shape>
+        <dgm:presOf/>
+        <dgm:choose name="Name4">
+          <dgm:if name="Name5" func="var" arg="dir" op="equ" val="norm">
+            <dgm:constrLst>
+              <dgm:constr type="h" refType="w" fact="1000"/>
+              <dgm:constr type="l" for="ch" forName="parTx"/>
+              <dgm:constr type="w" for="ch" forName="parTx" refType="w" fact="0.83"/>
+              <dgm:constr type="t" for="ch" forName="parTx"/>
+              <dgm:constr type="l" for="ch" forName="parSh"/>
+              <dgm:constr type="w" for="ch" forName="parSh" refType="w" refFor="ch" refForName="parTx"/>
+              <dgm:constr type="t" for="ch" forName="parSh"/>
+              <dgm:constr type="l" for="ch" forName="desTx" refType="w" fact="0.17"/>
+              <dgm:constr type="w" for="ch" forName="desTx" refType="w" refFor="ch" refForName="parTx"/>
+              <dgm:constr type="t" for="ch" forName="desTx" refType="h" refFor="ch" refForName="parTx"/>
+            </dgm:constrLst>
+          </dgm:if>
+          <dgm:else name="Name6">
+            <dgm:constrLst>
+              <dgm:constr type="h" refType="w" fact="1000"/>
+              <dgm:constr type="l" for="ch" forName="parTx" refType="w" fact="0.17"/>
+              <dgm:constr type="w" for="ch" forName="parTx" refType="w" fact="0.83"/>
+              <dgm:constr type="t" for="ch" forName="parTx"/>
+              <dgm:constr type="l" for="ch" forName="parSh" refType="w" fact="0.15"/>
+              <dgm:constr type="w" for="ch" forName="parSh" refType="w" refFor="ch" refForName="parTx"/>
+              <dgm:constr type="t" for="ch" forName="parSh"/>
+              <dgm:constr type="l" for="ch" forName="desTx"/>
+              <dgm:constr type="w" for="ch" forName="desTx" refType="w" refFor="ch" refForName="parTx"/>
+              <dgm:constr type="t" for="ch" forName="desTx" refType="h" refFor="ch" refForName="parTx"/>
+            </dgm:constrLst>
+          </dgm:else>
+        </dgm:choose>
+        <dgm:ruleLst>
+          <dgm:rule type="h" val="INF" fact="NaN" max="NaN"/>
+        </dgm:ruleLst>
+        <dgm:layoutNode name="parTx">
+          <dgm:varLst>
+            <dgm:chMax val="0"/>
+            <dgm:chPref val="0"/>
+            <dgm:bulletEnabled val="1"/>
+          </dgm:varLst>
+          <dgm:alg type="tx">
+            <dgm:param type="parTxLTRAlign" val="l"/>
+            <dgm:param type="parTxRTLAlign" val="r"/>
+            <dgm:param type="txAnchorVert" val="t"/>
+          </dgm:alg>
+          <dgm:shape xmlns:r="http://schemas.openxmlformats.org/officeDocument/2006/relationships" type="rect" r:blip="" zOrderOff="1" hideGeom="1">
+            <dgm:adjLst>
+              <dgm:adj idx="1" val="0.1"/>
+            </dgm:adjLst>
+          </dgm:shape>
+          <dgm:presOf axis="self" ptType="node"/>
+          <dgm:constrLst>
+            <dgm:constr type="h" refType="w" op="lte" fact="0.4"/>
+            <dgm:constr type="bMarg" refType="primFontSz" fact="0.3"/>
+            <dgm:constr type="h"/>
+          </dgm:constrLst>
+          <dgm:ruleLst>
+            <dgm:rule type="h" val="INF" fact="NaN" max="NaN"/>
+          </dgm:ruleLst>
+        </dgm:layoutNode>
+        <dgm:layoutNode name="parSh">
+          <dgm:alg type="sp"/>
+          <dgm:shape xmlns:r="http://schemas.openxmlformats.org/officeDocument/2006/relationships" type="roundRect" r:blip="">
+            <dgm:adjLst>
+              <dgm:adj idx="1" val="0.1"/>
+            </dgm:adjLst>
+          </dgm:shape>
+          <dgm:presOf axis="self" ptType="node"/>
+          <dgm:constrLst>
+            <dgm:constr type="h"/>
+          </dgm:constrLst>
+          <dgm:ruleLst/>
+        </dgm:layoutNode>
+        <dgm:layoutNode name="desTx" styleLbl="fgAcc1">
+          <dgm:varLst>
+            <dgm:bulletEnabled val="1"/>
+          </dgm:varLst>
+          <dgm:alg type="tx">
+            <dgm:param type="stBulletLvl" val="1"/>
+          </dgm:alg>
+          <dgm:shape xmlns:r="http://schemas.openxmlformats.org/officeDocument/2006/relationships" type="roundRect" r:blip="">
+            <dgm:adjLst>
+              <dgm:adj idx="1" val="0.1"/>
+            </dgm:adjLst>
+          </dgm:shape>
+          <dgm:presOf axis="des" ptType="node"/>
+          <dgm:constrLst>
+            <dgm:constr type="secFontSz" val="65"/>
+            <dgm:constr type="primFontSz" refType="secFontSz"/>
+            <dgm:constr type="h"/>
+          </dgm:constrLst>
+          <dgm:ruleLst>
+            <dgm:rule type="h" val="INF" fact="NaN" max="NaN"/>
+          </dgm:ruleLst>
+        </dgm:layoutNode>
+      </dgm:layoutNode>
+      <dgm:forEach name="sibTransForEach" axis="followSib" ptType="sibTrans" cnt="1">
+        <dgm:layoutNode name="sibTrans">
+          <dgm:alg type="conn">
+            <dgm:param type="begPts" val="auto"/>
+            <dgm:param type="endPts" val="auto"/>
+            <dgm:param type="srcNode" val="parTx"/>
+            <dgm:param type="dstNode" val="parTx"/>
+          </dgm:alg>
+          <dgm:shape xmlns:r="http://schemas.openxmlformats.org/officeDocument/2006/relationships" type="conn" r:blip="">
+            <dgm:adjLst/>
+          </dgm:shape>
+          <dgm:presOf axis="self"/>
+          <dgm:constrLst>
+            <dgm:constr type="h" refType="w" fact="0.62"/>
+            <dgm:constr type="connDist"/>
+            <dgm:constr type="begPad" refType="connDist" fact="0.25"/>
+            <dgm:constr type="endPad" refType="connDist" fact="0.22"/>
+          </dgm:constrLst>
+          <dgm:ruleLst/>
+          <dgm:layoutNode name="connTx">
+            <dgm:alg type="tx">
+              <dgm:param type="autoTxRot" val="grav"/>
+            </dgm:alg>
+            <dgm:shape xmlns:r="http://schemas.openxmlformats.org/officeDocument/2006/relationships" type="conn" r:blip="" hideGeom="1">
+              <dgm:adjLst/>
+            </dgm:shape>
+            <dgm:presOf axis="self"/>
+            <dgm:constrLst>
+              <dgm:constr type="lMarg"/>
+              <dgm:constr type="rMarg"/>
+              <dgm:constr type="tMarg"/>
+              <dgm:constr type="bMarg"/>
+            </dgm:constrLst>
+            <dgm:ruleLst>
+              <dgm:rule type="primFontSz" val="5" fact="NaN" max="NaN"/>
+            </dgm:ruleLst>
+          </dgm:layoutNode>
+        </dgm:layoutNode>
+      </dgm:forEach>
+    </dgm:forEach>
+  </dgm:layoutNode>
+</dgm:layoutDef>
+</file>
+
+<file path=ppt/diagrams/quickStyle1.xml><?xml version="1.0" encoding="utf-8"?>
+<dgm:styleDef xmlns:dgm="http://schemas.openxmlformats.org/drawingml/2006/diagram" xmlns:a="http://schemas.openxmlformats.org/drawingml/2006/main" uniqueId="urn:microsoft.com/office/officeart/2005/8/quickstyle/simple1">
+  <dgm:title val=""/>
+  <dgm:desc val=""/>
+  <dgm:catLst>
+    <dgm:cat type="simple" pri="10100"/>
+  </dgm:catLst>
+  <dgm:scene3d>
+    <a:camera prst="orthographicFront"/>
+    <a:lightRig rig="threePt" dir="t"/>
+  </dgm:scene3d>
+  <dgm:styleLbl name="node0">
+    <dgm:scene3d>
+      <a:camera prst="orthographicFront"/>
+      <a:lightRig rig="threePt" dir="t"/>
+    </dgm:scene3d>
+    <dgm:sp3d/>
+    <dgm:txPr/>
+    <dgm:style>
+      <a:lnRef idx="2">
+        <a:scrgbClr r="0" g="0" b="0"/>
+      </a:lnRef>
+      <a:fillRef idx="1">
+        <a:scrgbClr r="0" g="0" b="0"/>
+      </a:fillRef>
+      <a:effectRef idx="0">
+        <a:scrgbClr r="0" g="0" b="0"/>
+      </a:effectRef>
+      <a:fontRef idx="minor">
+        <a:schemeClr val="lt1"/>
+      </a:fontRef>
+    </dgm:style>
+  </dgm:styleLbl>
+  <dgm:styleLbl name="lnNode1">
+    <dgm:scene3d>
+      <a:camera prst="orthographicFront"/>
+      <a:lightRig rig="threePt" dir="t"/>
+    </dgm:scene3d>
+    <dgm:sp3d/>
+    <dgm:txPr/>
+    <dgm:style>
+      <a:lnRef idx="2">
+        <a:scrgbClr r="0" g="0" b="0"/>
+      </a:lnRef>
+      <a:fillRef idx="1">
+        <a:scrgbClr r="0" g="0" b="0"/>
+      </a:fillRef>
+      <a:effectRef idx="0">
+        <a:scrgbClr r="0" g="0" b="0"/>
+      </a:effectRef>
+      <a:fontRef idx="minor">
+        <a:schemeClr val="lt1"/>
+      </a:fontRef>
+    </dgm:style>
+  </dgm:styleLbl>
+  <dgm:styleLbl name="vennNode1">
+    <dgm:scene3d>
+      <a:camera prst="orthographicFront"/>
+      <a:lightRig rig="threePt" dir="t"/>
+    </dgm:scene3d>
+    <dgm:sp3d/>
+    <dgm:txPr/>
+    <dgm:style>
+      <a:lnRef idx="2">
+        <a:scrgbClr r="0" g="0" b="0"/>
+      </a:lnRef>
+      <a:fillRef idx="1">
+        <a:scrgbClr r="0" g="0" b="0"/>
+      </a:fillRef>
+      <a:effectRef idx="0">
+        <a:scrgbClr r="0" g="0" b="0"/>
+      </a:effectRef>
+      <a:fontRef idx="minor">
+        <a:schemeClr val="tx1"/>
+      </a:fontRef>
+    </dgm:style>
+  </dgm:styleLbl>
+  <dgm:styleLbl name="alignNode1">
+    <dgm:scene3d>
+      <a:camera prst="orthographicFront"/>
+      <a:lightRig rig="threePt" dir="t"/>
+    </dgm:scene3d>
+    <dgm:sp3d/>
+    <dgm:txPr/>
+    <dgm:style>
+      <a:lnRef idx="2">
+        <a:scrgbClr r="0" g="0" b="0"/>
+      </a:lnRef>
+      <a:fillRef idx="1">
+        <a:scrgbClr r="0" g="0" b="0"/>
+      </a:fillRef>
+      <a:effectRef idx="0">
+        <a:scrgbClr r="0" g="0" b="0"/>
+      </a:effectRef>
+      <a:fontRef idx="minor">
+        <a:schemeClr val="lt1"/>
+      </a:fontRef>
+    </dgm:style>
+  </dgm:styleLbl>
+  <dgm:styleLbl name="node1">
+    <dgm:scene3d>
+      <a:camera prst="orthographicFront"/>
+      <a:lightRig rig="threePt" dir="t"/>
+    </dgm:scene3d>
+    <dgm:sp3d/>
+    <dgm:txPr/>
+    <dgm:style>
+      <a:lnRef idx="2">
+        <a:scrgbClr r="0" g="0" b="0"/>
+      </a:lnRef>
+      <a:fillRef idx="1">
+        <a:scrgbClr r="0" g="0" b="0"/>
+      </a:fillRef>
+      <a:effectRef idx="0">
+        <a:scrgbClr r="0" g="0" b="0"/>
+      </a:effectRef>
+      <a:fontRef idx="minor">
+        <a:schemeClr val="lt1"/>
+      </a:fontRef>
+    </dgm:style>
+  </dgm:styleLbl>
+  <dgm:styleLbl name="node2">
+    <dgm:scene3d>
+      <a:camera prst="orthographicFront"/>
+      <a:lightRig rig="threePt" dir="t"/>
+    </dgm:scene3d>
+    <dgm:sp3d/>
+    <dgm:txPr/>
+    <dgm:style>
+      <a:lnRef idx="2">
+        <a:scrgbClr r="0" g="0" b="0"/>
+      </a:lnRef>
+      <a:fillRef idx="1">
+        <a:scrgbClr r="0" g="0" b="0"/>
+      </a:fillRef>
+      <a:effectRef idx="0">
+        <a:scrgbClr r="0" g="0" b="0"/>
+      </a:effectRef>
+      <a:fontRef idx="minor">
+        <a:schemeClr val="lt1"/>
+      </a:fontRef>
+    </dgm:style>
+  </dgm:styleLbl>
+  <dgm:styleLbl name="node3">
+    <dgm:scene3d>
+      <a:camera prst="orthographicFront"/>
+      <a:lightRig rig="threePt" dir="t"/>
+    </dgm:scene3d>
+    <dgm:sp3d/>
+    <dgm:txPr/>
+    <dgm:style>
+      <a:lnRef idx="2">
+        <a:scrgbClr r="0" g="0" b="0"/>
+      </a:lnRef>
+      <a:fillRef idx="1">
+        <a:scrgbClr r="0" g="0" b="0"/>
+      </a:fillRef>
+      <a:effectRef idx="0">
+        <a:scrgbClr r="0" g="0" b="0"/>
+      </a:effectRef>
+      <a:fontRef idx="minor">
+        <a:schemeClr val="lt1"/>
+      </a:fontRef>
+    </dgm:style>
+  </dgm:styleLbl>
+  <dgm:styleLbl name="node4">
+    <dgm:scene3d>
+      <a:camera prst="orthographicFront"/>
+      <a:lightRig rig="threePt" dir="t"/>
+    </dgm:scene3d>
+    <dgm:sp3d/>
+    <dgm:txPr/>
+    <dgm:style>
+      <a:lnRef idx="2">
+        <a:scrgbClr r="0" g="0" b="0"/>
+      </a:lnRef>
+      <a:fillRef idx="1">
+        <a:scrgbClr r="0" g="0" b="0"/>
+      </a:fillRef>
+      <a:effectRef idx="0">
+        <a:scrgbClr r="0" g="0" b="0"/>
+      </a:effectRef>
+      <a:fontRef idx="minor">
+        <a:schemeClr val="lt1"/>
+      </a:fontRef>
+    </dgm:style>
+  </dgm:styleLbl>
+  <dgm:styleLbl name="fgImgPlace1">
+    <dgm:scene3d>
+      <a:camera prst="orthographicFront"/>
+      <a:lightRig rig="threePt" dir="t"/>
+    </dgm:scene3d>
+    <dgm:sp3d/>
+    <dgm:txPr/>
+    <dgm:style>
+      <a:lnRef idx="2">
+        <a:scrgbClr r="0" g="0" b="0"/>
+      </a:lnRef>
+      <a:fillRef idx="1">
+        <a:scrgbClr r="0" g="0" b="0"/>
+      </a:fillRef>
+      <a:effectRef idx="0">
+        <a:scrgbClr r="0" g="0" b="0"/>
+      </a:effectRef>
+      <a:fontRef idx="minor"/>
+    </dgm:style>
+  </dgm:styleLbl>
+  <dgm:styleLbl name="alignImgPlace1">
+    <dgm:scene3d>
+      <a:camera prst="orthographicFront"/>
+      <a:lightRig rig="threePt" dir="t"/>
+    </dgm:scene3d>
+    <dgm:sp3d/>
+    <dgm:txPr/>
+    <dgm:style>
+      <a:lnRef idx="2">
+        <a:scrgbClr r="0" g="0" b="0"/>
+      </a:lnRef>
+      <a:fillRef idx="1">
+        <a:scrgbClr r="0" g="0" b="0"/>
+      </a:fillRef>
+      <a:effectRef idx="0">
+        <a:scrgbClr r="0" g="0" b="0"/>
+      </a:effectRef>
+      <a:fontRef idx="minor"/>
+    </dgm:style>
+  </dgm:styleLbl>
+  <dgm:styleLbl name="bgImgPlace1">
+    <dgm:scene3d>
+      <a:camera prst="orthographicFront"/>
+      <a:lightRig rig="threePt" dir="t"/>
+    </dgm:scene3d>
+    <dgm:sp3d/>
+    <dgm:txPr/>
+    <dgm:style>
+      <a:lnRef idx="2">
+        <a:scrgbClr r="0" g="0" b="0"/>
+      </a:lnRef>
+      <a:fillRef idx="1">
+        <a:scrgbClr r="0" g="0" b="0"/>
+      </a:fillRef>
+      <a:effectRef idx="0">
+        <a:scrgbClr r="0" g="0" b="0"/>
+      </a:effectRef>
+      <a:fontRef idx="minor"/>
+    </dgm:style>
+  </dgm:styleLbl>
+  <dgm:styleLbl name="sibTrans2D1">
+    <dgm:scene3d>
+      <a:camera prst="orthographicFront"/>
+      <a:lightRig rig="threePt" dir="t"/>
+    </dgm:scene3d>
+    <dgm:sp3d/>
+    <dgm:txPr/>
+    <dgm:style>
+      <a:lnRef idx="0">
+        <a:scrgbClr r="0" g="0" b="0"/>
+      </a:lnRef>
+      <a:fillRef idx="1">
+        <a:scrgbClr r="0" g="0" b="0"/>
+      </a:fillRef>
+      <a:effectRef idx="0">
+        <a:scrgbClr r="0" g="0" b="0"/>
+      </a:effectRef>
+      <a:fontRef idx="minor">
+        <a:schemeClr val="lt1"/>
+      </a:fontRef>
+    </dgm:style>
+  </dgm:styleLbl>
+  <dgm:styleLbl name="fgSibTrans2D1">
+    <dgm:scene3d>
+      <a:camera prst="orthographicFront"/>
+      <a:lightRig rig="threePt" dir="t"/>
+    </dgm:scene3d>
+    <dgm:sp3d/>
+    <dgm:txPr/>
+    <dgm:style>
+      <a:lnRef idx="0">
+        <a:scrgbClr r="0" g="0" b="0"/>
+      </a:lnRef>
+      <a:fillRef idx="1">
+        <a:scrgbClr r="0" g="0" b="0"/>
+      </a:fillRef>
+      <a:effectRef idx="0">
+        <a:scrgbClr r="0" g="0" b="0"/>
+      </a:effectRef>
+      <a:fontRef idx="minor">
+        <a:schemeClr val="lt1"/>
+      </a:fontRef>
+    </dgm:style>
+  </dgm:styleLbl>
+  <dgm:styleLbl name="bgSibTrans2D1">
+    <dgm:scene3d>
+      <a:camera prst="orthographicFront"/>
+      <a:lightRig rig="threePt" dir="t"/>
+    </dgm:scene3d>
+    <dgm:sp3d/>
+    <dgm:txPr/>
+    <dgm:style>
+      <a:lnRef idx="0">
+        <a:scrgbClr r="0" g="0" b="0"/>
+      </a:lnRef>
+      <a:fillRef idx="1">
+        <a:scrgbClr r="0" g="0" b="0"/>
+      </a:fillRef>
+      <a:effectRef idx="0">
+        <a:scrgbClr r="0" g="0" b="0"/>
+      </a:effectRef>
+      <a:fontRef idx="minor">
+        <a:schemeClr val="lt1"/>
+      </a:fontRef>
+    </dgm:style>
+  </dgm:styleLbl>
+  <dgm:styleLbl name="sibTrans1D1">
+    <dgm:scene3d>
+      <a:camera prst="orthographicFront"/>
+      <a:lightRig rig="threePt" dir="t"/>
+    </dgm:scene3d>
+    <dgm:sp3d/>
+    <dgm:txPr/>
+    <dgm:style>
+      <a:lnRef idx="1">
+        <a:scrgbClr r="0" g="0" b="0"/>
+      </a:lnRef>
+      <a:fillRef idx="0">
+        <a:scrgbClr r="0" g="0" b="0"/>
+      </a:fillRef>
+      <a:effectRef idx="0">
+        <a:scrgbClr r="0" g="0" b="0"/>
+      </a:effectRef>
+      <a:fontRef idx="minor"/>
+    </dgm:style>
+  </dgm:styleLbl>
+  <dgm:styleLbl name="callout">
+    <dgm:scene3d>
+      <a:camera prst="orthographicFront"/>
+      <a:lightRig rig="threePt" dir="t"/>
+    </dgm:scene3d>
+    <dgm:sp3d/>
+    <dgm:txPr/>
+    <dgm:style>
+      <a:lnRef idx="2">
+        <a:scrgbClr r="0" g="0" b="0"/>
+      </a:lnRef>
+      <a:fillRef idx="1">
+        <a:scrgbClr r="0" g="0" b="0"/>
+      </a:fillRef>
+      <a:effectRef idx="0">
+        <a:scrgbClr r="0" g="0" b="0"/>
+      </a:effectRef>
+      <a:fontRef idx="minor"/>
+    </dgm:style>
+  </dgm:styleLbl>
+  <dgm:styleLbl name="asst0">
+    <dgm:scene3d>
+      <a:camera prst="orthographicFront"/>
+      <a:lightRig rig="threePt" dir="t"/>
+    </dgm:scene3d>
+    <dgm:sp3d/>
+    <dgm:txPr/>
+    <dgm:style>
+      <a:lnRef idx="2">
+        <a:scrgbClr r="0" g="0" b="0"/>
+      </a:lnRef>
+      <a:fillRef idx="1">
+        <a:scrgbClr r="0" g="0" b="0"/>
+      </a:fillRef>
+      <a:effectRef idx="0">
+        <a:scrgbClr r="0" g="0" b="0"/>
+      </a:effectRef>
+      <a:fontRef idx="minor">
+        <a:schemeClr val="lt1"/>
+      </a:fontRef>
+    </dgm:style>
+  </dgm:styleLbl>
+  <dgm:styleLbl name="asst1">
+    <dgm:scene3d>
+      <a:camera prst="orthographicFront"/>
+      <a:lightRig rig="threePt" dir="t"/>
+    </dgm:scene3d>
+    <dgm:sp3d/>
+    <dgm:txPr/>
+    <dgm:style>
+      <a:lnRef idx="2">
+        <a:scrgbClr r="0" g="0" b="0"/>
+      </a:lnRef>
+      <a:fillRef idx="1">
+        <a:scrgbClr r="0" g="0" b="0"/>
+      </a:fillRef>
+      <a:effectRef idx="0">
+        <a:scrgbClr r="0" g="0" b="0"/>
+      </a:effectRef>
+      <a:fontRef idx="minor">
+        <a:schemeClr val="lt1"/>
+      </a:fontRef>
+    </dgm:style>
+  </dgm:styleLbl>
+  <dgm:styleLbl name="asst2">
+    <dgm:scene3d>
+      <a:camera prst="orthographicFront"/>
+      <a:lightRig rig="threePt" dir="t"/>
+    </dgm:scene3d>
+    <dgm:sp3d/>
+    <dgm:txPr/>
+    <dgm:style>
+      <a:lnRef idx="2">
+        <a:scrgbClr r="0" g="0" b="0"/>
+      </a:lnRef>
+      <a:fillRef idx="1">
+        <a:scrgbClr r="0" g="0" b="0"/>
+      </a:fillRef>
+      <a:effectRef idx="0">
+        <a:scrgbClr r="0" g="0" b="0"/>
+      </a:effectRef>
+      <a:fontRef idx="minor">
+        <a:schemeClr val="lt1"/>
+      </a:fontRef>
+    </dgm:style>
+  </dgm:styleLbl>
+  <dgm:styleLbl name="asst3">
+    <dgm:scene3d>
+      <a:camera prst="orthographicFront"/>
+      <a:lightRig rig="threePt" dir="t"/>
+    </dgm:scene3d>
+    <dgm:sp3d/>
+    <dgm:txPr/>
+    <dgm:style>
+      <a:lnRef idx="2">
+        <a:scrgbClr r="0" g="0" b="0"/>
+      </a:lnRef>
+      <a:fillRef idx="1">
+        <a:scrgbClr r="0" g="0" b="0"/>
+      </a:fillRef>
+      <a:effectRef idx="0">
+        <a:scrgbClr r="0" g="0" b="0"/>
+      </a:effectRef>
+      <a:fontRef idx="minor">
+        <a:schemeClr val="lt1"/>
+      </a:fontRef>
+    </dgm:style>
+  </dgm:styleLbl>
+  <dgm:styleLbl name="asst4">
+    <dgm:scene3d>
+      <a:camera prst="orthographicFront"/>
+      <a:lightRig rig="threePt" dir="t"/>
+    </dgm:scene3d>
+    <dgm:sp3d/>
+    <dgm:txPr/>
+    <dgm:style>
+      <a:lnRef idx="2">
+        <a:scrgbClr r="0" g="0" b="0"/>
+      </a:lnRef>
+      <a:fillRef idx="1">
+        <a:scrgbClr r="0" g="0" b="0"/>
+      </a:fillRef>
+      <a:effectRef idx="0">
+        <a:scrgbClr r="0" g="0" b="0"/>
+      </a:effectRef>
+      <a:fontRef idx="minor">
+        <a:schemeClr val="lt1"/>
+      </a:fontRef>
+    </dgm:style>
+  </dgm:styleLbl>
+  <dgm:styleLbl name="parChTrans2D1">
+    <dgm:scene3d>
+      <a:camera prst="orthographicFront"/>
+      <a:lightRig rig="threePt" dir="t"/>
+    </dgm:scene3d>
+    <dgm:sp3d/>
+    <dgm:txPr/>
+    <dgm:style>
+      <a:lnRef idx="2">
+        <a:scrgbClr r="0" g="0" b="0"/>
+      </a:lnRef>
+      <a:fillRef idx="1">
+        <a:scrgbClr r="0" g="0" b="0"/>
+      </a:fillRef>
+      <a:effectRef idx="0">
+        <a:scrgbClr r="0" g="0" b="0"/>
+      </a:effectRef>
+      <a:fontRef idx="minor">
+        <a:schemeClr val="lt1"/>
+      </a:fontRef>
+    </dgm:style>
+  </dgm:styleLbl>
+  <dgm:styleLbl name="parChTrans2D2">
+    <dgm:scene3d>
+      <a:camera prst="orthographicFront"/>
+      <a:lightRig rig="threePt" dir="t"/>
+    </dgm:scene3d>
+    <dgm:sp3d/>
+    <dgm:txPr/>
+    <dgm:style>
+      <a:lnRef idx="2">
+        <a:scrgbClr r="0" g="0" b="0"/>
+      </a:lnRef>
+      <a:fillRef idx="1">
+        <a:scrgbClr r="0" g="0" b="0"/>
+      </a:fillRef>
+      <a:effectRef idx="0">
+        <a:scrgbClr r="0" g="0" b="0"/>
+      </a:effectRef>
+      <a:fontRef idx="minor">
+        <a:schemeClr val="lt1"/>
+      </a:fontRef>
+    </dgm:style>
+  </dgm:styleLbl>
+  <dgm:styleLbl name="parChTrans2D3">
+    <dgm:scene3d>
+      <a:camera prst="orthographicFront"/>
+      <a:lightRig rig="threePt" dir="t"/>
+    </dgm:scene3d>
+    <dgm:sp3d/>
+    <dgm:txPr/>
+    <dgm:style>
+      <a:lnRef idx="2">
+        <a:scrgbClr r="0" g="0" b="0"/>
+      </a:lnRef>
+      <a:fillRef idx="1">
+        <a:scrgbClr r="0" g="0" b="0"/>
+      </a:fillRef>
+      <a:effectRef idx="0">
+        <a:scrgbClr r="0" g="0" b="0"/>
+      </a:effectRef>
+      <a:fontRef idx="minor">
+        <a:schemeClr val="lt1"/>
+      </a:fontRef>
+    </dgm:style>
+  </dgm:styleLbl>
+  <dgm:styleLbl name="parChTrans2D4">
+    <dgm:scene3d>
+      <a:camera prst="orthographicFront"/>
+      <a:lightRig rig="threePt" dir="t"/>
+    </dgm:scene3d>
+    <dgm:sp3d/>
+    <dgm:txPr/>
+    <dgm:style>
+      <a:lnRef idx="2">
+        <a:scrgbClr r="0" g="0" b="0"/>
+      </a:lnRef>
+      <a:fillRef idx="1">
+        <a:scrgbClr r="0" g="0" b="0"/>
+      </a:fillRef>
+      <a:effectRef idx="0">
+        <a:scrgbClr r="0" g="0" b="0"/>
+      </a:effectRef>
+      <a:fontRef idx="minor">
+        <a:schemeClr val="lt1"/>
+      </a:fontRef>
+    </dgm:style>
+  </dgm:styleLbl>
+  <dgm:styleLbl name="parChTrans1D1">
+    <dgm:scene3d>
+      <a:camera prst="orthographicFront"/>
+      <a:lightRig rig="threePt" dir="t"/>
+    </dgm:scene3d>
+    <dgm:sp3d/>
+    <dgm:txPr/>
+    <dgm:style>
+      <a:lnRef idx="2">
+        <a:scrgbClr r="0" g="0" b="0"/>
+      </a:lnRef>
+      <a:fillRef idx="0">
+        <a:scrgbClr r="0" g="0" b="0"/>
+      </a:fillRef>
+      <a:effectRef idx="0">
+        <a:scrgbClr r="0" g="0" b="0"/>
+      </a:effectRef>
+      <a:fontRef idx="minor"/>
+    </dgm:style>
+  </dgm:styleLbl>
+  <dgm:styleLbl name="parChTrans1D2">
+    <dgm:scene3d>
+      <a:camera prst="orthographicFront"/>
+      <a:lightRig rig="threePt" dir="t"/>
+    </dgm:scene3d>
+    <dgm:sp3d/>
+    <dgm:txPr/>
+    <dgm:style>
+      <a:lnRef idx="2">
+        <a:scrgbClr r="0" g="0" b="0"/>
+      </a:lnRef>
+      <a:fillRef idx="0">
+        <a:scrgbClr r="0" g="0" b="0"/>
+      </a:fillRef>
+      <a:effectRef idx="0">
+        <a:scrgbClr r="0" g="0" b="0"/>
+      </a:effectRef>
+      <a:fontRef idx="minor"/>
+    </dgm:style>
+  </dgm:styleLbl>
+  <dgm:styleLbl name="parChTrans1D3">
+    <dgm:scene3d>
+      <a:camera prst="orthographicFront"/>
+      <a:lightRig rig="threePt" dir="t"/>
+    </dgm:scene3d>
+    <dgm:sp3d/>
+    <dgm:txPr/>
+    <dgm:style>
+      <a:lnRef idx="2">
+        <a:scrgbClr r="0" g="0" b="0"/>
+      </a:lnRef>
+      <a:fillRef idx="0">
+        <a:scrgbClr r="0" g="0" b="0"/>
+      </a:fillRef>
+      <a:effectRef idx="0">
+        <a:scrgbClr r="0" g="0" b="0"/>
+      </a:effectRef>
+      <a:fontRef idx="minor"/>
+    </dgm:style>
+  </dgm:styleLbl>
+  <dgm:styleLbl name="parChTrans1D4">
+    <dgm:scene3d>
+      <a:camera prst="orthographicFront"/>
+      <a:lightRig rig="threePt" dir="t"/>
+    </dgm:scene3d>
+    <dgm:sp3d/>
+    <dgm:txPr/>
+    <dgm:style>
+      <a:lnRef idx="2">
+        <a:scrgbClr r="0" g="0" b="0"/>
+      </a:lnRef>
+      <a:fillRef idx="0">
+        <a:scrgbClr r="0" g="0" b="0"/>
+      </a:fillRef>
+      <a:effectRef idx="0">
+        <a:scrgbClr r="0" g="0" b="0"/>
+      </a:effectRef>
+      <a:fontRef idx="minor"/>
+    </dgm:style>
+  </dgm:styleLbl>
+  <dgm:styleLbl name="fgAcc1">
+    <dgm:scene3d>
+      <a:camera prst="orthographicFront"/>
+      <a:lightRig rig="threePt" dir="t"/>
+    </dgm:scene3d>
+    <dgm:sp3d/>
+    <dgm:txPr/>
+    <dgm:style>
+      <a:lnRef idx="2">
+        <a:scrgbClr r="0" g="0" b="0"/>
+      </a:lnRef>
+      <a:fillRef idx="1">
+        <a:scrgbClr r="0" g="0" b="0"/>
+      </a:fillRef>
+      <a:effectRef idx="0">
+        <a:scrgbClr r="0" g="0" b="0"/>
+      </a:effectRef>
+      <a:fontRef idx="minor"/>
+    </dgm:style>
+  </dgm:styleLbl>
+  <dgm:styleLbl name="conFgAcc1">
+    <dgm:scene3d>
+      <a:camera prst="orthographicFront"/>
+      <a:lightRig rig="threePt" dir="t"/>
+    </dgm:scene3d>
+    <dgm:sp3d/>
+    <dgm:txPr/>
+    <dgm:style>
+      <a:lnRef idx="2">
+        <a:scrgbClr r="0" g="0" b="0"/>
+      </a:lnRef>
+      <a:fillRef idx="1">
+        <a:scrgbClr r="0" g="0" b="0"/>
+      </a:fillRef>
+      <a:effectRef idx="0">
+        <a:scrgbClr r="0" g="0" b="0"/>
+      </a:effectRef>
+      <a:fontRef idx="minor"/>
+    </dgm:style>
+  </dgm:styleLbl>
+  <dgm:styleLbl name="alignAcc1">
+    <dgm:scene3d>
+      <a:camera prst="orthographicFront"/>
+      <a:lightRig rig="threePt" dir="t"/>
+    </dgm:scene3d>
+    <dgm:sp3d/>
+    <dgm:txPr/>
+    <dgm:style>
+      <a:lnRef idx="2">
+        <a:scrgbClr r="0" g="0" b="0"/>
+      </a:lnRef>
+      <a:fillRef idx="1">
+        <a:scrgbClr r="0" g="0" b="0"/>
+      </a:fillRef>
+      <a:effectRef idx="0">
+        <a:scrgbClr r="0" g="0" b="0"/>
+      </a:effectRef>
+      <a:fontRef idx="minor"/>
+    </dgm:style>
+  </dgm:styleLbl>
+  <dgm:styleLbl name="trAlignAcc1">
+    <dgm:scene3d>
+      <a:camera prst="orthographicFront"/>
+      <a:lightRig rig="threePt" dir="t"/>
+    </dgm:scene3d>
+    <dgm:sp3d/>
+    <dgm:txPr/>
+    <dgm:style>
+      <a:lnRef idx="1">
+        <a:scrgbClr r="0" g="0" b="0"/>
+      </a:lnRef>
+      <a:fillRef idx="1">
+        <a:scrgbClr r="0" g="0" b="0"/>
+      </a:fillRef>
+      <a:effectRef idx="0">
+        <a:scrgbClr r="0" g="0" b="0"/>
+      </a:effectRef>
+      <a:fontRef idx="minor"/>
+    </dgm:style>
+  </dgm:styleLbl>
+  <dgm:styleLbl name="bgAcc1">
+    <dgm:scene3d>
+      <a:camera prst="orthographicFront"/>
+      <a:lightRig rig="threePt" dir="t"/>
+    </dgm:scene3d>
+    <dgm:sp3d/>
+    <dgm:txPr/>
+    <dgm:style>
+      <a:lnRef idx="2">
+        <a:scrgbClr r="0" g="0" b="0"/>
+      </a:lnRef>
+      <a:fillRef idx="1">
+        <a:scrgbClr r="0" g="0" b="0"/>
+      </a:fillRef>
+      <a:effectRef idx="0">
+        <a:scrgbClr r="0" g="0" b="0"/>
+      </a:effectRef>
+      <a:fontRef idx="minor"/>
+    </dgm:style>
+  </dgm:styleLbl>
+  <dgm:styleLbl name="solidFgAcc1">
+    <dgm:scene3d>
+      <a:camera prst="orthographicFront"/>
+      <a:lightRig rig="threePt" dir="t"/>
+    </dgm:scene3d>
+    <dgm:sp3d/>
+    <dgm:txPr/>
+    <dgm:style>
+      <a:lnRef idx="2">
+        <a:scrgbClr r="0" g="0" b="0"/>
+      </a:lnRef>
+      <a:fillRef idx="1">
+        <a:scrgbClr r="0" g="0" b="0"/>
+      </a:fillRef>
+      <a:effectRef idx="0">
+        <a:scrgbClr r="0" g="0" b="0"/>
+      </a:effectRef>
+      <a:fontRef idx="minor"/>
+    </dgm:style>
+  </dgm:styleLbl>
+  <dgm:styleLbl name="solidAlignAcc1">
+    <dgm:scene3d>
+      <a:camera prst="orthographicFront"/>
+      <a:lightRig rig="threePt" dir="t"/>
+    </dgm:scene3d>
+    <dgm:sp3d/>
+    <dgm:txPr/>
+    <dgm:style>
+      <a:lnRef idx="2">
+        <a:scrgbClr r="0" g="0" b="0"/>
+      </a:lnRef>
+      <a:fillRef idx="1">
+        <a:scrgbClr r="0" g="0" b="0"/>
+      </a:fillRef>
+      <a:effectRef idx="0">
+        <a:scrgbClr r="0" g="0" b="0"/>
+      </a:effectRef>
+      <a:fontRef idx="minor"/>
+    </dgm:style>
+  </dgm:styleLbl>
+  <dgm:styleLbl name="solidBgAcc1">
+    <dgm:scene3d>
+      <a:camera prst="orthographicFront"/>
+      <a:lightRig rig="threePt" dir="t"/>
+    </dgm:scene3d>
+    <dgm:sp3d/>
+    <dgm:txPr/>
+    <dgm:style>
+      <a:lnRef idx="2">
+        <a:scrgbClr r="0" g="0" b="0"/>
+      </a:lnRef>
+      <a:fillRef idx="1">
+        <a:scrgbClr r="0" g="0" b="0"/>
+      </a:fillRef>
+      <a:effectRef idx="0">
+        <a:scrgbClr r="0" g="0" b="0"/>
+      </a:effectRef>
+      <a:fontRef idx="minor"/>
+    </dgm:style>
+  </dgm:styleLbl>
+  <dgm:styleLbl name="fgAccFollowNode1">
+    <dgm:scene3d>
+      <a:camera prst="orthographicFront"/>
+      <a:lightRig rig="threePt" dir="t"/>
+    </dgm:scene3d>
+    <dgm:sp3d/>
+    <dgm:txPr/>
+    <dgm:style>
+      <a:lnRef idx="2">
+        <a:scrgbClr r="0" g="0" b="0"/>
+      </a:lnRef>
+      <a:fillRef idx="1">
+        <a:scrgbClr r="0" g="0" b="0"/>
+      </a:fillRef>
+      <a:effectRef idx="0">
+        <a:scrgbClr r="0" g="0" b="0"/>
+      </a:effectRef>
+      <a:fontRef idx="minor"/>
+    </dgm:style>
+  </dgm:styleLbl>
+  <dgm:styleLbl name="alignAccFollowNode1">
+    <dgm:scene3d>
+      <a:camera prst="orthographicFront"/>
+      <a:lightRig rig="threePt" dir="t"/>
+    </dgm:scene3d>
+    <dgm:sp3d/>
+    <dgm:txPr/>
+    <dgm:style>
+      <a:lnRef idx="2">
+        <a:scrgbClr r="0" g="0" b="0"/>
+      </a:lnRef>
+      <a:fillRef idx="1">
+        <a:scrgbClr r="0" g="0" b="0"/>
+      </a:fillRef>
+      <a:effectRef idx="0">
+        <a:scrgbClr r="0" g="0" b="0"/>
+      </a:effectRef>
+      <a:fontRef idx="minor"/>
+    </dgm:style>
+  </dgm:styleLbl>
+  <dgm:styleLbl name="bgAccFollowNode1">
+    <dgm:scene3d>
+      <a:camera prst="orthographicFront"/>
+      <a:lightRig rig="threePt" dir="t"/>
+    </dgm:scene3d>
+    <dgm:sp3d/>
+    <dgm:txPr/>
+    <dgm:style>
+      <a:lnRef idx="2">
+        <a:scrgbClr r="0" g="0" b="0"/>
+      </a:lnRef>
+      <a:fillRef idx="1">
+        <a:scrgbClr r="0" g="0" b="0"/>
+      </a:fillRef>
+      <a:effectRef idx="0">
+        <a:scrgbClr r="0" g="0" b="0"/>
+      </a:effectRef>
+      <a:fontRef idx="minor"/>
+    </dgm:style>
+  </dgm:styleLbl>
+  <dgm:styleLbl name="fgAcc0">
+    <dgm:scene3d>
+      <a:camera prst="orthographicFront"/>
+      <a:lightRig rig="threePt" dir="t"/>
+    </dgm:scene3d>
+    <dgm:sp3d/>
+    <dgm:txPr/>
+    <dgm:style>
+      <a:lnRef idx="2">
+        <a:scrgbClr r="0" g="0" b="0"/>
+      </a:lnRef>
+      <a:fillRef idx="1">
+        <a:scrgbClr r="0" g="0" b="0"/>
+      </a:fillRef>
+      <a:effectRef idx="0">
+        <a:scrgbClr r="0" g="0" b="0"/>
+      </a:effectRef>
+      <a:fontRef idx="minor"/>
+    </dgm:style>
+  </dgm:styleLbl>
+  <dgm:styleLbl name="fgAcc2">
+    <dgm:scene3d>
+      <a:camera prst="orthographicFront"/>
+      <a:lightRig rig="threePt" dir="t"/>
+    </dgm:scene3d>
+    <dgm:sp3d/>
+    <dgm:txPr/>
+    <dgm:style>
+      <a:lnRef idx="2">
+        <a:scrgbClr r="0" g="0" b="0"/>
+      </a:lnRef>
+      <a:fillRef idx="1">
+        <a:scrgbClr r="0" g="0" b="0"/>
+      </a:fillRef>
+      <a:effectRef idx="0">
+        <a:scrgbClr r="0" g="0" b="0"/>
+      </a:effectRef>
+      <a:fontRef idx="minor"/>
+    </dgm:style>
+  </dgm:styleLbl>
+  <dgm:styleLbl name="fgAcc3">
+    <dgm:scene3d>
+      <a:camera prst="orthographicFront"/>
+      <a:lightRig rig="threePt" dir="t"/>
+    </dgm:scene3d>
+    <dgm:sp3d/>
+    <dgm:txPr/>
+    <dgm:style>
+      <a:lnRef idx="2">
+        <a:scrgbClr r="0" g="0" b="0"/>
+      </a:lnRef>
+      <a:fillRef idx="1">
+        <a:scrgbClr r="0" g="0" b="0"/>
+      </a:fillRef>
+      <a:effectRef idx="0">
+        <a:scrgbClr r="0" g="0" b="0"/>
+      </a:effectRef>
+      <a:fontRef idx="minor"/>
+    </dgm:style>
+  </dgm:styleLbl>
+  <dgm:styleLbl name="fgAcc4">
+    <dgm:scene3d>
+      <a:camera prst="orthographicFront"/>
+      <a:lightRig rig="threePt" dir="t"/>
+    </dgm:scene3d>
+    <dgm:sp3d/>
+    <dgm:txPr/>
+    <dgm:style>
+      <a:lnRef idx="2">
+        <a:scrgbClr r="0" g="0" b="0"/>
+      </a:lnRef>
+      <a:fillRef idx="1">
+        <a:scrgbClr r="0" g="0" b="0"/>
+      </a:fillRef>
+      <a:effectRef idx="0">
+        <a:scrgbClr r="0" g="0" b="0"/>
+      </a:effectRef>
+      <a:fontRef idx="minor"/>
+    </dgm:style>
+  </dgm:styleLbl>
+  <dgm:styleLbl name="bgShp">
+    <dgm:scene3d>
+      <a:camera prst="orthographicFront"/>
+      <a:lightRig rig="threePt" dir="t"/>
+    </dgm:scene3d>
+    <dgm:sp3d/>
+    <dgm:txPr/>
+    <dgm:style>
+      <a:lnRef idx="0">
+        <a:scrgbClr r="0" g="0" b="0"/>
+      </a:lnRef>
+      <a:fillRef idx="1">
+        <a:scrgbClr r="0" g="0" b="0"/>
+      </a:fillRef>
+      <a:effectRef idx="0">
+        <a:scrgbClr r="0" g="0" b="0"/>
+      </a:effectRef>
+      <a:fontRef idx="minor"/>
+    </dgm:style>
+  </dgm:styleLbl>
+  <dgm:styleLbl name="dkBgShp">
+    <dgm:scene3d>
+      <a:camera prst="orthographicFront"/>
+      <a:lightRig rig="threePt" dir="t"/>
+    </dgm:scene3d>
+    <dgm:sp3d/>
+    <dgm:txPr/>
+    <dgm:style>
+      <a:lnRef idx="0">
+        <a:scrgbClr r="0" g="0" b="0"/>
+      </a:lnRef>
+      <a:fillRef idx="1">
+        <a:scrgbClr r="0" g="0" b="0"/>
+      </a:fillRef>
+      <a:effectRef idx="0">
+        <a:scrgbClr r="0" g="0" b="0"/>
+      </a:effectRef>
+      <a:fontRef idx="minor"/>
+    </dgm:style>
+  </dgm:styleLbl>
+  <dgm:styleLbl name="trBgShp">
+    <dgm:scene3d>
+      <a:camera prst="orthographicFront"/>
+      <a:lightRig rig="threePt" dir="t"/>
+    </dgm:scene3d>
+    <dgm:sp3d/>
+    <dgm:txPr/>
+    <dgm:style>
+      <a:lnRef idx="0">
+        <a:scrgbClr r="0" g="0" b="0"/>
+      </a:lnRef>
+      <a:fillRef idx="1">
+        <a:scrgbClr r="0" g="0" b="0"/>
+      </a:fillRef>
+      <a:effectRef idx="0">
+        <a:scrgbClr r="0" g="0" b="0"/>
+      </a:effectRef>
+      <a:fontRef idx="minor"/>
+    </dgm:style>
+  </dgm:styleLbl>
+  <dgm:styleLbl name="fgShp">
+    <dgm:scene3d>
+      <a:camera prst="orthographicFront"/>
+      <a:lightRig rig="threePt" dir="t"/>
+    </dgm:scene3d>
+    <dgm:sp3d/>
+    <dgm:txPr/>
+    <dgm:style>
+      <a:lnRef idx="2">
+        <a:scrgbClr r="0" g="0" b="0"/>
+      </a:lnRef>
+      <a:fillRef idx="1">
+        <a:scrgbClr r="0" g="0" b="0"/>
+      </a:fillRef>
+      <a:effectRef idx="0">
+        <a:scrgbClr r="0" g="0" b="0"/>
+      </a:effectRef>
+      <a:fontRef idx="minor"/>
+    </dgm:style>
+  </dgm:styleLbl>
+  <dgm:styleLbl name="revTx">
+    <dgm:scene3d>
+      <a:camera prst="orthographicFront"/>
+      <a:lightRig rig="threePt" dir="t"/>
+    </dgm:scene3d>
+    <dgm:sp3d/>
+    <dgm:txPr/>
+    <dgm:style>
+      <a:lnRef idx="0">
+        <a:scrgbClr r="0" g="0" b="0"/>
+      </a:lnRef>
+      <a:fillRef idx="0">
+        <a:scrgbClr r="0" g="0" b="0"/>
+      </a:fillRef>
+      <a:effectRef idx="0">
+        <a:scrgbClr r="0" g="0" b="0"/>
+      </a:effectRef>
+      <a:fontRef idx="minor"/>
+    </dgm:style>
+  </dgm:styleLbl>
+</dgm:styleDef>
 </file>
 
 <file path=ppt/notesMasters/notesMaster1.xml><?xml version="1.0" encoding="utf-8"?>
@@ -622,7 +5209,7 @@
           <a:p>
             <a:fld id="{D936C36B-0FF0-48C8-A5FE-A8F1A0E43C02}" type="datetimeFigureOut">
               <a:rPr lang="en-US" smtClean="0"/>
-              <a:t>10/7/2018</a:t>
+              <a:t>10/8/2018</a:t>
             </a:fld>
             <a:endParaRPr lang="en-US"/>
           </a:p>
@@ -1485,7 +6072,7 @@
           <a:p>
             <a:fld id="{6EB7EF2B-259C-44C7-8293-47B66B2B973A}" type="slidenum">
               <a:rPr lang="en-US" smtClean="0"/>
-              <a:t>26</a:t>
+              <a:t>49</a:t>
             </a:fld>
             <a:endParaRPr lang="en-US"/>
           </a:p>
@@ -1700,7 +6287,7 @@
           <a:p>
             <a:fld id="{48A87A34-81AB-432B-8DAE-1953F412C126}" type="datetimeFigureOut">
               <a:rPr lang="en-US" smtClean="0"/>
-              <a:t>10/7/2018</a:t>
+              <a:t>10/8/2018</a:t>
             </a:fld>
             <a:endParaRPr lang="en-US" dirty="0"/>
           </a:p>
@@ -1982,7 +6569,7 @@
             <a:fld id="{48A87A34-81AB-432B-8DAE-1953F412C126}" type="datetimeFigureOut">
               <a:rPr lang="en-US" smtClean="0"/>
               <a:pPr/>
-              <a:t>10/7/2018</a:t>
+              <a:t>10/8/2018</a:t>
             </a:fld>
             <a:endParaRPr lang="en-US" dirty="0"/>
           </a:p>
@@ -2176,7 +6763,7 @@
             <a:fld id="{48A87A34-81AB-432B-8DAE-1953F412C126}" type="datetimeFigureOut">
               <a:rPr lang="en-US" smtClean="0"/>
               <a:pPr/>
-              <a:t>10/7/2018</a:t>
+              <a:t>10/8/2018</a:t>
             </a:fld>
             <a:endParaRPr lang="en-US" dirty="0"/>
           </a:p>
@@ -2439,7 +7026,7 @@
             <a:fld id="{48A87A34-81AB-432B-8DAE-1953F412C126}" type="datetimeFigureOut">
               <a:rPr lang="en-US" smtClean="0"/>
               <a:pPr/>
-              <a:t>10/7/2018</a:t>
+              <a:t>10/8/2018</a:t>
             </a:fld>
             <a:endParaRPr lang="en-US" dirty="0"/>
           </a:p>
@@ -2867,7 +7454,7 @@
             <a:fld id="{48A87A34-81AB-432B-8DAE-1953F412C126}" type="datetimeFigureOut">
               <a:rPr lang="en-US" smtClean="0"/>
               <a:pPr/>
-              <a:t>10/7/2018</a:t>
+              <a:t>10/8/2018</a:t>
             </a:fld>
             <a:endParaRPr lang="en-US" dirty="0"/>
           </a:p>
@@ -3415,7 +8002,7 @@
             <a:fld id="{48A87A34-81AB-432B-8DAE-1953F412C126}" type="datetimeFigureOut">
               <a:rPr lang="en-US" smtClean="0"/>
               <a:pPr/>
-              <a:t>10/7/2018</a:t>
+              <a:t>10/8/2018</a:t>
             </a:fld>
             <a:endParaRPr lang="en-US" dirty="0"/>
           </a:p>
@@ -4248,7 +8835,7 @@
             <a:fld id="{48A87A34-81AB-432B-8DAE-1953F412C126}" type="datetimeFigureOut">
               <a:rPr lang="en-US" smtClean="0"/>
               <a:pPr/>
-              <a:t>10/7/2018</a:t>
+              <a:t>10/8/2018</a:t>
             </a:fld>
             <a:endParaRPr lang="en-US" dirty="0"/>
           </a:p>
@@ -4419,7 +9006,7 @@
           <a:p>
             <a:fld id="{48A87A34-81AB-432B-8DAE-1953F412C126}" type="datetimeFigureOut">
               <a:rPr lang="en-US" smtClean="0"/>
-              <a:t>10/7/2018</a:t>
+              <a:t>10/8/2018</a:t>
             </a:fld>
             <a:endParaRPr lang="en-US" dirty="0"/>
           </a:p>
@@ -4599,7 +9186,7 @@
           <a:p>
             <a:fld id="{48A87A34-81AB-432B-8DAE-1953F412C126}" type="datetimeFigureOut">
               <a:rPr lang="en-US" smtClean="0"/>
-              <a:t>10/7/2018</a:t>
+              <a:t>10/8/2018</a:t>
             </a:fld>
             <a:endParaRPr lang="en-US" dirty="0"/>
           </a:p>
@@ -4769,7 +9356,7 @@
           <a:p>
             <a:fld id="{48A87A34-81AB-432B-8DAE-1953F412C126}" type="datetimeFigureOut">
               <a:rPr lang="en-US" smtClean="0"/>
-              <a:t>10/7/2018</a:t>
+              <a:t>10/8/2018</a:t>
             </a:fld>
             <a:endParaRPr lang="en-US" dirty="0"/>
           </a:p>
@@ -5026,7 +9613,7 @@
           <a:p>
             <a:fld id="{48A87A34-81AB-432B-8DAE-1953F412C126}" type="datetimeFigureOut">
               <a:rPr lang="en-US" smtClean="0"/>
-              <a:t>10/7/2018</a:t>
+              <a:t>10/8/2018</a:t>
             </a:fld>
             <a:endParaRPr lang="en-US" dirty="0"/>
           </a:p>
@@ -5258,7 +9845,7 @@
           <a:p>
             <a:fld id="{48A87A34-81AB-432B-8DAE-1953F412C126}" type="datetimeFigureOut">
               <a:rPr lang="en-US" smtClean="0"/>
-              <a:t>10/7/2018</a:t>
+              <a:t>10/8/2018</a:t>
             </a:fld>
             <a:endParaRPr lang="en-US" dirty="0"/>
           </a:p>
@@ -5651,7 +10238,7 @@
           <a:p>
             <a:fld id="{48A87A34-81AB-432B-8DAE-1953F412C126}" type="datetimeFigureOut">
               <a:rPr lang="en-US" smtClean="0"/>
-              <a:t>10/7/2018</a:t>
+              <a:t>10/8/2018</a:t>
             </a:fld>
             <a:endParaRPr lang="en-US" dirty="0"/>
           </a:p>
@@ -5769,7 +10356,7 @@
           <a:p>
             <a:fld id="{48A87A34-81AB-432B-8DAE-1953F412C126}" type="datetimeFigureOut">
               <a:rPr lang="en-US" smtClean="0"/>
-              <a:t>10/7/2018</a:t>
+              <a:t>10/8/2018</a:t>
             </a:fld>
             <a:endParaRPr lang="en-US" dirty="0"/>
           </a:p>
@@ -5864,7 +10451,7 @@
           <a:p>
             <a:fld id="{48A87A34-81AB-432B-8DAE-1953F412C126}" type="datetimeFigureOut">
               <a:rPr lang="en-US" smtClean="0"/>
-              <a:t>10/7/2018</a:t>
+              <a:t>10/8/2018</a:t>
             </a:fld>
             <a:endParaRPr lang="en-US" dirty="0"/>
           </a:p>
@@ -6137,7 +10724,7 @@
           <a:p>
             <a:fld id="{48A87A34-81AB-432B-8DAE-1953F412C126}" type="datetimeFigureOut">
               <a:rPr lang="en-US" smtClean="0"/>
-              <a:t>10/7/2018</a:t>
+              <a:t>10/8/2018</a:t>
             </a:fld>
             <a:endParaRPr lang="en-US" dirty="0"/>
           </a:p>
@@ -6418,7 +11005,7 @@
           <a:p>
             <a:fld id="{48A87A34-81AB-432B-8DAE-1953F412C126}" type="datetimeFigureOut">
               <a:rPr lang="en-US" smtClean="0"/>
-              <a:t>10/7/2018</a:t>
+              <a:t>10/8/2018</a:t>
             </a:fld>
             <a:endParaRPr lang="en-US" dirty="0"/>
           </a:p>
@@ -6659,7 +11246,7 @@
             <a:fld id="{48A87A34-81AB-432B-8DAE-1953F412C126}" type="datetimeFigureOut">
               <a:rPr lang="en-US" smtClean="0"/>
               <a:pPr/>
-              <a:t>10/7/2018</a:t>
+              <a:t>10/8/2018</a:t>
             </a:fld>
             <a:endParaRPr lang="en-US" dirty="0"/>
           </a:p>
@@ -10992,7 +15579,7 @@
       </p:grpSpPr>
       <p:sp>
         <p:nvSpPr>
-          <p:cNvPr id="2" name="标题 1"/>
+          <p:cNvPr id="2" name="Title 1"/>
           <p:cNvSpPr>
             <a:spLocks noGrp="1"/>
           </p:cNvSpPr>
@@ -11007,7 +15594,7 @@
           <a:p>
             <a:r>
               <a:rPr lang="zh-CN" altLang="en-US" dirty="0"/>
-              <a:t>成熟的团队不是一天就形成的</a:t>
+              <a:t>不同的软件流程</a:t>
             </a:r>
             <a:endParaRPr lang="en-US" dirty="0"/>
           </a:p>
@@ -11015,7 +15602,313 @@
       </p:sp>
       <p:sp>
         <p:nvSpPr>
-          <p:cNvPr id="3" name="内容占位符 2"/>
+          <p:cNvPr id="3" name="Content Placeholder 2"/>
+          <p:cNvSpPr>
+            <a:spLocks noGrp="1"/>
+          </p:cNvSpPr>
+          <p:nvPr>
+            <p:ph idx="1"/>
+          </p:nvPr>
+        </p:nvSpPr>
+        <p:spPr/>
+        <p:txBody>
+          <a:bodyPr/>
+          <a:lstStyle/>
+          <a:p>
+            <a:r>
+              <a:rPr lang="en-US" dirty="0"/>
+              <a:t>Code-and-fix </a:t>
+            </a:r>
+            <a:r>
+              <a:rPr lang="zh-CN" altLang="en-US" dirty="0"/>
+              <a:t>写了再改</a:t>
+            </a:r>
+            <a:endParaRPr lang="en-US" dirty="0"/>
+          </a:p>
+          <a:p>
+            <a:r>
+              <a:rPr lang="en-US" dirty="0"/>
+              <a:t>Water fall </a:t>
+            </a:r>
+            <a:r>
+              <a:rPr lang="zh-CN" altLang="en-US" dirty="0"/>
+              <a:t>瀑布模型</a:t>
+            </a:r>
+            <a:endParaRPr lang="en-US" dirty="0"/>
+          </a:p>
+          <a:p>
+            <a:pPr lvl="1"/>
+            <a:r>
+              <a:rPr lang="en-US" dirty="0"/>
+              <a:t>Different modifications</a:t>
+            </a:r>
+          </a:p>
+          <a:p>
+            <a:r>
+              <a:rPr lang="en-US" dirty="0"/>
+              <a:t>Spiral </a:t>
+            </a:r>
+            <a:r>
+              <a:rPr lang="zh-CN" altLang="en-US" dirty="0"/>
+              <a:t>螺旋模型</a:t>
+            </a:r>
+            <a:endParaRPr lang="en-US" dirty="0"/>
+          </a:p>
+          <a:p>
+            <a:r>
+              <a:rPr lang="en-US" dirty="0"/>
+              <a:t>Evolutionary Prototyping </a:t>
+            </a:r>
+            <a:r>
+              <a:rPr lang="zh-CN" altLang="en-US" dirty="0"/>
+              <a:t>原型</a:t>
+            </a:r>
+            <a:r>
+              <a:rPr lang="en-US" altLang="zh-CN" dirty="0"/>
+              <a:t>+</a:t>
+            </a:r>
+            <a:r>
+              <a:rPr lang="zh-CN" altLang="en-US" dirty="0"/>
+              <a:t>演进</a:t>
+            </a:r>
+            <a:endParaRPr lang="en-US" dirty="0"/>
+          </a:p>
+          <a:p>
+            <a:r>
+              <a:rPr lang="en-US" dirty="0"/>
+              <a:t>Staged Delivery </a:t>
+            </a:r>
+            <a:r>
+              <a:rPr lang="zh-CN" altLang="en-US" dirty="0"/>
+              <a:t>分段交付</a:t>
+            </a:r>
+            <a:endParaRPr lang="en-US" dirty="0"/>
+          </a:p>
+          <a:p>
+            <a:r>
+              <a:rPr lang="en-US" dirty="0"/>
+              <a:t>Evolutionary Delivery </a:t>
+            </a:r>
+            <a:r>
+              <a:rPr lang="zh-CN" altLang="en-US" dirty="0"/>
+              <a:t>逐步交付</a:t>
+            </a:r>
+            <a:endParaRPr lang="en-US" dirty="0"/>
+          </a:p>
+          <a:p>
+            <a:endParaRPr lang="en-US" dirty="0"/>
+          </a:p>
+        </p:txBody>
+      </p:sp>
+    </p:spTree>
+    <p:extLst>
+      <p:ext uri="{BB962C8B-B14F-4D97-AF65-F5344CB8AC3E}">
+        <p14:creationId xmlns:p14="http://schemas.microsoft.com/office/powerpoint/2010/main" val="3910419683"/>
+      </p:ext>
+    </p:extLst>
+  </p:cSld>
+  <p:clrMapOvr>
+    <a:masterClrMapping/>
+  </p:clrMapOvr>
+</p:sld>
+</file>
+
+<file path=ppt/slides/slide26.xml><?xml version="1.0" encoding="utf-8"?>
+<p:sld xmlns:a="http://schemas.openxmlformats.org/drawingml/2006/main" xmlns:r="http://schemas.openxmlformats.org/officeDocument/2006/relationships" xmlns:p="http://schemas.openxmlformats.org/presentationml/2006/main">
+  <p:cSld>
+    <p:spTree>
+      <p:nvGrpSpPr>
+        <p:cNvPr id="1" name=""/>
+        <p:cNvGrpSpPr/>
+        <p:nvPr/>
+      </p:nvGrpSpPr>
+      <p:grpSpPr>
+        <a:xfrm>
+          <a:off x="0" y="0"/>
+          <a:ext cx="0" cy="0"/>
+          <a:chOff x="0" y="0"/>
+          <a:chExt cx="0" cy="0"/>
+        </a:xfrm>
+      </p:grpSpPr>
+      <p:sp>
+        <p:nvSpPr>
+          <p:cNvPr id="2" name="Title 1"/>
+          <p:cNvSpPr>
+            <a:spLocks noGrp="1"/>
+          </p:cNvSpPr>
+          <p:nvPr>
+            <p:ph type="title"/>
+          </p:nvPr>
+        </p:nvSpPr>
+        <p:spPr/>
+        <p:txBody>
+          <a:bodyPr/>
+          <a:lstStyle/>
+          <a:p>
+            <a:r>
+              <a:rPr lang="en-US" dirty="0"/>
+              <a:t>Code-and-fix</a:t>
+            </a:r>
+          </a:p>
+        </p:txBody>
+      </p:sp>
+      <p:pic>
+        <p:nvPicPr>
+          <p:cNvPr id="1026" name="Picture 2"/>
+          <p:cNvPicPr>
+            <a:picLocks noChangeAspect="1" noChangeArrowheads="1"/>
+          </p:cNvPicPr>
+          <p:nvPr/>
+        </p:nvPicPr>
+        <p:blipFill>
+          <a:blip r:embed="rId2">
+            <a:extLst>
+              <a:ext uri="{28A0092B-C50C-407E-A947-70E740481C1C}">
+                <a14:useLocalDpi xmlns:a14="http://schemas.microsoft.com/office/drawing/2010/main" val="0"/>
+              </a:ext>
+            </a:extLst>
+          </a:blip>
+          <a:srcRect/>
+          <a:stretch>
+            <a:fillRect/>
+          </a:stretch>
+        </p:blipFill>
+        <p:spPr bwMode="auto">
+          <a:xfrm>
+            <a:off x="1524001" y="1524000"/>
+            <a:ext cx="9091333" cy="3929062"/>
+          </a:xfrm>
+          <a:prstGeom prst="rect">
+            <a:avLst/>
+          </a:prstGeom>
+          <a:noFill/>
+          <a:ln>
+            <a:noFill/>
+          </a:ln>
+          <a:effectLst/>
+          <a:extLst>
+            <a:ext uri="{909E8E84-426E-40DD-AFC4-6F175D3DCCD1}">
+              <a14:hiddenFill xmlns:a14="http://schemas.microsoft.com/office/drawing/2010/main">
+                <a:solidFill>
+                  <a:schemeClr val="accent1"/>
+                </a:solidFill>
+              </a14:hiddenFill>
+            </a:ext>
+            <a:ext uri="{91240B29-F687-4F45-9708-019B960494DF}">
+              <a14:hiddenLine xmlns:a14="http://schemas.microsoft.com/office/drawing/2010/main" w="9525">
+                <a:solidFill>
+                  <a:schemeClr val="tx1"/>
+                </a:solidFill>
+                <a:miter lim="800000"/>
+                <a:headEnd/>
+                <a:tailEnd/>
+              </a14:hiddenLine>
+            </a:ext>
+            <a:ext uri="{AF507438-7753-43E0-B8FC-AC1667EBCBE1}">
+              <a14:hiddenEffects xmlns:a14="http://schemas.microsoft.com/office/drawing/2010/main">
+                <a:effectLst>
+                  <a:outerShdw dist="35921" dir="2700000" algn="ctr" rotWithShape="0">
+                    <a:schemeClr val="bg2"/>
+                  </a:outerShdw>
+                </a:effectLst>
+              </a14:hiddenEffects>
+            </a:ext>
+          </a:extLst>
+        </p:spPr>
+      </p:pic>
+      <p:sp>
+        <p:nvSpPr>
+          <p:cNvPr id="4" name="TextBox 3"/>
+          <p:cNvSpPr txBox="1"/>
+          <p:nvPr/>
+        </p:nvSpPr>
+        <p:spPr>
+          <a:xfrm>
+            <a:off x="1676401" y="6324600"/>
+            <a:ext cx="8938933" cy="369332"/>
+          </a:xfrm>
+          <a:prstGeom prst="rect">
+            <a:avLst/>
+          </a:prstGeom>
+          <a:noFill/>
+        </p:spPr>
+        <p:txBody>
+          <a:bodyPr wrap="square" rtlCol="0">
+            <a:spAutoFit/>
+          </a:bodyPr>
+          <a:lstStyle/>
+          <a:p>
+            <a:pPr marL="285750" indent="-285750">
+              <a:buFont typeface="Arial" pitchFamily="34" charset="0"/>
+              <a:buChar char="•"/>
+            </a:pPr>
+            <a:r>
+              <a:rPr lang="en-US" dirty="0"/>
+              <a:t>Commonly used model, simple, informal, but might not work well</a:t>
+            </a:r>
+          </a:p>
+        </p:txBody>
+      </p:sp>
+    </p:spTree>
+    <p:extLst>
+      <p:ext uri="{BB962C8B-B14F-4D97-AF65-F5344CB8AC3E}">
+        <p14:creationId xmlns:p14="http://schemas.microsoft.com/office/powerpoint/2010/main" val="2971325095"/>
+      </p:ext>
+    </p:extLst>
+  </p:cSld>
+  <p:clrMapOvr>
+    <a:masterClrMapping/>
+  </p:clrMapOvr>
+</p:sld>
+</file>
+
+<file path=ppt/slides/slide27.xml><?xml version="1.0" encoding="utf-8"?>
+<p:sld xmlns:a="http://schemas.openxmlformats.org/drawingml/2006/main" xmlns:r="http://schemas.openxmlformats.org/officeDocument/2006/relationships" xmlns:p="http://schemas.openxmlformats.org/presentationml/2006/main">
+  <p:cSld>
+    <p:spTree>
+      <p:nvGrpSpPr>
+        <p:cNvPr id="1" name=""/>
+        <p:cNvGrpSpPr/>
+        <p:nvPr/>
+      </p:nvGrpSpPr>
+      <p:grpSpPr>
+        <a:xfrm>
+          <a:off x="0" y="0"/>
+          <a:ext cx="0" cy="0"/>
+          <a:chOff x="0" y="0"/>
+          <a:chExt cx="0" cy="0"/>
+        </a:xfrm>
+      </p:grpSpPr>
+      <p:sp>
+        <p:nvSpPr>
+          <p:cNvPr id="2" name="Title 1"/>
+          <p:cNvSpPr>
+            <a:spLocks noGrp="1"/>
+          </p:cNvSpPr>
+          <p:nvPr>
+            <p:ph type="title"/>
+          </p:nvPr>
+        </p:nvSpPr>
+        <p:spPr/>
+        <p:txBody>
+          <a:bodyPr/>
+          <a:lstStyle/>
+          <a:p>
+            <a:r>
+              <a:rPr lang="en-US" dirty="0"/>
+              <a:t>Code-and-fix </a:t>
+            </a:r>
+            <a:r>
+              <a:rPr lang="zh-CN" altLang="en-US" dirty="0"/>
+              <a:t>写了再改</a:t>
+            </a:r>
+            <a:endParaRPr lang="en-US" dirty="0"/>
+          </a:p>
+        </p:txBody>
+      </p:sp>
+      <p:sp>
+        <p:nvSpPr>
+          <p:cNvPr id="6" name="Content Placeholder 2"/>
           <p:cNvSpPr>
             <a:spLocks noGrp="1"/>
           </p:cNvSpPr>
@@ -11026,6 +15919,3486 @@
         <p:spPr>
           <a:xfrm>
             <a:off x="1981200" y="1775192"/>
+            <a:ext cx="8229600" cy="4625609"/>
+          </a:xfrm>
+        </p:spPr>
+        <p:txBody>
+          <a:bodyPr>
+            <a:normAutofit lnSpcReduction="10000"/>
+          </a:bodyPr>
+          <a:lstStyle/>
+          <a:p>
+            <a:r>
+              <a:rPr lang="en-US" dirty="0"/>
+              <a:t>Pros </a:t>
+            </a:r>
+            <a:r>
+              <a:rPr lang="zh-CN" altLang="en-US" dirty="0"/>
+              <a:t>（这个模型也是有好处的）</a:t>
+            </a:r>
+            <a:endParaRPr lang="en-US" dirty="0"/>
+          </a:p>
+          <a:p>
+            <a:pPr lvl="1"/>
+            <a:r>
+              <a:rPr lang="en-US" dirty="0"/>
+              <a:t>No overhead</a:t>
+            </a:r>
+          </a:p>
+          <a:p>
+            <a:pPr lvl="1"/>
+            <a:r>
+              <a:rPr lang="en-US" dirty="0"/>
+              <a:t>Requires little expertise</a:t>
+            </a:r>
+          </a:p>
+          <a:p>
+            <a:r>
+              <a:rPr lang="en-US" dirty="0"/>
+              <a:t>Cons</a:t>
+            </a:r>
+          </a:p>
+          <a:p>
+            <a:pPr lvl="1"/>
+            <a:r>
+              <a:rPr lang="en-US" dirty="0"/>
+              <a:t>Provides no means of assessing progress</a:t>
+            </a:r>
+          </a:p>
+          <a:p>
+            <a:pPr lvl="1"/>
+            <a:r>
+              <a:rPr lang="en-US" dirty="0"/>
+              <a:t>No means of assessing quality</a:t>
+            </a:r>
+          </a:p>
+          <a:p>
+            <a:r>
+              <a:rPr lang="en-US" dirty="0"/>
+              <a:t>Good for</a:t>
+            </a:r>
+          </a:p>
+          <a:p>
+            <a:pPr lvl="1"/>
+            <a:r>
+              <a:rPr lang="en-US" dirty="0"/>
+              <a:t>A tiny project, </a:t>
+            </a:r>
+          </a:p>
+          <a:p>
+            <a:pPr lvl="1"/>
+            <a:r>
+              <a:rPr lang="en-US" dirty="0"/>
+              <a:t>Proof of concepts programs</a:t>
+            </a:r>
+          </a:p>
+          <a:p>
+            <a:pPr lvl="1"/>
+            <a:r>
+              <a:rPr lang="en-US" dirty="0"/>
+              <a:t>Short-lived demos</a:t>
+            </a:r>
+          </a:p>
+          <a:p>
+            <a:pPr lvl="1"/>
+            <a:r>
+              <a:rPr lang="en-US" dirty="0"/>
+              <a:t>Throw-away prototypes</a:t>
+            </a:r>
+          </a:p>
+        </p:txBody>
+      </p:sp>
+    </p:spTree>
+    <p:extLst>
+      <p:ext uri="{BB962C8B-B14F-4D97-AF65-F5344CB8AC3E}">
+        <p14:creationId xmlns:p14="http://schemas.microsoft.com/office/powerpoint/2010/main" val="1437463544"/>
+      </p:ext>
+    </p:extLst>
+  </p:cSld>
+  <p:clrMapOvr>
+    <a:masterClrMapping/>
+  </p:clrMapOvr>
+</p:sld>
+</file>
+
+<file path=ppt/slides/slide28.xml><?xml version="1.0" encoding="utf-8"?>
+<p:sld xmlns:a="http://schemas.openxmlformats.org/drawingml/2006/main" xmlns:r="http://schemas.openxmlformats.org/officeDocument/2006/relationships" xmlns:p="http://schemas.openxmlformats.org/presentationml/2006/main">
+  <p:cSld>
+    <p:spTree>
+      <p:nvGrpSpPr>
+        <p:cNvPr id="1" name=""/>
+        <p:cNvGrpSpPr/>
+        <p:nvPr/>
+      </p:nvGrpSpPr>
+      <p:grpSpPr>
+        <a:xfrm>
+          <a:off x="0" y="0"/>
+          <a:ext cx="0" cy="0"/>
+          <a:chOff x="0" y="0"/>
+          <a:chExt cx="0" cy="0"/>
+        </a:xfrm>
+      </p:grpSpPr>
+      <p:sp>
+        <p:nvSpPr>
+          <p:cNvPr id="2" name="Title 1"/>
+          <p:cNvSpPr>
+            <a:spLocks noGrp="1"/>
+          </p:cNvSpPr>
+          <p:nvPr>
+            <p:ph type="title"/>
+          </p:nvPr>
+        </p:nvSpPr>
+        <p:spPr/>
+        <p:txBody>
+          <a:bodyPr/>
+          <a:lstStyle/>
+          <a:p>
+            <a:r>
+              <a:rPr lang="en-US" dirty="0"/>
+              <a:t>Waterfall Model </a:t>
+            </a:r>
+            <a:r>
+              <a:rPr lang="zh-CN" altLang="en-US" dirty="0"/>
+              <a:t>瀑布模型</a:t>
+            </a:r>
+            <a:endParaRPr lang="en-US" dirty="0"/>
+          </a:p>
+        </p:txBody>
+      </p:sp>
+      <p:pic>
+        <p:nvPicPr>
+          <p:cNvPr id="2050" name="Picture 2"/>
+          <p:cNvPicPr>
+            <a:picLocks noChangeAspect="1" noChangeArrowheads="1"/>
+          </p:cNvPicPr>
+          <p:nvPr/>
+        </p:nvPicPr>
+        <p:blipFill>
+          <a:blip r:embed="rId2">
+            <a:extLst>
+              <a:ext uri="{28A0092B-C50C-407E-A947-70E740481C1C}">
+                <a14:useLocalDpi xmlns:a14="http://schemas.microsoft.com/office/drawing/2010/main" val="0"/>
+              </a:ext>
+            </a:extLst>
+          </a:blip>
+          <a:srcRect/>
+          <a:stretch>
+            <a:fillRect/>
+          </a:stretch>
+        </p:blipFill>
+        <p:spPr bwMode="auto">
+          <a:xfrm>
+            <a:off x="2363878" y="1524001"/>
+            <a:ext cx="7389722" cy="5280745"/>
+          </a:xfrm>
+          <a:prstGeom prst="rect">
+            <a:avLst/>
+          </a:prstGeom>
+          <a:noFill/>
+          <a:ln>
+            <a:noFill/>
+          </a:ln>
+          <a:effectLst/>
+          <a:extLst>
+            <a:ext uri="{909E8E84-426E-40DD-AFC4-6F175D3DCCD1}">
+              <a14:hiddenFill xmlns:a14="http://schemas.microsoft.com/office/drawing/2010/main">
+                <a:solidFill>
+                  <a:schemeClr val="accent1"/>
+                </a:solidFill>
+              </a14:hiddenFill>
+            </a:ext>
+            <a:ext uri="{91240B29-F687-4F45-9708-019B960494DF}">
+              <a14:hiddenLine xmlns:a14="http://schemas.microsoft.com/office/drawing/2010/main" w="9525">
+                <a:solidFill>
+                  <a:schemeClr val="tx1"/>
+                </a:solidFill>
+                <a:miter lim="800000"/>
+                <a:headEnd/>
+                <a:tailEnd/>
+              </a14:hiddenLine>
+            </a:ext>
+            <a:ext uri="{AF507438-7753-43E0-B8FC-AC1667EBCBE1}">
+              <a14:hiddenEffects xmlns:a14="http://schemas.microsoft.com/office/drawing/2010/main">
+                <a:effectLst>
+                  <a:outerShdw dist="35921" dir="2700000" algn="ctr" rotWithShape="0">
+                    <a:schemeClr val="bg2"/>
+                  </a:outerShdw>
+                </a:effectLst>
+              </a14:hiddenEffects>
+            </a:ext>
+          </a:extLst>
+        </p:spPr>
+      </p:pic>
+    </p:spTree>
+    <p:extLst>
+      <p:ext uri="{BB962C8B-B14F-4D97-AF65-F5344CB8AC3E}">
+        <p14:creationId xmlns:p14="http://schemas.microsoft.com/office/powerpoint/2010/main" val="2631900907"/>
+      </p:ext>
+    </p:extLst>
+  </p:cSld>
+  <p:clrMapOvr>
+    <a:masterClrMapping/>
+  </p:clrMapOvr>
+</p:sld>
+</file>
+
+<file path=ppt/slides/slide29.xml><?xml version="1.0" encoding="utf-8"?>
+<p:sld xmlns:a="http://schemas.openxmlformats.org/drawingml/2006/main" xmlns:r="http://schemas.openxmlformats.org/officeDocument/2006/relationships" xmlns:p="http://schemas.openxmlformats.org/presentationml/2006/main">
+  <p:cSld>
+    <p:spTree>
+      <p:nvGrpSpPr>
+        <p:cNvPr id="1" name=""/>
+        <p:cNvGrpSpPr/>
+        <p:nvPr/>
+      </p:nvGrpSpPr>
+      <p:grpSpPr>
+        <a:xfrm>
+          <a:off x="0" y="0"/>
+          <a:ext cx="0" cy="0"/>
+          <a:chOff x="0" y="0"/>
+          <a:chExt cx="0" cy="0"/>
+        </a:xfrm>
+      </p:grpSpPr>
+      <p:sp>
+        <p:nvSpPr>
+          <p:cNvPr id="2" name="Title 1"/>
+          <p:cNvSpPr>
+            <a:spLocks noGrp="1"/>
+          </p:cNvSpPr>
+          <p:nvPr>
+            <p:ph type="title"/>
+          </p:nvPr>
+        </p:nvSpPr>
+        <p:spPr/>
+        <p:txBody>
+          <a:bodyPr/>
+          <a:lstStyle/>
+          <a:p>
+            <a:r>
+              <a:rPr lang="en-US" dirty="0"/>
+              <a:t>Waterfall</a:t>
+            </a:r>
+          </a:p>
+        </p:txBody>
+      </p:sp>
+      <p:sp>
+        <p:nvSpPr>
+          <p:cNvPr id="3" name="Content Placeholder 2"/>
+          <p:cNvSpPr>
+            <a:spLocks noGrp="1"/>
+          </p:cNvSpPr>
+          <p:nvPr>
+            <p:ph idx="1"/>
+          </p:nvPr>
+        </p:nvSpPr>
+        <p:spPr/>
+        <p:txBody>
+          <a:bodyPr>
+            <a:normAutofit fontScale="85000" lnSpcReduction="20000"/>
+          </a:bodyPr>
+          <a:lstStyle/>
+          <a:p>
+            <a:r>
+              <a:rPr lang="en-US" dirty="0"/>
+              <a:t>It reflects the mental model of software development</a:t>
+            </a:r>
+          </a:p>
+          <a:p>
+            <a:r>
+              <a:rPr lang="en-US" dirty="0"/>
+              <a:t>Disjoint, Step-by-Step, document driven model</a:t>
+            </a:r>
+            <a:r>
+              <a:rPr lang="zh-CN" altLang="en-US" dirty="0"/>
+              <a:t>它反映了软件开发的串行的，连贯的步骤</a:t>
+            </a:r>
+            <a:endParaRPr lang="en-US" dirty="0"/>
+          </a:p>
+          <a:p>
+            <a:r>
+              <a:rPr lang="en-US" dirty="0"/>
+              <a:t>Pros</a:t>
+            </a:r>
+          </a:p>
+          <a:p>
+            <a:pPr lvl="1"/>
+            <a:r>
+              <a:rPr lang="en-US" dirty="0"/>
+              <a:t>Verifiable results at each step </a:t>
+            </a:r>
+            <a:r>
+              <a:rPr lang="en-US" altLang="zh-CN" dirty="0"/>
+              <a:t>/ </a:t>
+            </a:r>
+            <a:r>
+              <a:rPr lang="zh-CN" altLang="en-US" dirty="0"/>
+              <a:t>每一步的结果都是可验证的</a:t>
+            </a:r>
+            <a:endParaRPr lang="en-US" dirty="0"/>
+          </a:p>
+          <a:p>
+            <a:pPr lvl="1"/>
+            <a:r>
+              <a:rPr lang="en-US" dirty="0"/>
+              <a:t>Reduce risk  </a:t>
+            </a:r>
+            <a:r>
+              <a:rPr lang="en-US" altLang="zh-CN" dirty="0"/>
+              <a:t>/ </a:t>
+            </a:r>
+            <a:r>
+              <a:rPr lang="zh-CN" altLang="en-US" dirty="0"/>
+              <a:t>减少风险</a:t>
+            </a:r>
+            <a:endParaRPr lang="en-US" dirty="0"/>
+          </a:p>
+          <a:p>
+            <a:pPr lvl="1"/>
+            <a:r>
+              <a:rPr lang="en-US" dirty="0"/>
+              <a:t>Provide structure </a:t>
+            </a:r>
+            <a:r>
+              <a:rPr lang="en-US" altLang="zh-CN" dirty="0"/>
+              <a:t>/ </a:t>
+            </a:r>
+            <a:r>
+              <a:rPr lang="zh-CN" altLang="en-US" dirty="0"/>
+              <a:t>给团队提供稳定的流程支持</a:t>
+            </a:r>
+            <a:endParaRPr lang="en-US" dirty="0"/>
+          </a:p>
+          <a:p>
+            <a:r>
+              <a:rPr lang="en-US" dirty="0"/>
+              <a:t>Cons</a:t>
+            </a:r>
+          </a:p>
+          <a:p>
+            <a:pPr lvl="1"/>
+            <a:r>
+              <a:rPr lang="en-US" dirty="0"/>
+              <a:t>Doesn’t produce software until the end of the cycle</a:t>
+            </a:r>
+          </a:p>
+          <a:p>
+            <a:r>
+              <a:rPr lang="en-US" dirty="0"/>
+              <a:t>Good for</a:t>
+            </a:r>
+          </a:p>
+          <a:p>
+            <a:pPr lvl="1"/>
+            <a:r>
+              <a:rPr lang="en-US" dirty="0"/>
+              <a:t>Stable product definition</a:t>
+            </a:r>
+          </a:p>
+          <a:p>
+            <a:pPr lvl="1"/>
+            <a:r>
+              <a:rPr lang="en-US" dirty="0"/>
+              <a:t>Well understood technologies</a:t>
+            </a:r>
+          </a:p>
+          <a:p>
+            <a:pPr lvl="1"/>
+            <a:r>
+              <a:rPr lang="en-US" dirty="0"/>
+              <a:t>Well-understood, but complex projects (Apollo Project)</a:t>
+            </a:r>
+          </a:p>
+        </p:txBody>
+      </p:sp>
+    </p:spTree>
+    <p:extLst>
+      <p:ext uri="{BB962C8B-B14F-4D97-AF65-F5344CB8AC3E}">
+        <p14:creationId xmlns:p14="http://schemas.microsoft.com/office/powerpoint/2010/main" val="1132296088"/>
+      </p:ext>
+    </p:extLst>
+  </p:cSld>
+  <p:clrMapOvr>
+    <a:masterClrMapping/>
+  </p:clrMapOvr>
+</p:sld>
+</file>
+
+<file path=ppt/slides/slide3.xml><?xml version="1.0" encoding="utf-8"?>
+<p:sld xmlns:a="http://schemas.openxmlformats.org/drawingml/2006/main" xmlns:r="http://schemas.openxmlformats.org/officeDocument/2006/relationships" xmlns:p="http://schemas.openxmlformats.org/presentationml/2006/main">
+  <p:cSld>
+    <p:spTree>
+      <p:nvGrpSpPr>
+        <p:cNvPr id="1" name=""/>
+        <p:cNvGrpSpPr/>
+        <p:nvPr/>
+      </p:nvGrpSpPr>
+      <p:grpSpPr>
+        <a:xfrm>
+          <a:off x="0" y="0"/>
+          <a:ext cx="0" cy="0"/>
+          <a:chOff x="0" y="0"/>
+          <a:chExt cx="0" cy="0"/>
+        </a:xfrm>
+      </p:grpSpPr>
+      <p:sp>
+        <p:nvSpPr>
+          <p:cNvPr id="2" name="Title 1"/>
+          <p:cNvSpPr>
+            <a:spLocks noGrp="1"/>
+          </p:cNvSpPr>
+          <p:nvPr>
+            <p:ph type="title"/>
+          </p:nvPr>
+        </p:nvSpPr>
+        <p:spPr/>
+        <p:txBody>
+          <a:bodyPr/>
+          <a:lstStyle/>
+          <a:p>
+            <a:r>
+              <a:rPr lang="en-US" dirty="0"/>
+              <a:t>Team vs. Work Group</a:t>
+            </a:r>
+          </a:p>
+        </p:txBody>
+      </p:sp>
+      <p:sp>
+        <p:nvSpPr>
+          <p:cNvPr id="3" name="Content Placeholder 2"/>
+          <p:cNvSpPr>
+            <a:spLocks noGrp="1"/>
+          </p:cNvSpPr>
+          <p:nvPr>
+            <p:ph idx="1"/>
+          </p:nvPr>
+        </p:nvSpPr>
+        <p:spPr/>
+        <p:txBody>
+          <a:bodyPr/>
+          <a:lstStyle/>
+          <a:p>
+            <a:r>
+              <a:rPr lang="en-US" dirty="0"/>
+              <a:t>Work Group </a:t>
+            </a:r>
+            <a:r>
+              <a:rPr lang="en-US" altLang="zh-CN" dirty="0"/>
+              <a:t>/ </a:t>
+            </a:r>
+            <a:r>
+              <a:rPr lang="zh-CN" altLang="en-US" dirty="0"/>
+              <a:t>工作组</a:t>
+            </a:r>
+            <a:endParaRPr lang="en-US" dirty="0"/>
+          </a:p>
+          <a:p>
+            <a:pPr lvl="1"/>
+            <a:r>
+              <a:rPr lang="en-US" dirty="0"/>
+              <a:t>A random group of people happen to be together to finish a task</a:t>
+            </a:r>
+          </a:p>
+          <a:p>
+            <a:pPr lvl="1"/>
+            <a:r>
+              <a:rPr lang="en-US" altLang="zh-CN" dirty="0"/>
+              <a:t>M</a:t>
+            </a:r>
+            <a:r>
+              <a:rPr lang="zh-CN" altLang="en-US" dirty="0"/>
+              <a:t>个人</a:t>
+            </a:r>
+            <a:r>
+              <a:rPr lang="en-US" altLang="zh-CN" dirty="0"/>
+              <a:t>, </a:t>
+            </a:r>
+            <a:r>
+              <a:rPr lang="zh-CN" altLang="en-US" dirty="0"/>
+              <a:t>各自把</a:t>
+            </a:r>
+            <a:r>
+              <a:rPr lang="en-US" altLang="zh-CN" dirty="0"/>
+              <a:t>N </a:t>
+            </a:r>
+            <a:r>
+              <a:rPr lang="zh-CN" altLang="en-US" dirty="0"/>
+              <a:t>块砖从</a:t>
+            </a:r>
+            <a:r>
+              <a:rPr lang="en-US" altLang="zh-CN" dirty="0"/>
+              <a:t>A </a:t>
+            </a:r>
+            <a:r>
+              <a:rPr lang="zh-CN" altLang="en-US" dirty="0"/>
+              <a:t>地运到</a:t>
+            </a:r>
+            <a:r>
+              <a:rPr lang="en-US" altLang="zh-CN" dirty="0"/>
+              <a:t>B </a:t>
+            </a:r>
+            <a:r>
+              <a:rPr lang="zh-CN" altLang="en-US" dirty="0"/>
+              <a:t>地。 </a:t>
+            </a:r>
+            <a:endParaRPr lang="en-US" dirty="0"/>
+          </a:p>
+          <a:p>
+            <a:r>
+              <a:rPr lang="en-US" dirty="0"/>
+              <a:t>Team</a:t>
+            </a:r>
+          </a:p>
+          <a:p>
+            <a:pPr lvl="1"/>
+            <a:r>
+              <a:rPr lang="en-US" dirty="0"/>
+              <a:t>Common mission, team members relies on each other</a:t>
+            </a:r>
+          </a:p>
+          <a:p>
+            <a:pPr lvl="1"/>
+            <a:r>
+              <a:rPr lang="en-US" altLang="zh-CN" dirty="0"/>
+              <a:t>M</a:t>
+            </a:r>
+            <a:r>
+              <a:rPr lang="zh-CN" altLang="en-US" dirty="0"/>
+              <a:t>个人</a:t>
+            </a:r>
+            <a:r>
+              <a:rPr lang="en-US" altLang="zh-CN" dirty="0"/>
+              <a:t>, </a:t>
+            </a:r>
+            <a:r>
+              <a:rPr lang="zh-CN" altLang="en-US" dirty="0"/>
+              <a:t>组成人链把</a:t>
+            </a:r>
+            <a:r>
+              <a:rPr lang="en-US" altLang="zh-CN" dirty="0"/>
+              <a:t>N*M </a:t>
+            </a:r>
+            <a:r>
+              <a:rPr lang="zh-CN" altLang="en-US" dirty="0"/>
+              <a:t>块砖从</a:t>
+            </a:r>
+            <a:r>
+              <a:rPr lang="en-US" altLang="zh-CN" dirty="0"/>
+              <a:t>A </a:t>
+            </a:r>
+            <a:r>
+              <a:rPr lang="zh-CN" altLang="en-US" dirty="0"/>
+              <a:t>地运到 </a:t>
+            </a:r>
+            <a:r>
+              <a:rPr lang="en-US" altLang="zh-CN" dirty="0"/>
+              <a:t>B</a:t>
+            </a:r>
+            <a:r>
+              <a:rPr lang="zh-CN" altLang="en-US" dirty="0"/>
+              <a:t>地。</a:t>
+            </a:r>
+            <a:endParaRPr lang="en-US" altLang="zh-CN" dirty="0"/>
+          </a:p>
+          <a:p>
+            <a:pPr lvl="1"/>
+            <a:r>
+              <a:rPr lang="zh-CN" altLang="en-US" dirty="0"/>
+              <a:t>制造工具，更有效地运砖 </a:t>
+            </a:r>
+            <a:endParaRPr lang="en-US" dirty="0"/>
+          </a:p>
+        </p:txBody>
+      </p:sp>
+    </p:spTree>
+    <p:extLst>
+      <p:ext uri="{BB962C8B-B14F-4D97-AF65-F5344CB8AC3E}">
+        <p14:creationId xmlns:p14="http://schemas.microsoft.com/office/powerpoint/2010/main" val="1580964085"/>
+      </p:ext>
+    </p:extLst>
+  </p:cSld>
+  <p:clrMapOvr>
+    <a:masterClrMapping/>
+  </p:clrMapOvr>
+</p:sld>
+</file>
+
+<file path=ppt/slides/slide30.xml><?xml version="1.0" encoding="utf-8"?>
+<p:sld xmlns:a="http://schemas.openxmlformats.org/drawingml/2006/main" xmlns:r="http://schemas.openxmlformats.org/officeDocument/2006/relationships" xmlns:p="http://schemas.openxmlformats.org/presentationml/2006/main">
+  <p:cSld>
+    <p:spTree>
+      <p:nvGrpSpPr>
+        <p:cNvPr id="1" name=""/>
+        <p:cNvGrpSpPr/>
+        <p:nvPr/>
+      </p:nvGrpSpPr>
+      <p:grpSpPr>
+        <a:xfrm>
+          <a:off x="0" y="0"/>
+          <a:ext cx="0" cy="0"/>
+          <a:chOff x="0" y="0"/>
+          <a:chExt cx="0" cy="0"/>
+        </a:xfrm>
+      </p:grpSpPr>
+      <p:sp>
+        <p:nvSpPr>
+          <p:cNvPr id="2" name="Title 1"/>
+          <p:cNvSpPr>
+            <a:spLocks noGrp="1"/>
+          </p:cNvSpPr>
+          <p:nvPr>
+            <p:ph type="title"/>
+          </p:nvPr>
+        </p:nvSpPr>
+        <p:spPr/>
+        <p:txBody>
+          <a:bodyPr/>
+          <a:lstStyle/>
+          <a:p>
+            <a:r>
+              <a:rPr lang="en-US" dirty="0"/>
+              <a:t>One Example -</a:t>
+            </a:r>
+            <a:r>
+              <a:rPr lang="zh-CN" altLang="en-US" dirty="0"/>
+              <a:t>制造汽车</a:t>
+            </a:r>
+            <a:endParaRPr lang="en-US" dirty="0"/>
+          </a:p>
+        </p:txBody>
+      </p:sp>
+      <p:sp>
+        <p:nvSpPr>
+          <p:cNvPr id="3" name="Content Placeholder 2"/>
+          <p:cNvSpPr>
+            <a:spLocks noGrp="1"/>
+          </p:cNvSpPr>
+          <p:nvPr>
+            <p:ph idx="1"/>
+          </p:nvPr>
+        </p:nvSpPr>
+        <p:spPr/>
+        <p:txBody>
+          <a:bodyPr>
+            <a:normAutofit lnSpcReduction="10000"/>
+          </a:bodyPr>
+          <a:lstStyle/>
+          <a:p>
+            <a:r>
+              <a:rPr lang="zh-CN" altLang="en-US" dirty="0"/>
+              <a:t>你</a:t>
+            </a:r>
+            <a:r>
+              <a:rPr lang="en-US" altLang="zh-CN" dirty="0"/>
+              <a:t>(</a:t>
+            </a:r>
+            <a:r>
+              <a:rPr lang="zh-CN" altLang="en-US" dirty="0"/>
+              <a:t>用户</a:t>
+            </a:r>
+            <a:r>
+              <a:rPr lang="en-US" altLang="zh-CN" dirty="0"/>
+              <a:t>) </a:t>
+            </a:r>
+            <a:r>
+              <a:rPr lang="zh-CN" altLang="en-US" dirty="0"/>
+              <a:t>提出要发动机</a:t>
+            </a:r>
+            <a:r>
+              <a:rPr lang="en-US" altLang="zh-CN" dirty="0"/>
+              <a:t>, </a:t>
+            </a:r>
+            <a:r>
+              <a:rPr lang="zh-CN" altLang="en-US" dirty="0"/>
+              <a:t>车身</a:t>
+            </a:r>
+            <a:r>
+              <a:rPr lang="en-US" altLang="zh-CN" dirty="0"/>
+              <a:t>, </a:t>
+            </a:r>
+            <a:r>
+              <a:rPr lang="zh-CN" altLang="en-US" dirty="0"/>
+              <a:t>车窗</a:t>
+            </a:r>
+            <a:r>
+              <a:rPr lang="en-US" altLang="zh-CN" dirty="0"/>
+              <a:t>, </a:t>
+            </a:r>
+            <a:r>
+              <a:rPr lang="zh-CN" altLang="en-US" dirty="0"/>
+              <a:t>方向盘</a:t>
+            </a:r>
+            <a:r>
+              <a:rPr lang="en-US" altLang="zh-CN" dirty="0"/>
+              <a:t>, </a:t>
+            </a:r>
+            <a:r>
+              <a:rPr lang="zh-CN" altLang="en-US" dirty="0"/>
+              <a:t>加速踏板</a:t>
+            </a:r>
+            <a:r>
+              <a:rPr lang="en-US" altLang="zh-CN" dirty="0"/>
+              <a:t>, </a:t>
+            </a:r>
+            <a:r>
+              <a:rPr lang="zh-CN" altLang="en-US" dirty="0"/>
+              <a:t>刹车</a:t>
+            </a:r>
+            <a:r>
+              <a:rPr lang="en-US" altLang="zh-CN" dirty="0"/>
+              <a:t>, </a:t>
+            </a:r>
+            <a:r>
+              <a:rPr lang="zh-CN" altLang="en-US" dirty="0"/>
+              <a:t>手刹</a:t>
+            </a:r>
+            <a:r>
+              <a:rPr lang="en-US" altLang="zh-CN" dirty="0"/>
+              <a:t>, </a:t>
+            </a:r>
+            <a:r>
+              <a:rPr lang="zh-CN" altLang="en-US" dirty="0"/>
+              <a:t>座位</a:t>
+            </a:r>
+            <a:r>
+              <a:rPr lang="en-US" altLang="zh-CN" dirty="0"/>
+              <a:t>, </a:t>
+            </a:r>
+            <a:r>
+              <a:rPr lang="zh-CN" altLang="en-US" dirty="0"/>
+              <a:t>车灯</a:t>
+            </a:r>
+            <a:endParaRPr lang="en-US" altLang="zh-CN" dirty="0"/>
+          </a:p>
+          <a:p>
+            <a:r>
+              <a:rPr lang="zh-CN" altLang="en-US" dirty="0"/>
+              <a:t>生产商按照瀑布模型流程给你生产</a:t>
+            </a:r>
+            <a:r>
+              <a:rPr lang="en-US" altLang="zh-CN" dirty="0"/>
+              <a:t>, </a:t>
+            </a:r>
+            <a:r>
+              <a:rPr lang="zh-CN" altLang="en-US" dirty="0"/>
+              <a:t>六个月后交付。</a:t>
+            </a:r>
+            <a:endParaRPr lang="en-US" altLang="zh-CN" dirty="0"/>
+          </a:p>
+          <a:p>
+            <a:r>
+              <a:rPr lang="zh-CN" altLang="en-US" dirty="0"/>
+              <a:t>看到样车后</a:t>
+            </a:r>
+            <a:r>
+              <a:rPr lang="en-US" altLang="zh-CN" dirty="0"/>
+              <a:t>…</a:t>
+            </a:r>
+          </a:p>
+          <a:p>
+            <a:r>
+              <a:rPr lang="zh-CN" altLang="en-US" dirty="0"/>
+              <a:t>你提出 </a:t>
+            </a:r>
+            <a:r>
+              <a:rPr lang="en-US" altLang="zh-CN" dirty="0"/>
+              <a:t>– </a:t>
+            </a:r>
+            <a:r>
+              <a:rPr lang="zh-CN" altLang="en-US" dirty="0"/>
+              <a:t>我当初忘了一件小事</a:t>
+            </a:r>
+            <a:r>
+              <a:rPr lang="en-US" altLang="zh-CN" dirty="0"/>
+              <a:t>, </a:t>
+            </a:r>
+            <a:r>
+              <a:rPr lang="zh-CN" altLang="en-US" dirty="0"/>
+              <a:t>要有倒车灯</a:t>
+            </a:r>
+            <a:endParaRPr lang="en-US" altLang="zh-CN" dirty="0"/>
+          </a:p>
+          <a:p>
+            <a:pPr lvl="1"/>
+            <a:r>
+              <a:rPr lang="zh-CN" altLang="en-US" dirty="0"/>
+              <a:t>当倒车的时候</a:t>
+            </a:r>
+            <a:r>
+              <a:rPr lang="en-US" altLang="zh-CN" dirty="0"/>
+              <a:t>, </a:t>
+            </a:r>
+            <a:r>
+              <a:rPr lang="zh-CN" altLang="en-US" dirty="0"/>
+              <a:t>倒车灯会亮</a:t>
+            </a:r>
+            <a:endParaRPr lang="en-US" altLang="zh-CN" dirty="0"/>
+          </a:p>
+          <a:p>
+            <a:r>
+              <a:rPr lang="zh-CN" altLang="en-US" dirty="0"/>
+              <a:t>生产商说</a:t>
+            </a:r>
+            <a:r>
+              <a:rPr lang="en-US" altLang="zh-CN" dirty="0"/>
+              <a:t>:</a:t>
+            </a:r>
+          </a:p>
+          <a:p>
+            <a:pPr lvl="1"/>
+            <a:r>
+              <a:rPr lang="zh-CN" altLang="en-US" dirty="0"/>
+              <a:t>我要重新设计车尾部， 加上倒车灯，把车底拆开，安装线路</a:t>
+            </a:r>
+            <a:r>
+              <a:rPr lang="en-US" altLang="zh-CN" dirty="0"/>
+              <a:t>,  </a:t>
+            </a:r>
+            <a:r>
+              <a:rPr lang="zh-CN" altLang="en-US" dirty="0"/>
+              <a:t>修改传动装置把倒车档和倒车灯联系起来。。。我得重新开始</a:t>
+            </a:r>
+            <a:endParaRPr lang="en-US" altLang="zh-CN" dirty="0"/>
+          </a:p>
+          <a:p>
+            <a:r>
+              <a:rPr lang="zh-CN" altLang="en-US" dirty="0"/>
+              <a:t>你说</a:t>
+            </a:r>
+            <a:r>
+              <a:rPr lang="en-US" altLang="zh-CN" dirty="0"/>
+              <a:t>:  </a:t>
+            </a:r>
+            <a:r>
+              <a:rPr lang="zh-CN" altLang="en-US" dirty="0"/>
+              <a:t>这不是很小的一件事么</a:t>
+            </a:r>
+            <a:r>
+              <a:rPr lang="en-US" altLang="zh-CN" dirty="0"/>
+              <a:t>? </a:t>
+            </a:r>
+            <a:endParaRPr lang="en-US" dirty="0"/>
+          </a:p>
+        </p:txBody>
+      </p:sp>
+    </p:spTree>
+    <p:extLst>
+      <p:ext uri="{BB962C8B-B14F-4D97-AF65-F5344CB8AC3E}">
+        <p14:creationId xmlns:p14="http://schemas.microsoft.com/office/powerpoint/2010/main" val="1478526336"/>
+      </p:ext>
+    </p:extLst>
+  </p:cSld>
+  <p:clrMapOvr>
+    <a:masterClrMapping/>
+  </p:clrMapOvr>
+</p:sld>
+</file>
+
+<file path=ppt/slides/slide31.xml><?xml version="1.0" encoding="utf-8"?>
+<p:sld xmlns:a="http://schemas.openxmlformats.org/drawingml/2006/main" xmlns:r="http://schemas.openxmlformats.org/officeDocument/2006/relationships" xmlns:p="http://schemas.openxmlformats.org/presentationml/2006/main">
+  <p:cSld>
+    <p:spTree>
+      <p:nvGrpSpPr>
+        <p:cNvPr id="1" name=""/>
+        <p:cNvGrpSpPr/>
+        <p:nvPr/>
+      </p:nvGrpSpPr>
+      <p:grpSpPr>
+        <a:xfrm>
+          <a:off x="0" y="0"/>
+          <a:ext cx="0" cy="0"/>
+          <a:chOff x="0" y="0"/>
+          <a:chExt cx="0" cy="0"/>
+        </a:xfrm>
+      </p:grpSpPr>
+      <p:sp>
+        <p:nvSpPr>
+          <p:cNvPr id="2" name="Title 1"/>
+          <p:cNvSpPr>
+            <a:spLocks noGrp="1"/>
+          </p:cNvSpPr>
+          <p:nvPr>
+            <p:ph type="title"/>
+          </p:nvPr>
+        </p:nvSpPr>
+        <p:spPr/>
+        <p:txBody>
+          <a:bodyPr/>
+          <a:lstStyle/>
+          <a:p>
+            <a:r>
+              <a:rPr lang="en-US" dirty="0"/>
+              <a:t>Modified Waterfalls</a:t>
+            </a:r>
+          </a:p>
+        </p:txBody>
+      </p:sp>
+      <p:sp>
+        <p:nvSpPr>
+          <p:cNvPr id="3" name="Content Placeholder 2"/>
+          <p:cNvSpPr>
+            <a:spLocks noGrp="1"/>
+          </p:cNvSpPr>
+          <p:nvPr>
+            <p:ph idx="1"/>
+          </p:nvPr>
+        </p:nvSpPr>
+        <p:spPr/>
+        <p:txBody>
+          <a:bodyPr/>
+          <a:lstStyle/>
+          <a:p>
+            <a:r>
+              <a:rPr lang="en-US" dirty="0"/>
+              <a:t>Sashimi (</a:t>
+            </a:r>
+            <a:r>
+              <a:rPr lang="zh-CN" altLang="en-US" dirty="0"/>
+              <a:t>生鱼片</a:t>
+            </a:r>
+            <a:r>
+              <a:rPr lang="en-US" dirty="0"/>
+              <a:t>)</a:t>
+            </a:r>
+          </a:p>
+          <a:p>
+            <a:pPr marL="118872" indent="0">
+              <a:buNone/>
+            </a:pPr>
+            <a:endParaRPr lang="en-US" dirty="0"/>
+          </a:p>
+        </p:txBody>
+      </p:sp>
+      <p:pic>
+        <p:nvPicPr>
+          <p:cNvPr id="4098" name="Picture 2"/>
+          <p:cNvPicPr>
+            <a:picLocks noChangeAspect="1" noChangeArrowheads="1"/>
+          </p:cNvPicPr>
+          <p:nvPr/>
+        </p:nvPicPr>
+        <p:blipFill>
+          <a:blip r:embed="rId2">
+            <a:extLst>
+              <a:ext uri="{28A0092B-C50C-407E-A947-70E740481C1C}">
+                <a14:useLocalDpi xmlns:a14="http://schemas.microsoft.com/office/drawing/2010/main" val="0"/>
+              </a:ext>
+            </a:extLst>
+          </a:blip>
+          <a:srcRect/>
+          <a:stretch>
+            <a:fillRect/>
+          </a:stretch>
+        </p:blipFill>
+        <p:spPr bwMode="auto">
+          <a:xfrm>
+            <a:off x="2514600" y="2362200"/>
+            <a:ext cx="5181600" cy="3886200"/>
+          </a:xfrm>
+          <a:prstGeom prst="rect">
+            <a:avLst/>
+          </a:prstGeom>
+          <a:noFill/>
+          <a:ln>
+            <a:noFill/>
+          </a:ln>
+          <a:effectLst/>
+          <a:extLst>
+            <a:ext uri="{909E8E84-426E-40DD-AFC4-6F175D3DCCD1}">
+              <a14:hiddenFill xmlns:a14="http://schemas.microsoft.com/office/drawing/2010/main">
+                <a:solidFill>
+                  <a:schemeClr val="accent1"/>
+                </a:solidFill>
+              </a14:hiddenFill>
+            </a:ext>
+            <a:ext uri="{91240B29-F687-4F45-9708-019B960494DF}">
+              <a14:hiddenLine xmlns:a14="http://schemas.microsoft.com/office/drawing/2010/main" w="9525">
+                <a:solidFill>
+                  <a:schemeClr val="tx1"/>
+                </a:solidFill>
+                <a:miter lim="800000"/>
+                <a:headEnd/>
+                <a:tailEnd/>
+              </a14:hiddenLine>
+            </a:ext>
+            <a:ext uri="{AF507438-7753-43E0-B8FC-AC1667EBCBE1}">
+              <a14:hiddenEffects xmlns:a14="http://schemas.microsoft.com/office/drawing/2010/main">
+                <a:effectLst>
+                  <a:outerShdw dist="35921" dir="2700000" algn="ctr" rotWithShape="0">
+                    <a:schemeClr val="bg2"/>
+                  </a:outerShdw>
+                </a:effectLst>
+              </a14:hiddenEffects>
+            </a:ext>
+          </a:extLst>
+        </p:spPr>
+      </p:pic>
+    </p:spTree>
+    <p:extLst>
+      <p:ext uri="{BB962C8B-B14F-4D97-AF65-F5344CB8AC3E}">
+        <p14:creationId xmlns:p14="http://schemas.microsoft.com/office/powerpoint/2010/main" val="3372520156"/>
+      </p:ext>
+    </p:extLst>
+  </p:cSld>
+  <p:clrMapOvr>
+    <a:masterClrMapping/>
+  </p:clrMapOvr>
+</p:sld>
+</file>
+
+<file path=ppt/slides/slide32.xml><?xml version="1.0" encoding="utf-8"?>
+<p:sld xmlns:a="http://schemas.openxmlformats.org/drawingml/2006/main" xmlns:r="http://schemas.openxmlformats.org/officeDocument/2006/relationships" xmlns:p="http://schemas.openxmlformats.org/presentationml/2006/main">
+  <p:cSld>
+    <p:spTree>
+      <p:nvGrpSpPr>
+        <p:cNvPr id="1" name=""/>
+        <p:cNvGrpSpPr/>
+        <p:nvPr/>
+      </p:nvGrpSpPr>
+      <p:grpSpPr>
+        <a:xfrm>
+          <a:off x="0" y="0"/>
+          <a:ext cx="0" cy="0"/>
+          <a:chOff x="0" y="0"/>
+          <a:chExt cx="0" cy="0"/>
+        </a:xfrm>
+      </p:grpSpPr>
+      <p:sp>
+        <p:nvSpPr>
+          <p:cNvPr id="2" name="Title 1"/>
+          <p:cNvSpPr>
+            <a:spLocks noGrp="1"/>
+          </p:cNvSpPr>
+          <p:nvPr>
+            <p:ph type="title"/>
+          </p:nvPr>
+        </p:nvSpPr>
+        <p:spPr/>
+        <p:txBody>
+          <a:bodyPr/>
+          <a:lstStyle/>
+          <a:p>
+            <a:r>
+              <a:rPr lang="en-US" dirty="0"/>
+              <a:t>Sashimi Model </a:t>
+            </a:r>
+            <a:r>
+              <a:rPr lang="zh-CN" altLang="en-US" dirty="0"/>
+              <a:t>生鱼片模型</a:t>
+            </a:r>
+            <a:endParaRPr lang="en-US" dirty="0"/>
+          </a:p>
+        </p:txBody>
+      </p:sp>
+      <p:sp>
+        <p:nvSpPr>
+          <p:cNvPr id="3" name="Content Placeholder 2"/>
+          <p:cNvSpPr>
+            <a:spLocks noGrp="1"/>
+          </p:cNvSpPr>
+          <p:nvPr>
+            <p:ph idx="1"/>
+          </p:nvPr>
+        </p:nvSpPr>
+        <p:spPr>
+          <a:xfrm>
+            <a:off x="1981200" y="1775192"/>
+            <a:ext cx="4114800" cy="4625609"/>
+          </a:xfrm>
+        </p:spPr>
+        <p:txBody>
+          <a:bodyPr>
+            <a:normAutofit/>
+          </a:bodyPr>
+          <a:lstStyle/>
+          <a:p>
+            <a:r>
+              <a:rPr lang="en-US" dirty="0"/>
+              <a:t>Overlapping stages</a:t>
+            </a:r>
+          </a:p>
+          <a:p>
+            <a:r>
+              <a:rPr lang="en-US" dirty="0"/>
+              <a:t>Help reduce the cost of completely separated stages</a:t>
+            </a:r>
+          </a:p>
+          <a:p>
+            <a:r>
+              <a:rPr lang="en-US" dirty="0"/>
+              <a:t>Cons</a:t>
+            </a:r>
+          </a:p>
+          <a:p>
+            <a:pPr lvl="1"/>
+            <a:r>
+              <a:rPr lang="en-US" dirty="0"/>
+              <a:t>Overlapping milestones</a:t>
+            </a:r>
+          </a:p>
+          <a:p>
+            <a:pPr lvl="1"/>
+            <a:r>
+              <a:rPr lang="en-US" dirty="0"/>
+              <a:t>Parallelism can lead to </a:t>
+            </a:r>
+            <a:r>
+              <a:rPr lang="en-US" dirty="0" err="1"/>
+              <a:t>mis</a:t>
+            </a:r>
+            <a:r>
+              <a:rPr lang="en-US" dirty="0"/>
+              <a:t>-communication</a:t>
+            </a:r>
+          </a:p>
+        </p:txBody>
+      </p:sp>
+      <p:pic>
+        <p:nvPicPr>
+          <p:cNvPr id="5122" name="Picture 2"/>
+          <p:cNvPicPr>
+            <a:picLocks noChangeAspect="1" noChangeArrowheads="1"/>
+          </p:cNvPicPr>
+          <p:nvPr/>
+        </p:nvPicPr>
+        <p:blipFill>
+          <a:blip r:embed="rId2">
+            <a:extLst>
+              <a:ext uri="{28A0092B-C50C-407E-A947-70E740481C1C}">
+                <a14:useLocalDpi xmlns:a14="http://schemas.microsoft.com/office/drawing/2010/main" val="0"/>
+              </a:ext>
+            </a:extLst>
+          </a:blip>
+          <a:srcRect/>
+          <a:stretch>
+            <a:fillRect/>
+          </a:stretch>
+        </p:blipFill>
+        <p:spPr bwMode="auto">
+          <a:xfrm>
+            <a:off x="5867400" y="1905000"/>
+            <a:ext cx="4572000" cy="4107656"/>
+          </a:xfrm>
+          <a:prstGeom prst="rect">
+            <a:avLst/>
+          </a:prstGeom>
+          <a:noFill/>
+          <a:ln>
+            <a:noFill/>
+          </a:ln>
+          <a:effectLst/>
+          <a:extLst>
+            <a:ext uri="{909E8E84-426E-40DD-AFC4-6F175D3DCCD1}">
+              <a14:hiddenFill xmlns:a14="http://schemas.microsoft.com/office/drawing/2010/main">
+                <a:solidFill>
+                  <a:schemeClr val="accent1"/>
+                </a:solidFill>
+              </a14:hiddenFill>
+            </a:ext>
+            <a:ext uri="{91240B29-F687-4F45-9708-019B960494DF}">
+              <a14:hiddenLine xmlns:a14="http://schemas.microsoft.com/office/drawing/2010/main" w="9525">
+                <a:solidFill>
+                  <a:schemeClr val="tx1"/>
+                </a:solidFill>
+                <a:miter lim="800000"/>
+                <a:headEnd/>
+                <a:tailEnd/>
+              </a14:hiddenLine>
+            </a:ext>
+            <a:ext uri="{AF507438-7753-43E0-B8FC-AC1667EBCBE1}">
+              <a14:hiddenEffects xmlns:a14="http://schemas.microsoft.com/office/drawing/2010/main">
+                <a:effectLst>
+                  <a:outerShdw dist="35921" dir="2700000" algn="ctr" rotWithShape="0">
+                    <a:schemeClr val="bg2"/>
+                  </a:outerShdw>
+                </a:effectLst>
+              </a14:hiddenEffects>
+            </a:ext>
+          </a:extLst>
+        </p:spPr>
+      </p:pic>
+    </p:spTree>
+    <p:extLst>
+      <p:ext uri="{BB962C8B-B14F-4D97-AF65-F5344CB8AC3E}">
+        <p14:creationId xmlns:p14="http://schemas.microsoft.com/office/powerpoint/2010/main" val="240750047"/>
+      </p:ext>
+    </p:extLst>
+  </p:cSld>
+  <p:clrMapOvr>
+    <a:masterClrMapping/>
+  </p:clrMapOvr>
+</p:sld>
+</file>
+
+<file path=ppt/slides/slide33.xml><?xml version="1.0" encoding="utf-8"?>
+<p:sld xmlns:a="http://schemas.openxmlformats.org/drawingml/2006/main" xmlns:r="http://schemas.openxmlformats.org/officeDocument/2006/relationships" xmlns:p="http://schemas.openxmlformats.org/presentationml/2006/main">
+  <p:cSld>
+    <p:spTree>
+      <p:nvGrpSpPr>
+        <p:cNvPr id="1" name=""/>
+        <p:cNvGrpSpPr/>
+        <p:nvPr/>
+      </p:nvGrpSpPr>
+      <p:grpSpPr>
+        <a:xfrm>
+          <a:off x="0" y="0"/>
+          <a:ext cx="0" cy="0"/>
+          <a:chOff x="0" y="0"/>
+          <a:chExt cx="0" cy="0"/>
+        </a:xfrm>
+      </p:grpSpPr>
+      <p:sp>
+        <p:nvSpPr>
+          <p:cNvPr id="2" name="Title 1"/>
+          <p:cNvSpPr>
+            <a:spLocks noGrp="1"/>
+          </p:cNvSpPr>
+          <p:nvPr>
+            <p:ph type="title"/>
+          </p:nvPr>
+        </p:nvSpPr>
+        <p:spPr/>
+        <p:txBody>
+          <a:bodyPr/>
+          <a:lstStyle/>
+          <a:p>
+            <a:r>
+              <a:rPr lang="en-US" dirty="0"/>
+              <a:t>Waterfall with Subprojects</a:t>
+            </a:r>
+          </a:p>
+        </p:txBody>
+      </p:sp>
+      <p:sp>
+        <p:nvSpPr>
+          <p:cNvPr id="3" name="Content Placeholder 2"/>
+          <p:cNvSpPr>
+            <a:spLocks noGrp="1"/>
+          </p:cNvSpPr>
+          <p:nvPr>
+            <p:ph idx="1"/>
+          </p:nvPr>
+        </p:nvSpPr>
+        <p:spPr>
+          <a:xfrm>
+            <a:off x="1981200" y="1775192"/>
+            <a:ext cx="4114800" cy="4625609"/>
+          </a:xfrm>
+        </p:spPr>
+        <p:txBody>
+          <a:bodyPr/>
+          <a:lstStyle/>
+          <a:p>
+            <a:r>
+              <a:rPr lang="en-US" dirty="0"/>
+              <a:t>Divide and conquer</a:t>
+            </a:r>
+          </a:p>
+          <a:p>
+            <a:pPr marL="118872" indent="0">
+              <a:buNone/>
+            </a:pPr>
+            <a:r>
+              <a:rPr lang="zh-CN" altLang="en-US" dirty="0"/>
+              <a:t>分而治之</a:t>
+            </a:r>
+            <a:endParaRPr lang="en-US" dirty="0"/>
+          </a:p>
+          <a:p>
+            <a:r>
+              <a:rPr lang="en-US" dirty="0"/>
+              <a:t>Risks</a:t>
+            </a:r>
+          </a:p>
+          <a:p>
+            <a:pPr lvl="1"/>
+            <a:r>
+              <a:rPr lang="en-US" dirty="0"/>
+              <a:t>Unforeseen interdependencies</a:t>
+            </a:r>
+          </a:p>
+          <a:p>
+            <a:pPr lvl="1"/>
+            <a:r>
+              <a:rPr lang="en-US" dirty="0"/>
+              <a:t>Cost of integration</a:t>
+            </a:r>
+          </a:p>
+        </p:txBody>
+      </p:sp>
+      <p:pic>
+        <p:nvPicPr>
+          <p:cNvPr id="6146" name="Picture 2"/>
+          <p:cNvPicPr>
+            <a:picLocks noChangeAspect="1" noChangeArrowheads="1"/>
+          </p:cNvPicPr>
+          <p:nvPr/>
+        </p:nvPicPr>
+        <p:blipFill>
+          <a:blip r:embed="rId2">
+            <a:extLst>
+              <a:ext uri="{28A0092B-C50C-407E-A947-70E740481C1C}">
+                <a14:useLocalDpi xmlns:a14="http://schemas.microsoft.com/office/drawing/2010/main" val="0"/>
+              </a:ext>
+            </a:extLst>
+          </a:blip>
+          <a:srcRect/>
+          <a:stretch>
+            <a:fillRect/>
+          </a:stretch>
+        </p:blipFill>
+        <p:spPr bwMode="auto">
+          <a:xfrm>
+            <a:off x="5729797" y="1828800"/>
+            <a:ext cx="4966636" cy="3276600"/>
+          </a:xfrm>
+          <a:prstGeom prst="rect">
+            <a:avLst/>
+          </a:prstGeom>
+          <a:noFill/>
+          <a:ln>
+            <a:noFill/>
+          </a:ln>
+          <a:effectLst/>
+          <a:extLst>
+            <a:ext uri="{909E8E84-426E-40DD-AFC4-6F175D3DCCD1}">
+              <a14:hiddenFill xmlns:a14="http://schemas.microsoft.com/office/drawing/2010/main">
+                <a:solidFill>
+                  <a:schemeClr val="accent1"/>
+                </a:solidFill>
+              </a14:hiddenFill>
+            </a:ext>
+            <a:ext uri="{91240B29-F687-4F45-9708-019B960494DF}">
+              <a14:hiddenLine xmlns:a14="http://schemas.microsoft.com/office/drawing/2010/main" w="9525">
+                <a:solidFill>
+                  <a:schemeClr val="tx1"/>
+                </a:solidFill>
+                <a:miter lim="800000"/>
+                <a:headEnd/>
+                <a:tailEnd/>
+              </a14:hiddenLine>
+            </a:ext>
+            <a:ext uri="{AF507438-7753-43E0-B8FC-AC1667EBCBE1}">
+              <a14:hiddenEffects xmlns:a14="http://schemas.microsoft.com/office/drawing/2010/main">
+                <a:effectLst>
+                  <a:outerShdw dist="35921" dir="2700000" algn="ctr" rotWithShape="0">
+                    <a:schemeClr val="bg2"/>
+                  </a:outerShdw>
+                </a:effectLst>
+              </a14:hiddenEffects>
+            </a:ext>
+          </a:extLst>
+        </p:spPr>
+      </p:pic>
+    </p:spTree>
+    <p:extLst>
+      <p:ext uri="{BB962C8B-B14F-4D97-AF65-F5344CB8AC3E}">
+        <p14:creationId xmlns:p14="http://schemas.microsoft.com/office/powerpoint/2010/main" val="3182406661"/>
+      </p:ext>
+    </p:extLst>
+  </p:cSld>
+  <p:clrMapOvr>
+    <a:masterClrMapping/>
+  </p:clrMapOvr>
+</p:sld>
+</file>
+
+<file path=ppt/slides/slide34.xml><?xml version="1.0" encoding="utf-8"?>
+<p:sld xmlns:a="http://schemas.openxmlformats.org/drawingml/2006/main" xmlns:r="http://schemas.openxmlformats.org/officeDocument/2006/relationships" xmlns:p="http://schemas.openxmlformats.org/presentationml/2006/main">
+  <p:cSld>
+    <p:spTree>
+      <p:nvGrpSpPr>
+        <p:cNvPr id="1" name=""/>
+        <p:cNvGrpSpPr/>
+        <p:nvPr/>
+      </p:nvGrpSpPr>
+      <p:grpSpPr>
+        <a:xfrm>
+          <a:off x="0" y="0"/>
+          <a:ext cx="0" cy="0"/>
+          <a:chOff x="0" y="0"/>
+          <a:chExt cx="0" cy="0"/>
+        </a:xfrm>
+      </p:grpSpPr>
+      <p:sp>
+        <p:nvSpPr>
+          <p:cNvPr id="2" name="Title 1"/>
+          <p:cNvSpPr>
+            <a:spLocks noGrp="1"/>
+          </p:cNvSpPr>
+          <p:nvPr>
+            <p:ph type="title"/>
+          </p:nvPr>
+        </p:nvSpPr>
+        <p:spPr/>
+        <p:txBody>
+          <a:bodyPr/>
+          <a:lstStyle/>
+          <a:p>
+            <a:r>
+              <a:rPr lang="en-US" dirty="0"/>
+              <a:t>Spiral Model </a:t>
+            </a:r>
+            <a:r>
+              <a:rPr lang="zh-CN" altLang="en-US" dirty="0"/>
+              <a:t>螺旋模型</a:t>
+            </a:r>
+            <a:endParaRPr lang="en-US" dirty="0"/>
+          </a:p>
+        </p:txBody>
+      </p:sp>
+      <p:pic>
+        <p:nvPicPr>
+          <p:cNvPr id="3075" name="Picture 3"/>
+          <p:cNvPicPr>
+            <a:picLocks noChangeAspect="1" noChangeArrowheads="1"/>
+          </p:cNvPicPr>
+          <p:nvPr/>
+        </p:nvPicPr>
+        <p:blipFill>
+          <a:blip r:embed="rId2">
+            <a:extLst>
+              <a:ext uri="{28A0092B-C50C-407E-A947-70E740481C1C}">
+                <a14:useLocalDpi xmlns:a14="http://schemas.microsoft.com/office/drawing/2010/main" val="0"/>
+              </a:ext>
+            </a:extLst>
+          </a:blip>
+          <a:srcRect/>
+          <a:stretch>
+            <a:fillRect/>
+          </a:stretch>
+        </p:blipFill>
+        <p:spPr bwMode="auto">
+          <a:xfrm>
+            <a:off x="3429001" y="1752601"/>
+            <a:ext cx="5562600" cy="4950827"/>
+          </a:xfrm>
+          <a:prstGeom prst="rect">
+            <a:avLst/>
+          </a:prstGeom>
+          <a:noFill/>
+          <a:ln>
+            <a:noFill/>
+          </a:ln>
+          <a:effectLst/>
+          <a:extLst>
+            <a:ext uri="{909E8E84-426E-40DD-AFC4-6F175D3DCCD1}">
+              <a14:hiddenFill xmlns:a14="http://schemas.microsoft.com/office/drawing/2010/main">
+                <a:solidFill>
+                  <a:schemeClr val="accent1"/>
+                </a:solidFill>
+              </a14:hiddenFill>
+            </a:ext>
+            <a:ext uri="{91240B29-F687-4F45-9708-019B960494DF}">
+              <a14:hiddenLine xmlns:a14="http://schemas.microsoft.com/office/drawing/2010/main" w="9525">
+                <a:solidFill>
+                  <a:schemeClr val="tx1"/>
+                </a:solidFill>
+                <a:miter lim="800000"/>
+                <a:headEnd/>
+                <a:tailEnd/>
+              </a14:hiddenLine>
+            </a:ext>
+            <a:ext uri="{AF507438-7753-43E0-B8FC-AC1667EBCBE1}">
+              <a14:hiddenEffects xmlns:a14="http://schemas.microsoft.com/office/drawing/2010/main">
+                <a:effectLst>
+                  <a:outerShdw dist="35921" dir="2700000" algn="ctr" rotWithShape="0">
+                    <a:schemeClr val="bg2"/>
+                  </a:outerShdw>
+                </a:effectLst>
+              </a14:hiddenEffects>
+            </a:ext>
+          </a:extLst>
+        </p:spPr>
+      </p:pic>
+    </p:spTree>
+    <p:extLst>
+      <p:ext uri="{BB962C8B-B14F-4D97-AF65-F5344CB8AC3E}">
+        <p14:creationId xmlns:p14="http://schemas.microsoft.com/office/powerpoint/2010/main" val="2918564275"/>
+      </p:ext>
+    </p:extLst>
+  </p:cSld>
+  <p:clrMapOvr>
+    <a:masterClrMapping/>
+  </p:clrMapOvr>
+</p:sld>
+</file>
+
+<file path=ppt/slides/slide35.xml><?xml version="1.0" encoding="utf-8"?>
+<p:sld xmlns:a="http://schemas.openxmlformats.org/drawingml/2006/main" xmlns:r="http://schemas.openxmlformats.org/officeDocument/2006/relationships" xmlns:p="http://schemas.openxmlformats.org/presentationml/2006/main">
+  <p:cSld>
+    <p:spTree>
+      <p:nvGrpSpPr>
+        <p:cNvPr id="1" name=""/>
+        <p:cNvGrpSpPr/>
+        <p:nvPr/>
+      </p:nvGrpSpPr>
+      <p:grpSpPr>
+        <a:xfrm>
+          <a:off x="0" y="0"/>
+          <a:ext cx="0" cy="0"/>
+          <a:chOff x="0" y="0"/>
+          <a:chExt cx="0" cy="0"/>
+        </a:xfrm>
+      </p:grpSpPr>
+      <p:sp>
+        <p:nvSpPr>
+          <p:cNvPr id="2" name="Title 1"/>
+          <p:cNvSpPr>
+            <a:spLocks noGrp="1"/>
+          </p:cNvSpPr>
+          <p:nvPr>
+            <p:ph type="title"/>
+          </p:nvPr>
+        </p:nvSpPr>
+        <p:spPr/>
+        <p:txBody>
+          <a:bodyPr/>
+          <a:lstStyle/>
+          <a:p>
+            <a:r>
+              <a:rPr lang="en-US" dirty="0"/>
+              <a:t>Spiral Model – risk based</a:t>
+            </a:r>
+          </a:p>
+        </p:txBody>
+      </p:sp>
+      <p:sp>
+        <p:nvSpPr>
+          <p:cNvPr id="3" name="Content Placeholder 2"/>
+          <p:cNvSpPr>
+            <a:spLocks noGrp="1"/>
+          </p:cNvSpPr>
+          <p:nvPr>
+            <p:ph idx="1"/>
+          </p:nvPr>
+        </p:nvSpPr>
+        <p:spPr/>
+        <p:txBody>
+          <a:bodyPr>
+            <a:normAutofit lnSpcReduction="10000"/>
+          </a:bodyPr>
+          <a:lstStyle/>
+          <a:p>
+            <a:r>
+              <a:rPr lang="en-US" dirty="0"/>
+              <a:t>Pros</a:t>
+            </a:r>
+          </a:p>
+          <a:p>
+            <a:pPr lvl="1"/>
+            <a:r>
+              <a:rPr lang="en-US" dirty="0"/>
+              <a:t>Able to control risk at each round</a:t>
+            </a:r>
+            <a:r>
+              <a:rPr lang="zh-CN" altLang="en-US" dirty="0"/>
+              <a:t>，在每一个版本都要衡量并控制风险</a:t>
+            </a:r>
+            <a:r>
+              <a:rPr lang="en-US" dirty="0"/>
+              <a:t> </a:t>
+            </a:r>
+          </a:p>
+          <a:p>
+            <a:pPr lvl="1"/>
+            <a:r>
+              <a:rPr lang="en-US" dirty="0"/>
+              <a:t>as costs increase, risks decrease</a:t>
+            </a:r>
+            <a:r>
+              <a:rPr lang="zh-CN" altLang="en-US" dirty="0"/>
+              <a:t>，随着投入的增加和产品的运行，产品失败的风险在降低</a:t>
+            </a:r>
+            <a:endParaRPr lang="en-US" dirty="0"/>
+          </a:p>
+          <a:p>
+            <a:r>
+              <a:rPr lang="en-US" dirty="0"/>
+              <a:t>Cons</a:t>
+            </a:r>
+          </a:p>
+          <a:p>
+            <a:pPr lvl="1"/>
+            <a:r>
+              <a:rPr lang="en-US" dirty="0"/>
+              <a:t>Complicated, requires conscientious, attentive, and knowledgeable management </a:t>
+            </a:r>
+            <a:r>
+              <a:rPr lang="zh-CN" altLang="en-US" dirty="0"/>
+              <a:t>需要高水平的管理团队</a:t>
+            </a:r>
+            <a:endParaRPr lang="en-US" dirty="0"/>
+          </a:p>
+          <a:p>
+            <a:pPr lvl="1"/>
+            <a:r>
+              <a:rPr lang="en-US" dirty="0"/>
+              <a:t>Difficult to define objective, verifiable milestones </a:t>
+            </a:r>
+            <a:r>
+              <a:rPr lang="zh-CN" altLang="en-US" dirty="0"/>
+              <a:t>很难明确定义目标和稳定的里程碑</a:t>
+            </a:r>
+            <a:endParaRPr lang="en-US" dirty="0"/>
+          </a:p>
+          <a:p>
+            <a:r>
+              <a:rPr lang="en-US" dirty="0"/>
+              <a:t>Good for</a:t>
+            </a:r>
+          </a:p>
+          <a:p>
+            <a:pPr lvl="1"/>
+            <a:r>
+              <a:rPr lang="en-US" dirty="0"/>
+              <a:t>Complicated project with many unknowns, and knowledgeable, skillful team</a:t>
+            </a:r>
+          </a:p>
+        </p:txBody>
+      </p:sp>
+    </p:spTree>
+    <p:extLst>
+      <p:ext uri="{BB962C8B-B14F-4D97-AF65-F5344CB8AC3E}">
+        <p14:creationId xmlns:p14="http://schemas.microsoft.com/office/powerpoint/2010/main" val="2016910119"/>
+      </p:ext>
+    </p:extLst>
+  </p:cSld>
+  <p:clrMapOvr>
+    <a:masterClrMapping/>
+  </p:clrMapOvr>
+</p:sld>
+</file>
+
+<file path=ppt/slides/slide36.xml><?xml version="1.0" encoding="utf-8"?>
+<p:sld xmlns:a="http://schemas.openxmlformats.org/drawingml/2006/main" xmlns:r="http://schemas.openxmlformats.org/officeDocument/2006/relationships" xmlns:p="http://schemas.openxmlformats.org/presentationml/2006/main">
+  <p:cSld>
+    <p:spTree>
+      <p:nvGrpSpPr>
+        <p:cNvPr id="1" name=""/>
+        <p:cNvGrpSpPr/>
+        <p:nvPr/>
+      </p:nvGrpSpPr>
+      <p:grpSpPr>
+        <a:xfrm>
+          <a:off x="0" y="0"/>
+          <a:ext cx="0" cy="0"/>
+          <a:chOff x="0" y="0"/>
+          <a:chExt cx="0" cy="0"/>
+        </a:xfrm>
+      </p:grpSpPr>
+      <p:sp>
+        <p:nvSpPr>
+          <p:cNvPr id="2" name="标题 1"/>
+          <p:cNvSpPr>
+            <a:spLocks noGrp="1"/>
+          </p:cNvSpPr>
+          <p:nvPr>
+            <p:ph type="title"/>
+          </p:nvPr>
+        </p:nvSpPr>
+        <p:spPr/>
+        <p:txBody>
+          <a:bodyPr/>
+          <a:lstStyle/>
+          <a:p>
+            <a:r>
+              <a:rPr lang="en-US" altLang="zh-CN" dirty="0"/>
+              <a:t>RUP </a:t>
+            </a:r>
+            <a:r>
+              <a:rPr lang="zh-CN" altLang="en-US" dirty="0"/>
+              <a:t>统一流程</a:t>
+            </a:r>
+            <a:endParaRPr lang="en-US" dirty="0"/>
+          </a:p>
+        </p:txBody>
+      </p:sp>
+      <p:sp>
+        <p:nvSpPr>
+          <p:cNvPr id="3" name="内容占位符 2"/>
+          <p:cNvSpPr>
+            <a:spLocks noGrp="1"/>
+          </p:cNvSpPr>
+          <p:nvPr>
+            <p:ph idx="1"/>
+          </p:nvPr>
+        </p:nvSpPr>
+        <p:spPr/>
+        <p:txBody>
+          <a:bodyPr/>
+          <a:lstStyle/>
+          <a:p>
+            <a:r>
+              <a:rPr lang="zh-CN" altLang="en-US" dirty="0"/>
+              <a:t>从瀑布模型开始的各种模型都有一个共同点：</a:t>
+            </a:r>
+            <a:endParaRPr lang="en-US" altLang="zh-CN" dirty="0"/>
+          </a:p>
+          <a:p>
+            <a:pPr lvl="1"/>
+            <a:r>
+              <a:rPr lang="zh-CN" altLang="en-US" dirty="0"/>
+              <a:t>重计划，</a:t>
+            </a:r>
+            <a:endParaRPr lang="en-US" altLang="zh-CN" dirty="0"/>
+          </a:p>
+          <a:p>
+            <a:pPr lvl="1"/>
+            <a:r>
+              <a:rPr lang="zh-CN" altLang="en-US" dirty="0"/>
+              <a:t>重事先设计，</a:t>
+            </a:r>
+            <a:endParaRPr lang="en-US" altLang="zh-CN" dirty="0"/>
+          </a:p>
+          <a:p>
+            <a:pPr lvl="1"/>
+            <a:r>
+              <a:rPr lang="zh-CN" altLang="en-US" dirty="0"/>
+              <a:t>重文档表达。</a:t>
+            </a:r>
+            <a:endParaRPr lang="en-US" altLang="zh-CN" dirty="0"/>
+          </a:p>
+          <a:p>
+            <a:pPr marL="457200" lvl="1" indent="0">
+              <a:buNone/>
+            </a:pPr>
+            <a:r>
+              <a:rPr lang="zh-CN" altLang="en-US" dirty="0"/>
+              <a:t>这一类的方 法中集大成者要算</a:t>
+            </a:r>
+            <a:r>
+              <a:rPr lang="en-US" altLang="zh-CN" dirty="0"/>
+              <a:t>Rational</a:t>
+            </a:r>
+            <a:r>
+              <a:rPr lang="zh-CN" altLang="en-US" dirty="0"/>
+              <a:t>统一流程（</a:t>
+            </a:r>
+            <a:r>
+              <a:rPr lang="en-US" altLang="zh-CN" dirty="0"/>
+              <a:t>Rational Unified Process</a:t>
+            </a:r>
+            <a:r>
+              <a:rPr lang="zh-CN" altLang="en-US" dirty="0"/>
+              <a:t>，</a:t>
+            </a:r>
+            <a:r>
+              <a:rPr lang="en-US" altLang="zh-CN" dirty="0"/>
+              <a:t>RUP</a:t>
+            </a:r>
+            <a:r>
+              <a:rPr lang="zh-CN" altLang="en-US" dirty="0"/>
+              <a:t>），它把软件开发 的各个阶段整合在一个统一的框架里。</a:t>
+            </a:r>
+          </a:p>
+          <a:p>
+            <a:endParaRPr lang="en-US" dirty="0"/>
+          </a:p>
+        </p:txBody>
+      </p:sp>
+    </p:spTree>
+    <p:extLst>
+      <p:ext uri="{BB962C8B-B14F-4D97-AF65-F5344CB8AC3E}">
+        <p14:creationId xmlns:p14="http://schemas.microsoft.com/office/powerpoint/2010/main" val="385151214"/>
+      </p:ext>
+    </p:extLst>
+  </p:cSld>
+  <p:clrMapOvr>
+    <a:masterClrMapping/>
+  </p:clrMapOvr>
+</p:sld>
+</file>
+
+<file path=ppt/slides/slide37.xml><?xml version="1.0" encoding="utf-8"?>
+<p:sld xmlns:a="http://schemas.openxmlformats.org/drawingml/2006/main" xmlns:r="http://schemas.openxmlformats.org/officeDocument/2006/relationships" xmlns:p="http://schemas.openxmlformats.org/presentationml/2006/main">
+  <p:cSld>
+    <p:spTree>
+      <p:nvGrpSpPr>
+        <p:cNvPr id="1" name=""/>
+        <p:cNvGrpSpPr/>
+        <p:nvPr/>
+      </p:nvGrpSpPr>
+      <p:grpSpPr>
+        <a:xfrm>
+          <a:off x="0" y="0"/>
+          <a:ext cx="0" cy="0"/>
+          <a:chOff x="0" y="0"/>
+          <a:chExt cx="0" cy="0"/>
+        </a:xfrm>
+      </p:grpSpPr>
+      <p:sp>
+        <p:nvSpPr>
+          <p:cNvPr id="2" name="标题 1"/>
+          <p:cNvSpPr>
+            <a:spLocks noGrp="1"/>
+          </p:cNvSpPr>
+          <p:nvPr>
+            <p:ph type="title"/>
+          </p:nvPr>
+        </p:nvSpPr>
+        <p:spPr/>
+        <p:txBody>
+          <a:bodyPr/>
+          <a:lstStyle/>
+          <a:p>
+            <a:r>
+              <a:rPr lang="en-US" altLang="zh-CN" dirty="0"/>
+              <a:t>RUP </a:t>
+            </a:r>
+            <a:r>
+              <a:rPr lang="zh-CN" altLang="en-US" dirty="0"/>
+              <a:t>的具体流程</a:t>
+            </a:r>
+            <a:endParaRPr lang="en-US" dirty="0"/>
+          </a:p>
+        </p:txBody>
+      </p:sp>
+      <p:graphicFrame>
+        <p:nvGraphicFramePr>
+          <p:cNvPr id="4" name="内容占位符 3"/>
+          <p:cNvGraphicFramePr>
+            <a:graphicFrameLocks noGrp="1"/>
+          </p:cNvGraphicFramePr>
+          <p:nvPr>
+            <p:ph idx="1"/>
+            <p:extLst/>
+          </p:nvPr>
+        </p:nvGraphicFramePr>
+        <p:xfrm>
+          <a:off x="1981200" y="1774826"/>
+          <a:ext cx="8229600" cy="4625975"/>
+        </p:xfrm>
+        <a:graphic>
+          <a:graphicData uri="http://schemas.openxmlformats.org/drawingml/2006/diagram">
+            <dgm:relIds xmlns:dgm="http://schemas.openxmlformats.org/drawingml/2006/diagram" xmlns:r="http://schemas.openxmlformats.org/officeDocument/2006/relationships" r:dm="rId2" r:lo="rId3" r:qs="rId4" r:cs="rId5"/>
+          </a:graphicData>
+        </a:graphic>
+      </p:graphicFrame>
+    </p:spTree>
+    <p:extLst>
+      <p:ext uri="{BB962C8B-B14F-4D97-AF65-F5344CB8AC3E}">
+        <p14:creationId xmlns:p14="http://schemas.microsoft.com/office/powerpoint/2010/main" val="256773362"/>
+      </p:ext>
+    </p:extLst>
+  </p:cSld>
+  <p:clrMapOvr>
+    <a:masterClrMapping/>
+  </p:clrMapOvr>
+</p:sld>
+</file>
+
+<file path=ppt/slides/slide38.xml><?xml version="1.0" encoding="utf-8"?>
+<p:sld xmlns:a="http://schemas.openxmlformats.org/drawingml/2006/main" xmlns:r="http://schemas.openxmlformats.org/officeDocument/2006/relationships" xmlns:p="http://schemas.openxmlformats.org/presentationml/2006/main">
+  <p:cSld>
+    <p:spTree>
+      <p:nvGrpSpPr>
+        <p:cNvPr id="1" name=""/>
+        <p:cNvGrpSpPr/>
+        <p:nvPr/>
+      </p:nvGrpSpPr>
+      <p:grpSpPr>
+        <a:xfrm>
+          <a:off x="0" y="0"/>
+          <a:ext cx="0" cy="0"/>
+          <a:chOff x="0" y="0"/>
+          <a:chExt cx="0" cy="0"/>
+        </a:xfrm>
+      </p:grpSpPr>
+      <p:sp>
+        <p:nvSpPr>
+          <p:cNvPr id="2" name="标题 1"/>
+          <p:cNvSpPr>
+            <a:spLocks noGrp="1"/>
+          </p:cNvSpPr>
+          <p:nvPr>
+            <p:ph type="title"/>
+          </p:nvPr>
+        </p:nvSpPr>
+        <p:spPr/>
+        <p:txBody>
+          <a:bodyPr/>
+          <a:lstStyle/>
+          <a:p>
+            <a:r>
+              <a:rPr lang="en-US" altLang="zh-CN" dirty="0"/>
+              <a:t>RUP </a:t>
+            </a:r>
+            <a:r>
+              <a:rPr lang="zh-CN" altLang="en-US" dirty="0"/>
+              <a:t>工具，里程碑</a:t>
+            </a:r>
+            <a:endParaRPr lang="en-US" dirty="0"/>
+          </a:p>
+        </p:txBody>
+      </p:sp>
+      <p:sp>
+        <p:nvSpPr>
+          <p:cNvPr id="3" name="内容占位符 2"/>
+          <p:cNvSpPr>
+            <a:spLocks noGrp="1"/>
+          </p:cNvSpPr>
+          <p:nvPr>
+            <p:ph idx="1"/>
+          </p:nvPr>
+        </p:nvSpPr>
+        <p:spPr/>
+        <p:txBody>
+          <a:bodyPr/>
+          <a:lstStyle/>
+          <a:p>
+            <a:r>
+              <a:rPr lang="zh-CN" altLang="en-US" dirty="0"/>
+              <a:t>一个项目分为几个里程碑 （</a:t>
+            </a:r>
+            <a:r>
+              <a:rPr lang="en-US" altLang="zh-CN" dirty="0"/>
+              <a:t>milestone</a:t>
+            </a:r>
+            <a:r>
+              <a:rPr lang="zh-CN" altLang="en-US" dirty="0"/>
+              <a:t>）</a:t>
+            </a:r>
+            <a:endParaRPr lang="en-US" altLang="zh-CN" dirty="0"/>
+          </a:p>
+          <a:p>
+            <a:pPr lvl="1"/>
+            <a:r>
+              <a:rPr lang="zh-CN" altLang="en-US" dirty="0"/>
+              <a:t>每个里程碑内部有几个迭代（</a:t>
+            </a:r>
+            <a:r>
+              <a:rPr lang="en-US" altLang="zh-CN" dirty="0"/>
+              <a:t>iteration</a:t>
+            </a:r>
+            <a:r>
+              <a:rPr lang="zh-CN" altLang="en-US" dirty="0"/>
+              <a:t>）</a:t>
+            </a:r>
+            <a:endParaRPr lang="en-US" altLang="zh-CN" dirty="0"/>
+          </a:p>
+          <a:p>
+            <a:r>
+              <a:rPr lang="zh-CN" altLang="en-US" dirty="0"/>
+              <a:t>环境</a:t>
+            </a:r>
+            <a:endParaRPr lang="en-US" altLang="zh-CN" dirty="0"/>
+          </a:p>
+          <a:p>
+            <a:pPr lvl="1"/>
+            <a:r>
+              <a:rPr lang="zh-CN" altLang="en-US" dirty="0"/>
+              <a:t>向开发团队提供开发环境，过程和工具</a:t>
+            </a:r>
+            <a:endParaRPr lang="en-US" altLang="zh-CN" dirty="0"/>
+          </a:p>
+          <a:p>
+            <a:pPr lvl="1"/>
+            <a:r>
+              <a:rPr lang="zh-CN" altLang="en-US" dirty="0"/>
+              <a:t>配置和变更管理</a:t>
+            </a:r>
+            <a:endParaRPr lang="en-US" altLang="zh-CN" dirty="0"/>
+          </a:p>
+          <a:p>
+            <a:pPr lvl="1"/>
+            <a:r>
+              <a:rPr lang="zh-CN" altLang="en-US" dirty="0"/>
+              <a:t>项目管理</a:t>
+            </a:r>
+            <a:endParaRPr lang="en-US" altLang="zh-CN" dirty="0"/>
+          </a:p>
+          <a:p>
+            <a:pPr lvl="1"/>
+            <a:endParaRPr lang="en-US" dirty="0"/>
+          </a:p>
+        </p:txBody>
+      </p:sp>
+    </p:spTree>
+    <p:extLst>
+      <p:ext uri="{BB962C8B-B14F-4D97-AF65-F5344CB8AC3E}">
+        <p14:creationId xmlns:p14="http://schemas.microsoft.com/office/powerpoint/2010/main" val="625389776"/>
+      </p:ext>
+    </p:extLst>
+  </p:cSld>
+  <p:clrMapOvr>
+    <a:masterClrMapping/>
+  </p:clrMapOvr>
+</p:sld>
+</file>
+
+<file path=ppt/slides/slide39.xml><?xml version="1.0" encoding="utf-8"?>
+<p:sld xmlns:a="http://schemas.openxmlformats.org/drawingml/2006/main" xmlns:r="http://schemas.openxmlformats.org/officeDocument/2006/relationships" xmlns:p="http://schemas.openxmlformats.org/presentationml/2006/main">
+  <p:cSld>
+    <p:spTree>
+      <p:nvGrpSpPr>
+        <p:cNvPr id="1" name=""/>
+        <p:cNvGrpSpPr/>
+        <p:nvPr/>
+      </p:nvGrpSpPr>
+      <p:grpSpPr>
+        <a:xfrm>
+          <a:off x="0" y="0"/>
+          <a:ext cx="0" cy="0"/>
+          <a:chOff x="0" y="0"/>
+          <a:chExt cx="0" cy="0"/>
+        </a:xfrm>
+      </p:grpSpPr>
+      <p:sp>
+        <p:nvSpPr>
+          <p:cNvPr id="2" name="标题 1"/>
+          <p:cNvSpPr>
+            <a:spLocks noGrp="1"/>
+          </p:cNvSpPr>
+          <p:nvPr>
+            <p:ph type="title"/>
+          </p:nvPr>
+        </p:nvSpPr>
+        <p:spPr/>
+        <p:txBody>
+          <a:bodyPr/>
+          <a:lstStyle/>
+          <a:p>
+            <a:r>
+              <a:rPr lang="zh-CN" altLang="en-US" dirty="0"/>
+              <a:t>迭代开发</a:t>
+            </a:r>
+            <a:endParaRPr lang="en-US" dirty="0"/>
+          </a:p>
+        </p:txBody>
+      </p:sp>
+      <p:pic>
+        <p:nvPicPr>
+          <p:cNvPr id="4" name="内容占位符 3"/>
+          <p:cNvPicPr>
+            <a:picLocks noGrp="1" noChangeAspect="1"/>
+          </p:cNvPicPr>
+          <p:nvPr>
+            <p:ph idx="1"/>
+          </p:nvPr>
+        </p:nvPicPr>
+        <p:blipFill>
+          <a:blip r:embed="rId2"/>
+          <a:stretch>
+            <a:fillRect/>
+          </a:stretch>
+        </p:blipFill>
+        <p:spPr>
+          <a:xfrm>
+            <a:off x="2401645" y="1774826"/>
+            <a:ext cx="7388710" cy="4625975"/>
+          </a:xfrm>
+          <a:prstGeom prst="rect">
+            <a:avLst/>
+          </a:prstGeom>
+        </p:spPr>
+      </p:pic>
+    </p:spTree>
+    <p:extLst>
+      <p:ext uri="{BB962C8B-B14F-4D97-AF65-F5344CB8AC3E}">
+        <p14:creationId xmlns:p14="http://schemas.microsoft.com/office/powerpoint/2010/main" val="2736172836"/>
+      </p:ext>
+    </p:extLst>
+  </p:cSld>
+  <p:clrMapOvr>
+    <a:masterClrMapping/>
+  </p:clrMapOvr>
+</p:sld>
+</file>
+
+<file path=ppt/slides/slide4.xml><?xml version="1.0" encoding="utf-8"?>
+<p:sld xmlns:a="http://schemas.openxmlformats.org/drawingml/2006/main" xmlns:r="http://schemas.openxmlformats.org/officeDocument/2006/relationships" xmlns:p="http://schemas.openxmlformats.org/presentationml/2006/main">
+  <p:cSld>
+    <p:spTree>
+      <p:nvGrpSpPr>
+        <p:cNvPr id="1" name=""/>
+        <p:cNvGrpSpPr/>
+        <p:nvPr/>
+      </p:nvGrpSpPr>
+      <p:grpSpPr>
+        <a:xfrm>
+          <a:off x="0" y="0"/>
+          <a:ext cx="0" cy="0"/>
+          <a:chOff x="0" y="0"/>
+          <a:chExt cx="0" cy="0"/>
+        </a:xfrm>
+      </p:grpSpPr>
+      <p:sp>
+        <p:nvSpPr>
+          <p:cNvPr id="2" name="标题 1"/>
+          <p:cNvSpPr>
+            <a:spLocks noGrp="1"/>
+          </p:cNvSpPr>
+          <p:nvPr>
+            <p:ph type="title"/>
+          </p:nvPr>
+        </p:nvSpPr>
+        <p:spPr/>
+        <p:txBody>
+          <a:bodyPr/>
+          <a:lstStyle/>
+          <a:p>
+            <a:r>
+              <a:rPr lang="zh-CN" altLang="en-US" dirty="0"/>
+              <a:t>团队的特点</a:t>
+            </a:r>
+            <a:endParaRPr lang="en-US" dirty="0"/>
+          </a:p>
+        </p:txBody>
+      </p:sp>
+      <p:sp>
+        <p:nvSpPr>
+          <p:cNvPr id="3" name="内容占位符 2"/>
+          <p:cNvSpPr>
+            <a:spLocks noGrp="1"/>
+          </p:cNvSpPr>
+          <p:nvPr>
+            <p:ph idx="1"/>
+          </p:nvPr>
+        </p:nvSpPr>
+        <p:spPr/>
+        <p:txBody>
+          <a:bodyPr>
+            <a:normAutofit/>
+          </a:bodyPr>
+          <a:lstStyle/>
+          <a:p>
+            <a:pPr marL="118872" indent="0" eaLnBrk="0" hangingPunct="0">
+              <a:buNone/>
+            </a:pPr>
+            <a:r>
+              <a:rPr lang="zh-CN" altLang="en-US" dirty="0"/>
+              <a:t>团队有共同的特点：</a:t>
+            </a:r>
+            <a:endParaRPr lang="en-US" dirty="0"/>
+          </a:p>
+          <a:p>
+            <a:pPr eaLnBrk="0" hangingPunct="0"/>
+            <a:r>
+              <a:rPr lang="zh-CN" altLang="en-US" dirty="0"/>
+              <a:t>团队有一致的集体目标，团队要一起完成这目标。 一个团队的成员不一定要同时工作，例如接力赛跑。</a:t>
+            </a:r>
+            <a:endParaRPr lang="en-US" altLang="zh-CN" dirty="0"/>
+          </a:p>
+          <a:p>
+            <a:pPr lvl="1" eaLnBrk="0" hangingPunct="0"/>
+            <a:r>
+              <a:rPr lang="zh-CN" altLang="en-US" dirty="0"/>
+              <a:t>（王屋村搬砖的“非 团队”成员则不然，每个人想搬多少就搬多少，不想干了就结算工钱走人。）</a:t>
+            </a:r>
+            <a:endParaRPr lang="en-US" dirty="0"/>
+          </a:p>
+          <a:p>
+            <a:pPr eaLnBrk="0" hangingPunct="0"/>
+            <a:r>
+              <a:rPr lang="zh-CN" altLang="en-US" dirty="0"/>
+              <a:t>团队成员有各自的分工，互相依赖合作，共同完成任务。</a:t>
+            </a:r>
+            <a:endParaRPr lang="en-US" altLang="zh-CN" dirty="0"/>
+          </a:p>
+          <a:p>
+            <a:pPr lvl="1" eaLnBrk="0" hangingPunct="0"/>
+            <a:r>
+              <a:rPr lang="zh-CN" altLang="en-US" dirty="0"/>
+              <a:t>（王屋村搬砖的 “非团队”成员则是各自行动，独立把任务完成，有人不辞而别，对其 他的搬砖人无实质影响。）</a:t>
+            </a:r>
+            <a:endParaRPr lang="en-US" dirty="0"/>
+          </a:p>
+          <a:p>
+            <a:endParaRPr lang="en-US" dirty="0"/>
+          </a:p>
+        </p:txBody>
+      </p:sp>
+    </p:spTree>
+    <p:extLst>
+      <p:ext uri="{BB962C8B-B14F-4D97-AF65-F5344CB8AC3E}">
+        <p14:creationId xmlns:p14="http://schemas.microsoft.com/office/powerpoint/2010/main" val="3435014385"/>
+      </p:ext>
+    </p:extLst>
+  </p:cSld>
+  <p:clrMapOvr>
+    <a:masterClrMapping/>
+  </p:clrMapOvr>
+</p:sld>
+</file>
+
+<file path=ppt/slides/slide40.xml><?xml version="1.0" encoding="utf-8"?>
+<p:sld xmlns:a="http://schemas.openxmlformats.org/drawingml/2006/main" xmlns:r="http://schemas.openxmlformats.org/officeDocument/2006/relationships" xmlns:p="http://schemas.openxmlformats.org/presentationml/2006/main">
+  <p:cSld>
+    <p:spTree>
+      <p:nvGrpSpPr>
+        <p:cNvPr id="1" name=""/>
+        <p:cNvGrpSpPr/>
+        <p:nvPr/>
+      </p:nvGrpSpPr>
+      <p:grpSpPr>
+        <a:xfrm>
+          <a:off x="0" y="0"/>
+          <a:ext cx="0" cy="0"/>
+          <a:chOff x="0" y="0"/>
+          <a:chExt cx="0" cy="0"/>
+        </a:xfrm>
+      </p:grpSpPr>
+      <p:sp>
+        <p:nvSpPr>
+          <p:cNvPr id="2" name="标题 1"/>
+          <p:cNvSpPr>
+            <a:spLocks noGrp="1"/>
+          </p:cNvSpPr>
+          <p:nvPr>
+            <p:ph type="title"/>
+          </p:nvPr>
+        </p:nvSpPr>
+        <p:spPr/>
+        <p:txBody>
+          <a:bodyPr/>
+          <a:lstStyle/>
+          <a:p>
+            <a:r>
+              <a:rPr lang="zh-CN" altLang="en-US" dirty="0"/>
+              <a:t>老板驱动的流程</a:t>
+            </a:r>
+            <a:endParaRPr lang="en-US" dirty="0"/>
+          </a:p>
+        </p:txBody>
+      </p:sp>
+      <p:sp>
+        <p:nvSpPr>
+          <p:cNvPr id="3" name="内容占位符 2"/>
+          <p:cNvSpPr>
+            <a:spLocks noGrp="1"/>
+          </p:cNvSpPr>
+          <p:nvPr>
+            <p:ph idx="1"/>
+          </p:nvPr>
+        </p:nvSpPr>
+        <p:spPr/>
+        <p:txBody>
+          <a:bodyPr>
+            <a:normAutofit fontScale="77500" lnSpcReduction="20000"/>
+          </a:bodyPr>
+          <a:lstStyle/>
+          <a:p>
+            <a:pPr marL="118872" indent="0">
+              <a:lnSpc>
+                <a:spcPct val="120000"/>
+              </a:lnSpc>
+              <a:buNone/>
+            </a:pPr>
+            <a:r>
+              <a:rPr lang="zh-CN" altLang="en-US" dirty="0"/>
+              <a:t>什么都是老板说了算</a:t>
+            </a:r>
+            <a:r>
+              <a:rPr lang="en-US" altLang="zh-CN" dirty="0"/>
+              <a:t>,  </a:t>
+            </a:r>
+            <a:r>
+              <a:rPr lang="zh-CN" altLang="en-US" dirty="0"/>
+              <a:t>存在有一定的合理性</a:t>
+            </a:r>
+            <a:endParaRPr lang="en-US" altLang="zh-CN" dirty="0"/>
+          </a:p>
+          <a:p>
+            <a:pPr>
+              <a:lnSpc>
+                <a:spcPct val="120000"/>
+              </a:lnSpc>
+            </a:pPr>
+            <a:r>
+              <a:rPr lang="zh-CN" altLang="en-US" dirty="0"/>
+              <a:t>当软件订单的获得不是主要靠技术实力，而是靠个人关系，或者暗箱操作的时候，老 板的能力决定了一个团队是否能获得订单，既然软件的具体功能并不重要（或者哪个 团队做水平都差不多），那么老板说做什么就做什么。 </a:t>
+            </a:r>
+            <a:endParaRPr lang="en-US" altLang="zh-CN" dirty="0"/>
+          </a:p>
+          <a:p>
+            <a:pPr>
+              <a:lnSpc>
+                <a:spcPct val="120000"/>
+              </a:lnSpc>
+            </a:pPr>
+            <a:r>
+              <a:rPr lang="zh-CN" altLang="en-US" dirty="0"/>
+              <a:t>在大型企业内部，软件功能往往由行政体系来决定。 </a:t>
+            </a:r>
+            <a:endParaRPr lang="en-US" altLang="zh-CN" dirty="0"/>
+          </a:p>
+          <a:p>
+            <a:pPr>
+              <a:lnSpc>
+                <a:spcPct val="120000"/>
+              </a:lnSpc>
+            </a:pPr>
+            <a:r>
+              <a:rPr lang="zh-CN" altLang="en-US" dirty="0"/>
+              <a:t>有些老板比一般技术人员更懂市场和竞争。</a:t>
+            </a:r>
+            <a:endParaRPr lang="en-US" altLang="zh-CN" dirty="0"/>
+          </a:p>
+          <a:p>
+            <a:pPr>
+              <a:lnSpc>
+                <a:spcPct val="120000"/>
+              </a:lnSpc>
+            </a:pPr>
+            <a:r>
+              <a:rPr lang="zh-CN" altLang="en-US" dirty="0"/>
+              <a:t>软件团队尚未成熟，不懂得如何独立地进行需求分析，不懂得如何对行政领导有技巧 地说“不”，也不知道如何说服利益相关者（</a:t>
+            </a:r>
+            <a:r>
+              <a:rPr lang="en-US" altLang="zh-CN" dirty="0"/>
+              <a:t>Stake holder</a:t>
+            </a:r>
+            <a:r>
+              <a:rPr lang="zh-CN" altLang="en-US" dirty="0"/>
+              <a:t>）同意并支持正确的项目方 向。既然不能驱动团队成员，那只能靠外力来驱动了。</a:t>
+            </a:r>
+            <a:endParaRPr lang="en-US" dirty="0"/>
+          </a:p>
+        </p:txBody>
+      </p:sp>
+    </p:spTree>
+    <p:extLst>
+      <p:ext uri="{BB962C8B-B14F-4D97-AF65-F5344CB8AC3E}">
+        <p14:creationId xmlns:p14="http://schemas.microsoft.com/office/powerpoint/2010/main" val="2083371263"/>
+      </p:ext>
+    </p:extLst>
+  </p:cSld>
+  <p:clrMapOvr>
+    <a:masterClrMapping/>
+  </p:clrMapOvr>
+</p:sld>
+</file>
+
+<file path=ppt/slides/slide41.xml><?xml version="1.0" encoding="utf-8"?>
+<p:sld xmlns:a="http://schemas.openxmlformats.org/drawingml/2006/main" xmlns:r="http://schemas.openxmlformats.org/officeDocument/2006/relationships" xmlns:p="http://schemas.openxmlformats.org/presentationml/2006/main">
+  <p:cSld>
+    <p:spTree>
+      <p:nvGrpSpPr>
+        <p:cNvPr id="1" name=""/>
+        <p:cNvGrpSpPr/>
+        <p:nvPr/>
+      </p:nvGrpSpPr>
+      <p:grpSpPr>
+        <a:xfrm>
+          <a:off x="0" y="0"/>
+          <a:ext cx="0" cy="0"/>
+          <a:chOff x="0" y="0"/>
+          <a:chExt cx="0" cy="0"/>
+        </a:xfrm>
+      </p:grpSpPr>
+      <p:sp>
+        <p:nvSpPr>
+          <p:cNvPr id="2" name="标题 1"/>
+          <p:cNvSpPr>
+            <a:spLocks noGrp="1"/>
+          </p:cNvSpPr>
+          <p:nvPr>
+            <p:ph type="title"/>
+          </p:nvPr>
+        </p:nvSpPr>
+        <p:spPr/>
+        <p:txBody>
+          <a:bodyPr>
+            <a:normAutofit/>
+          </a:bodyPr>
+          <a:lstStyle/>
+          <a:p>
+            <a:r>
+              <a:rPr lang="zh-CN" altLang="en-US" dirty="0"/>
+              <a:t>老板驱动模式的问题</a:t>
+            </a:r>
+            <a:endParaRPr lang="en-US" dirty="0"/>
+          </a:p>
+        </p:txBody>
+      </p:sp>
+      <p:sp>
+        <p:nvSpPr>
+          <p:cNvPr id="3" name="内容占位符 2"/>
+          <p:cNvSpPr>
+            <a:spLocks noGrp="1"/>
+          </p:cNvSpPr>
+          <p:nvPr>
+            <p:ph idx="1"/>
+          </p:nvPr>
+        </p:nvSpPr>
+        <p:spPr/>
+        <p:txBody>
+          <a:bodyPr/>
+          <a:lstStyle/>
+          <a:p>
+            <a:r>
+              <a:rPr lang="zh-CN" altLang="en-US" dirty="0"/>
+              <a:t>领导对许多技术细节是外行。 </a:t>
+            </a:r>
+            <a:endParaRPr lang="en-US" altLang="zh-CN" dirty="0"/>
+          </a:p>
+          <a:p>
+            <a:r>
+              <a:rPr lang="zh-CN" altLang="en-US" dirty="0"/>
+              <a:t>领导未必懂得软件项目的管理，领导的权威影响了自由的交流和创造。</a:t>
+            </a:r>
+            <a:endParaRPr lang="en-US" altLang="zh-CN" dirty="0"/>
+          </a:p>
+          <a:p>
+            <a:r>
+              <a:rPr lang="zh-CN" altLang="en-US" dirty="0"/>
+              <a:t>领导最擅长的管理方式是行政命令，这未必能管好软件团队或任何需要创造力的团队。</a:t>
+            </a:r>
+            <a:endParaRPr lang="en-US" altLang="zh-CN" dirty="0"/>
+          </a:p>
+          <a:p>
+            <a:r>
+              <a:rPr lang="zh-CN" altLang="en-US" dirty="0"/>
+              <a:t>领导的精力有限，领导很忙时，团队怎么办？</a:t>
+            </a:r>
+          </a:p>
+          <a:p>
+            <a:endParaRPr lang="en-US" dirty="0"/>
+          </a:p>
+        </p:txBody>
+      </p:sp>
+    </p:spTree>
+    <p:extLst>
+      <p:ext uri="{BB962C8B-B14F-4D97-AF65-F5344CB8AC3E}">
+        <p14:creationId xmlns:p14="http://schemas.microsoft.com/office/powerpoint/2010/main" val="2998380460"/>
+      </p:ext>
+    </p:extLst>
+  </p:cSld>
+  <p:clrMapOvr>
+    <a:masterClrMapping/>
+  </p:clrMapOvr>
+</p:sld>
+</file>
+
+<file path=ppt/slides/slide42.xml><?xml version="1.0" encoding="utf-8"?>
+<p:sld xmlns:a="http://schemas.openxmlformats.org/drawingml/2006/main" xmlns:r="http://schemas.openxmlformats.org/officeDocument/2006/relationships" xmlns:p="http://schemas.openxmlformats.org/presentationml/2006/main">
+  <p:cSld>
+    <p:spTree>
+      <p:nvGrpSpPr>
+        <p:cNvPr id="1" name=""/>
+        <p:cNvGrpSpPr/>
+        <p:nvPr/>
+      </p:nvGrpSpPr>
+      <p:grpSpPr>
+        <a:xfrm>
+          <a:off x="0" y="0"/>
+          <a:ext cx="0" cy="0"/>
+          <a:chOff x="0" y="0"/>
+          <a:chExt cx="0" cy="0"/>
+        </a:xfrm>
+      </p:grpSpPr>
+      <p:sp>
+        <p:nvSpPr>
+          <p:cNvPr id="2" name="Title 1"/>
+          <p:cNvSpPr>
+            <a:spLocks noGrp="1"/>
+          </p:cNvSpPr>
+          <p:nvPr>
+            <p:ph type="title"/>
+          </p:nvPr>
+        </p:nvSpPr>
+        <p:spPr/>
+        <p:txBody>
+          <a:bodyPr/>
+          <a:lstStyle/>
+          <a:p>
+            <a:r>
+              <a:rPr lang="en-US" dirty="0"/>
+              <a:t>Evolutionary Delivery</a:t>
+            </a:r>
+          </a:p>
+        </p:txBody>
+      </p:sp>
+      <p:sp>
+        <p:nvSpPr>
+          <p:cNvPr id="3" name="Content Placeholder 2"/>
+          <p:cNvSpPr>
+            <a:spLocks noGrp="1"/>
+          </p:cNvSpPr>
+          <p:nvPr>
+            <p:ph idx="1"/>
+          </p:nvPr>
+        </p:nvSpPr>
+        <p:spPr>
+          <a:xfrm>
+            <a:off x="1981200" y="1775192"/>
+            <a:ext cx="4419600" cy="4625609"/>
+          </a:xfrm>
+        </p:spPr>
+        <p:txBody>
+          <a:bodyPr>
+            <a:normAutofit/>
+          </a:bodyPr>
+          <a:lstStyle/>
+          <a:p>
+            <a:r>
+              <a:rPr lang="en-US" dirty="0"/>
+              <a:t>Incremental development </a:t>
+            </a:r>
+          </a:p>
+          <a:p>
+            <a:r>
+              <a:rPr lang="en-US" dirty="0"/>
+              <a:t>Evolutionary prototyping and staged delivery</a:t>
+            </a:r>
+          </a:p>
+          <a:p>
+            <a:r>
+              <a:rPr lang="en-US" dirty="0"/>
+              <a:t>Repeat the cycle until</a:t>
+            </a:r>
+          </a:p>
+          <a:p>
+            <a:pPr lvl="1"/>
+            <a:r>
+              <a:rPr lang="en-US" dirty="0"/>
+              <a:t>Run out of time </a:t>
+            </a:r>
+            <a:r>
+              <a:rPr lang="en-US" altLang="zh-CN" dirty="0"/>
+              <a:t>/ </a:t>
+            </a:r>
+            <a:r>
+              <a:rPr lang="zh-CN" altLang="en-US" dirty="0"/>
+              <a:t>没时间了</a:t>
+            </a:r>
+            <a:endParaRPr lang="en-US" dirty="0"/>
+          </a:p>
+          <a:p>
+            <a:pPr lvl="1"/>
+            <a:r>
+              <a:rPr lang="en-US" dirty="0"/>
+              <a:t>Run out of money </a:t>
+            </a:r>
+            <a:r>
+              <a:rPr lang="en-US" altLang="zh-CN" dirty="0"/>
+              <a:t>/ </a:t>
+            </a:r>
+            <a:r>
+              <a:rPr lang="zh-CN" altLang="en-US" dirty="0"/>
+              <a:t>没钱了</a:t>
+            </a:r>
+            <a:endParaRPr lang="en-US" dirty="0"/>
+          </a:p>
+          <a:p>
+            <a:pPr lvl="1"/>
+            <a:r>
+              <a:rPr lang="en-US" dirty="0"/>
+              <a:t>Customer is satisfied </a:t>
+            </a:r>
+            <a:r>
+              <a:rPr lang="en-US" altLang="zh-CN" dirty="0"/>
+              <a:t>/ </a:t>
+            </a:r>
+            <a:r>
+              <a:rPr lang="zh-CN" altLang="en-US" dirty="0"/>
+              <a:t>用户满意了</a:t>
+            </a:r>
+            <a:r>
+              <a:rPr lang="en-US" dirty="0"/>
+              <a:t> </a:t>
+            </a:r>
+          </a:p>
+        </p:txBody>
+      </p:sp>
+      <p:pic>
+        <p:nvPicPr>
+          <p:cNvPr id="7170" name="Picture 2"/>
+          <p:cNvPicPr>
+            <a:picLocks noChangeAspect="1" noChangeArrowheads="1"/>
+          </p:cNvPicPr>
+          <p:nvPr/>
+        </p:nvPicPr>
+        <p:blipFill>
+          <a:blip r:embed="rId2">
+            <a:extLst>
+              <a:ext uri="{28A0092B-C50C-407E-A947-70E740481C1C}">
+                <a14:useLocalDpi xmlns:a14="http://schemas.microsoft.com/office/drawing/2010/main" val="0"/>
+              </a:ext>
+            </a:extLst>
+          </a:blip>
+          <a:srcRect/>
+          <a:stretch>
+            <a:fillRect/>
+          </a:stretch>
+        </p:blipFill>
+        <p:spPr bwMode="auto">
+          <a:xfrm>
+            <a:off x="6611062" y="1905001"/>
+            <a:ext cx="5439688" cy="4114799"/>
+          </a:xfrm>
+          <a:prstGeom prst="rect">
+            <a:avLst/>
+          </a:prstGeom>
+          <a:noFill/>
+          <a:ln>
+            <a:noFill/>
+          </a:ln>
+          <a:effectLst/>
+          <a:extLst>
+            <a:ext uri="{909E8E84-426E-40DD-AFC4-6F175D3DCCD1}">
+              <a14:hiddenFill xmlns:a14="http://schemas.microsoft.com/office/drawing/2010/main">
+                <a:solidFill>
+                  <a:schemeClr val="accent1"/>
+                </a:solidFill>
+              </a14:hiddenFill>
+            </a:ext>
+            <a:ext uri="{91240B29-F687-4F45-9708-019B960494DF}">
+              <a14:hiddenLine xmlns:a14="http://schemas.microsoft.com/office/drawing/2010/main" w="9525">
+                <a:solidFill>
+                  <a:schemeClr val="tx1"/>
+                </a:solidFill>
+                <a:miter lim="800000"/>
+                <a:headEnd/>
+                <a:tailEnd/>
+              </a14:hiddenLine>
+            </a:ext>
+            <a:ext uri="{AF507438-7753-43E0-B8FC-AC1667EBCBE1}">
+              <a14:hiddenEffects xmlns:a14="http://schemas.microsoft.com/office/drawing/2010/main">
+                <a:effectLst>
+                  <a:outerShdw dist="35921" dir="2700000" algn="ctr" rotWithShape="0">
+                    <a:schemeClr val="bg2"/>
+                  </a:outerShdw>
+                </a:effectLst>
+              </a14:hiddenEffects>
+            </a:ext>
+          </a:extLst>
+        </p:spPr>
+      </p:pic>
+    </p:spTree>
+    <p:extLst>
+      <p:ext uri="{BB962C8B-B14F-4D97-AF65-F5344CB8AC3E}">
+        <p14:creationId xmlns:p14="http://schemas.microsoft.com/office/powerpoint/2010/main" val="3666095403"/>
+      </p:ext>
+    </p:extLst>
+  </p:cSld>
+  <p:clrMapOvr>
+    <a:masterClrMapping/>
+  </p:clrMapOvr>
+</p:sld>
+</file>
+
+<file path=ppt/slides/slide43.xml><?xml version="1.0" encoding="utf-8"?>
+<p:sld xmlns:a="http://schemas.openxmlformats.org/drawingml/2006/main" xmlns:r="http://schemas.openxmlformats.org/officeDocument/2006/relationships" xmlns:p="http://schemas.openxmlformats.org/presentationml/2006/main">
+  <p:cSld>
+    <p:spTree>
+      <p:nvGrpSpPr>
+        <p:cNvPr id="1" name=""/>
+        <p:cNvGrpSpPr/>
+        <p:nvPr/>
+      </p:nvGrpSpPr>
+      <p:grpSpPr>
+        <a:xfrm>
+          <a:off x="0" y="0"/>
+          <a:ext cx="0" cy="0"/>
+          <a:chOff x="0" y="0"/>
+          <a:chExt cx="0" cy="0"/>
+        </a:xfrm>
+      </p:grpSpPr>
+      <p:sp>
+        <p:nvSpPr>
+          <p:cNvPr id="2" name="标题 1"/>
+          <p:cNvSpPr>
+            <a:spLocks noGrp="1"/>
+          </p:cNvSpPr>
+          <p:nvPr>
+            <p:ph type="title"/>
+          </p:nvPr>
+        </p:nvSpPr>
+        <p:spPr/>
+        <p:txBody>
+          <a:bodyPr/>
+          <a:lstStyle/>
+          <a:p>
+            <a:r>
+              <a:rPr lang="en-US" altLang="zh-CN" dirty="0"/>
+              <a:t>MVP &amp; MBP</a:t>
+            </a:r>
+            <a:endParaRPr lang="en-US" dirty="0"/>
+          </a:p>
+        </p:txBody>
+      </p:sp>
+      <p:sp>
+        <p:nvSpPr>
+          <p:cNvPr id="3" name="内容占位符 2"/>
+          <p:cNvSpPr>
+            <a:spLocks noGrp="1"/>
+          </p:cNvSpPr>
+          <p:nvPr>
+            <p:ph idx="1"/>
+          </p:nvPr>
+        </p:nvSpPr>
+        <p:spPr/>
+        <p:txBody>
+          <a:bodyPr>
+            <a:normAutofit/>
+          </a:bodyPr>
+          <a:lstStyle/>
+          <a:p>
+            <a:r>
+              <a:rPr lang="en-US" dirty="0"/>
+              <a:t>MVP — Minimum Viable Product，</a:t>
+            </a:r>
+          </a:p>
+          <a:p>
+            <a:pPr lvl="1"/>
+            <a:r>
+              <a:rPr lang="zh-CN" altLang="en-US" dirty="0"/>
+              <a:t>最小可行产品，又称为</a:t>
+            </a:r>
+            <a:r>
+              <a:rPr lang="en-US" dirty="0"/>
+              <a:t>Minimal Feature Set，</a:t>
+            </a:r>
+            <a:r>
+              <a:rPr lang="zh-CN" altLang="en-US" dirty="0"/>
+              <a:t>最小功能集。</a:t>
+            </a:r>
+          </a:p>
+          <a:p>
+            <a:pPr lvl="1"/>
+            <a:r>
+              <a:rPr lang="zh-CN" altLang="en-US" dirty="0"/>
+              <a:t>把产品最核心的功能用最小的成本实现出来（或者描绘出来），然后快速征求 用户意见。</a:t>
+            </a:r>
+            <a:endParaRPr lang="en-US" altLang="zh-CN" dirty="0"/>
+          </a:p>
+          <a:p>
+            <a:r>
+              <a:rPr lang="en-US" altLang="zh-CN" dirty="0"/>
+              <a:t>MBP</a:t>
+            </a:r>
+          </a:p>
+          <a:p>
+            <a:pPr lvl="1"/>
+            <a:r>
+              <a:rPr lang="en-US" dirty="0"/>
+              <a:t>Maximal Beautiful Product（</a:t>
+            </a:r>
+            <a:r>
+              <a:rPr lang="zh-CN" altLang="en-US" dirty="0"/>
+              <a:t>最强最美产品）</a:t>
+            </a:r>
+            <a:endParaRPr lang="en-US" altLang="zh-CN" dirty="0"/>
+          </a:p>
+          <a:p>
+            <a:pPr lvl="1"/>
+            <a:r>
+              <a:rPr lang="zh-CN" altLang="en-US" dirty="0"/>
+              <a:t>如果对用户的需求了然于心，或者产品团队比用户 更了解用户的需求，为何不把产品最全、最美的形态展现出来，一举征服用户？</a:t>
+            </a:r>
+            <a:endParaRPr lang="en-US" altLang="zh-CN" dirty="0"/>
+          </a:p>
+          <a:p>
+            <a:r>
+              <a:rPr lang="zh-CN" altLang="en-US" b="1" dirty="0"/>
+              <a:t>讨论</a:t>
+            </a:r>
+            <a:endParaRPr lang="en-US" altLang="zh-CN" b="1" dirty="0"/>
+          </a:p>
+          <a:p>
+            <a:pPr lvl="1"/>
+            <a:r>
+              <a:rPr lang="en-US" dirty="0"/>
+              <a:t>iPhone, iPad </a:t>
+            </a:r>
+            <a:r>
+              <a:rPr lang="zh-CN" altLang="en-US" dirty="0"/>
+              <a:t>的第一版，是</a:t>
+            </a:r>
+            <a:r>
+              <a:rPr lang="en-US" altLang="zh-CN" dirty="0"/>
+              <a:t>MVP </a:t>
+            </a:r>
+            <a:r>
+              <a:rPr lang="zh-CN" altLang="en-US" dirty="0"/>
+              <a:t>还是 </a:t>
+            </a:r>
+            <a:r>
+              <a:rPr lang="en-US" altLang="zh-CN" dirty="0"/>
+              <a:t>MBP</a:t>
+            </a:r>
+            <a:r>
+              <a:rPr lang="zh-CN" altLang="en-US" dirty="0"/>
+              <a:t>？</a:t>
+            </a:r>
+            <a:endParaRPr lang="en-US" dirty="0"/>
+          </a:p>
+        </p:txBody>
+      </p:sp>
+    </p:spTree>
+    <p:extLst>
+      <p:ext uri="{BB962C8B-B14F-4D97-AF65-F5344CB8AC3E}">
+        <p14:creationId xmlns:p14="http://schemas.microsoft.com/office/powerpoint/2010/main" val="2203527375"/>
+      </p:ext>
+    </p:extLst>
+  </p:cSld>
+  <p:clrMapOvr>
+    <a:masterClrMapping/>
+  </p:clrMapOvr>
+</p:sld>
+</file>
+
+<file path=ppt/slides/slide44.xml><?xml version="1.0" encoding="utf-8"?>
+<p:sld xmlns:a="http://schemas.openxmlformats.org/drawingml/2006/main" xmlns:r="http://schemas.openxmlformats.org/officeDocument/2006/relationships" xmlns:p="http://schemas.openxmlformats.org/presentationml/2006/main">
+  <p:cSld>
+    <p:spTree>
+      <p:nvGrpSpPr>
+        <p:cNvPr id="1" name=""/>
+        <p:cNvGrpSpPr/>
+        <p:nvPr/>
+      </p:nvGrpSpPr>
+      <p:grpSpPr>
+        <a:xfrm>
+          <a:off x="0" y="0"/>
+          <a:ext cx="0" cy="0"/>
+          <a:chOff x="0" y="0"/>
+          <a:chExt cx="0" cy="0"/>
+        </a:xfrm>
+      </p:grpSpPr>
+      <p:sp>
+        <p:nvSpPr>
+          <p:cNvPr id="2" name="标题 1"/>
+          <p:cNvSpPr>
+            <a:spLocks noGrp="1"/>
+          </p:cNvSpPr>
+          <p:nvPr>
+            <p:ph type="title"/>
+          </p:nvPr>
+        </p:nvSpPr>
+        <p:spPr/>
+        <p:txBody>
+          <a:bodyPr/>
+          <a:lstStyle/>
+          <a:p>
+            <a:r>
+              <a:rPr lang="en-US" altLang="zh-CN" dirty="0"/>
+              <a:t>Team Software Process</a:t>
+            </a:r>
+            <a:endParaRPr lang="en-US" dirty="0"/>
+          </a:p>
+        </p:txBody>
+      </p:sp>
+      <p:sp>
+        <p:nvSpPr>
+          <p:cNvPr id="3" name="内容占位符 2"/>
+          <p:cNvSpPr>
+            <a:spLocks noGrp="1"/>
+          </p:cNvSpPr>
+          <p:nvPr>
+            <p:ph idx="1"/>
+          </p:nvPr>
+        </p:nvSpPr>
+        <p:spPr/>
+        <p:txBody>
+          <a:bodyPr>
+            <a:normAutofit fontScale="55000" lnSpcReduction="20000"/>
+          </a:bodyPr>
+          <a:lstStyle/>
+          <a:p>
+            <a:pPr marL="118872" indent="0">
+              <a:lnSpc>
+                <a:spcPct val="120000"/>
+              </a:lnSpc>
+              <a:buNone/>
+            </a:pPr>
+            <a:r>
+              <a:rPr lang="zh-CN" altLang="en-US" dirty="0"/>
+              <a:t>优秀的模式和流程有什么共同点呢？</a:t>
+            </a:r>
+            <a:endParaRPr lang="en-US" altLang="zh-CN" dirty="0"/>
+          </a:p>
+          <a:p>
+            <a:pPr marL="118872" indent="0">
+              <a:lnSpc>
+                <a:spcPct val="120000"/>
+              </a:lnSpc>
+              <a:buNone/>
+            </a:pPr>
+            <a:r>
+              <a:rPr lang="en-US" altLang="zh-CN" dirty="0"/>
+              <a:t>Team Software Process </a:t>
+            </a:r>
+            <a:r>
+              <a:rPr lang="zh-CN" altLang="en-US" dirty="0"/>
+              <a:t>（</a:t>
+            </a:r>
+            <a:r>
+              <a:rPr lang="en-US" altLang="zh-CN" dirty="0"/>
+              <a:t>TSP</a:t>
+            </a:r>
+            <a:r>
+              <a:rPr lang="zh-CN" altLang="en-US" dirty="0"/>
+              <a:t>）的原则： </a:t>
+            </a:r>
+            <a:endParaRPr lang="en-US" altLang="zh-CN" dirty="0"/>
+          </a:p>
+          <a:p>
+            <a:pPr>
+              <a:lnSpc>
+                <a:spcPct val="120000"/>
+              </a:lnSpc>
+            </a:pPr>
+            <a:r>
+              <a:rPr lang="en-US" altLang="zh-CN" dirty="0"/>
+              <a:t>1.  </a:t>
+            </a:r>
+            <a:r>
+              <a:rPr lang="zh-CN" altLang="en-US" dirty="0"/>
+              <a:t>使用妥善定义的流程，流程中的每一步都是可以重复、可以衡量结果的。</a:t>
+            </a:r>
+          </a:p>
+          <a:p>
+            <a:pPr>
+              <a:lnSpc>
+                <a:spcPct val="120000"/>
+              </a:lnSpc>
+            </a:pPr>
+            <a:r>
+              <a:rPr lang="en-US" altLang="zh-CN" dirty="0"/>
+              <a:t>2.  </a:t>
+            </a:r>
+            <a:r>
+              <a:rPr lang="zh-CN" altLang="en-US" dirty="0"/>
+              <a:t>团队的各个成员对团队的目标，角色，产品都有统一的理解。 </a:t>
+            </a:r>
+            <a:endParaRPr lang="en-US" altLang="zh-CN" dirty="0"/>
+          </a:p>
+          <a:p>
+            <a:pPr>
+              <a:lnSpc>
+                <a:spcPct val="120000"/>
+              </a:lnSpc>
+            </a:pPr>
+            <a:r>
+              <a:rPr lang="en-US" altLang="zh-CN" dirty="0"/>
+              <a:t>3.  </a:t>
+            </a:r>
+            <a:r>
+              <a:rPr lang="zh-CN" altLang="en-US" dirty="0"/>
+              <a:t>尽量使用成熟的技术和做法。 </a:t>
+            </a:r>
+            <a:endParaRPr lang="en-US" altLang="zh-CN" dirty="0"/>
+          </a:p>
+          <a:p>
+            <a:pPr>
+              <a:lnSpc>
+                <a:spcPct val="120000"/>
+              </a:lnSpc>
+            </a:pPr>
+            <a:r>
+              <a:rPr lang="en-US" altLang="zh-CN" dirty="0"/>
+              <a:t>4.  </a:t>
+            </a:r>
+            <a:r>
+              <a:rPr lang="zh-CN" altLang="en-US" dirty="0"/>
+              <a:t>尽量多地收集数据（也包括对团队不利的数据），并用数据来帮助团队做出理性的决定。 </a:t>
+            </a:r>
+            <a:endParaRPr lang="en-US" altLang="zh-CN" dirty="0"/>
+          </a:p>
+          <a:p>
+            <a:pPr>
+              <a:lnSpc>
+                <a:spcPct val="120000"/>
+              </a:lnSpc>
+            </a:pPr>
+            <a:r>
+              <a:rPr lang="en-US" altLang="zh-CN" dirty="0"/>
+              <a:t>5.  </a:t>
+            </a:r>
+            <a:r>
+              <a:rPr lang="zh-CN" altLang="en-US" dirty="0"/>
+              <a:t>制定切合实际的计划和承诺，团队计划要由负责具体执行的的角色来制定（而不是从上级而来）。 </a:t>
+            </a:r>
+            <a:endParaRPr lang="en-US" altLang="zh-CN" dirty="0"/>
+          </a:p>
+          <a:p>
+            <a:pPr>
+              <a:lnSpc>
+                <a:spcPct val="120000"/>
+              </a:lnSpc>
+            </a:pPr>
+            <a:r>
+              <a:rPr lang="en-US" altLang="zh-CN" dirty="0"/>
+              <a:t>6.  </a:t>
+            </a:r>
+            <a:r>
+              <a:rPr lang="zh-CN" altLang="en-US" dirty="0"/>
+              <a:t>增加团队的自我管理能力。 </a:t>
+            </a:r>
+            <a:endParaRPr lang="en-US" altLang="zh-CN" dirty="0"/>
+          </a:p>
+          <a:p>
+            <a:pPr>
+              <a:lnSpc>
+                <a:spcPct val="120000"/>
+              </a:lnSpc>
+            </a:pPr>
+            <a:r>
+              <a:rPr lang="en-US" altLang="zh-CN" dirty="0"/>
+              <a:t>7.  </a:t>
+            </a:r>
+            <a:r>
+              <a:rPr lang="zh-CN" altLang="en-US" dirty="0"/>
+              <a:t>专注于提高质量，争取在软件生命周期的早期发现问题。最有效提高质量的办法是做全面而细致的设计工作（而不是在后期匆忙修复问题）</a:t>
+            </a:r>
+            <a:endParaRPr lang="en-US" altLang="zh-CN" dirty="0"/>
+          </a:p>
+          <a:p>
+            <a:pPr marL="118872" indent="0">
+              <a:lnSpc>
+                <a:spcPct val="120000"/>
+              </a:lnSpc>
+              <a:buNone/>
+            </a:pPr>
+            <a:r>
+              <a:rPr lang="zh-CN" altLang="en-US" b="1" dirty="0"/>
+              <a:t>讨论：</a:t>
+            </a:r>
+            <a:endParaRPr lang="en-US" altLang="zh-CN" b="1" dirty="0"/>
+          </a:p>
+          <a:p>
+            <a:pPr lvl="1">
+              <a:lnSpc>
+                <a:spcPct val="120000"/>
+              </a:lnSpc>
+            </a:pPr>
+            <a:r>
+              <a:rPr lang="zh-CN" altLang="en-US" dirty="0"/>
+              <a:t>你们小组的开发模式，流程有这些特点么？（</a:t>
+            </a:r>
+            <a:r>
+              <a:rPr lang="en-US" altLang="zh-CN" dirty="0"/>
+              <a:t>10 </a:t>
+            </a:r>
+            <a:r>
+              <a:rPr lang="zh-CN" altLang="en-US" dirty="0"/>
+              <a:t>分钟）</a:t>
+            </a:r>
+          </a:p>
+          <a:p>
+            <a:pPr marL="118872" indent="0">
+              <a:lnSpc>
+                <a:spcPct val="120000"/>
+              </a:lnSpc>
+              <a:buNone/>
+            </a:pPr>
+            <a:endParaRPr lang="en-US" dirty="0"/>
+          </a:p>
+        </p:txBody>
+      </p:sp>
+    </p:spTree>
+    <p:extLst>
+      <p:ext uri="{BB962C8B-B14F-4D97-AF65-F5344CB8AC3E}">
+        <p14:creationId xmlns:p14="http://schemas.microsoft.com/office/powerpoint/2010/main" val="2856180883"/>
+      </p:ext>
+    </p:extLst>
+  </p:cSld>
+  <p:clrMapOvr>
+    <a:masterClrMapping/>
+  </p:clrMapOvr>
+</p:sld>
+</file>
+
+<file path=ppt/slides/slide45.xml><?xml version="1.0" encoding="utf-8"?>
+<p:sld xmlns:a="http://schemas.openxmlformats.org/drawingml/2006/main" xmlns:r="http://schemas.openxmlformats.org/officeDocument/2006/relationships" xmlns:p="http://schemas.openxmlformats.org/presentationml/2006/main" show="0">
+  <p:cSld>
+    <p:spTree>
+      <p:nvGrpSpPr>
+        <p:cNvPr id="1" name=""/>
+        <p:cNvGrpSpPr/>
+        <p:nvPr/>
+      </p:nvGrpSpPr>
+      <p:grpSpPr>
+        <a:xfrm>
+          <a:off x="0" y="0"/>
+          <a:ext cx="0" cy="0"/>
+          <a:chOff x="0" y="0"/>
+          <a:chExt cx="0" cy="0"/>
+        </a:xfrm>
+      </p:grpSpPr>
+      <p:sp>
+        <p:nvSpPr>
+          <p:cNvPr id="2" name="Title 1"/>
+          <p:cNvSpPr>
+            <a:spLocks noGrp="1"/>
+          </p:cNvSpPr>
+          <p:nvPr>
+            <p:ph type="title"/>
+          </p:nvPr>
+        </p:nvSpPr>
+        <p:spPr/>
+        <p:txBody>
+          <a:bodyPr/>
+          <a:lstStyle/>
+          <a:p>
+            <a:r>
+              <a:rPr lang="en-US" dirty="0"/>
+              <a:t>Reading material</a:t>
+            </a:r>
+          </a:p>
+        </p:txBody>
+      </p:sp>
+      <p:sp>
+        <p:nvSpPr>
+          <p:cNvPr id="3" name="Content Placeholder 2"/>
+          <p:cNvSpPr>
+            <a:spLocks noGrp="1"/>
+          </p:cNvSpPr>
+          <p:nvPr>
+            <p:ph idx="1"/>
+          </p:nvPr>
+        </p:nvSpPr>
+        <p:spPr/>
+        <p:txBody>
+          <a:bodyPr/>
+          <a:lstStyle/>
+          <a:p>
+            <a:r>
+              <a:rPr lang="en-US" dirty="0"/>
+              <a:t>Rapid Development, Chapter 7, “Lifecycle Planning” (p. 133)</a:t>
+            </a:r>
+          </a:p>
+        </p:txBody>
+      </p:sp>
+    </p:spTree>
+    <p:extLst>
+      <p:ext uri="{BB962C8B-B14F-4D97-AF65-F5344CB8AC3E}">
+        <p14:creationId xmlns:p14="http://schemas.microsoft.com/office/powerpoint/2010/main" val="966694093"/>
+      </p:ext>
+    </p:extLst>
+  </p:cSld>
+  <p:clrMapOvr>
+    <a:masterClrMapping/>
+  </p:clrMapOvr>
+</p:sld>
+</file>
+
+<file path=ppt/slides/slide46.xml><?xml version="1.0" encoding="utf-8"?>
+<p:sld xmlns:a="http://schemas.openxmlformats.org/drawingml/2006/main" xmlns:r="http://schemas.openxmlformats.org/officeDocument/2006/relationships" xmlns:p="http://schemas.openxmlformats.org/presentationml/2006/main">
+  <p:cSld>
+    <p:spTree>
+      <p:nvGrpSpPr>
+        <p:cNvPr id="1" name=""/>
+        <p:cNvGrpSpPr/>
+        <p:nvPr/>
+      </p:nvGrpSpPr>
+      <p:grpSpPr>
+        <a:xfrm>
+          <a:off x="0" y="0"/>
+          <a:ext cx="0" cy="0"/>
+          <a:chOff x="0" y="0"/>
+          <a:chExt cx="0" cy="0"/>
+        </a:xfrm>
+      </p:grpSpPr>
+      <p:sp>
+        <p:nvSpPr>
+          <p:cNvPr id="2" name="Title 1"/>
+          <p:cNvSpPr>
+            <a:spLocks noGrp="1"/>
+          </p:cNvSpPr>
+          <p:nvPr>
+            <p:ph type="title"/>
+          </p:nvPr>
+        </p:nvSpPr>
+        <p:spPr/>
+        <p:txBody>
+          <a:bodyPr/>
+          <a:lstStyle/>
+          <a:p>
+            <a:r>
+              <a:rPr lang="zh-CN" altLang="en-US" dirty="0"/>
+              <a:t>讨论：会有新的软件开发流程么？</a:t>
+            </a:r>
+            <a:endParaRPr lang="en-US" dirty="0"/>
+          </a:p>
+        </p:txBody>
+      </p:sp>
+      <p:sp>
+        <p:nvSpPr>
+          <p:cNvPr id="3" name="Content Placeholder 2"/>
+          <p:cNvSpPr>
+            <a:spLocks noGrp="1"/>
+          </p:cNvSpPr>
+          <p:nvPr>
+            <p:ph idx="1"/>
+          </p:nvPr>
+        </p:nvSpPr>
+        <p:spPr/>
+        <p:txBody>
+          <a:bodyPr>
+            <a:normAutofit/>
+          </a:bodyPr>
+          <a:lstStyle/>
+          <a:p>
+            <a:r>
+              <a:rPr lang="zh-CN" altLang="en-US" dirty="0"/>
+              <a:t>环境在变化</a:t>
+            </a:r>
+            <a:endParaRPr lang="en-US" altLang="zh-CN" dirty="0"/>
+          </a:p>
+          <a:p>
+            <a:pPr lvl="1"/>
+            <a:r>
+              <a:rPr lang="zh-CN" altLang="en-US" dirty="0"/>
+              <a:t>任何人都可以在任何地方</a:t>
+            </a:r>
+            <a:r>
+              <a:rPr lang="en-US" altLang="zh-CN" dirty="0"/>
+              <a:t>, </a:t>
+            </a:r>
+            <a:r>
+              <a:rPr lang="zh-CN" altLang="en-US" dirty="0"/>
+              <a:t>通过各种设备上网签入代码</a:t>
+            </a:r>
+            <a:endParaRPr lang="en-US" dirty="0"/>
+          </a:p>
+          <a:p>
+            <a:r>
+              <a:rPr lang="zh-CN" altLang="en-US" dirty="0"/>
+              <a:t>互联网</a:t>
+            </a:r>
+            <a:r>
+              <a:rPr lang="en-US" altLang="zh-CN" dirty="0"/>
+              <a:t>+</a:t>
+            </a:r>
+            <a:r>
+              <a:rPr lang="zh-CN" altLang="en-US" dirty="0"/>
+              <a:t>， </a:t>
+            </a:r>
+            <a:r>
+              <a:rPr lang="en-US" altLang="zh-CN" dirty="0"/>
+              <a:t>AI+</a:t>
+            </a:r>
+            <a:r>
+              <a:rPr lang="zh-CN" altLang="en-US" dirty="0"/>
+              <a:t>， 移动</a:t>
+            </a:r>
+            <a:r>
+              <a:rPr lang="en-US" altLang="zh-CN" dirty="0"/>
+              <a:t>+</a:t>
+            </a:r>
+            <a:endParaRPr lang="en-US" dirty="0"/>
+          </a:p>
+          <a:p>
+            <a:pPr lvl="1"/>
+            <a:r>
+              <a:rPr lang="zh-CN" altLang="en-US" dirty="0"/>
+              <a:t>新的技术和商业模式</a:t>
+            </a:r>
+            <a:endParaRPr lang="en-US" dirty="0"/>
+          </a:p>
+          <a:p>
+            <a:pPr lvl="1"/>
+            <a:r>
+              <a:rPr lang="zh-CN" altLang="en-US" dirty="0"/>
+              <a:t>信息传播的速度很快</a:t>
+            </a:r>
+            <a:endParaRPr lang="en-US" dirty="0"/>
+          </a:p>
+          <a:p>
+            <a:r>
+              <a:rPr lang="zh-CN" altLang="en-US" dirty="0"/>
+              <a:t>会有新的开发模式么</a:t>
+            </a:r>
+            <a:r>
+              <a:rPr lang="en-US" altLang="zh-CN" dirty="0"/>
+              <a:t>?</a:t>
+            </a:r>
+          </a:p>
+          <a:p>
+            <a:r>
+              <a:rPr lang="zh-CN" altLang="en-US" b="1" dirty="0"/>
+              <a:t>讨论</a:t>
+            </a:r>
+            <a:r>
+              <a:rPr lang="en-US" altLang="zh-CN" b="1" dirty="0"/>
+              <a:t>+</a:t>
+            </a:r>
+            <a:r>
+              <a:rPr lang="zh-CN" altLang="en-US" b="1" dirty="0"/>
+              <a:t>作业</a:t>
+            </a:r>
+            <a:r>
+              <a:rPr lang="zh-CN" altLang="en-US" dirty="0"/>
+              <a:t>：</a:t>
+            </a:r>
+            <a:r>
+              <a:rPr lang="en-US" altLang="zh-CN" dirty="0"/>
+              <a:t>10</a:t>
+            </a:r>
+            <a:r>
+              <a:rPr lang="zh-CN" altLang="en-US" dirty="0"/>
+              <a:t>年后会有什么新的开发模式？</a:t>
+            </a:r>
+            <a:endParaRPr lang="en-US" altLang="zh-CN" dirty="0"/>
+          </a:p>
+          <a:p>
+            <a:pPr marL="118872" indent="0">
+              <a:buNone/>
+            </a:pPr>
+            <a:endParaRPr lang="en-US" dirty="0"/>
+          </a:p>
+        </p:txBody>
+      </p:sp>
+    </p:spTree>
+    <p:extLst>
+      <p:ext uri="{BB962C8B-B14F-4D97-AF65-F5344CB8AC3E}">
+        <p14:creationId xmlns:p14="http://schemas.microsoft.com/office/powerpoint/2010/main" val="1999221925"/>
+      </p:ext>
+    </p:extLst>
+  </p:cSld>
+  <p:clrMapOvr>
+    <a:masterClrMapping/>
+  </p:clrMapOvr>
+</p:sld>
+</file>
+
+<file path=ppt/slides/slide47.xml><?xml version="1.0" encoding="utf-8"?>
+<p:sld xmlns:a="http://schemas.openxmlformats.org/drawingml/2006/main" xmlns:r="http://schemas.openxmlformats.org/officeDocument/2006/relationships" xmlns:p="http://schemas.openxmlformats.org/presentationml/2006/main">
+  <p:cSld>
+    <p:spTree>
+      <p:nvGrpSpPr>
+        <p:cNvPr id="1" name=""/>
+        <p:cNvGrpSpPr/>
+        <p:nvPr/>
+      </p:nvGrpSpPr>
+      <p:grpSpPr>
+        <a:xfrm>
+          <a:off x="0" y="0"/>
+          <a:ext cx="0" cy="0"/>
+          <a:chOff x="0" y="0"/>
+          <a:chExt cx="0" cy="0"/>
+        </a:xfrm>
+      </p:grpSpPr>
+      <p:sp>
+        <p:nvSpPr>
+          <p:cNvPr id="2" name="Title 1"/>
+          <p:cNvSpPr>
+            <a:spLocks noGrp="1"/>
+          </p:cNvSpPr>
+          <p:nvPr>
+            <p:ph type="title"/>
+          </p:nvPr>
+        </p:nvSpPr>
+        <p:spPr/>
+        <p:txBody>
+          <a:bodyPr/>
+          <a:lstStyle/>
+          <a:p>
+            <a:r>
+              <a:rPr lang="en-US" dirty="0"/>
+              <a:t>Team Assignment</a:t>
+            </a:r>
+          </a:p>
+        </p:txBody>
+      </p:sp>
+      <p:sp>
+        <p:nvSpPr>
+          <p:cNvPr id="3" name="Content Placeholder 2"/>
+          <p:cNvSpPr>
+            <a:spLocks noGrp="1"/>
+          </p:cNvSpPr>
+          <p:nvPr>
+            <p:ph idx="1"/>
+          </p:nvPr>
+        </p:nvSpPr>
+        <p:spPr/>
+        <p:txBody>
+          <a:bodyPr>
+            <a:normAutofit/>
+          </a:bodyPr>
+          <a:lstStyle/>
+          <a:p>
+            <a:r>
+              <a:rPr lang="en-US" dirty="0"/>
+              <a:t>To fully understand the Agile principles,  please read articles from Martin Fowler:  </a:t>
+            </a:r>
+            <a:r>
+              <a:rPr lang="en-US" u="sng" dirty="0">
+                <a:hlinkClick r:id="rId2"/>
+              </a:rPr>
+              <a:t>http://martinfowler.com/agile.html</a:t>
+            </a:r>
+            <a:r>
+              <a:rPr lang="en-US" dirty="0"/>
+              <a:t>  </a:t>
+            </a:r>
+          </a:p>
+          <a:p>
+            <a:pPr marL="118872" indent="0">
+              <a:buNone/>
+            </a:pPr>
+            <a:endParaRPr lang="en-US" dirty="0"/>
+          </a:p>
+        </p:txBody>
+      </p:sp>
+    </p:spTree>
+    <p:extLst>
+      <p:ext uri="{BB962C8B-B14F-4D97-AF65-F5344CB8AC3E}">
+        <p14:creationId xmlns:p14="http://schemas.microsoft.com/office/powerpoint/2010/main" val="3494808658"/>
+      </p:ext>
+    </p:extLst>
+  </p:cSld>
+  <p:clrMapOvr>
+    <a:masterClrMapping/>
+  </p:clrMapOvr>
+</p:sld>
+</file>
+
+<file path=ppt/slides/slide48.xml><?xml version="1.0" encoding="utf-8"?>
+<p:sld xmlns:a="http://schemas.openxmlformats.org/drawingml/2006/main" xmlns:r="http://schemas.openxmlformats.org/officeDocument/2006/relationships" xmlns:p="http://schemas.openxmlformats.org/presentationml/2006/main">
+  <p:cSld>
+    <p:spTree>
+      <p:nvGrpSpPr>
+        <p:cNvPr id="1" name=""/>
+        <p:cNvGrpSpPr/>
+        <p:nvPr/>
+      </p:nvGrpSpPr>
+      <p:grpSpPr>
+        <a:xfrm>
+          <a:off x="0" y="0"/>
+          <a:ext cx="0" cy="0"/>
+          <a:chOff x="0" y="0"/>
+          <a:chExt cx="0" cy="0"/>
+        </a:xfrm>
+      </p:grpSpPr>
+      <p:sp>
+        <p:nvSpPr>
+          <p:cNvPr id="2" name="标题 1"/>
+          <p:cNvSpPr>
+            <a:spLocks noGrp="1"/>
+          </p:cNvSpPr>
+          <p:nvPr>
+            <p:ph type="title"/>
+          </p:nvPr>
+        </p:nvSpPr>
+        <p:spPr/>
+        <p:txBody>
+          <a:bodyPr/>
+          <a:lstStyle/>
+          <a:p>
+            <a:r>
+              <a:rPr lang="zh-CN" altLang="en-US" dirty="0"/>
+              <a:t>成熟的团队不是一天就形成的</a:t>
+            </a:r>
+            <a:endParaRPr lang="en-US" dirty="0"/>
+          </a:p>
+        </p:txBody>
+      </p:sp>
+      <p:sp>
+        <p:nvSpPr>
+          <p:cNvPr id="3" name="内容占位符 2"/>
+          <p:cNvSpPr>
+            <a:spLocks noGrp="1"/>
+          </p:cNvSpPr>
+          <p:nvPr>
+            <p:ph idx="1"/>
+          </p:nvPr>
+        </p:nvSpPr>
+        <p:spPr>
+          <a:xfrm>
+            <a:off x="1066800" y="1775192"/>
             <a:ext cx="4495800" cy="4625609"/>
           </a:xfrm>
         </p:spPr>
@@ -11105,7 +19478,7 @@
 </p:sld>
 </file>
 
-<file path=ppt/slides/slide26.xml><?xml version="1.0" encoding="utf-8"?>
+<file path=ppt/slides/slide49.xml><?xml version="1.0" encoding="utf-8"?>
 <p:sld xmlns:a="http://schemas.openxmlformats.org/drawingml/2006/main" xmlns:r="http://schemas.openxmlformats.org/officeDocument/2006/relationships" xmlns:p="http://schemas.openxmlformats.org/presentationml/2006/main">
   <p:cSld>
     <p:spTree>
@@ -11239,573 +19612,6 @@
     <p:extLst>
       <p:ext uri="{BB962C8B-B14F-4D97-AF65-F5344CB8AC3E}">
         <p14:creationId xmlns:p14="http://schemas.microsoft.com/office/powerpoint/2010/main" val="4073717942"/>
-      </p:ext>
-    </p:extLst>
-  </p:cSld>
-  <p:clrMapOvr>
-    <a:masterClrMapping/>
-  </p:clrMapOvr>
-</p:sld>
-</file>
-
-<file path=ppt/slides/slide27.xml><?xml version="1.0" encoding="utf-8"?>
-<p:sld xmlns:a="http://schemas.openxmlformats.org/drawingml/2006/main" xmlns:r="http://schemas.openxmlformats.org/officeDocument/2006/relationships" xmlns:p="http://schemas.openxmlformats.org/presentationml/2006/main">
-  <p:cSld>
-    <p:spTree>
-      <p:nvGrpSpPr>
-        <p:cNvPr id="1" name=""/>
-        <p:cNvGrpSpPr/>
-        <p:nvPr/>
-      </p:nvGrpSpPr>
-      <p:grpSpPr>
-        <a:xfrm>
-          <a:off x="0" y="0"/>
-          <a:ext cx="0" cy="0"/>
-          <a:chOff x="0" y="0"/>
-          <a:chExt cx="0" cy="0"/>
-        </a:xfrm>
-      </p:grpSpPr>
-      <p:sp>
-        <p:nvSpPr>
-          <p:cNvPr id="2" name="Title 1"/>
-          <p:cNvSpPr>
-            <a:spLocks noGrp="1"/>
-          </p:cNvSpPr>
-          <p:nvPr>
-            <p:ph type="title"/>
-          </p:nvPr>
-        </p:nvSpPr>
-        <p:spPr/>
-        <p:txBody>
-          <a:bodyPr/>
-          <a:lstStyle/>
-          <a:p>
-            <a:r>
-              <a:rPr lang="zh-CN" altLang="en-US" dirty="0"/>
-              <a:t>课后作业</a:t>
-            </a:r>
-            <a:endParaRPr lang="en-US" dirty="0"/>
-          </a:p>
-        </p:txBody>
-      </p:sp>
-      <p:sp>
-        <p:nvSpPr>
-          <p:cNvPr id="3" name="Content Placeholder 2"/>
-          <p:cNvSpPr>
-            <a:spLocks noGrp="1"/>
-          </p:cNvSpPr>
-          <p:nvPr>
-            <p:ph idx="1"/>
-          </p:nvPr>
-        </p:nvSpPr>
-        <p:spPr/>
-        <p:txBody>
-          <a:bodyPr/>
-          <a:lstStyle/>
-          <a:p>
-            <a:r>
-              <a:rPr lang="zh-CN" altLang="en-US" dirty="0"/>
-              <a:t>课后作业</a:t>
-            </a:r>
-            <a:endParaRPr lang="en-US" altLang="zh-CN" dirty="0"/>
-          </a:p>
-          <a:p>
-            <a:pPr lvl="1"/>
-            <a:r>
-              <a:rPr lang="zh-CN" altLang="en-US" dirty="0"/>
-              <a:t>采访工业界的软件团队（通过邮件，微博，微信，阅读博客等方式），询问他们的软件开发流程</a:t>
-            </a:r>
-            <a:endParaRPr lang="en-US" altLang="zh-CN"/>
-          </a:p>
-          <a:p>
-            <a:pPr lvl="1"/>
-            <a:endParaRPr lang="en-US" dirty="0"/>
-          </a:p>
-        </p:txBody>
-      </p:sp>
-    </p:spTree>
-    <p:extLst>
-      <p:ext uri="{BB962C8B-B14F-4D97-AF65-F5344CB8AC3E}">
-        <p14:creationId xmlns:p14="http://schemas.microsoft.com/office/powerpoint/2010/main" val="2509694523"/>
-      </p:ext>
-    </p:extLst>
-  </p:cSld>
-  <p:clrMapOvr>
-    <a:masterClrMapping/>
-  </p:clrMapOvr>
-</p:sld>
-</file>
-
-<file path=ppt/slides/slide28.xml><?xml version="1.0" encoding="utf-8"?>
-<p:sld xmlns:a="http://schemas.openxmlformats.org/drawingml/2006/main" xmlns:r="http://schemas.openxmlformats.org/officeDocument/2006/relationships" xmlns:p="http://schemas.openxmlformats.org/presentationml/2006/main">
-  <p:cSld>
-    <p:spTree>
-      <p:nvGrpSpPr>
-        <p:cNvPr id="1" name=""/>
-        <p:cNvGrpSpPr/>
-        <p:nvPr/>
-      </p:nvGrpSpPr>
-      <p:grpSpPr>
-        <a:xfrm>
-          <a:off x="0" y="0"/>
-          <a:ext cx="0" cy="0"/>
-          <a:chOff x="0" y="0"/>
-          <a:chExt cx="0" cy="0"/>
-        </a:xfrm>
-      </p:grpSpPr>
-      <p:sp>
-        <p:nvSpPr>
-          <p:cNvPr id="2" name="标题 1"/>
-          <p:cNvSpPr>
-            <a:spLocks noGrp="1"/>
-          </p:cNvSpPr>
-          <p:nvPr>
-            <p:ph type="title"/>
-          </p:nvPr>
-        </p:nvSpPr>
-        <p:spPr/>
-        <p:txBody>
-          <a:bodyPr/>
-          <a:lstStyle/>
-          <a:p>
-            <a:r>
-              <a:rPr lang="zh-CN" altLang="en-US" dirty="0"/>
-              <a:t>练习和讨论</a:t>
-            </a:r>
-            <a:endParaRPr lang="en-US" dirty="0"/>
-          </a:p>
-        </p:txBody>
-      </p:sp>
-      <p:sp>
-        <p:nvSpPr>
-          <p:cNvPr id="3" name="内容占位符 2"/>
-          <p:cNvSpPr>
-            <a:spLocks noGrp="1"/>
-          </p:cNvSpPr>
-          <p:nvPr>
-            <p:ph idx="1"/>
-          </p:nvPr>
-        </p:nvSpPr>
-        <p:spPr/>
-        <p:txBody>
-          <a:bodyPr/>
-          <a:lstStyle/>
-          <a:p>
-            <a:r>
-              <a:rPr lang="en-US" dirty="0">
-                <a:hlinkClick r:id="rId2"/>
-              </a:rPr>
-              <a:t>http://www.cnblogs.com/xinz/p/3852332.html</a:t>
-            </a:r>
-            <a:r>
-              <a:rPr lang="en-US" dirty="0"/>
-              <a:t> </a:t>
-            </a:r>
-          </a:p>
-        </p:txBody>
-      </p:sp>
-    </p:spTree>
-    <p:extLst>
-      <p:ext uri="{BB962C8B-B14F-4D97-AF65-F5344CB8AC3E}">
-        <p14:creationId xmlns:p14="http://schemas.microsoft.com/office/powerpoint/2010/main" val="3643588990"/>
-      </p:ext>
-    </p:extLst>
-  </p:cSld>
-  <p:clrMapOvr>
-    <a:masterClrMapping/>
-  </p:clrMapOvr>
-</p:sld>
-</file>
-
-<file path=ppt/slides/slide29.xml><?xml version="1.0" encoding="utf-8"?>
-<p:sld xmlns:a="http://schemas.openxmlformats.org/drawingml/2006/main" xmlns:r="http://schemas.openxmlformats.org/officeDocument/2006/relationships" xmlns:p="http://schemas.openxmlformats.org/presentationml/2006/main">
-  <p:cSld>
-    <p:spTree>
-      <p:nvGrpSpPr>
-        <p:cNvPr id="1" name=""/>
-        <p:cNvGrpSpPr/>
-        <p:nvPr/>
-      </p:nvGrpSpPr>
-      <p:grpSpPr>
-        <a:xfrm>
-          <a:off x="0" y="0"/>
-          <a:ext cx="0" cy="0"/>
-          <a:chOff x="0" y="0"/>
-          <a:chExt cx="0" cy="0"/>
-        </a:xfrm>
-      </p:grpSpPr>
-      <p:sp>
-        <p:nvSpPr>
-          <p:cNvPr id="2" name="Title 1">
-            <a:extLst>
-              <a:ext uri="{FF2B5EF4-FFF2-40B4-BE49-F238E27FC236}">
-                <a16:creationId xmlns:a16="http://schemas.microsoft.com/office/drawing/2014/main" id="{24577D88-E090-464B-BC87-D60EE9128A0F}"/>
-              </a:ext>
-            </a:extLst>
-          </p:cNvPr>
-          <p:cNvSpPr>
-            <a:spLocks noGrp="1"/>
-          </p:cNvSpPr>
-          <p:nvPr>
-            <p:ph type="title"/>
-          </p:nvPr>
-        </p:nvSpPr>
-        <p:spPr/>
-        <p:txBody>
-          <a:bodyPr/>
-          <a:lstStyle/>
-          <a:p>
-            <a:r>
-              <a:rPr lang="en-US" dirty="0"/>
-              <a:t>appendix</a:t>
-            </a:r>
-          </a:p>
-        </p:txBody>
-      </p:sp>
-      <p:sp>
-        <p:nvSpPr>
-          <p:cNvPr id="3" name="Content Placeholder 2">
-            <a:extLst>
-              <a:ext uri="{FF2B5EF4-FFF2-40B4-BE49-F238E27FC236}">
-                <a16:creationId xmlns:a16="http://schemas.microsoft.com/office/drawing/2014/main" id="{3402149D-B9D8-49F7-8135-09433B6F86C7}"/>
-              </a:ext>
-            </a:extLst>
-          </p:cNvPr>
-          <p:cNvSpPr>
-            <a:spLocks noGrp="1"/>
-          </p:cNvSpPr>
-          <p:nvPr>
-            <p:ph idx="1"/>
-          </p:nvPr>
-        </p:nvSpPr>
-        <p:spPr/>
-        <p:txBody>
-          <a:bodyPr/>
-          <a:lstStyle/>
-          <a:p>
-            <a:endParaRPr lang="en-US"/>
-          </a:p>
-        </p:txBody>
-      </p:sp>
-    </p:spTree>
-    <p:extLst>
-      <p:ext uri="{BB962C8B-B14F-4D97-AF65-F5344CB8AC3E}">
-        <p14:creationId xmlns:p14="http://schemas.microsoft.com/office/powerpoint/2010/main" val="161325156"/>
-      </p:ext>
-    </p:extLst>
-  </p:cSld>
-  <p:clrMapOvr>
-    <a:masterClrMapping/>
-  </p:clrMapOvr>
-</p:sld>
-</file>
-
-<file path=ppt/slides/slide3.xml><?xml version="1.0" encoding="utf-8"?>
-<p:sld xmlns:a="http://schemas.openxmlformats.org/drawingml/2006/main" xmlns:r="http://schemas.openxmlformats.org/officeDocument/2006/relationships" xmlns:p="http://schemas.openxmlformats.org/presentationml/2006/main">
-  <p:cSld>
-    <p:spTree>
-      <p:nvGrpSpPr>
-        <p:cNvPr id="1" name=""/>
-        <p:cNvGrpSpPr/>
-        <p:nvPr/>
-      </p:nvGrpSpPr>
-      <p:grpSpPr>
-        <a:xfrm>
-          <a:off x="0" y="0"/>
-          <a:ext cx="0" cy="0"/>
-          <a:chOff x="0" y="0"/>
-          <a:chExt cx="0" cy="0"/>
-        </a:xfrm>
-      </p:grpSpPr>
-      <p:sp>
-        <p:nvSpPr>
-          <p:cNvPr id="2" name="Title 1"/>
-          <p:cNvSpPr>
-            <a:spLocks noGrp="1"/>
-          </p:cNvSpPr>
-          <p:nvPr>
-            <p:ph type="title"/>
-          </p:nvPr>
-        </p:nvSpPr>
-        <p:spPr/>
-        <p:txBody>
-          <a:bodyPr/>
-          <a:lstStyle/>
-          <a:p>
-            <a:r>
-              <a:rPr lang="en-US" dirty="0"/>
-              <a:t>Team vs. Work Group</a:t>
-            </a:r>
-          </a:p>
-        </p:txBody>
-      </p:sp>
-      <p:sp>
-        <p:nvSpPr>
-          <p:cNvPr id="3" name="Content Placeholder 2"/>
-          <p:cNvSpPr>
-            <a:spLocks noGrp="1"/>
-          </p:cNvSpPr>
-          <p:nvPr>
-            <p:ph idx="1"/>
-          </p:nvPr>
-        </p:nvSpPr>
-        <p:spPr/>
-        <p:txBody>
-          <a:bodyPr/>
-          <a:lstStyle/>
-          <a:p>
-            <a:r>
-              <a:rPr lang="en-US" dirty="0"/>
-              <a:t>Work Group </a:t>
-            </a:r>
-            <a:r>
-              <a:rPr lang="en-US" altLang="zh-CN" dirty="0"/>
-              <a:t>/ </a:t>
-            </a:r>
-            <a:r>
-              <a:rPr lang="zh-CN" altLang="en-US" dirty="0"/>
-              <a:t>工作组</a:t>
-            </a:r>
-            <a:endParaRPr lang="en-US" dirty="0"/>
-          </a:p>
-          <a:p>
-            <a:pPr lvl="1"/>
-            <a:r>
-              <a:rPr lang="en-US" dirty="0"/>
-              <a:t>A random group of people happen to be together to finish a task</a:t>
-            </a:r>
-          </a:p>
-          <a:p>
-            <a:pPr lvl="1"/>
-            <a:r>
-              <a:rPr lang="en-US" altLang="zh-CN" dirty="0"/>
-              <a:t>M</a:t>
-            </a:r>
-            <a:r>
-              <a:rPr lang="zh-CN" altLang="en-US" dirty="0"/>
-              <a:t>个人</a:t>
-            </a:r>
-            <a:r>
-              <a:rPr lang="en-US" altLang="zh-CN" dirty="0"/>
-              <a:t>, </a:t>
-            </a:r>
-            <a:r>
-              <a:rPr lang="zh-CN" altLang="en-US" dirty="0"/>
-              <a:t>各自把</a:t>
-            </a:r>
-            <a:r>
-              <a:rPr lang="en-US" altLang="zh-CN" dirty="0"/>
-              <a:t>N </a:t>
-            </a:r>
-            <a:r>
-              <a:rPr lang="zh-CN" altLang="en-US" dirty="0"/>
-              <a:t>块砖从</a:t>
-            </a:r>
-            <a:r>
-              <a:rPr lang="en-US" altLang="zh-CN" dirty="0"/>
-              <a:t>A </a:t>
-            </a:r>
-            <a:r>
-              <a:rPr lang="zh-CN" altLang="en-US" dirty="0"/>
-              <a:t>地运到</a:t>
-            </a:r>
-            <a:r>
-              <a:rPr lang="en-US" altLang="zh-CN" dirty="0"/>
-              <a:t>B </a:t>
-            </a:r>
-            <a:r>
-              <a:rPr lang="zh-CN" altLang="en-US" dirty="0"/>
-              <a:t>地。 </a:t>
-            </a:r>
-            <a:endParaRPr lang="en-US" dirty="0"/>
-          </a:p>
-          <a:p>
-            <a:r>
-              <a:rPr lang="en-US" dirty="0"/>
-              <a:t>Team</a:t>
-            </a:r>
-          </a:p>
-          <a:p>
-            <a:pPr lvl="1"/>
-            <a:r>
-              <a:rPr lang="en-US" dirty="0"/>
-              <a:t>Common mission, team members relies on each other</a:t>
-            </a:r>
-          </a:p>
-          <a:p>
-            <a:pPr lvl="1"/>
-            <a:r>
-              <a:rPr lang="en-US" altLang="zh-CN" dirty="0"/>
-              <a:t>M</a:t>
-            </a:r>
-            <a:r>
-              <a:rPr lang="zh-CN" altLang="en-US" dirty="0"/>
-              <a:t>个人</a:t>
-            </a:r>
-            <a:r>
-              <a:rPr lang="en-US" altLang="zh-CN" dirty="0"/>
-              <a:t>, </a:t>
-            </a:r>
-            <a:r>
-              <a:rPr lang="zh-CN" altLang="en-US" dirty="0"/>
-              <a:t>组成人链把</a:t>
-            </a:r>
-            <a:r>
-              <a:rPr lang="en-US" altLang="zh-CN" dirty="0"/>
-              <a:t>N*M </a:t>
-            </a:r>
-            <a:r>
-              <a:rPr lang="zh-CN" altLang="en-US" dirty="0"/>
-              <a:t>块砖从</a:t>
-            </a:r>
-            <a:r>
-              <a:rPr lang="en-US" altLang="zh-CN" dirty="0"/>
-              <a:t>A </a:t>
-            </a:r>
-            <a:r>
-              <a:rPr lang="zh-CN" altLang="en-US" dirty="0"/>
-              <a:t>地运到 </a:t>
-            </a:r>
-            <a:r>
-              <a:rPr lang="en-US" altLang="zh-CN" dirty="0"/>
-              <a:t>B</a:t>
-            </a:r>
-            <a:r>
-              <a:rPr lang="zh-CN" altLang="en-US" dirty="0"/>
-              <a:t>地。</a:t>
-            </a:r>
-            <a:endParaRPr lang="en-US" altLang="zh-CN" dirty="0"/>
-          </a:p>
-          <a:p>
-            <a:pPr lvl="1"/>
-            <a:r>
-              <a:rPr lang="zh-CN" altLang="en-US" dirty="0"/>
-              <a:t>制造工具，更有效地运砖 </a:t>
-            </a:r>
-            <a:endParaRPr lang="en-US" dirty="0"/>
-          </a:p>
-        </p:txBody>
-      </p:sp>
-    </p:spTree>
-    <p:extLst>
-      <p:ext uri="{BB962C8B-B14F-4D97-AF65-F5344CB8AC3E}">
-        <p14:creationId xmlns:p14="http://schemas.microsoft.com/office/powerpoint/2010/main" val="1580964085"/>
-      </p:ext>
-    </p:extLst>
-  </p:cSld>
-  <p:clrMapOvr>
-    <a:masterClrMapping/>
-  </p:clrMapOvr>
-</p:sld>
-</file>
-
-<file path=ppt/slides/slide4.xml><?xml version="1.0" encoding="utf-8"?>
-<p:sld xmlns:a="http://schemas.openxmlformats.org/drawingml/2006/main" xmlns:r="http://schemas.openxmlformats.org/officeDocument/2006/relationships" xmlns:p="http://schemas.openxmlformats.org/presentationml/2006/main">
-  <p:cSld>
-    <p:spTree>
-      <p:nvGrpSpPr>
-        <p:cNvPr id="1" name=""/>
-        <p:cNvGrpSpPr/>
-        <p:nvPr/>
-      </p:nvGrpSpPr>
-      <p:grpSpPr>
-        <a:xfrm>
-          <a:off x="0" y="0"/>
-          <a:ext cx="0" cy="0"/>
-          <a:chOff x="0" y="0"/>
-          <a:chExt cx="0" cy="0"/>
-        </a:xfrm>
-      </p:grpSpPr>
-      <p:sp>
-        <p:nvSpPr>
-          <p:cNvPr id="2" name="标题 1"/>
-          <p:cNvSpPr>
-            <a:spLocks noGrp="1"/>
-          </p:cNvSpPr>
-          <p:nvPr>
-            <p:ph type="title"/>
-          </p:nvPr>
-        </p:nvSpPr>
-        <p:spPr/>
-        <p:txBody>
-          <a:bodyPr/>
-          <a:lstStyle/>
-          <a:p>
-            <a:r>
-              <a:rPr lang="zh-CN" altLang="en-US" dirty="0"/>
-              <a:t>团队的特点</a:t>
-            </a:r>
-            <a:endParaRPr lang="en-US" dirty="0"/>
-          </a:p>
-        </p:txBody>
-      </p:sp>
-      <p:sp>
-        <p:nvSpPr>
-          <p:cNvPr id="3" name="内容占位符 2"/>
-          <p:cNvSpPr>
-            <a:spLocks noGrp="1"/>
-          </p:cNvSpPr>
-          <p:nvPr>
-            <p:ph idx="1"/>
-          </p:nvPr>
-        </p:nvSpPr>
-        <p:spPr/>
-        <p:txBody>
-          <a:bodyPr>
-            <a:normAutofit/>
-          </a:bodyPr>
-          <a:lstStyle/>
-          <a:p>
-            <a:pPr marL="118872" indent="0" eaLnBrk="0" hangingPunct="0">
-              <a:buNone/>
-            </a:pPr>
-            <a:r>
-              <a:rPr lang="zh-CN" altLang="en-US" dirty="0"/>
-              <a:t>团队有共同的特点：</a:t>
-            </a:r>
-            <a:endParaRPr lang="en-US" dirty="0"/>
-          </a:p>
-          <a:p>
-            <a:pPr eaLnBrk="0" hangingPunct="0"/>
-            <a:r>
-              <a:rPr lang="zh-CN" altLang="en-US" dirty="0"/>
-              <a:t>团队有一致的集体目标，团队要一起完成这目标。 一个团队的成员不一定要同时工作，例如接力赛跑。</a:t>
-            </a:r>
-            <a:endParaRPr lang="en-US" altLang="zh-CN" dirty="0"/>
-          </a:p>
-          <a:p>
-            <a:pPr lvl="1" eaLnBrk="0" hangingPunct="0"/>
-            <a:r>
-              <a:rPr lang="zh-CN" altLang="en-US" dirty="0"/>
-              <a:t>（王屋村搬砖的“非 团队”成员则不然，每个人想搬多少就搬多少，不想干了就结算工钱走人。）</a:t>
-            </a:r>
-            <a:endParaRPr lang="en-US" dirty="0"/>
-          </a:p>
-          <a:p>
-            <a:pPr eaLnBrk="0" hangingPunct="0"/>
-            <a:r>
-              <a:rPr lang="zh-CN" altLang="en-US" dirty="0"/>
-              <a:t>团队成员有各自的分工，互相依赖合作，共同完成任务。</a:t>
-            </a:r>
-            <a:endParaRPr lang="en-US" altLang="zh-CN" dirty="0"/>
-          </a:p>
-          <a:p>
-            <a:pPr lvl="1" eaLnBrk="0" hangingPunct="0"/>
-            <a:r>
-              <a:rPr lang="zh-CN" altLang="en-US" dirty="0"/>
-              <a:t>（王屋村搬砖的 “非团队”成员则是各自行动，独立把任务完成，有人不辞而别，对其 他的搬砖人无实质影响。）</a:t>
-            </a:r>
-            <a:endParaRPr lang="en-US" dirty="0"/>
-          </a:p>
-          <a:p>
-            <a:endParaRPr lang="en-US" dirty="0"/>
-          </a:p>
-        </p:txBody>
-      </p:sp>
-    </p:spTree>
-    <p:extLst>
-      <p:ext uri="{BB962C8B-B14F-4D97-AF65-F5344CB8AC3E}">
-        <p14:creationId xmlns:p14="http://schemas.microsoft.com/office/powerpoint/2010/main" val="3435014385"/>
       </p:ext>
     </p:extLst>
   </p:cSld>
@@ -11900,6 +19706,258 @@
     <p:extLst>
       <p:ext uri="{BB962C8B-B14F-4D97-AF65-F5344CB8AC3E}">
         <p14:creationId xmlns:p14="http://schemas.microsoft.com/office/powerpoint/2010/main" val="361494511"/>
+      </p:ext>
+    </p:extLst>
+  </p:cSld>
+  <p:clrMapOvr>
+    <a:masterClrMapping/>
+  </p:clrMapOvr>
+</p:sld>
+</file>
+
+<file path=ppt/slides/slide50.xml><?xml version="1.0" encoding="utf-8"?>
+<p:sld xmlns:a="http://schemas.openxmlformats.org/drawingml/2006/main" xmlns:r="http://schemas.openxmlformats.org/officeDocument/2006/relationships" xmlns:p="http://schemas.openxmlformats.org/presentationml/2006/main">
+  <p:cSld>
+    <p:spTree>
+      <p:nvGrpSpPr>
+        <p:cNvPr id="1" name=""/>
+        <p:cNvGrpSpPr/>
+        <p:nvPr/>
+      </p:nvGrpSpPr>
+      <p:grpSpPr>
+        <a:xfrm>
+          <a:off x="0" y="0"/>
+          <a:ext cx="0" cy="0"/>
+          <a:chOff x="0" y="0"/>
+          <a:chExt cx="0" cy="0"/>
+        </a:xfrm>
+      </p:grpSpPr>
+      <p:sp>
+        <p:nvSpPr>
+          <p:cNvPr id="2" name="Title 1"/>
+          <p:cNvSpPr>
+            <a:spLocks noGrp="1"/>
+          </p:cNvSpPr>
+          <p:nvPr>
+            <p:ph type="title"/>
+          </p:nvPr>
+        </p:nvSpPr>
+        <p:spPr/>
+        <p:txBody>
+          <a:bodyPr/>
+          <a:lstStyle/>
+          <a:p>
+            <a:r>
+              <a:rPr lang="zh-CN" altLang="en-US" dirty="0"/>
+              <a:t>课后作业</a:t>
+            </a:r>
+            <a:endParaRPr lang="en-US" dirty="0"/>
+          </a:p>
+        </p:txBody>
+      </p:sp>
+      <p:sp>
+        <p:nvSpPr>
+          <p:cNvPr id="3" name="Content Placeholder 2"/>
+          <p:cNvSpPr>
+            <a:spLocks noGrp="1"/>
+          </p:cNvSpPr>
+          <p:nvPr>
+            <p:ph idx="1"/>
+          </p:nvPr>
+        </p:nvSpPr>
+        <p:spPr/>
+        <p:txBody>
+          <a:bodyPr/>
+          <a:lstStyle/>
+          <a:p>
+            <a:r>
+              <a:rPr lang="zh-CN" altLang="en-US" dirty="0"/>
+              <a:t>课后作业</a:t>
+            </a:r>
+            <a:endParaRPr lang="en-US" altLang="zh-CN" dirty="0"/>
+          </a:p>
+          <a:p>
+            <a:pPr lvl="1"/>
+            <a:r>
+              <a:rPr lang="zh-CN" altLang="en-US" dirty="0"/>
+              <a:t>采访工业界的软件团队（通过邮件，微博，微信，阅读博客等方式），询问他们的软件开发流程</a:t>
+            </a:r>
+            <a:endParaRPr lang="en-US" altLang="zh-CN"/>
+          </a:p>
+          <a:p>
+            <a:pPr lvl="1"/>
+            <a:endParaRPr lang="en-US" dirty="0"/>
+          </a:p>
+        </p:txBody>
+      </p:sp>
+    </p:spTree>
+    <p:extLst>
+      <p:ext uri="{BB962C8B-B14F-4D97-AF65-F5344CB8AC3E}">
+        <p14:creationId xmlns:p14="http://schemas.microsoft.com/office/powerpoint/2010/main" val="2509694523"/>
+      </p:ext>
+    </p:extLst>
+  </p:cSld>
+  <p:clrMapOvr>
+    <a:masterClrMapping/>
+  </p:clrMapOvr>
+</p:sld>
+</file>
+
+<file path=ppt/slides/slide51.xml><?xml version="1.0" encoding="utf-8"?>
+<p:sld xmlns:a="http://schemas.openxmlformats.org/drawingml/2006/main" xmlns:r="http://schemas.openxmlformats.org/officeDocument/2006/relationships" xmlns:p="http://schemas.openxmlformats.org/presentationml/2006/main">
+  <p:cSld>
+    <p:spTree>
+      <p:nvGrpSpPr>
+        <p:cNvPr id="1" name=""/>
+        <p:cNvGrpSpPr/>
+        <p:nvPr/>
+      </p:nvGrpSpPr>
+      <p:grpSpPr>
+        <a:xfrm>
+          <a:off x="0" y="0"/>
+          <a:ext cx="0" cy="0"/>
+          <a:chOff x="0" y="0"/>
+          <a:chExt cx="0" cy="0"/>
+        </a:xfrm>
+      </p:grpSpPr>
+      <p:sp>
+        <p:nvSpPr>
+          <p:cNvPr id="2" name="标题 1"/>
+          <p:cNvSpPr>
+            <a:spLocks noGrp="1"/>
+          </p:cNvSpPr>
+          <p:nvPr>
+            <p:ph type="title"/>
+          </p:nvPr>
+        </p:nvSpPr>
+        <p:spPr/>
+        <p:txBody>
+          <a:bodyPr/>
+          <a:lstStyle/>
+          <a:p>
+            <a:r>
+              <a:rPr lang="zh-CN" altLang="en-US" dirty="0"/>
+              <a:t>练习和讨论</a:t>
+            </a:r>
+            <a:endParaRPr lang="en-US" dirty="0"/>
+          </a:p>
+        </p:txBody>
+      </p:sp>
+      <p:sp>
+        <p:nvSpPr>
+          <p:cNvPr id="3" name="内容占位符 2"/>
+          <p:cNvSpPr>
+            <a:spLocks noGrp="1"/>
+          </p:cNvSpPr>
+          <p:nvPr>
+            <p:ph idx="1"/>
+          </p:nvPr>
+        </p:nvSpPr>
+        <p:spPr/>
+        <p:txBody>
+          <a:bodyPr/>
+          <a:lstStyle/>
+          <a:p>
+            <a:r>
+              <a:rPr lang="en-US" dirty="0">
+                <a:hlinkClick r:id="rId2"/>
+              </a:rPr>
+              <a:t>http://www.cnblogs.com/xinz/p/3852332.html</a:t>
+            </a:r>
+            <a:r>
+              <a:rPr lang="en-US" dirty="0"/>
+              <a:t> </a:t>
+            </a:r>
+          </a:p>
+        </p:txBody>
+      </p:sp>
+    </p:spTree>
+    <p:extLst>
+      <p:ext uri="{BB962C8B-B14F-4D97-AF65-F5344CB8AC3E}">
+        <p14:creationId xmlns:p14="http://schemas.microsoft.com/office/powerpoint/2010/main" val="3643588990"/>
+      </p:ext>
+    </p:extLst>
+  </p:cSld>
+  <p:clrMapOvr>
+    <a:masterClrMapping/>
+  </p:clrMapOvr>
+</p:sld>
+</file>
+
+<file path=ppt/slides/slide52.xml><?xml version="1.0" encoding="utf-8"?>
+<p:sld xmlns:a="http://schemas.openxmlformats.org/drawingml/2006/main" xmlns:r="http://schemas.openxmlformats.org/officeDocument/2006/relationships" xmlns:p="http://schemas.openxmlformats.org/presentationml/2006/main">
+  <p:cSld>
+    <p:spTree>
+      <p:nvGrpSpPr>
+        <p:cNvPr id="1" name=""/>
+        <p:cNvGrpSpPr/>
+        <p:nvPr/>
+      </p:nvGrpSpPr>
+      <p:grpSpPr>
+        <a:xfrm>
+          <a:off x="0" y="0"/>
+          <a:ext cx="0" cy="0"/>
+          <a:chOff x="0" y="0"/>
+          <a:chExt cx="0" cy="0"/>
+        </a:xfrm>
+      </p:grpSpPr>
+      <p:sp>
+        <p:nvSpPr>
+          <p:cNvPr id="2" name="Title 1">
+            <a:extLst>
+              <a:ext uri="{FF2B5EF4-FFF2-40B4-BE49-F238E27FC236}">
+                <a16:creationId xmlns:a16="http://schemas.microsoft.com/office/drawing/2014/main" id="{24577D88-E090-464B-BC87-D60EE9128A0F}"/>
+              </a:ext>
+            </a:extLst>
+          </p:cNvPr>
+          <p:cNvSpPr>
+            <a:spLocks noGrp="1"/>
+          </p:cNvSpPr>
+          <p:nvPr>
+            <p:ph type="title"/>
+          </p:nvPr>
+        </p:nvSpPr>
+        <p:spPr/>
+        <p:txBody>
+          <a:bodyPr/>
+          <a:lstStyle/>
+          <a:p>
+            <a:r>
+              <a:rPr lang="en-US" dirty="0"/>
+              <a:t>appendix</a:t>
+            </a:r>
+          </a:p>
+        </p:txBody>
+      </p:sp>
+      <p:sp>
+        <p:nvSpPr>
+          <p:cNvPr id="3" name="Content Placeholder 2">
+            <a:extLst>
+              <a:ext uri="{FF2B5EF4-FFF2-40B4-BE49-F238E27FC236}">
+                <a16:creationId xmlns:a16="http://schemas.microsoft.com/office/drawing/2014/main" id="{3402149D-B9D8-49F7-8135-09433B6F86C7}"/>
+              </a:ext>
+            </a:extLst>
+          </p:cNvPr>
+          <p:cNvSpPr>
+            <a:spLocks noGrp="1"/>
+          </p:cNvSpPr>
+          <p:nvPr>
+            <p:ph idx="1"/>
+          </p:nvPr>
+        </p:nvSpPr>
+        <p:spPr/>
+        <p:txBody>
+          <a:bodyPr/>
+          <a:lstStyle/>
+          <a:p>
+            <a:endParaRPr lang="en-US"/>
+          </a:p>
+        </p:txBody>
+      </p:sp>
+    </p:spTree>
+    <p:extLst>
+      <p:ext uri="{BB962C8B-B14F-4D97-AF65-F5344CB8AC3E}">
+        <p14:creationId xmlns:p14="http://schemas.microsoft.com/office/powerpoint/2010/main" val="161325156"/>
       </p:ext>
     </p:extLst>
   </p:cSld>
@@ -12868,15 +20926,6 @@
 </file>
 
 <file path=customXml/item1.xml><?xml version="1.0" encoding="utf-8"?>
-<?mso-contentType ?>
-<FormTemplates xmlns="http://schemas.microsoft.com/sharepoint/v3/contenttype/forms">
-  <Display>DocumentLibraryForm</Display>
-  <Edit>DocumentLibraryForm</Edit>
-  <New>DocumentLibraryForm</New>
-</FormTemplates>
-</file>
-
-<file path=customXml/item2.xml><?xml version="1.0" encoding="utf-8"?>
 <ct:contentTypeSchema xmlns:ct="http://schemas.microsoft.com/office/2006/metadata/contentType" xmlns:ma="http://schemas.microsoft.com/office/2006/metadata/properties/metaAttributes" ct:_="" ma:_="" ma:contentTypeName="Document" ma:contentTypeID="0x0101006371182FA640024E8A2815D490E1EF25" ma:contentTypeVersion="0" ma:contentTypeDescription="Create a new document." ma:contentTypeScope="" ma:versionID="3591aab47f172a2900f307f59d422227">
   <xsd:schema xmlns:xsd="http://www.w3.org/2001/XMLSchema" xmlns:xs="http://www.w3.org/2001/XMLSchema" xmlns:p="http://schemas.microsoft.com/office/2006/metadata/properties" targetNamespace="http://schemas.microsoft.com/office/2006/metadata/properties" ma:root="true" ma:fieldsID="1f28ea01430cdfb20a10736313f817e3">
     <xsd:element name="properties">
@@ -12990,6 +21039,15 @@
 </ct:contentTypeSchema>
 </file>
 
+<file path=customXml/item2.xml><?xml version="1.0" encoding="utf-8"?>
+<?mso-contentType ?>
+<FormTemplates xmlns="http://schemas.microsoft.com/sharepoint/v3/contenttype/forms">
+  <Display>DocumentLibraryForm</Display>
+  <Edit>DocumentLibraryForm</Edit>
+  <New>DocumentLibraryForm</New>
+</FormTemplates>
+</file>
+
 <file path=customXml/item3.xml><?xml version="1.0" encoding="utf-8"?>
 <p:properties xmlns:p="http://schemas.microsoft.com/office/2006/metadata/properties" xmlns:xsi="http://www.w3.org/2001/XMLSchema-instance" xmlns:pc="http://schemas.microsoft.com/office/infopath/2007/PartnerControls">
   <documentManagement/>
@@ -12997,14 +21055,6 @@
 </file>
 
 <file path=customXml/itemProps1.xml><?xml version="1.0" encoding="utf-8"?>
-<ds:datastoreItem xmlns:ds="http://schemas.openxmlformats.org/officeDocument/2006/customXml" ds:itemID="{5E60DA82-F298-4C61-A5B5-247E3F9E524D}">
-  <ds:schemaRefs>
-    <ds:schemaRef ds:uri="http://schemas.microsoft.com/sharepoint/v3/contenttype/forms"/>
-  </ds:schemaRefs>
-</ds:datastoreItem>
-</file>
-
-<file path=customXml/itemProps2.xml><?xml version="1.0" encoding="utf-8"?>
 <ds:datastoreItem xmlns:ds="http://schemas.openxmlformats.org/officeDocument/2006/customXml" ds:itemID="{B140E8CF-1284-42B5-AE63-5DAA305DEF64}">
   <ds:schemaRefs>
     <ds:schemaRef ds:uri="http://schemas.microsoft.com/office/2006/metadata/contentType"/>
@@ -13020,6 +21070,14 @@
 </ds:datastoreItem>
 </file>
 
+<file path=customXml/itemProps2.xml><?xml version="1.0" encoding="utf-8"?>
+<ds:datastoreItem xmlns:ds="http://schemas.openxmlformats.org/officeDocument/2006/customXml" ds:itemID="{5E60DA82-F298-4C61-A5B5-247E3F9E524D}">
+  <ds:schemaRefs>
+    <ds:schemaRef ds:uri="http://schemas.microsoft.com/sharepoint/v3/contenttype/forms"/>
+  </ds:schemaRefs>
+</ds:datastoreItem>
+</file>
+
 <file path=customXml/itemProps3.xml><?xml version="1.0" encoding="utf-8"?>
 <ds:datastoreItem xmlns:ds="http://schemas.openxmlformats.org/officeDocument/2006/customXml" ds:itemID="{9AC1766B-B3F5-4F42-8D20-7E7B2DE9B786}">
   <ds:schemaRefs>

--- a/chapter5/ASE_5_Team_and_Process.pptx
+++ b/chapter5/ASE_5_Team_and_Process.pptx
@@ -180,13 +180,129 @@
 <file path=ppt/revisionInfo.xml><?xml version="1.0" encoding="utf-8"?>
 <p1510:revInfo xmlns:a="http://schemas.openxmlformats.org/drawingml/2006/main" xmlns:r="http://schemas.openxmlformats.org/officeDocument/2006/relationships" xmlns:p1510="http://schemas.microsoft.com/office/powerpoint/2015/10/main">
   <p1510:revLst>
-    <p1510:client id="{2908D8BF-1E25-48E2-8C59-157AF534B0FC}" v="74" dt="2018-10-08T17:31:57.842"/>
+    <p1510:client id="{18471581-60C6-45C6-91A5-DC9BBA8460E2}" v="1" dt="2019-09-04T06:45:05.905"/>
   </p1510:revLst>
 </p1510:revInfo>
 </file>
 
 <file path=ppt/changesInfos/changesInfo1.xml><?xml version="1.0" encoding="utf-8"?>
 <pc:chgInfo xmlns:a="http://schemas.openxmlformats.org/drawingml/2006/main" xmlns:r="http://schemas.openxmlformats.org/officeDocument/2006/relationships" xmlns:ac="http://schemas.microsoft.com/office/drawing/2013/main/command" xmlns:pc="http://schemas.microsoft.com/office/powerpoint/2013/main/command">
+  <pc:docChgLst>
+    <pc:chgData name="Xin Zou" userId="260b9726081dae15" providerId="LiveId" clId="{18471581-60C6-45C6-91A5-DC9BBA8460E2}"/>
+    <pc:docChg chg="custSel modSld">
+      <pc:chgData name="Xin Zou" userId="260b9726081dae15" providerId="LiveId" clId="{18471581-60C6-45C6-91A5-DC9BBA8460E2}" dt="2019-09-04T06:45:05.905" v="2" actId="207"/>
+      <pc:docMkLst>
+        <pc:docMk/>
+      </pc:docMkLst>
+      <pc:sldChg chg="modSp">
+        <pc:chgData name="Xin Zou" userId="260b9726081dae15" providerId="LiveId" clId="{18471581-60C6-45C6-91A5-DC9BBA8460E2}" dt="2019-09-04T06:45:05.905" v="2" actId="207"/>
+        <pc:sldMkLst>
+          <pc:docMk/>
+          <pc:sldMk cId="1478526336" sldId="329"/>
+        </pc:sldMkLst>
+        <pc:spChg chg="mod">
+          <ac:chgData name="Xin Zou" userId="260b9726081dae15" providerId="LiveId" clId="{18471581-60C6-45C6-91A5-DC9BBA8460E2}" dt="2019-09-04T06:45:05.905" v="2" actId="207"/>
+          <ac:spMkLst>
+            <pc:docMk/>
+            <pc:sldMk cId="1478526336" sldId="329"/>
+            <ac:spMk id="3" creationId="{00000000-0000-0000-0000-000000000000}"/>
+          </ac:spMkLst>
+        </pc:spChg>
+      </pc:sldChg>
+    </pc:docChg>
+  </pc:docChgLst>
+  <pc:docChgLst>
+    <pc:chgData name="Xin Zou" userId="260b9726081dae15" providerId="LiveId" clId="{DEE274BD-6143-4B6F-ADE7-B79DFE0F13CC}"/>
+    <pc:docChg chg="custSel modSld">
+      <pc:chgData name="Xin Zou" userId="260b9726081dae15" providerId="LiveId" clId="{DEE274BD-6143-4B6F-ADE7-B79DFE0F13CC}" dt="2018-10-24T15:13:31.797" v="10" actId="6549"/>
+      <pc:docMkLst>
+        <pc:docMk/>
+      </pc:docMkLst>
+      <pc:sldChg chg="modSp">
+        <pc:chgData name="Xin Zou" userId="260b9726081dae15" providerId="LiveId" clId="{DEE274BD-6143-4B6F-ADE7-B79DFE0F13CC}" dt="2018-10-24T15:11:22.326" v="4" actId="27636"/>
+        <pc:sldMkLst>
+          <pc:docMk/>
+          <pc:sldMk cId="1448842194" sldId="278"/>
+        </pc:sldMkLst>
+        <pc:spChg chg="mod">
+          <ac:chgData name="Xin Zou" userId="260b9726081dae15" providerId="LiveId" clId="{DEE274BD-6143-4B6F-ADE7-B79DFE0F13CC}" dt="2018-10-24T15:11:22.326" v="4" actId="27636"/>
+          <ac:spMkLst>
+            <pc:docMk/>
+            <pc:sldMk cId="1448842194" sldId="278"/>
+            <ac:spMk id="3" creationId="{00000000-0000-0000-0000-000000000000}"/>
+          </ac:spMkLst>
+        </pc:spChg>
+      </pc:sldChg>
+      <pc:sldChg chg="modSp">
+        <pc:chgData name="Xin Zou" userId="260b9726081dae15" providerId="LiveId" clId="{DEE274BD-6143-4B6F-ADE7-B79DFE0F13CC}" dt="2018-10-24T15:10:23.283" v="1" actId="14100"/>
+        <pc:sldMkLst>
+          <pc:docMk/>
+          <pc:sldMk cId="1650682258" sldId="286"/>
+        </pc:sldMkLst>
+        <pc:spChg chg="mod">
+          <ac:chgData name="Xin Zou" userId="260b9726081dae15" providerId="LiveId" clId="{DEE274BD-6143-4B6F-ADE7-B79DFE0F13CC}" dt="2018-10-24T15:10:23.283" v="1" actId="14100"/>
+          <ac:spMkLst>
+            <pc:docMk/>
+            <pc:sldMk cId="1650682258" sldId="286"/>
+            <ac:spMk id="3" creationId="{00000000-0000-0000-0000-000000000000}"/>
+          </ac:spMkLst>
+        </pc:spChg>
+      </pc:sldChg>
+      <pc:sldChg chg="modSp">
+        <pc:chgData name="Xin Zou" userId="260b9726081dae15" providerId="LiveId" clId="{DEE274BD-6143-4B6F-ADE7-B79DFE0F13CC}" dt="2018-10-24T15:12:19.051" v="7" actId="14100"/>
+        <pc:sldMkLst>
+          <pc:docMk/>
+          <pc:sldMk cId="1132296088" sldId="328"/>
+        </pc:sldMkLst>
+        <pc:spChg chg="mod">
+          <ac:chgData name="Xin Zou" userId="260b9726081dae15" providerId="LiveId" clId="{DEE274BD-6143-4B6F-ADE7-B79DFE0F13CC}" dt="2018-10-24T15:12:19.051" v="7" actId="14100"/>
+          <ac:spMkLst>
+            <pc:docMk/>
+            <pc:sldMk cId="1132296088" sldId="328"/>
+            <ac:spMk id="3" creationId="{00000000-0000-0000-0000-000000000000}"/>
+          </ac:spMkLst>
+        </pc:spChg>
+      </pc:sldChg>
+      <pc:sldChg chg="modSp">
+        <pc:chgData name="Xin Zou" userId="260b9726081dae15" providerId="LiveId" clId="{DEE274BD-6143-4B6F-ADE7-B79DFE0F13CC}" dt="2018-10-24T15:13:15.550" v="9" actId="1076"/>
+        <pc:sldMkLst>
+          <pc:docMk/>
+          <pc:sldMk cId="3666095403" sldId="335"/>
+        </pc:sldMkLst>
+        <pc:spChg chg="mod">
+          <ac:chgData name="Xin Zou" userId="260b9726081dae15" providerId="LiveId" clId="{DEE274BD-6143-4B6F-ADE7-B79DFE0F13CC}" dt="2018-10-24T15:13:08.681" v="8" actId="1076"/>
+          <ac:spMkLst>
+            <pc:docMk/>
+            <pc:sldMk cId="3666095403" sldId="335"/>
+            <ac:spMk id="3" creationId="{00000000-0000-0000-0000-000000000000}"/>
+          </ac:spMkLst>
+        </pc:spChg>
+        <pc:picChg chg="mod">
+          <ac:chgData name="Xin Zou" userId="260b9726081dae15" providerId="LiveId" clId="{DEE274BD-6143-4B6F-ADE7-B79DFE0F13CC}" dt="2018-10-24T15:13:15.550" v="9" actId="1076"/>
+          <ac:picMkLst>
+            <pc:docMk/>
+            <pc:sldMk cId="3666095403" sldId="335"/>
+            <ac:picMk id="7170" creationId="{00000000-0000-0000-0000-000000000000}"/>
+          </ac:picMkLst>
+        </pc:picChg>
+      </pc:sldChg>
+      <pc:sldChg chg="modSp">
+        <pc:chgData name="Xin Zou" userId="260b9726081dae15" providerId="LiveId" clId="{DEE274BD-6143-4B6F-ADE7-B79DFE0F13CC}" dt="2018-10-24T15:13:31.797" v="10" actId="6549"/>
+        <pc:sldMkLst>
+          <pc:docMk/>
+          <pc:sldMk cId="2856180883" sldId="351"/>
+        </pc:sldMkLst>
+        <pc:spChg chg="mod">
+          <ac:chgData name="Xin Zou" userId="260b9726081dae15" providerId="LiveId" clId="{DEE274BD-6143-4B6F-ADE7-B79DFE0F13CC}" dt="2018-10-24T15:13:31.797" v="10" actId="6549"/>
+          <ac:spMkLst>
+            <pc:docMk/>
+            <pc:sldMk cId="2856180883" sldId="351"/>
+            <ac:spMk id="3" creationId="{00000000-0000-0000-0000-000000000000}"/>
+          </ac:spMkLst>
+        </pc:spChg>
+      </pc:sldChg>
+    </pc:docChg>
+  </pc:docChgLst>
   <pc:docChgLst>
     <pc:chgData name="Xin Zou" userId="260b9726081dae15" providerId="LiveId" clId="{2908D8BF-1E25-48E2-8C59-157AF534B0FC}"/>
     <pc:docChg chg="custSel addSld delSld modSld modMainMaster">
@@ -781,13 +897,6 @@
         <pc:sldMkLst>
           <pc:docMk/>
           <pc:sldMk cId="161325156" sldId="374"/>
-        </pc:sldMkLst>
-      </pc:sldChg>
-      <pc:sldChg chg="add del">
-        <pc:chgData name="Xin Zou" userId="260b9726081dae15" providerId="LiveId" clId="{2908D8BF-1E25-48E2-8C59-157AF534B0FC}" dt="2018-10-08T17:32:09.877" v="461" actId="2696"/>
-        <pc:sldMkLst>
-          <pc:docMk/>
-          <pc:sldMk cId="2852432313" sldId="375"/>
         </pc:sldMkLst>
       </pc:sldChg>
     </pc:docChg>
@@ -2424,8 +2533,8 @@
       </dsp:nvSpPr>
       <dsp:spPr>
         <a:xfrm>
-          <a:off x="2098" y="1314367"/>
-          <a:ext cx="890508" cy="501058"/>
+          <a:off x="2098" y="1290258"/>
+          <a:ext cx="890508" cy="513987"/>
         </a:xfrm>
         <a:prstGeom prst="roundRect">
           <a:avLst>
@@ -2493,8 +2602,8 @@
         </a:p>
       </dsp:txBody>
       <dsp:txXfrm>
-        <a:off x="2098" y="1314367"/>
-        <a:ext cx="890508" cy="334039"/>
+        <a:off x="2098" y="1290258"/>
+        <a:ext cx="890508" cy="342658"/>
       </dsp:txXfrm>
     </dsp:sp>
     <dsp:sp modelId="{34367A71-26D4-4E3B-B0E8-AA435393B8F1}">
@@ -2504,8 +2613,8 @@
       </dsp:nvSpPr>
       <dsp:spPr>
         <a:xfrm>
-          <a:off x="184491" y="1648407"/>
-          <a:ext cx="890508" cy="1663199"/>
+          <a:off x="184491" y="1632916"/>
+          <a:ext cx="890508" cy="1702800"/>
         </a:xfrm>
         <a:prstGeom prst="roundRect">
           <a:avLst>
@@ -2603,8 +2712,8 @@
         </a:p>
       </dsp:txBody>
       <dsp:txXfrm>
-        <a:off x="210573" y="1674489"/>
-        <a:ext cx="838344" cy="1611035"/>
+        <a:off x="210573" y="1658998"/>
+        <a:ext cx="838344" cy="1650636"/>
       </dsp:txXfrm>
     </dsp:sp>
     <dsp:sp modelId="{18F4DCC4-3AEC-4429-BE9E-3A8D7A11DF71}">
@@ -2614,7 +2723,7 @@
       </dsp:nvSpPr>
       <dsp:spPr>
         <a:xfrm>
-          <a:off x="1027605" y="1370532"/>
+          <a:off x="1027605" y="1350732"/>
           <a:ext cx="286195" cy="221710"/>
         </a:xfrm>
         <a:prstGeom prst="rightArrow">
@@ -2673,7 +2782,7 @@
         </a:p>
       </dsp:txBody>
       <dsp:txXfrm>
-        <a:off x="1027605" y="1414874"/>
+        <a:off x="1027605" y="1395074"/>
         <a:ext cx="219682" cy="133026"/>
       </dsp:txXfrm>
     </dsp:sp>
@@ -2684,8 +2793,8 @@
       </dsp:nvSpPr>
       <dsp:spPr>
         <a:xfrm>
-          <a:off x="1432598" y="1314367"/>
-          <a:ext cx="890508" cy="501058"/>
+          <a:off x="1432598" y="1290258"/>
+          <a:ext cx="890508" cy="513987"/>
         </a:xfrm>
         <a:prstGeom prst="roundRect">
           <a:avLst>
@@ -2753,8 +2862,8 @@
         </a:p>
       </dsp:txBody>
       <dsp:txXfrm>
-        <a:off x="1432598" y="1314367"/>
-        <a:ext cx="890508" cy="334039"/>
+        <a:off x="1432598" y="1290258"/>
+        <a:ext cx="890508" cy="342658"/>
       </dsp:txXfrm>
     </dsp:sp>
     <dsp:sp modelId="{C3313281-1692-4B23-A80C-C8BFB00652B6}">
@@ -2764,8 +2873,8 @@
       </dsp:nvSpPr>
       <dsp:spPr>
         <a:xfrm>
-          <a:off x="1614992" y="1648407"/>
-          <a:ext cx="890508" cy="1663199"/>
+          <a:off x="1614992" y="1632916"/>
+          <a:ext cx="890508" cy="1702800"/>
         </a:xfrm>
         <a:prstGeom prst="roundRect">
           <a:avLst>
@@ -2850,8 +2959,8 @@
         </a:p>
       </dsp:txBody>
       <dsp:txXfrm>
-        <a:off x="1641074" y="1674489"/>
-        <a:ext cx="838344" cy="1611035"/>
+        <a:off x="1641074" y="1658998"/>
+        <a:ext cx="838344" cy="1650636"/>
       </dsp:txXfrm>
     </dsp:sp>
     <dsp:sp modelId="{9BF6A93D-1A47-47AC-96E1-36BBA91A0E30}">
@@ -2861,7 +2970,7 @@
       </dsp:nvSpPr>
       <dsp:spPr>
         <a:xfrm>
-          <a:off x="2458105" y="1370532"/>
+          <a:off x="2458105" y="1350732"/>
           <a:ext cx="286195" cy="221710"/>
         </a:xfrm>
         <a:prstGeom prst="rightArrow">
@@ -2920,7 +3029,7 @@
         </a:p>
       </dsp:txBody>
       <dsp:txXfrm>
-        <a:off x="2458105" y="1414874"/>
+        <a:off x="2458105" y="1395074"/>
         <a:ext cx="219682" cy="133026"/>
       </dsp:txXfrm>
     </dsp:sp>
@@ -2931,8 +3040,8 @@
       </dsp:nvSpPr>
       <dsp:spPr>
         <a:xfrm>
-          <a:off x="2863098" y="1314367"/>
-          <a:ext cx="890508" cy="501058"/>
+          <a:off x="2863098" y="1290258"/>
+          <a:ext cx="890508" cy="513987"/>
         </a:xfrm>
         <a:prstGeom prst="roundRect">
           <a:avLst>
@@ -3000,8 +3109,8 @@
         </a:p>
       </dsp:txBody>
       <dsp:txXfrm>
-        <a:off x="2863098" y="1314367"/>
-        <a:ext cx="890508" cy="334039"/>
+        <a:off x="2863098" y="1290258"/>
+        <a:ext cx="890508" cy="342658"/>
       </dsp:txXfrm>
     </dsp:sp>
     <dsp:sp modelId="{08587180-C387-47A2-842B-2F73AEE4BC15}">
@@ -3011,8 +3120,8 @@
       </dsp:nvSpPr>
       <dsp:spPr>
         <a:xfrm>
-          <a:off x="3045492" y="1648407"/>
-          <a:ext cx="890508" cy="1663199"/>
+          <a:off x="3045492" y="1632916"/>
+          <a:ext cx="890508" cy="1702800"/>
         </a:xfrm>
         <a:prstGeom prst="roundRect">
           <a:avLst>
@@ -3079,8 +3188,8 @@
         </a:p>
       </dsp:txBody>
       <dsp:txXfrm>
-        <a:off x="3071574" y="1674489"/>
-        <a:ext cx="838344" cy="1611035"/>
+        <a:off x="3071574" y="1658998"/>
+        <a:ext cx="838344" cy="1650636"/>
       </dsp:txXfrm>
     </dsp:sp>
     <dsp:sp modelId="{66D8F2E3-FF23-4CD0-975B-CFED40E49758}">
@@ -3090,7 +3199,7 @@
       </dsp:nvSpPr>
       <dsp:spPr>
         <a:xfrm>
-          <a:off x="3888605" y="1370532"/>
+          <a:off x="3888605" y="1350732"/>
           <a:ext cx="286195" cy="221710"/>
         </a:xfrm>
         <a:prstGeom prst="rightArrow">
@@ -3149,7 +3258,7 @@
         </a:p>
       </dsp:txBody>
       <dsp:txXfrm>
-        <a:off x="3888605" y="1414874"/>
+        <a:off x="3888605" y="1395074"/>
         <a:ext cx="219682" cy="133026"/>
       </dsp:txXfrm>
     </dsp:sp>
@@ -3160,8 +3269,8 @@
       </dsp:nvSpPr>
       <dsp:spPr>
         <a:xfrm>
-          <a:off x="4293599" y="1314367"/>
-          <a:ext cx="890508" cy="501058"/>
+          <a:off x="4293599" y="1290258"/>
+          <a:ext cx="890508" cy="513987"/>
         </a:xfrm>
         <a:prstGeom prst="roundRect">
           <a:avLst>
@@ -3229,8 +3338,8 @@
         </a:p>
       </dsp:txBody>
       <dsp:txXfrm>
-        <a:off x="4293599" y="1314367"/>
-        <a:ext cx="890508" cy="334039"/>
+        <a:off x="4293599" y="1290258"/>
+        <a:ext cx="890508" cy="342658"/>
       </dsp:txXfrm>
     </dsp:sp>
     <dsp:sp modelId="{02B6CF41-78E7-4712-BD27-52F52B78F7DD}">
@@ -3240,8 +3349,8 @@
       </dsp:nvSpPr>
       <dsp:spPr>
         <a:xfrm>
-          <a:off x="4475992" y="1648407"/>
-          <a:ext cx="890508" cy="1663199"/>
+          <a:off x="4475992" y="1632916"/>
+          <a:ext cx="890508" cy="1702800"/>
         </a:xfrm>
         <a:prstGeom prst="roundRect">
           <a:avLst>
@@ -3308,8 +3417,8 @@
         </a:p>
       </dsp:txBody>
       <dsp:txXfrm>
-        <a:off x="4502074" y="1674489"/>
-        <a:ext cx="838344" cy="1611035"/>
+        <a:off x="4502074" y="1658998"/>
+        <a:ext cx="838344" cy="1650636"/>
       </dsp:txXfrm>
     </dsp:sp>
     <dsp:sp modelId="{C4CD74D1-22B2-4BE5-910E-EC85E45DE86D}">
@@ -3319,7 +3428,7 @@
       </dsp:nvSpPr>
       <dsp:spPr>
         <a:xfrm>
-          <a:off x="5319105" y="1370532"/>
+          <a:off x="5319105" y="1350732"/>
           <a:ext cx="286195" cy="221710"/>
         </a:xfrm>
         <a:prstGeom prst="rightArrow">
@@ -3378,7 +3487,7 @@
         </a:p>
       </dsp:txBody>
       <dsp:txXfrm>
-        <a:off x="5319105" y="1414874"/>
+        <a:off x="5319105" y="1395074"/>
         <a:ext cx="219682" cy="133026"/>
       </dsp:txXfrm>
     </dsp:sp>
@@ -3389,8 +3498,8 @@
       </dsp:nvSpPr>
       <dsp:spPr>
         <a:xfrm>
-          <a:off x="5724099" y="1314367"/>
-          <a:ext cx="890508" cy="501058"/>
+          <a:off x="5724099" y="1290258"/>
+          <a:ext cx="890508" cy="513987"/>
         </a:xfrm>
         <a:prstGeom prst="roundRect">
           <a:avLst>
@@ -3458,8 +3567,8 @@
         </a:p>
       </dsp:txBody>
       <dsp:txXfrm>
-        <a:off x="5724099" y="1314367"/>
-        <a:ext cx="890508" cy="334039"/>
+        <a:off x="5724099" y="1290258"/>
+        <a:ext cx="890508" cy="342658"/>
       </dsp:txXfrm>
     </dsp:sp>
     <dsp:sp modelId="{C339B2A4-78FF-463F-ABBA-C35899C5ADF2}">
@@ -3469,8 +3578,8 @@
       </dsp:nvSpPr>
       <dsp:spPr>
         <a:xfrm>
-          <a:off x="5906492" y="1648407"/>
-          <a:ext cx="890508" cy="1663199"/>
+          <a:off x="5906492" y="1632916"/>
+          <a:ext cx="890508" cy="1702800"/>
         </a:xfrm>
         <a:prstGeom prst="roundRect">
           <a:avLst>
@@ -3537,8 +3646,8 @@
         </a:p>
       </dsp:txBody>
       <dsp:txXfrm>
-        <a:off x="5932574" y="1674489"/>
-        <a:ext cx="838344" cy="1611035"/>
+        <a:off x="5932574" y="1658998"/>
+        <a:ext cx="838344" cy="1650636"/>
       </dsp:txXfrm>
     </dsp:sp>
     <dsp:sp modelId="{A3B70847-4E4B-4CF4-8140-086E3EF9333A}">
@@ -3548,7 +3657,7 @@
       </dsp:nvSpPr>
       <dsp:spPr>
         <a:xfrm>
-          <a:off x="6749605" y="1370532"/>
+          <a:off x="6749605" y="1350732"/>
           <a:ext cx="286195" cy="221710"/>
         </a:xfrm>
         <a:prstGeom prst="rightArrow">
@@ -3607,7 +3716,7 @@
         </a:p>
       </dsp:txBody>
       <dsp:txXfrm>
-        <a:off x="6749605" y="1414874"/>
+        <a:off x="6749605" y="1395074"/>
         <a:ext cx="219682" cy="133026"/>
       </dsp:txXfrm>
     </dsp:sp>
@@ -3618,8 +3727,8 @@
       </dsp:nvSpPr>
       <dsp:spPr>
         <a:xfrm>
-          <a:off x="7154599" y="1314367"/>
-          <a:ext cx="890508" cy="501058"/>
+          <a:off x="7154599" y="1290258"/>
+          <a:ext cx="890508" cy="513987"/>
         </a:xfrm>
         <a:prstGeom prst="roundRect">
           <a:avLst>
@@ -3687,8 +3796,8 @@
         </a:p>
       </dsp:txBody>
       <dsp:txXfrm>
-        <a:off x="7154599" y="1314367"/>
-        <a:ext cx="890508" cy="334039"/>
+        <a:off x="7154599" y="1290258"/>
+        <a:ext cx="890508" cy="342658"/>
       </dsp:txXfrm>
     </dsp:sp>
     <dsp:sp modelId="{BA263AA9-AF1D-4465-8C16-744C407E6CAF}">
@@ -3698,8 +3807,8 @@
       </dsp:nvSpPr>
       <dsp:spPr>
         <a:xfrm>
-          <a:off x="7336992" y="1648407"/>
-          <a:ext cx="890508" cy="1663199"/>
+          <a:off x="7336992" y="1632916"/>
+          <a:ext cx="890508" cy="1702800"/>
         </a:xfrm>
         <a:prstGeom prst="roundRect">
           <a:avLst>
@@ -3784,8 +3893,8 @@
         </a:p>
       </dsp:txBody>
       <dsp:txXfrm>
-        <a:off x="7363074" y="1674489"/>
-        <a:ext cx="838344" cy="1611035"/>
+        <a:off x="7363074" y="1658998"/>
+        <a:ext cx="838344" cy="1650636"/>
       </dsp:txXfrm>
     </dsp:sp>
   </dsp:spTree>
@@ -5209,7 +5318,7 @@
           <a:p>
             <a:fld id="{D936C36B-0FF0-48C8-A5FE-A8F1A0E43C02}" type="datetimeFigureOut">
               <a:rPr lang="en-US" smtClean="0"/>
-              <a:t>10/8/2018</a:t>
+              <a:t>9/4/2019</a:t>
             </a:fld>
             <a:endParaRPr lang="en-US"/>
           </a:p>
@@ -6287,7 +6396,7 @@
           <a:p>
             <a:fld id="{48A87A34-81AB-432B-8DAE-1953F412C126}" type="datetimeFigureOut">
               <a:rPr lang="en-US" smtClean="0"/>
-              <a:t>10/8/2018</a:t>
+              <a:t>9/4/2019</a:t>
             </a:fld>
             <a:endParaRPr lang="en-US" dirty="0"/>
           </a:p>
@@ -6569,7 +6678,7 @@
             <a:fld id="{48A87A34-81AB-432B-8DAE-1953F412C126}" type="datetimeFigureOut">
               <a:rPr lang="en-US" smtClean="0"/>
               <a:pPr/>
-              <a:t>10/8/2018</a:t>
+              <a:t>9/4/2019</a:t>
             </a:fld>
             <a:endParaRPr lang="en-US" dirty="0"/>
           </a:p>
@@ -6763,7 +6872,7 @@
             <a:fld id="{48A87A34-81AB-432B-8DAE-1953F412C126}" type="datetimeFigureOut">
               <a:rPr lang="en-US" smtClean="0"/>
               <a:pPr/>
-              <a:t>10/8/2018</a:t>
+              <a:t>9/4/2019</a:t>
             </a:fld>
             <a:endParaRPr lang="en-US" dirty="0"/>
           </a:p>
@@ -7026,7 +7135,7 @@
             <a:fld id="{48A87A34-81AB-432B-8DAE-1953F412C126}" type="datetimeFigureOut">
               <a:rPr lang="en-US" smtClean="0"/>
               <a:pPr/>
-              <a:t>10/8/2018</a:t>
+              <a:t>9/4/2019</a:t>
             </a:fld>
             <a:endParaRPr lang="en-US" dirty="0"/>
           </a:p>
@@ -7454,7 +7563,7 @@
             <a:fld id="{48A87A34-81AB-432B-8DAE-1953F412C126}" type="datetimeFigureOut">
               <a:rPr lang="en-US" smtClean="0"/>
               <a:pPr/>
-              <a:t>10/8/2018</a:t>
+              <a:t>9/4/2019</a:t>
             </a:fld>
             <a:endParaRPr lang="en-US" dirty="0"/>
           </a:p>
@@ -8002,7 +8111,7 @@
             <a:fld id="{48A87A34-81AB-432B-8DAE-1953F412C126}" type="datetimeFigureOut">
               <a:rPr lang="en-US" smtClean="0"/>
               <a:pPr/>
-              <a:t>10/8/2018</a:t>
+              <a:t>9/4/2019</a:t>
             </a:fld>
             <a:endParaRPr lang="en-US" dirty="0"/>
           </a:p>
@@ -8835,7 +8944,7 @@
             <a:fld id="{48A87A34-81AB-432B-8DAE-1953F412C126}" type="datetimeFigureOut">
               <a:rPr lang="en-US" smtClean="0"/>
               <a:pPr/>
-              <a:t>10/8/2018</a:t>
+              <a:t>9/4/2019</a:t>
             </a:fld>
             <a:endParaRPr lang="en-US" dirty="0"/>
           </a:p>
@@ -9006,7 +9115,7 @@
           <a:p>
             <a:fld id="{48A87A34-81AB-432B-8DAE-1953F412C126}" type="datetimeFigureOut">
               <a:rPr lang="en-US" smtClean="0"/>
-              <a:t>10/8/2018</a:t>
+              <a:t>9/4/2019</a:t>
             </a:fld>
             <a:endParaRPr lang="en-US" dirty="0"/>
           </a:p>
@@ -9186,7 +9295,7 @@
           <a:p>
             <a:fld id="{48A87A34-81AB-432B-8DAE-1953F412C126}" type="datetimeFigureOut">
               <a:rPr lang="en-US" smtClean="0"/>
-              <a:t>10/8/2018</a:t>
+              <a:t>9/4/2019</a:t>
             </a:fld>
             <a:endParaRPr lang="en-US" dirty="0"/>
           </a:p>
@@ -9356,7 +9465,7 @@
           <a:p>
             <a:fld id="{48A87A34-81AB-432B-8DAE-1953F412C126}" type="datetimeFigureOut">
               <a:rPr lang="en-US" smtClean="0"/>
-              <a:t>10/8/2018</a:t>
+              <a:t>9/4/2019</a:t>
             </a:fld>
             <a:endParaRPr lang="en-US" dirty="0"/>
           </a:p>
@@ -9613,7 +9722,7 @@
           <a:p>
             <a:fld id="{48A87A34-81AB-432B-8DAE-1953F412C126}" type="datetimeFigureOut">
               <a:rPr lang="en-US" smtClean="0"/>
-              <a:t>10/8/2018</a:t>
+              <a:t>9/4/2019</a:t>
             </a:fld>
             <a:endParaRPr lang="en-US" dirty="0"/>
           </a:p>
@@ -9845,7 +9954,7 @@
           <a:p>
             <a:fld id="{48A87A34-81AB-432B-8DAE-1953F412C126}" type="datetimeFigureOut">
               <a:rPr lang="en-US" smtClean="0"/>
-              <a:t>10/8/2018</a:t>
+              <a:t>9/4/2019</a:t>
             </a:fld>
             <a:endParaRPr lang="en-US" dirty="0"/>
           </a:p>
@@ -10238,7 +10347,7 @@
           <a:p>
             <a:fld id="{48A87A34-81AB-432B-8DAE-1953F412C126}" type="datetimeFigureOut">
               <a:rPr lang="en-US" smtClean="0"/>
-              <a:t>10/8/2018</a:t>
+              <a:t>9/4/2019</a:t>
             </a:fld>
             <a:endParaRPr lang="en-US" dirty="0"/>
           </a:p>
@@ -10356,7 +10465,7 @@
           <a:p>
             <a:fld id="{48A87A34-81AB-432B-8DAE-1953F412C126}" type="datetimeFigureOut">
               <a:rPr lang="en-US" smtClean="0"/>
-              <a:t>10/8/2018</a:t>
+              <a:t>9/4/2019</a:t>
             </a:fld>
             <a:endParaRPr lang="en-US" dirty="0"/>
           </a:p>
@@ -10451,7 +10560,7 @@
           <a:p>
             <a:fld id="{48A87A34-81AB-432B-8DAE-1953F412C126}" type="datetimeFigureOut">
               <a:rPr lang="en-US" smtClean="0"/>
-              <a:t>10/8/2018</a:t>
+              <a:t>9/4/2019</a:t>
             </a:fld>
             <a:endParaRPr lang="en-US" dirty="0"/>
           </a:p>
@@ -10724,7 +10833,7 @@
           <a:p>
             <a:fld id="{48A87A34-81AB-432B-8DAE-1953F412C126}" type="datetimeFigureOut">
               <a:rPr lang="en-US" smtClean="0"/>
-              <a:t>10/8/2018</a:t>
+              <a:t>9/4/2019</a:t>
             </a:fld>
             <a:endParaRPr lang="en-US" dirty="0"/>
           </a:p>
@@ -11005,7 +11114,7 @@
           <a:p>
             <a:fld id="{48A87A34-81AB-432B-8DAE-1953F412C126}" type="datetimeFigureOut">
               <a:rPr lang="en-US" smtClean="0"/>
-              <a:t>10/8/2018</a:t>
+              <a:t>9/4/2019</a:t>
             </a:fld>
             <a:endParaRPr lang="en-US" dirty="0"/>
           </a:p>
@@ -11246,7 +11355,7 @@
             <a:fld id="{48A87A34-81AB-432B-8DAE-1953F412C126}" type="datetimeFigureOut">
               <a:rPr lang="en-US" smtClean="0"/>
               <a:pPr/>
-              <a:t>10/8/2018</a:t>
+              <a:t>9/4/2019</a:t>
             </a:fld>
             <a:endParaRPr lang="en-US" dirty="0"/>
           </a:p>
@@ -13168,13 +13277,13 @@
         </p:nvSpPr>
         <p:spPr>
           <a:xfrm>
-            <a:off x="1981200" y="1775192"/>
-            <a:ext cx="4038600" cy="4625609"/>
+            <a:off x="914400" y="1733969"/>
+            <a:ext cx="4724400" cy="4625609"/>
           </a:xfrm>
         </p:spPr>
         <p:txBody>
           <a:bodyPr>
-            <a:normAutofit lnSpcReduction="10000"/>
+            <a:normAutofit/>
           </a:bodyPr>
           <a:lstStyle/>
           <a:p>
@@ -16191,19 +16300,34 @@
             <p:ph idx="1"/>
           </p:nvPr>
         </p:nvSpPr>
-        <p:spPr/>
+        <p:spPr>
+          <a:xfrm>
+            <a:off x="1120000" y="1825625"/>
+            <a:ext cx="7262000" cy="4351338"/>
+          </a:xfrm>
+        </p:spPr>
         <p:txBody>
           <a:bodyPr>
-            <a:normAutofit fontScale="85000" lnSpcReduction="20000"/>
+            <a:normAutofit fontScale="62500" lnSpcReduction="20000"/>
           </a:bodyPr>
           <a:lstStyle/>
           <a:p>
+            <a:pPr>
+              <a:lnSpc>
+                <a:spcPct val="120000"/>
+              </a:lnSpc>
+            </a:pPr>
             <a:r>
               <a:rPr lang="en-US" dirty="0"/>
               <a:t>It reflects the mental model of software development</a:t>
             </a:r>
           </a:p>
           <a:p>
+            <a:pPr>
+              <a:lnSpc>
+                <a:spcPct val="120000"/>
+              </a:lnSpc>
+            </a:pPr>
             <a:r>
               <a:rPr lang="en-US" dirty="0"/>
               <a:t>Disjoint, Step-by-Step, document driven model</a:t>
@@ -16215,13 +16339,22 @@
             <a:endParaRPr lang="en-US" dirty="0"/>
           </a:p>
           <a:p>
+            <a:pPr>
+              <a:lnSpc>
+                <a:spcPct val="120000"/>
+              </a:lnSpc>
+            </a:pPr>
             <a:r>
               <a:rPr lang="en-US" dirty="0"/>
               <a:t>Pros</a:t>
             </a:r>
           </a:p>
           <a:p>
-            <a:pPr lvl="1"/>
+            <a:pPr lvl="1">
+              <a:lnSpc>
+                <a:spcPct val="120000"/>
+              </a:lnSpc>
+            </a:pPr>
             <a:r>
               <a:rPr lang="en-US" dirty="0"/>
               <a:t>Verifiable results at each step </a:t>
@@ -16237,7 +16370,11 @@
             <a:endParaRPr lang="en-US" dirty="0"/>
           </a:p>
           <a:p>
-            <a:pPr lvl="1"/>
+            <a:pPr lvl="1">
+              <a:lnSpc>
+                <a:spcPct val="120000"/>
+              </a:lnSpc>
+            </a:pPr>
             <a:r>
               <a:rPr lang="en-US" dirty="0"/>
               <a:t>Reduce risk  </a:t>
@@ -16253,7 +16390,11 @@
             <a:endParaRPr lang="en-US" dirty="0"/>
           </a:p>
           <a:p>
-            <a:pPr lvl="1"/>
+            <a:pPr lvl="1">
+              <a:lnSpc>
+                <a:spcPct val="120000"/>
+              </a:lnSpc>
+            </a:pPr>
             <a:r>
               <a:rPr lang="en-US" dirty="0"/>
               <a:t>Provide structure </a:t>
@@ -16269,40 +16410,66 @@
             <a:endParaRPr lang="en-US" dirty="0"/>
           </a:p>
           <a:p>
+            <a:pPr>
+              <a:lnSpc>
+                <a:spcPct val="120000"/>
+              </a:lnSpc>
+            </a:pPr>
             <a:r>
               <a:rPr lang="en-US" dirty="0"/>
               <a:t>Cons</a:t>
             </a:r>
           </a:p>
           <a:p>
-            <a:pPr lvl="1"/>
+            <a:pPr lvl="1">
+              <a:lnSpc>
+                <a:spcPct val="120000"/>
+              </a:lnSpc>
+            </a:pPr>
             <a:r>
               <a:rPr lang="en-US" dirty="0"/>
               <a:t>Doesn’t produce software until the end of the cycle</a:t>
             </a:r>
           </a:p>
           <a:p>
+            <a:pPr>
+              <a:lnSpc>
+                <a:spcPct val="120000"/>
+              </a:lnSpc>
+            </a:pPr>
             <a:r>
               <a:rPr lang="en-US" dirty="0"/>
               <a:t>Good for</a:t>
             </a:r>
           </a:p>
           <a:p>
-            <a:pPr lvl="1"/>
+            <a:pPr lvl="1">
+              <a:lnSpc>
+                <a:spcPct val="120000"/>
+              </a:lnSpc>
+            </a:pPr>
             <a:r>
               <a:rPr lang="en-US" dirty="0"/>
               <a:t>Stable product definition</a:t>
             </a:r>
           </a:p>
           <a:p>
-            <a:pPr lvl="1"/>
+            <a:pPr lvl="1">
+              <a:lnSpc>
+                <a:spcPct val="120000"/>
+              </a:lnSpc>
+            </a:pPr>
             <a:r>
               <a:rPr lang="en-US" dirty="0"/>
               <a:t>Well understood technologies</a:t>
             </a:r>
           </a:p>
           <a:p>
-            <a:pPr lvl="1"/>
+            <a:pPr lvl="1">
+              <a:lnSpc>
+                <a:spcPct val="120000"/>
+              </a:lnSpc>
+            </a:pPr>
             <a:r>
               <a:rPr lang="en-US" dirty="0"/>
               <a:t>Well-understood, but complex projects (Apollo Project)</a:t>
@@ -16579,10 +16746,15 @@
         <p:spPr/>
         <p:txBody>
           <a:bodyPr>
-            <a:normAutofit lnSpcReduction="10000"/>
+            <a:normAutofit fontScale="92500" lnSpcReduction="20000"/>
           </a:bodyPr>
           <a:lstStyle/>
           <a:p>
+            <a:pPr>
+              <a:lnSpc>
+                <a:spcPct val="110000"/>
+              </a:lnSpc>
+            </a:pPr>
             <a:r>
               <a:rPr lang="zh-CN" altLang="en-US" dirty="0"/>
               <a:t>你</a:t>
@@ -16670,6 +16842,11 @@
             <a:endParaRPr lang="en-US" altLang="zh-CN" dirty="0"/>
           </a:p>
           <a:p>
+            <a:pPr>
+              <a:lnSpc>
+                <a:spcPct val="110000"/>
+              </a:lnSpc>
+            </a:pPr>
             <a:r>
               <a:rPr lang="zh-CN" altLang="en-US" dirty="0"/>
               <a:t>生产商按照瀑布模型流程给你生产</a:t>
@@ -16685,6 +16862,11 @@
             <a:endParaRPr lang="en-US" altLang="zh-CN" dirty="0"/>
           </a:p>
           <a:p>
+            <a:pPr>
+              <a:lnSpc>
+                <a:spcPct val="110000"/>
+              </a:lnSpc>
+            </a:pPr>
             <a:r>
               <a:rPr lang="zh-CN" altLang="en-US" dirty="0"/>
               <a:t>看到样车后</a:t>
@@ -16695,6 +16877,11 @@
             </a:r>
           </a:p>
           <a:p>
+            <a:pPr>
+              <a:lnSpc>
+                <a:spcPct val="110000"/>
+              </a:lnSpc>
+            </a:pPr>
             <a:r>
               <a:rPr lang="zh-CN" altLang="en-US" dirty="0"/>
               <a:t>你提出 </a:t>
@@ -16704,8 +16891,44 @@
               <a:t>– </a:t>
             </a:r>
             <a:r>
-              <a:rPr lang="zh-CN" altLang="en-US" dirty="0"/>
+              <a:rPr lang="zh-CN" altLang="en-US" dirty="0">
+                <a:solidFill>
+                  <a:srgbClr val="FF0000"/>
+                </a:solidFill>
+              </a:rPr>
               <a:t>我当初忘了一件小事</a:t>
+            </a:r>
+            <a:r>
+              <a:rPr lang="en-US" altLang="zh-CN" dirty="0">
+                <a:solidFill>
+                  <a:srgbClr val="FF0000"/>
+                </a:solidFill>
+              </a:rPr>
+              <a:t>, </a:t>
+            </a:r>
+            <a:r>
+              <a:rPr lang="zh-CN" altLang="en-US" dirty="0">
+                <a:solidFill>
+                  <a:srgbClr val="FF0000"/>
+                </a:solidFill>
+              </a:rPr>
+              <a:t>要有倒车灯</a:t>
+            </a:r>
+            <a:endParaRPr lang="en-US" altLang="zh-CN" dirty="0">
+              <a:solidFill>
+                <a:srgbClr val="FF0000"/>
+              </a:solidFill>
+            </a:endParaRPr>
+          </a:p>
+          <a:p>
+            <a:pPr lvl="1">
+              <a:lnSpc>
+                <a:spcPct val="110000"/>
+              </a:lnSpc>
+            </a:pPr>
+            <a:r>
+              <a:rPr lang="zh-CN" altLang="en-US" dirty="0"/>
+              <a:t>当倒车的时候</a:t>
             </a:r>
             <a:r>
               <a:rPr lang="en-US" altLang="zh-CN" dirty="0"/>
@@ -16713,27 +16936,16 @@
             </a:r>
             <a:r>
               <a:rPr lang="zh-CN" altLang="en-US" dirty="0"/>
-              <a:t>要有倒车灯</a:t>
+              <a:t>倒车灯会亮</a:t>
             </a:r>
             <a:endParaRPr lang="en-US" altLang="zh-CN" dirty="0"/>
           </a:p>
           <a:p>
-            <a:pPr lvl="1"/>
-            <a:r>
-              <a:rPr lang="zh-CN" altLang="en-US" dirty="0"/>
-              <a:t>当倒车的时候</a:t>
-            </a:r>
-            <a:r>
-              <a:rPr lang="en-US" altLang="zh-CN" dirty="0"/>
-              <a:t>, </a:t>
-            </a:r>
-            <a:r>
-              <a:rPr lang="zh-CN" altLang="en-US" dirty="0"/>
-              <a:t>倒车灯会亮</a:t>
-            </a:r>
-            <a:endParaRPr lang="en-US" altLang="zh-CN" dirty="0"/>
-          </a:p>
-          <a:p>
+            <a:pPr>
+              <a:lnSpc>
+                <a:spcPct val="110000"/>
+              </a:lnSpc>
+            </a:pPr>
             <a:r>
               <a:rPr lang="zh-CN" altLang="en-US" dirty="0"/>
               <a:t>生产商说</a:t>
@@ -16744,7 +16956,11 @@
             </a:r>
           </a:p>
           <a:p>
-            <a:pPr lvl="1"/>
+            <a:pPr lvl="1">
+              <a:lnSpc>
+                <a:spcPct val="110000"/>
+              </a:lnSpc>
+            </a:pPr>
             <a:r>
               <a:rPr lang="zh-CN" altLang="en-US" dirty="0"/>
               <a:t>我要重新设计车尾部， 加上倒车灯，把车底拆开，安装线路</a:t>
@@ -16760,6 +16976,11 @@
             <a:endParaRPr lang="en-US" altLang="zh-CN" dirty="0"/>
           </a:p>
           <a:p>
+            <a:pPr>
+              <a:lnSpc>
+                <a:spcPct val="110000"/>
+              </a:lnSpc>
+            </a:pPr>
             <a:r>
               <a:rPr lang="zh-CN" altLang="en-US" dirty="0"/>
               <a:t>你说</a:t>
@@ -17761,7 +17982,6 @@
           </p:cNvGraphicFramePr>
           <p:nvPr>
             <p:ph idx="1"/>
-            <p:extLst/>
           </p:nvPr>
         </p:nvGraphicFramePr>
         <p:xfrm>
@@ -18421,7 +18641,7 @@
         </p:nvSpPr>
         <p:spPr>
           <a:xfrm>
-            <a:off x="1981200" y="1775192"/>
+            <a:off x="838200" y="1649595"/>
             <a:ext cx="4419600" cy="4625609"/>
           </a:xfrm>
         </p:spPr>
@@ -18524,7 +18744,7 @@
         </p:blipFill>
         <p:spPr bwMode="auto">
           <a:xfrm>
-            <a:off x="6611062" y="1905001"/>
+            <a:off x="6019800" y="1752600"/>
             <a:ext cx="5439688" cy="4114799"/>
           </a:xfrm>
           <a:prstGeom prst="rect">
@@ -18806,15 +19026,6 @@
               <a:rPr lang="zh-CN" altLang="en-US" dirty="0"/>
               <a:t>优秀的模式和流程有什么共同点呢？</a:t>
             </a:r>
-            <a:endParaRPr lang="en-US" altLang="zh-CN" dirty="0"/>
-          </a:p>
-          <a:p>
-            <a:pPr marL="118872" indent="0">
-              <a:lnSpc>
-                <a:spcPct val="120000"/>
-              </a:lnSpc>
-              <a:buNone/>
-            </a:pPr>
             <a:r>
               <a:rPr lang="en-US" altLang="zh-CN" dirty="0"/>
               <a:t>Team Software Process </a:t>
@@ -20019,8 +20230,8 @@
         </p:nvSpPr>
         <p:spPr>
           <a:xfrm>
-            <a:off x="1981200" y="1775192"/>
-            <a:ext cx="4495800" cy="4625609"/>
+            <a:off x="990600" y="1690688"/>
+            <a:ext cx="5257800" cy="4625609"/>
           </a:xfrm>
         </p:spPr>
         <p:txBody>
@@ -21040,18 +21251,18 @@
 </file>
 
 <file path=customXml/item2.xml><?xml version="1.0" encoding="utf-8"?>
+<p:properties xmlns:p="http://schemas.microsoft.com/office/2006/metadata/properties" xmlns:xsi="http://www.w3.org/2001/XMLSchema-instance" xmlns:pc="http://schemas.microsoft.com/office/infopath/2007/PartnerControls">
+  <documentManagement/>
+</p:properties>
+</file>
+
+<file path=customXml/item3.xml><?xml version="1.0" encoding="utf-8"?>
 <?mso-contentType ?>
 <FormTemplates xmlns="http://schemas.microsoft.com/sharepoint/v3/contenttype/forms">
   <Display>DocumentLibraryForm</Display>
   <Edit>DocumentLibraryForm</Edit>
   <New>DocumentLibraryForm</New>
 </FormTemplates>
-</file>
-
-<file path=customXml/item3.xml><?xml version="1.0" encoding="utf-8"?>
-<p:properties xmlns:p="http://schemas.microsoft.com/office/2006/metadata/properties" xmlns:xsi="http://www.w3.org/2001/XMLSchema-instance" xmlns:pc="http://schemas.microsoft.com/office/infopath/2007/PartnerControls">
-  <documentManagement/>
-</p:properties>
 </file>
 
 <file path=customXml/itemProps1.xml><?xml version="1.0" encoding="utf-8"?>
@@ -21071,18 +21282,18 @@
 </file>
 
 <file path=customXml/itemProps2.xml><?xml version="1.0" encoding="utf-8"?>
-<ds:datastoreItem xmlns:ds="http://schemas.openxmlformats.org/officeDocument/2006/customXml" ds:itemID="{5E60DA82-F298-4C61-A5B5-247E3F9E524D}">
-  <ds:schemaRefs>
-    <ds:schemaRef ds:uri="http://schemas.microsoft.com/sharepoint/v3/contenttype/forms"/>
-  </ds:schemaRefs>
-</ds:datastoreItem>
-</file>
-
-<file path=customXml/itemProps3.xml><?xml version="1.0" encoding="utf-8"?>
 <ds:datastoreItem xmlns:ds="http://schemas.openxmlformats.org/officeDocument/2006/customXml" ds:itemID="{9AC1766B-B3F5-4F42-8D20-7E7B2DE9B786}">
   <ds:schemaRefs>
     <ds:schemaRef ds:uri="http://schemas.microsoft.com/office/2006/metadata/properties"/>
     <ds:schemaRef ds:uri="http://schemas.microsoft.com/office/infopath/2007/PartnerControls"/>
   </ds:schemaRefs>
 </ds:datastoreItem>
+</file>
+
+<file path=customXml/itemProps3.xml><?xml version="1.0" encoding="utf-8"?>
+<ds:datastoreItem xmlns:ds="http://schemas.openxmlformats.org/officeDocument/2006/customXml" ds:itemID="{5E60DA82-F298-4C61-A5B5-247E3F9E524D}">
+  <ds:schemaRefs>
+    <ds:schemaRef ds:uri="http://schemas.microsoft.com/sharepoint/v3/contenttype/forms"/>
+  </ds:schemaRefs>
+</ds:datastoreItem>
 </file>